--- a/Cybersecurity/Fondamenti_di_Cybersicurezza.pptx
+++ b/Cybersecurity/Fondamenti_di_Cybersicurezza.pptx
@@ -5,7 +5,7 @@
     <p:sldMasterId id="2147483648" r:id="rId5"/>
   </p:sldMasterIdLst>
   <p:notesMasterIdLst>
-    <p:notesMasterId r:id="rId12"/>
+    <p:notesMasterId r:id="rId33"/>
   </p:notesMasterIdLst>
   <p:sldIdLst>
     <p:sldId id="256" r:id="rId6"/>
@@ -13,7 +13,28 @@
     <p:sldId id="363" r:id="rId8"/>
     <p:sldId id="364" r:id="rId9"/>
     <p:sldId id="365" r:id="rId10"/>
-    <p:sldId id="343" r:id="rId11"/>
+    <p:sldId id="371" r:id="rId11"/>
+    <p:sldId id="372" r:id="rId12"/>
+    <p:sldId id="373" r:id="rId13"/>
+    <p:sldId id="374" r:id="rId14"/>
+    <p:sldId id="375" r:id="rId15"/>
+    <p:sldId id="376" r:id="rId16"/>
+    <p:sldId id="377" r:id="rId17"/>
+    <p:sldId id="378" r:id="rId18"/>
+    <p:sldId id="379" r:id="rId19"/>
+    <p:sldId id="380" r:id="rId20"/>
+    <p:sldId id="386" r:id="rId21"/>
+    <p:sldId id="381" r:id="rId22"/>
+    <p:sldId id="382" r:id="rId23"/>
+    <p:sldId id="383" r:id="rId24"/>
+    <p:sldId id="384" r:id="rId25"/>
+    <p:sldId id="385" r:id="rId26"/>
+    <p:sldId id="366" r:id="rId27"/>
+    <p:sldId id="367" r:id="rId28"/>
+    <p:sldId id="369" r:id="rId29"/>
+    <p:sldId id="368" r:id="rId30"/>
+    <p:sldId id="370" r:id="rId31"/>
+    <p:sldId id="343" r:id="rId32"/>
   </p:sldIdLst>
   <p:sldSz cx="12192000" cy="6858000"/>
   <p:notesSz cx="6858000" cy="9144000"/>
@@ -271,7 +292,7 @@
               <a:pPr>
                 <a:defRPr/>
               </a:pPr>
-              <a:t>12/15/2022</a:t>
+              <a:t>6/17/2023</a:t>
             </a:fld>
             <a:endParaRPr lang="en-US"/>
           </a:p>
@@ -6785,6 +6806,3314 @@
 </p:sld>
 </file>
 
+<file path=ppt/slides/slide10.xml><?xml version="1.0" encoding="utf-8"?>
+<p:sld xmlns:a="http://schemas.openxmlformats.org/drawingml/2006/main" xmlns:r="http://schemas.openxmlformats.org/officeDocument/2006/relationships" xmlns:p="http://schemas.openxmlformats.org/presentationml/2006/main">
+  <p:cSld>
+    <p:spTree>
+      <p:nvGrpSpPr>
+        <p:cNvPr id="1" name=""/>
+        <p:cNvGrpSpPr/>
+        <p:nvPr/>
+      </p:nvGrpSpPr>
+      <p:grpSpPr>
+        <a:xfrm>
+          <a:off x="0" y="0"/>
+          <a:ext cx="0" cy="0"/>
+          <a:chOff x="0" y="0"/>
+          <a:chExt cx="0" cy="0"/>
+        </a:xfrm>
+      </p:grpSpPr>
+      <p:sp>
+        <p:nvSpPr>
+          <p:cNvPr id="2" name="Segnaposto testo 1">
+            <a:extLst>
+              <a:ext uri="{FF2B5EF4-FFF2-40B4-BE49-F238E27FC236}">
+                <a16:creationId xmlns:a16="http://schemas.microsoft.com/office/drawing/2014/main" id="{E5AE986C-196F-4141-A898-FA4C4198CDCC}"/>
+              </a:ext>
+            </a:extLst>
+          </p:cNvPr>
+          <p:cNvSpPr>
+            <a:spLocks noGrp="1"/>
+          </p:cNvSpPr>
+          <p:nvPr>
+            <p:ph type="body" idx="1"/>
+          </p:nvPr>
+        </p:nvSpPr>
+        <p:spPr>
+          <a:xfrm>
+            <a:off x="721777" y="1401434"/>
+            <a:ext cx="6976881" cy="4392612"/>
+          </a:xfrm>
+        </p:spPr>
+        <p:txBody>
+          <a:bodyPr/>
+          <a:lstStyle/>
+          <a:p>
+            <a:pPr marL="342900" indent="-342900">
+              <a:buFont typeface="Arial" panose="020B0604020202020204" pitchFamily="34" charset="0"/>
+              <a:buChar char="•"/>
+            </a:pPr>
+            <a:r>
+              <a:rPr lang="it-IT" sz="2400" b="1" dirty="0" err="1" smtClean="0">
+                <a:solidFill>
+                  <a:schemeClr val="tx1"/>
+                </a:solidFill>
+                <a:latin typeface="Tahoma" panose="020B0604030504040204" pitchFamily="34" charset="0"/>
+                <a:ea typeface="Tahoma" panose="020B0604030504040204" pitchFamily="34" charset="0"/>
+                <a:cs typeface="Tahoma" panose="020B0604030504040204" pitchFamily="34" charset="0"/>
+              </a:rPr>
+              <a:t>Endpoint</a:t>
+            </a:r>
+            <a:r>
+              <a:rPr lang="it-IT" sz="2400" dirty="0" smtClean="0">
+                <a:solidFill>
+                  <a:schemeClr val="tx1"/>
+                </a:solidFill>
+                <a:latin typeface="Tahoma" panose="020B0604030504040204" pitchFamily="34" charset="0"/>
+                <a:ea typeface="Tahoma" panose="020B0604030504040204" pitchFamily="34" charset="0"/>
+                <a:cs typeface="Tahoma" panose="020B0604030504040204" pitchFamily="34" charset="0"/>
+              </a:rPr>
+              <a:t> </a:t>
+            </a:r>
+            <a:r>
+              <a:rPr lang="it-IT" sz="2400" b="1" dirty="0" err="1">
+                <a:solidFill>
+                  <a:schemeClr val="tx1"/>
+                </a:solidFill>
+                <a:latin typeface="Tahoma" panose="020B0604030504040204" pitchFamily="34" charset="0"/>
+                <a:ea typeface="Tahoma" panose="020B0604030504040204" pitchFamily="34" charset="0"/>
+                <a:cs typeface="Tahoma" panose="020B0604030504040204" pitchFamily="34" charset="0"/>
+              </a:rPr>
+              <a:t>Protection</a:t>
+            </a:r>
+            <a:r>
+              <a:rPr lang="it-IT" sz="2400" dirty="0">
+                <a:solidFill>
+                  <a:schemeClr val="tx1"/>
+                </a:solidFill>
+                <a:latin typeface="Tahoma" panose="020B0604030504040204" pitchFamily="34" charset="0"/>
+                <a:ea typeface="Tahoma" panose="020B0604030504040204" pitchFamily="34" charset="0"/>
+                <a:cs typeface="Tahoma" panose="020B0604030504040204" pitchFamily="34" charset="0"/>
+              </a:rPr>
+              <a:t>: L'</a:t>
+            </a:r>
+            <a:r>
+              <a:rPr lang="it-IT" sz="2400" dirty="0" err="1">
+                <a:solidFill>
+                  <a:schemeClr val="tx1"/>
+                </a:solidFill>
+                <a:latin typeface="Tahoma" panose="020B0604030504040204" pitchFamily="34" charset="0"/>
+                <a:ea typeface="Tahoma" panose="020B0604030504040204" pitchFamily="34" charset="0"/>
+                <a:cs typeface="Tahoma" panose="020B0604030504040204" pitchFamily="34" charset="0"/>
+              </a:rPr>
+              <a:t>Endpoint</a:t>
+            </a:r>
+            <a:r>
+              <a:rPr lang="it-IT" sz="2400" dirty="0">
+                <a:solidFill>
+                  <a:schemeClr val="tx1"/>
+                </a:solidFill>
+                <a:latin typeface="Tahoma" panose="020B0604030504040204" pitchFamily="34" charset="0"/>
+                <a:ea typeface="Tahoma" panose="020B0604030504040204" pitchFamily="34" charset="0"/>
+                <a:cs typeface="Tahoma" panose="020B0604030504040204" pitchFamily="34" charset="0"/>
+              </a:rPr>
+              <a:t> </a:t>
+            </a:r>
+            <a:r>
+              <a:rPr lang="it-IT" sz="2400" dirty="0" err="1">
+                <a:solidFill>
+                  <a:schemeClr val="tx1"/>
+                </a:solidFill>
+                <a:latin typeface="Tahoma" panose="020B0604030504040204" pitchFamily="34" charset="0"/>
+                <a:ea typeface="Tahoma" panose="020B0604030504040204" pitchFamily="34" charset="0"/>
+                <a:cs typeface="Tahoma" panose="020B0604030504040204" pitchFamily="34" charset="0"/>
+              </a:rPr>
+              <a:t>Protection</a:t>
+            </a:r>
+            <a:r>
+              <a:rPr lang="it-IT" sz="2400" dirty="0">
+                <a:solidFill>
+                  <a:schemeClr val="tx1"/>
+                </a:solidFill>
+                <a:latin typeface="Tahoma" panose="020B0604030504040204" pitchFamily="34" charset="0"/>
+                <a:ea typeface="Tahoma" panose="020B0604030504040204" pitchFamily="34" charset="0"/>
+                <a:cs typeface="Tahoma" panose="020B0604030504040204" pitchFamily="34" charset="0"/>
+              </a:rPr>
+              <a:t>, noto anche come </a:t>
+            </a:r>
+            <a:r>
+              <a:rPr lang="it-IT" sz="2400" b="1" dirty="0" err="1">
+                <a:solidFill>
+                  <a:schemeClr val="tx1"/>
+                </a:solidFill>
+                <a:latin typeface="Tahoma" panose="020B0604030504040204" pitchFamily="34" charset="0"/>
+                <a:ea typeface="Tahoma" panose="020B0604030504040204" pitchFamily="34" charset="0"/>
+                <a:cs typeface="Tahoma" panose="020B0604030504040204" pitchFamily="34" charset="0"/>
+              </a:rPr>
+              <a:t>Endpoint</a:t>
+            </a:r>
+            <a:r>
+              <a:rPr lang="it-IT" sz="2400" dirty="0">
+                <a:solidFill>
+                  <a:schemeClr val="tx1"/>
+                </a:solidFill>
+                <a:latin typeface="Tahoma" panose="020B0604030504040204" pitchFamily="34" charset="0"/>
+                <a:ea typeface="Tahoma" panose="020B0604030504040204" pitchFamily="34" charset="0"/>
+                <a:cs typeface="Tahoma" panose="020B0604030504040204" pitchFamily="34" charset="0"/>
+              </a:rPr>
+              <a:t> </a:t>
+            </a:r>
+            <a:r>
+              <a:rPr lang="it-IT" sz="2400" b="1" dirty="0">
+                <a:solidFill>
+                  <a:schemeClr val="tx1"/>
+                </a:solidFill>
+                <a:latin typeface="Tahoma" panose="020B0604030504040204" pitchFamily="34" charset="0"/>
+                <a:ea typeface="Tahoma" panose="020B0604030504040204" pitchFamily="34" charset="0"/>
+                <a:cs typeface="Tahoma" panose="020B0604030504040204" pitchFamily="34" charset="0"/>
+              </a:rPr>
+              <a:t>Security</a:t>
+            </a:r>
+            <a:r>
+              <a:rPr lang="it-IT" sz="2400" dirty="0">
+                <a:solidFill>
+                  <a:schemeClr val="tx1"/>
+                </a:solidFill>
+                <a:latin typeface="Tahoma" panose="020B0604030504040204" pitchFamily="34" charset="0"/>
+                <a:ea typeface="Tahoma" panose="020B0604030504040204" pitchFamily="34" charset="0"/>
+                <a:cs typeface="Tahoma" panose="020B0604030504040204" pitchFamily="34" charset="0"/>
+              </a:rPr>
+              <a:t>, si riferisce alle soluzioni di sicurezza installate sui dispositivi finali, come computer, laptop, </a:t>
+            </a:r>
+            <a:r>
+              <a:rPr lang="it-IT" sz="2400" dirty="0" err="1">
+                <a:solidFill>
+                  <a:schemeClr val="tx1"/>
+                </a:solidFill>
+                <a:latin typeface="Tahoma" panose="020B0604030504040204" pitchFamily="34" charset="0"/>
+                <a:ea typeface="Tahoma" panose="020B0604030504040204" pitchFamily="34" charset="0"/>
+                <a:cs typeface="Tahoma" panose="020B0604030504040204" pitchFamily="34" charset="0"/>
+              </a:rPr>
+              <a:t>smartphone</a:t>
+            </a:r>
+            <a:r>
+              <a:rPr lang="it-IT" sz="2400" dirty="0">
+                <a:solidFill>
+                  <a:schemeClr val="tx1"/>
+                </a:solidFill>
+                <a:latin typeface="Tahoma" panose="020B0604030504040204" pitchFamily="34" charset="0"/>
+                <a:ea typeface="Tahoma" panose="020B0604030504040204" pitchFamily="34" charset="0"/>
+                <a:cs typeface="Tahoma" panose="020B0604030504040204" pitchFamily="34" charset="0"/>
+              </a:rPr>
+              <a:t> e </a:t>
+            </a:r>
+            <a:r>
+              <a:rPr lang="it-IT" sz="2400" dirty="0" err="1">
+                <a:solidFill>
+                  <a:schemeClr val="tx1"/>
+                </a:solidFill>
+                <a:latin typeface="Tahoma" panose="020B0604030504040204" pitchFamily="34" charset="0"/>
+                <a:ea typeface="Tahoma" panose="020B0604030504040204" pitchFamily="34" charset="0"/>
+                <a:cs typeface="Tahoma" panose="020B0604030504040204" pitchFamily="34" charset="0"/>
+              </a:rPr>
+              <a:t>tablet</a:t>
+            </a:r>
+            <a:r>
+              <a:rPr lang="it-IT" sz="2400" dirty="0">
+                <a:solidFill>
+                  <a:schemeClr val="tx1"/>
+                </a:solidFill>
+                <a:latin typeface="Tahoma" panose="020B0604030504040204" pitchFamily="34" charset="0"/>
+                <a:ea typeface="Tahoma" panose="020B0604030504040204" pitchFamily="34" charset="0"/>
+                <a:cs typeface="Tahoma" panose="020B0604030504040204" pitchFamily="34" charset="0"/>
+              </a:rPr>
+              <a:t>. Queste soluzioni includono funzionalità come </a:t>
+            </a:r>
+            <a:r>
+              <a:rPr lang="it-IT" sz="2400" b="1" dirty="0">
+                <a:solidFill>
+                  <a:schemeClr val="tx1"/>
+                </a:solidFill>
+                <a:latin typeface="Tahoma" panose="020B0604030504040204" pitchFamily="34" charset="0"/>
+                <a:ea typeface="Tahoma" panose="020B0604030504040204" pitchFamily="34" charset="0"/>
+                <a:cs typeface="Tahoma" panose="020B0604030504040204" pitchFamily="34" charset="0"/>
+              </a:rPr>
+              <a:t>antivirus</a:t>
+            </a:r>
+            <a:r>
+              <a:rPr lang="it-IT" sz="2400" dirty="0">
+                <a:solidFill>
+                  <a:schemeClr val="tx1"/>
+                </a:solidFill>
+                <a:latin typeface="Tahoma" panose="020B0604030504040204" pitchFamily="34" charset="0"/>
+                <a:ea typeface="Tahoma" panose="020B0604030504040204" pitchFamily="34" charset="0"/>
+                <a:cs typeface="Tahoma" panose="020B0604030504040204" pitchFamily="34" charset="0"/>
+              </a:rPr>
+              <a:t>, </a:t>
+            </a:r>
+            <a:r>
+              <a:rPr lang="it-IT" sz="2400" b="1" dirty="0" err="1">
+                <a:solidFill>
+                  <a:schemeClr val="tx1"/>
+                </a:solidFill>
+                <a:latin typeface="Tahoma" panose="020B0604030504040204" pitchFamily="34" charset="0"/>
+                <a:ea typeface="Tahoma" panose="020B0604030504040204" pitchFamily="34" charset="0"/>
+                <a:cs typeface="Tahoma" panose="020B0604030504040204" pitchFamily="34" charset="0"/>
+              </a:rPr>
+              <a:t>antispyware</a:t>
+            </a:r>
+            <a:r>
+              <a:rPr lang="it-IT" sz="2400" dirty="0">
+                <a:solidFill>
+                  <a:schemeClr val="tx1"/>
+                </a:solidFill>
+                <a:latin typeface="Tahoma" panose="020B0604030504040204" pitchFamily="34" charset="0"/>
+                <a:ea typeface="Tahoma" panose="020B0604030504040204" pitchFamily="34" charset="0"/>
+                <a:cs typeface="Tahoma" panose="020B0604030504040204" pitchFamily="34" charset="0"/>
+              </a:rPr>
+              <a:t>, </a:t>
+            </a:r>
+            <a:r>
+              <a:rPr lang="it-IT" sz="2400" b="1" dirty="0">
+                <a:solidFill>
+                  <a:schemeClr val="tx1"/>
+                </a:solidFill>
+                <a:latin typeface="Tahoma" panose="020B0604030504040204" pitchFamily="34" charset="0"/>
+                <a:ea typeface="Tahoma" panose="020B0604030504040204" pitchFamily="34" charset="0"/>
+                <a:cs typeface="Tahoma" panose="020B0604030504040204" pitchFamily="34" charset="0"/>
+              </a:rPr>
+              <a:t>firewall</a:t>
+            </a:r>
+            <a:r>
+              <a:rPr lang="it-IT" sz="2400" dirty="0">
+                <a:solidFill>
+                  <a:schemeClr val="tx1"/>
+                </a:solidFill>
+                <a:latin typeface="Tahoma" panose="020B0604030504040204" pitchFamily="34" charset="0"/>
+                <a:ea typeface="Tahoma" panose="020B0604030504040204" pitchFamily="34" charset="0"/>
+                <a:cs typeface="Tahoma" panose="020B0604030504040204" pitchFamily="34" charset="0"/>
+              </a:rPr>
+              <a:t> </a:t>
+            </a:r>
+            <a:r>
+              <a:rPr lang="it-IT" sz="2400" b="1" dirty="0">
+                <a:solidFill>
+                  <a:schemeClr val="tx1"/>
+                </a:solidFill>
+                <a:latin typeface="Tahoma" panose="020B0604030504040204" pitchFamily="34" charset="0"/>
+                <a:ea typeface="Tahoma" panose="020B0604030504040204" pitchFamily="34" charset="0"/>
+                <a:cs typeface="Tahoma" panose="020B0604030504040204" pitchFamily="34" charset="0"/>
+              </a:rPr>
+              <a:t>personale</a:t>
+            </a:r>
+            <a:r>
+              <a:rPr lang="it-IT" sz="2400" dirty="0">
+                <a:solidFill>
+                  <a:schemeClr val="tx1"/>
+                </a:solidFill>
+                <a:latin typeface="Tahoma" panose="020B0604030504040204" pitchFamily="34" charset="0"/>
+                <a:ea typeface="Tahoma" panose="020B0604030504040204" pitchFamily="34" charset="0"/>
+                <a:cs typeface="Tahoma" panose="020B0604030504040204" pitchFamily="34" charset="0"/>
+              </a:rPr>
+              <a:t>, </a:t>
+            </a:r>
+            <a:r>
+              <a:rPr lang="it-IT" sz="2400" b="1" dirty="0">
+                <a:solidFill>
+                  <a:schemeClr val="tx1"/>
+                </a:solidFill>
+                <a:latin typeface="Tahoma" panose="020B0604030504040204" pitchFamily="34" charset="0"/>
+                <a:ea typeface="Tahoma" panose="020B0604030504040204" pitchFamily="34" charset="0"/>
+                <a:cs typeface="Tahoma" panose="020B0604030504040204" pitchFamily="34" charset="0"/>
+              </a:rPr>
+              <a:t>rilevamento</a:t>
+            </a:r>
+            <a:r>
+              <a:rPr lang="it-IT" sz="2400" dirty="0">
+                <a:solidFill>
+                  <a:schemeClr val="tx1"/>
+                </a:solidFill>
+                <a:latin typeface="Tahoma" panose="020B0604030504040204" pitchFamily="34" charset="0"/>
+                <a:ea typeface="Tahoma" panose="020B0604030504040204" pitchFamily="34" charset="0"/>
+                <a:cs typeface="Tahoma" panose="020B0604030504040204" pitchFamily="34" charset="0"/>
+              </a:rPr>
+              <a:t> </a:t>
+            </a:r>
+            <a:r>
+              <a:rPr lang="it-IT" sz="2400" b="1" dirty="0">
+                <a:solidFill>
+                  <a:schemeClr val="tx1"/>
+                </a:solidFill>
+                <a:latin typeface="Tahoma" panose="020B0604030504040204" pitchFamily="34" charset="0"/>
+                <a:ea typeface="Tahoma" panose="020B0604030504040204" pitchFamily="34" charset="0"/>
+                <a:cs typeface="Tahoma" panose="020B0604030504040204" pitchFamily="34" charset="0"/>
+              </a:rPr>
+              <a:t>delle</a:t>
+            </a:r>
+            <a:r>
+              <a:rPr lang="it-IT" sz="2400" dirty="0">
+                <a:solidFill>
+                  <a:schemeClr val="tx1"/>
+                </a:solidFill>
+                <a:latin typeface="Tahoma" panose="020B0604030504040204" pitchFamily="34" charset="0"/>
+                <a:ea typeface="Tahoma" panose="020B0604030504040204" pitchFamily="34" charset="0"/>
+                <a:cs typeface="Tahoma" panose="020B0604030504040204" pitchFamily="34" charset="0"/>
+              </a:rPr>
+              <a:t> </a:t>
+            </a:r>
+            <a:r>
+              <a:rPr lang="it-IT" sz="2400" b="1" dirty="0">
+                <a:solidFill>
+                  <a:schemeClr val="tx1"/>
+                </a:solidFill>
+                <a:latin typeface="Tahoma" panose="020B0604030504040204" pitchFamily="34" charset="0"/>
+                <a:ea typeface="Tahoma" panose="020B0604030504040204" pitchFamily="34" charset="0"/>
+                <a:cs typeface="Tahoma" panose="020B0604030504040204" pitchFamily="34" charset="0"/>
+              </a:rPr>
+              <a:t>intrusioni</a:t>
+            </a:r>
+            <a:r>
+              <a:rPr lang="it-IT" sz="2400" dirty="0">
+                <a:solidFill>
+                  <a:schemeClr val="tx1"/>
+                </a:solidFill>
+                <a:latin typeface="Tahoma" panose="020B0604030504040204" pitchFamily="34" charset="0"/>
+                <a:ea typeface="Tahoma" panose="020B0604030504040204" pitchFamily="34" charset="0"/>
+                <a:cs typeface="Tahoma" panose="020B0604030504040204" pitchFamily="34" charset="0"/>
+              </a:rPr>
+              <a:t> e </a:t>
+            </a:r>
+            <a:r>
+              <a:rPr lang="it-IT" sz="2400" b="1" dirty="0">
+                <a:solidFill>
+                  <a:schemeClr val="tx1"/>
+                </a:solidFill>
+                <a:latin typeface="Tahoma" panose="020B0604030504040204" pitchFamily="34" charset="0"/>
+                <a:ea typeface="Tahoma" panose="020B0604030504040204" pitchFamily="34" charset="0"/>
+                <a:cs typeface="Tahoma" panose="020B0604030504040204" pitchFamily="34" charset="0"/>
+              </a:rPr>
+              <a:t>protezione</a:t>
+            </a:r>
+            <a:r>
+              <a:rPr lang="it-IT" sz="2400" dirty="0">
+                <a:solidFill>
+                  <a:schemeClr val="tx1"/>
+                </a:solidFill>
+                <a:latin typeface="Tahoma" panose="020B0604030504040204" pitchFamily="34" charset="0"/>
+                <a:ea typeface="Tahoma" panose="020B0604030504040204" pitchFamily="34" charset="0"/>
+                <a:cs typeface="Tahoma" panose="020B0604030504040204" pitchFamily="34" charset="0"/>
+              </a:rPr>
+              <a:t> </a:t>
+            </a:r>
+            <a:r>
+              <a:rPr lang="it-IT" sz="2400" b="1" dirty="0">
+                <a:solidFill>
+                  <a:schemeClr val="tx1"/>
+                </a:solidFill>
+                <a:latin typeface="Tahoma" panose="020B0604030504040204" pitchFamily="34" charset="0"/>
+                <a:ea typeface="Tahoma" panose="020B0604030504040204" pitchFamily="34" charset="0"/>
+                <a:cs typeface="Tahoma" panose="020B0604030504040204" pitchFamily="34" charset="0"/>
+              </a:rPr>
+              <a:t>delle</a:t>
+            </a:r>
+            <a:r>
+              <a:rPr lang="it-IT" sz="2400" dirty="0">
+                <a:solidFill>
+                  <a:schemeClr val="tx1"/>
+                </a:solidFill>
+                <a:latin typeface="Tahoma" panose="020B0604030504040204" pitchFamily="34" charset="0"/>
+                <a:ea typeface="Tahoma" panose="020B0604030504040204" pitchFamily="34" charset="0"/>
+                <a:cs typeface="Tahoma" panose="020B0604030504040204" pitchFamily="34" charset="0"/>
+              </a:rPr>
+              <a:t> </a:t>
+            </a:r>
+            <a:r>
+              <a:rPr lang="it-IT" sz="2400" b="1" dirty="0">
+                <a:solidFill>
+                  <a:schemeClr val="tx1"/>
+                </a:solidFill>
+                <a:latin typeface="Tahoma" panose="020B0604030504040204" pitchFamily="34" charset="0"/>
+                <a:ea typeface="Tahoma" panose="020B0604030504040204" pitchFamily="34" charset="0"/>
+                <a:cs typeface="Tahoma" panose="020B0604030504040204" pitchFamily="34" charset="0"/>
+              </a:rPr>
+              <a:t>applicazioni</a:t>
+            </a:r>
+            <a:r>
+              <a:rPr lang="it-IT" sz="2400" dirty="0">
+                <a:solidFill>
+                  <a:schemeClr val="tx1"/>
+                </a:solidFill>
+                <a:latin typeface="Tahoma" panose="020B0604030504040204" pitchFamily="34" charset="0"/>
+                <a:ea typeface="Tahoma" panose="020B0604030504040204" pitchFamily="34" charset="0"/>
+                <a:cs typeface="Tahoma" panose="020B0604030504040204" pitchFamily="34" charset="0"/>
+              </a:rPr>
+              <a:t>. L'</a:t>
+            </a:r>
+            <a:r>
+              <a:rPr lang="it-IT" sz="2400" dirty="0" err="1">
+                <a:solidFill>
+                  <a:schemeClr val="tx1"/>
+                </a:solidFill>
+                <a:latin typeface="Tahoma" panose="020B0604030504040204" pitchFamily="34" charset="0"/>
+                <a:ea typeface="Tahoma" panose="020B0604030504040204" pitchFamily="34" charset="0"/>
+                <a:cs typeface="Tahoma" panose="020B0604030504040204" pitchFamily="34" charset="0"/>
+              </a:rPr>
+              <a:t>Endpoint</a:t>
+            </a:r>
+            <a:r>
+              <a:rPr lang="it-IT" sz="2400" dirty="0">
+                <a:solidFill>
+                  <a:schemeClr val="tx1"/>
+                </a:solidFill>
+                <a:latin typeface="Tahoma" panose="020B0604030504040204" pitchFamily="34" charset="0"/>
+                <a:ea typeface="Tahoma" panose="020B0604030504040204" pitchFamily="34" charset="0"/>
+                <a:cs typeface="Tahoma" panose="020B0604030504040204" pitchFamily="34" charset="0"/>
+              </a:rPr>
+              <a:t> </a:t>
+            </a:r>
+            <a:r>
+              <a:rPr lang="it-IT" sz="2400" dirty="0" err="1">
+                <a:solidFill>
+                  <a:schemeClr val="tx1"/>
+                </a:solidFill>
+                <a:latin typeface="Tahoma" panose="020B0604030504040204" pitchFamily="34" charset="0"/>
+                <a:ea typeface="Tahoma" panose="020B0604030504040204" pitchFamily="34" charset="0"/>
+                <a:cs typeface="Tahoma" panose="020B0604030504040204" pitchFamily="34" charset="0"/>
+              </a:rPr>
+              <a:t>Protection</a:t>
+            </a:r>
+            <a:r>
+              <a:rPr lang="it-IT" sz="2400" dirty="0">
+                <a:solidFill>
+                  <a:schemeClr val="tx1"/>
+                </a:solidFill>
+                <a:latin typeface="Tahoma" panose="020B0604030504040204" pitchFamily="34" charset="0"/>
+                <a:ea typeface="Tahoma" panose="020B0604030504040204" pitchFamily="34" charset="0"/>
+                <a:cs typeface="Tahoma" panose="020B0604030504040204" pitchFamily="34" charset="0"/>
+              </a:rPr>
+              <a:t> mira a proteggere i dispositivi dagli attacchi </a:t>
+            </a:r>
+            <a:r>
+              <a:rPr lang="it-IT" sz="2400" b="1" dirty="0" err="1">
+                <a:solidFill>
+                  <a:schemeClr val="tx1"/>
+                </a:solidFill>
+                <a:latin typeface="Tahoma" panose="020B0604030504040204" pitchFamily="34" charset="0"/>
+                <a:ea typeface="Tahoma" panose="020B0604030504040204" pitchFamily="34" charset="0"/>
+                <a:cs typeface="Tahoma" panose="020B0604030504040204" pitchFamily="34" charset="0"/>
+              </a:rPr>
+              <a:t>malware</a:t>
+            </a:r>
+            <a:r>
+              <a:rPr lang="it-IT" sz="2400" dirty="0">
+                <a:solidFill>
+                  <a:schemeClr val="tx1"/>
+                </a:solidFill>
+                <a:latin typeface="Tahoma" panose="020B0604030504040204" pitchFamily="34" charset="0"/>
+                <a:ea typeface="Tahoma" panose="020B0604030504040204" pitchFamily="34" charset="0"/>
+                <a:cs typeface="Tahoma" panose="020B0604030504040204" pitchFamily="34" charset="0"/>
+              </a:rPr>
+              <a:t>, </a:t>
+            </a:r>
+            <a:r>
+              <a:rPr lang="it-IT" sz="2400" b="1" dirty="0" err="1">
+                <a:solidFill>
+                  <a:schemeClr val="tx1"/>
+                </a:solidFill>
+                <a:latin typeface="Tahoma" panose="020B0604030504040204" pitchFamily="34" charset="0"/>
+                <a:ea typeface="Tahoma" panose="020B0604030504040204" pitchFamily="34" charset="0"/>
+                <a:cs typeface="Tahoma" panose="020B0604030504040204" pitchFamily="34" charset="0"/>
+              </a:rPr>
+              <a:t>phishing</a:t>
+            </a:r>
+            <a:r>
+              <a:rPr lang="it-IT" sz="2400" dirty="0">
+                <a:solidFill>
+                  <a:schemeClr val="tx1"/>
+                </a:solidFill>
+                <a:latin typeface="Tahoma" panose="020B0604030504040204" pitchFamily="34" charset="0"/>
+                <a:ea typeface="Tahoma" panose="020B0604030504040204" pitchFamily="34" charset="0"/>
+                <a:cs typeface="Tahoma" panose="020B0604030504040204" pitchFamily="34" charset="0"/>
+              </a:rPr>
+              <a:t> e altre minacce informatiche, oltre a garantire la sicurezza dei dati e la conformità alle politiche di sicurezza dell'organizzazione.</a:t>
+            </a:r>
+          </a:p>
+        </p:txBody>
+      </p:sp>
+      <p:sp>
+        <p:nvSpPr>
+          <p:cNvPr id="7" name="Segnaposto numero diapositiva 6">
+            <a:extLst>
+              <a:ext uri="{FF2B5EF4-FFF2-40B4-BE49-F238E27FC236}">
+                <a16:creationId xmlns:a16="http://schemas.microsoft.com/office/drawing/2014/main" id="{AB740BE9-E218-4144-BFDE-AE473D230A3D}"/>
+              </a:ext>
+            </a:extLst>
+          </p:cNvPr>
+          <p:cNvSpPr>
+            <a:spLocks noGrp="1"/>
+          </p:cNvSpPr>
+          <p:nvPr>
+            <p:ph type="sldNum" sz="quarter" idx="12"/>
+          </p:nvPr>
+        </p:nvSpPr>
+        <p:spPr/>
+        <p:txBody>
+          <a:bodyPr/>
+          <a:lstStyle/>
+          <a:p>
+            <a:pPr>
+              <a:defRPr/>
+            </a:pPr>
+            <a:fld id="{48B4153A-D4C5-4CEF-8992-0D8815C829E3}" type="slidenum">
+              <a:rPr lang="en-US" smtClean="0"/>
+              <a:pPr>
+                <a:defRPr/>
+              </a:pPr>
+              <a:t>10</a:t>
+            </a:fld>
+            <a:endParaRPr lang="en-US" dirty="0"/>
+          </a:p>
+        </p:txBody>
+      </p:sp>
+      <p:sp>
+        <p:nvSpPr>
+          <p:cNvPr id="5" name="Titolo 4">
+            <a:extLst>
+              <a:ext uri="{FF2B5EF4-FFF2-40B4-BE49-F238E27FC236}">
+                <a16:creationId xmlns:a16="http://schemas.microsoft.com/office/drawing/2014/main" id="{82C46BA2-B380-4357-B125-BA9F08A643F5}"/>
+              </a:ext>
+            </a:extLst>
+          </p:cNvPr>
+          <p:cNvSpPr>
+            <a:spLocks noGrp="1"/>
+          </p:cNvSpPr>
+          <p:nvPr>
+            <p:ph type="title"/>
+          </p:nvPr>
+        </p:nvSpPr>
+        <p:spPr>
+          <a:xfrm>
+            <a:off x="468895" y="503475"/>
+            <a:ext cx="11269308" cy="384721"/>
+          </a:xfrm>
+        </p:spPr>
+        <p:txBody>
+          <a:bodyPr/>
+          <a:lstStyle/>
+          <a:p>
+            <a:r>
+              <a:rPr lang="it-IT" dirty="0" smtClean="0"/>
+              <a:t>Sistemi </a:t>
+            </a:r>
+            <a:r>
+              <a:rPr lang="it-IT" dirty="0"/>
+              <a:t>di sicurezza (IPS/IDS, Firewall, WAF, </a:t>
+            </a:r>
+            <a:r>
+              <a:rPr lang="it-IT" dirty="0" err="1"/>
+              <a:t>Endpoint</a:t>
+            </a:r>
+            <a:r>
+              <a:rPr lang="it-IT" dirty="0"/>
+              <a:t> </a:t>
+            </a:r>
+            <a:r>
+              <a:rPr lang="it-IT" dirty="0" err="1"/>
+              <a:t>protection</a:t>
+            </a:r>
+            <a:r>
+              <a:rPr lang="it-IT" dirty="0"/>
+              <a:t>…</a:t>
+            </a:r>
+            <a:endParaRPr lang="it-IT" dirty="0"/>
+          </a:p>
+        </p:txBody>
+      </p:sp>
+      <p:pic>
+        <p:nvPicPr>
+          <p:cNvPr id="3" name="Immagine 2"/>
+          <p:cNvPicPr>
+            <a:picLocks noChangeAspect="1"/>
+          </p:cNvPicPr>
+          <p:nvPr/>
+        </p:nvPicPr>
+        <p:blipFill>
+          <a:blip r:embed="rId2">
+            <a:extLst>
+              <a:ext uri="{28A0092B-C50C-407E-A947-70E740481C1C}">
+                <a14:useLocalDpi xmlns:a14="http://schemas.microsoft.com/office/drawing/2010/main" val="0"/>
+              </a:ext>
+            </a:extLst>
+          </a:blip>
+          <a:stretch>
+            <a:fillRect/>
+          </a:stretch>
+        </p:blipFill>
+        <p:spPr>
+          <a:xfrm>
+            <a:off x="7698658" y="2240384"/>
+            <a:ext cx="4206368" cy="2469267"/>
+          </a:xfrm>
+          <a:prstGeom prst="rect">
+            <a:avLst/>
+          </a:prstGeom>
+        </p:spPr>
+      </p:pic>
+    </p:spTree>
+    <p:extLst>
+      <p:ext uri="{BB962C8B-B14F-4D97-AF65-F5344CB8AC3E}">
+        <p14:creationId xmlns:p14="http://schemas.microsoft.com/office/powerpoint/2010/main" val="880217756"/>
+      </p:ext>
+    </p:extLst>
+  </p:cSld>
+  <p:clrMapOvr>
+    <a:masterClrMapping/>
+  </p:clrMapOvr>
+</p:sld>
+</file>
+
+<file path=ppt/slides/slide11.xml><?xml version="1.0" encoding="utf-8"?>
+<p:sld xmlns:a="http://schemas.openxmlformats.org/drawingml/2006/main" xmlns:r="http://schemas.openxmlformats.org/officeDocument/2006/relationships" xmlns:p="http://schemas.openxmlformats.org/presentationml/2006/main">
+  <p:cSld>
+    <p:spTree>
+      <p:nvGrpSpPr>
+        <p:cNvPr id="1" name=""/>
+        <p:cNvGrpSpPr/>
+        <p:nvPr/>
+      </p:nvGrpSpPr>
+      <p:grpSpPr>
+        <a:xfrm>
+          <a:off x="0" y="0"/>
+          <a:ext cx="0" cy="0"/>
+          <a:chOff x="0" y="0"/>
+          <a:chExt cx="0" cy="0"/>
+        </a:xfrm>
+      </p:grpSpPr>
+      <p:sp>
+        <p:nvSpPr>
+          <p:cNvPr id="2" name="Segnaposto testo 1">
+            <a:extLst>
+              <a:ext uri="{FF2B5EF4-FFF2-40B4-BE49-F238E27FC236}">
+                <a16:creationId xmlns:a16="http://schemas.microsoft.com/office/drawing/2014/main" id="{E5AE986C-196F-4141-A898-FA4C4198CDCC}"/>
+              </a:ext>
+            </a:extLst>
+          </p:cNvPr>
+          <p:cNvSpPr>
+            <a:spLocks noGrp="1"/>
+          </p:cNvSpPr>
+          <p:nvPr>
+            <p:ph type="body" idx="1"/>
+          </p:nvPr>
+        </p:nvSpPr>
+        <p:spPr>
+          <a:xfrm>
+            <a:off x="721777" y="1401434"/>
+            <a:ext cx="6229629" cy="4392612"/>
+          </a:xfrm>
+        </p:spPr>
+        <p:txBody>
+          <a:bodyPr/>
+          <a:lstStyle/>
+          <a:p>
+            <a:pPr marL="342900" indent="-342900">
+              <a:buFont typeface="Arial" panose="020B0604020202020204" pitchFamily="34" charset="0"/>
+              <a:buChar char="•"/>
+            </a:pPr>
+            <a:r>
+              <a:rPr lang="it-IT" sz="2400" b="1" dirty="0" smtClean="0">
+                <a:solidFill>
+                  <a:schemeClr val="tx1"/>
+                </a:solidFill>
+                <a:latin typeface="Tahoma" panose="020B0604030504040204" pitchFamily="34" charset="0"/>
+                <a:ea typeface="Tahoma" panose="020B0604030504040204" pitchFamily="34" charset="0"/>
+                <a:cs typeface="Tahoma" panose="020B0604030504040204" pitchFamily="34" charset="0"/>
+              </a:rPr>
+              <a:t>VPN</a:t>
+            </a:r>
+            <a:r>
+              <a:rPr lang="it-IT" sz="2400" dirty="0" smtClean="0">
+                <a:solidFill>
+                  <a:schemeClr val="tx1"/>
+                </a:solidFill>
+                <a:latin typeface="Tahoma" panose="020B0604030504040204" pitchFamily="34" charset="0"/>
+                <a:ea typeface="Tahoma" panose="020B0604030504040204" pitchFamily="34" charset="0"/>
+                <a:cs typeface="Tahoma" panose="020B0604030504040204" pitchFamily="34" charset="0"/>
+              </a:rPr>
+              <a:t> </a:t>
+            </a:r>
+            <a:r>
+              <a:rPr lang="it-IT" sz="2400" dirty="0">
+                <a:solidFill>
+                  <a:schemeClr val="tx1"/>
+                </a:solidFill>
+                <a:latin typeface="Tahoma" panose="020B0604030504040204" pitchFamily="34" charset="0"/>
+                <a:ea typeface="Tahoma" panose="020B0604030504040204" pitchFamily="34" charset="0"/>
+                <a:cs typeface="Tahoma" panose="020B0604030504040204" pitchFamily="34" charset="0"/>
+              </a:rPr>
+              <a:t>(Virtual Private Network): Una VPN è una rete privata virtuale che consente di creare una connessione </a:t>
+            </a:r>
+            <a:r>
+              <a:rPr lang="it-IT" sz="2400" b="1" dirty="0">
+                <a:solidFill>
+                  <a:schemeClr val="tx1"/>
+                </a:solidFill>
+                <a:latin typeface="Tahoma" panose="020B0604030504040204" pitchFamily="34" charset="0"/>
+                <a:ea typeface="Tahoma" panose="020B0604030504040204" pitchFamily="34" charset="0"/>
+                <a:cs typeface="Tahoma" panose="020B0604030504040204" pitchFamily="34" charset="0"/>
+              </a:rPr>
+              <a:t>sicura</a:t>
+            </a:r>
+            <a:r>
+              <a:rPr lang="it-IT" sz="2400" dirty="0">
+                <a:solidFill>
+                  <a:schemeClr val="tx1"/>
+                </a:solidFill>
+                <a:latin typeface="Tahoma" panose="020B0604030504040204" pitchFamily="34" charset="0"/>
+                <a:ea typeface="Tahoma" panose="020B0604030504040204" pitchFamily="34" charset="0"/>
+                <a:cs typeface="Tahoma" panose="020B0604030504040204" pitchFamily="34" charset="0"/>
+              </a:rPr>
+              <a:t> e </a:t>
+            </a:r>
+            <a:r>
+              <a:rPr lang="it-IT" sz="2400" b="1" dirty="0">
+                <a:solidFill>
+                  <a:schemeClr val="tx1"/>
+                </a:solidFill>
+                <a:latin typeface="Tahoma" panose="020B0604030504040204" pitchFamily="34" charset="0"/>
+                <a:ea typeface="Tahoma" panose="020B0604030504040204" pitchFamily="34" charset="0"/>
+                <a:cs typeface="Tahoma" panose="020B0604030504040204" pitchFamily="34" charset="0"/>
+              </a:rPr>
+              <a:t>crittografata</a:t>
+            </a:r>
+            <a:r>
+              <a:rPr lang="it-IT" sz="2400" dirty="0">
+                <a:solidFill>
+                  <a:schemeClr val="tx1"/>
+                </a:solidFill>
+                <a:latin typeface="Tahoma" panose="020B0604030504040204" pitchFamily="34" charset="0"/>
+                <a:ea typeface="Tahoma" panose="020B0604030504040204" pitchFamily="34" charset="0"/>
+                <a:cs typeface="Tahoma" panose="020B0604030504040204" pitchFamily="34" charset="0"/>
+              </a:rPr>
+              <a:t> su una rete pubblica, come Internet. </a:t>
+            </a:r>
+            <a:r>
+              <a:rPr lang="it-IT" sz="2400" dirty="0">
+                <a:solidFill>
+                  <a:schemeClr val="tx1"/>
+                </a:solidFill>
+                <a:latin typeface="Tahoma" panose="020B0604030504040204" pitchFamily="34" charset="0"/>
+                <a:ea typeface="Tahoma" panose="020B0604030504040204" pitchFamily="34" charset="0"/>
+                <a:cs typeface="Tahoma" panose="020B0604030504040204" pitchFamily="34" charset="0"/>
+              </a:rPr>
+              <a:t>Le </a:t>
+            </a:r>
+            <a:r>
+              <a:rPr lang="it-IT" sz="2400" b="1" dirty="0">
+                <a:solidFill>
+                  <a:schemeClr val="tx1"/>
+                </a:solidFill>
+                <a:latin typeface="Tahoma" panose="020B0604030504040204" pitchFamily="34" charset="0"/>
+                <a:ea typeface="Tahoma" panose="020B0604030504040204" pitchFamily="34" charset="0"/>
+                <a:cs typeface="Tahoma" panose="020B0604030504040204" pitchFamily="34" charset="0"/>
+              </a:rPr>
+              <a:t>VPN</a:t>
+            </a:r>
+            <a:r>
+              <a:rPr lang="it-IT" sz="2400" dirty="0">
+                <a:solidFill>
+                  <a:schemeClr val="tx1"/>
+                </a:solidFill>
+                <a:latin typeface="Tahoma" panose="020B0604030504040204" pitchFamily="34" charset="0"/>
+                <a:ea typeface="Tahoma" panose="020B0604030504040204" pitchFamily="34" charset="0"/>
+                <a:cs typeface="Tahoma" panose="020B0604030504040204" pitchFamily="34" charset="0"/>
+              </a:rPr>
+              <a:t> vengono utilizzate per proteggere la privacy e la sicurezza delle comunicazioni, consentendo agli utenti di accedere in modo sicuro alle risorse di rete da posizioni remote e di crittografare il traffico di rete per prevenire l'intercettazione e l'accesso non autorizzato.</a:t>
+            </a:r>
+          </a:p>
+        </p:txBody>
+      </p:sp>
+      <p:sp>
+        <p:nvSpPr>
+          <p:cNvPr id="7" name="Segnaposto numero diapositiva 6">
+            <a:extLst>
+              <a:ext uri="{FF2B5EF4-FFF2-40B4-BE49-F238E27FC236}">
+                <a16:creationId xmlns:a16="http://schemas.microsoft.com/office/drawing/2014/main" id="{AB740BE9-E218-4144-BFDE-AE473D230A3D}"/>
+              </a:ext>
+            </a:extLst>
+          </p:cNvPr>
+          <p:cNvSpPr>
+            <a:spLocks noGrp="1"/>
+          </p:cNvSpPr>
+          <p:nvPr>
+            <p:ph type="sldNum" sz="quarter" idx="12"/>
+          </p:nvPr>
+        </p:nvSpPr>
+        <p:spPr/>
+        <p:txBody>
+          <a:bodyPr/>
+          <a:lstStyle/>
+          <a:p>
+            <a:pPr>
+              <a:defRPr/>
+            </a:pPr>
+            <a:fld id="{48B4153A-D4C5-4CEF-8992-0D8815C829E3}" type="slidenum">
+              <a:rPr lang="en-US" smtClean="0"/>
+              <a:pPr>
+                <a:defRPr/>
+              </a:pPr>
+              <a:t>11</a:t>
+            </a:fld>
+            <a:endParaRPr lang="en-US" dirty="0"/>
+          </a:p>
+        </p:txBody>
+      </p:sp>
+      <p:sp>
+        <p:nvSpPr>
+          <p:cNvPr id="5" name="Titolo 4">
+            <a:extLst>
+              <a:ext uri="{FF2B5EF4-FFF2-40B4-BE49-F238E27FC236}">
+                <a16:creationId xmlns:a16="http://schemas.microsoft.com/office/drawing/2014/main" id="{82C46BA2-B380-4357-B125-BA9F08A643F5}"/>
+              </a:ext>
+            </a:extLst>
+          </p:cNvPr>
+          <p:cNvSpPr>
+            <a:spLocks noGrp="1"/>
+          </p:cNvSpPr>
+          <p:nvPr>
+            <p:ph type="title"/>
+          </p:nvPr>
+        </p:nvSpPr>
+        <p:spPr>
+          <a:xfrm>
+            <a:off x="468895" y="503475"/>
+            <a:ext cx="11269308" cy="384721"/>
+          </a:xfrm>
+        </p:spPr>
+        <p:txBody>
+          <a:bodyPr/>
+          <a:lstStyle/>
+          <a:p>
+            <a:r>
+              <a:rPr lang="it-IT" dirty="0" smtClean="0"/>
+              <a:t>Altri Sistemi </a:t>
+            </a:r>
+            <a:r>
+              <a:rPr lang="it-IT" dirty="0"/>
+              <a:t>di </a:t>
+            </a:r>
+            <a:r>
+              <a:rPr lang="it-IT" dirty="0" smtClean="0"/>
+              <a:t>Sicurezza (VPN, SIEM, DLP, HIDS/NIDS…) </a:t>
+            </a:r>
+            <a:endParaRPr lang="it-IT" dirty="0"/>
+          </a:p>
+        </p:txBody>
+      </p:sp>
+      <p:pic>
+        <p:nvPicPr>
+          <p:cNvPr id="4" name="Immagine 3"/>
+          <p:cNvPicPr>
+            <a:picLocks noChangeAspect="1"/>
+          </p:cNvPicPr>
+          <p:nvPr/>
+        </p:nvPicPr>
+        <p:blipFill>
+          <a:blip r:embed="rId2">
+            <a:extLst>
+              <a:ext uri="{28A0092B-C50C-407E-A947-70E740481C1C}">
+                <a14:useLocalDpi xmlns:a14="http://schemas.microsoft.com/office/drawing/2010/main" val="0"/>
+              </a:ext>
+            </a:extLst>
+          </a:blip>
+          <a:stretch>
+            <a:fillRect/>
+          </a:stretch>
+        </p:blipFill>
+        <p:spPr>
+          <a:xfrm>
+            <a:off x="7363701" y="2029439"/>
+            <a:ext cx="4490429" cy="3240651"/>
+          </a:xfrm>
+          <a:prstGeom prst="rect">
+            <a:avLst/>
+          </a:prstGeom>
+        </p:spPr>
+      </p:pic>
+    </p:spTree>
+    <p:extLst>
+      <p:ext uri="{BB962C8B-B14F-4D97-AF65-F5344CB8AC3E}">
+        <p14:creationId xmlns:p14="http://schemas.microsoft.com/office/powerpoint/2010/main" val="875165849"/>
+      </p:ext>
+    </p:extLst>
+  </p:cSld>
+  <p:clrMapOvr>
+    <a:masterClrMapping/>
+  </p:clrMapOvr>
+</p:sld>
+</file>
+
+<file path=ppt/slides/slide12.xml><?xml version="1.0" encoding="utf-8"?>
+<p:sld xmlns:a="http://schemas.openxmlformats.org/drawingml/2006/main" xmlns:r="http://schemas.openxmlformats.org/officeDocument/2006/relationships" xmlns:p="http://schemas.openxmlformats.org/presentationml/2006/main">
+  <p:cSld>
+    <p:spTree>
+      <p:nvGrpSpPr>
+        <p:cNvPr id="1" name=""/>
+        <p:cNvGrpSpPr/>
+        <p:nvPr/>
+      </p:nvGrpSpPr>
+      <p:grpSpPr>
+        <a:xfrm>
+          <a:off x="0" y="0"/>
+          <a:ext cx="0" cy="0"/>
+          <a:chOff x="0" y="0"/>
+          <a:chExt cx="0" cy="0"/>
+        </a:xfrm>
+      </p:grpSpPr>
+      <p:sp>
+        <p:nvSpPr>
+          <p:cNvPr id="2" name="Segnaposto testo 1">
+            <a:extLst>
+              <a:ext uri="{FF2B5EF4-FFF2-40B4-BE49-F238E27FC236}">
+                <a16:creationId xmlns:a16="http://schemas.microsoft.com/office/drawing/2014/main" id="{E5AE986C-196F-4141-A898-FA4C4198CDCC}"/>
+              </a:ext>
+            </a:extLst>
+          </p:cNvPr>
+          <p:cNvSpPr>
+            <a:spLocks noGrp="1"/>
+          </p:cNvSpPr>
+          <p:nvPr>
+            <p:ph type="body" idx="1"/>
+          </p:nvPr>
+        </p:nvSpPr>
+        <p:spPr>
+          <a:xfrm>
+            <a:off x="721777" y="1401434"/>
+            <a:ext cx="5443049" cy="4392612"/>
+          </a:xfrm>
+        </p:spPr>
+        <p:txBody>
+          <a:bodyPr/>
+          <a:lstStyle/>
+          <a:p>
+            <a:pPr marL="342900" indent="-342900">
+              <a:buFont typeface="Arial" panose="020B0604020202020204" pitchFamily="34" charset="0"/>
+              <a:buChar char="•"/>
+            </a:pPr>
+            <a:r>
+              <a:rPr lang="it-IT" sz="2400" b="1" dirty="0" smtClean="0">
+                <a:solidFill>
+                  <a:schemeClr val="tx1"/>
+                </a:solidFill>
+                <a:latin typeface="Tahoma" panose="020B0604030504040204" pitchFamily="34" charset="0"/>
+                <a:ea typeface="Tahoma" panose="020B0604030504040204" pitchFamily="34" charset="0"/>
+                <a:cs typeface="Tahoma" panose="020B0604030504040204" pitchFamily="34" charset="0"/>
+              </a:rPr>
+              <a:t>SIEM</a:t>
+            </a:r>
+            <a:r>
+              <a:rPr lang="it-IT" sz="2400" dirty="0" smtClean="0">
+                <a:solidFill>
+                  <a:schemeClr val="tx1"/>
+                </a:solidFill>
+                <a:latin typeface="Tahoma" panose="020B0604030504040204" pitchFamily="34" charset="0"/>
+                <a:ea typeface="Tahoma" panose="020B0604030504040204" pitchFamily="34" charset="0"/>
+                <a:cs typeface="Tahoma" panose="020B0604030504040204" pitchFamily="34" charset="0"/>
+              </a:rPr>
+              <a:t> </a:t>
+            </a:r>
+            <a:r>
+              <a:rPr lang="it-IT" sz="2400" dirty="0">
+                <a:solidFill>
+                  <a:schemeClr val="tx1"/>
+                </a:solidFill>
+                <a:latin typeface="Tahoma" panose="020B0604030504040204" pitchFamily="34" charset="0"/>
+                <a:ea typeface="Tahoma" panose="020B0604030504040204" pitchFamily="34" charset="0"/>
+                <a:cs typeface="Tahoma" panose="020B0604030504040204" pitchFamily="34" charset="0"/>
+              </a:rPr>
+              <a:t>(Security Information and </a:t>
+            </a:r>
+            <a:r>
+              <a:rPr lang="it-IT" sz="2400" dirty="0" err="1">
+                <a:solidFill>
+                  <a:schemeClr val="tx1"/>
+                </a:solidFill>
+                <a:latin typeface="Tahoma" panose="020B0604030504040204" pitchFamily="34" charset="0"/>
+                <a:ea typeface="Tahoma" panose="020B0604030504040204" pitchFamily="34" charset="0"/>
+                <a:cs typeface="Tahoma" panose="020B0604030504040204" pitchFamily="34" charset="0"/>
+              </a:rPr>
+              <a:t>Event</a:t>
+            </a:r>
+            <a:r>
+              <a:rPr lang="it-IT" sz="2400" dirty="0">
+                <a:solidFill>
+                  <a:schemeClr val="tx1"/>
+                </a:solidFill>
+                <a:latin typeface="Tahoma" panose="020B0604030504040204" pitchFamily="34" charset="0"/>
+                <a:ea typeface="Tahoma" panose="020B0604030504040204" pitchFamily="34" charset="0"/>
+                <a:cs typeface="Tahoma" panose="020B0604030504040204" pitchFamily="34" charset="0"/>
+              </a:rPr>
+              <a:t> Management): Il SIEM è una piattaforma di gestione delle informazioni e degli eventi di sicurezza che raccoglie, analizza e correla i dati da diverse fonti all'interno di un'infrastruttura IT. Il SIEM aiuta a identificare attività sospette o anomalie di sicurezza, genera avvisi in tempo reale e consente di analizzare i dati per rilevare e rispondere agli incidenti di sicurezza.</a:t>
+            </a:r>
+          </a:p>
+        </p:txBody>
+      </p:sp>
+      <p:sp>
+        <p:nvSpPr>
+          <p:cNvPr id="7" name="Segnaposto numero diapositiva 6">
+            <a:extLst>
+              <a:ext uri="{FF2B5EF4-FFF2-40B4-BE49-F238E27FC236}">
+                <a16:creationId xmlns:a16="http://schemas.microsoft.com/office/drawing/2014/main" id="{AB740BE9-E218-4144-BFDE-AE473D230A3D}"/>
+              </a:ext>
+            </a:extLst>
+          </p:cNvPr>
+          <p:cNvSpPr>
+            <a:spLocks noGrp="1"/>
+          </p:cNvSpPr>
+          <p:nvPr>
+            <p:ph type="sldNum" sz="quarter" idx="12"/>
+          </p:nvPr>
+        </p:nvSpPr>
+        <p:spPr/>
+        <p:txBody>
+          <a:bodyPr/>
+          <a:lstStyle/>
+          <a:p>
+            <a:pPr>
+              <a:defRPr/>
+            </a:pPr>
+            <a:fld id="{48B4153A-D4C5-4CEF-8992-0D8815C829E3}" type="slidenum">
+              <a:rPr lang="en-US" smtClean="0"/>
+              <a:pPr>
+                <a:defRPr/>
+              </a:pPr>
+              <a:t>12</a:t>
+            </a:fld>
+            <a:endParaRPr lang="en-US" dirty="0"/>
+          </a:p>
+        </p:txBody>
+      </p:sp>
+      <p:sp>
+        <p:nvSpPr>
+          <p:cNvPr id="5" name="Titolo 4">
+            <a:extLst>
+              <a:ext uri="{FF2B5EF4-FFF2-40B4-BE49-F238E27FC236}">
+                <a16:creationId xmlns:a16="http://schemas.microsoft.com/office/drawing/2014/main" id="{82C46BA2-B380-4357-B125-BA9F08A643F5}"/>
+              </a:ext>
+            </a:extLst>
+          </p:cNvPr>
+          <p:cNvSpPr>
+            <a:spLocks noGrp="1"/>
+          </p:cNvSpPr>
+          <p:nvPr>
+            <p:ph type="title"/>
+          </p:nvPr>
+        </p:nvSpPr>
+        <p:spPr>
+          <a:xfrm>
+            <a:off x="468895" y="503475"/>
+            <a:ext cx="11269308" cy="384721"/>
+          </a:xfrm>
+        </p:spPr>
+        <p:txBody>
+          <a:bodyPr/>
+          <a:lstStyle/>
+          <a:p>
+            <a:r>
+              <a:rPr lang="it-IT" dirty="0" smtClean="0"/>
+              <a:t>Altri Sistemi </a:t>
+            </a:r>
+            <a:r>
+              <a:rPr lang="it-IT" dirty="0"/>
+              <a:t>di </a:t>
+            </a:r>
+            <a:r>
+              <a:rPr lang="it-IT" dirty="0" smtClean="0"/>
+              <a:t>Sicurezza (VPN, SIEM, DLP, HIDS/NIDS…) </a:t>
+            </a:r>
+            <a:endParaRPr lang="it-IT" dirty="0"/>
+          </a:p>
+        </p:txBody>
+      </p:sp>
+      <p:pic>
+        <p:nvPicPr>
+          <p:cNvPr id="3" name="Immagine 2"/>
+          <p:cNvPicPr>
+            <a:picLocks noChangeAspect="1"/>
+          </p:cNvPicPr>
+          <p:nvPr/>
+        </p:nvPicPr>
+        <p:blipFill>
+          <a:blip r:embed="rId2">
+            <a:extLst>
+              <a:ext uri="{28A0092B-C50C-407E-A947-70E740481C1C}">
+                <a14:useLocalDpi xmlns:a14="http://schemas.microsoft.com/office/drawing/2010/main" val="0"/>
+              </a:ext>
+            </a:extLst>
+          </a:blip>
+          <a:stretch>
+            <a:fillRect/>
+          </a:stretch>
+        </p:blipFill>
+        <p:spPr>
+          <a:xfrm>
+            <a:off x="6164825" y="1539976"/>
+            <a:ext cx="5627833" cy="3779275"/>
+          </a:xfrm>
+          <a:prstGeom prst="rect">
+            <a:avLst/>
+          </a:prstGeom>
+        </p:spPr>
+      </p:pic>
+    </p:spTree>
+    <p:extLst>
+      <p:ext uri="{BB962C8B-B14F-4D97-AF65-F5344CB8AC3E}">
+        <p14:creationId xmlns:p14="http://schemas.microsoft.com/office/powerpoint/2010/main" val="3018090126"/>
+      </p:ext>
+    </p:extLst>
+  </p:cSld>
+  <p:clrMapOvr>
+    <a:masterClrMapping/>
+  </p:clrMapOvr>
+</p:sld>
+</file>
+
+<file path=ppt/slides/slide13.xml><?xml version="1.0" encoding="utf-8"?>
+<p:sld xmlns:a="http://schemas.openxmlformats.org/drawingml/2006/main" xmlns:r="http://schemas.openxmlformats.org/officeDocument/2006/relationships" xmlns:p="http://schemas.openxmlformats.org/presentationml/2006/main">
+  <p:cSld>
+    <p:spTree>
+      <p:nvGrpSpPr>
+        <p:cNvPr id="1" name=""/>
+        <p:cNvGrpSpPr/>
+        <p:nvPr/>
+      </p:nvGrpSpPr>
+      <p:grpSpPr>
+        <a:xfrm>
+          <a:off x="0" y="0"/>
+          <a:ext cx="0" cy="0"/>
+          <a:chOff x="0" y="0"/>
+          <a:chExt cx="0" cy="0"/>
+        </a:xfrm>
+      </p:grpSpPr>
+      <p:sp>
+        <p:nvSpPr>
+          <p:cNvPr id="2" name="Segnaposto testo 1">
+            <a:extLst>
+              <a:ext uri="{FF2B5EF4-FFF2-40B4-BE49-F238E27FC236}">
+                <a16:creationId xmlns:a16="http://schemas.microsoft.com/office/drawing/2014/main" id="{E5AE986C-196F-4141-A898-FA4C4198CDCC}"/>
+              </a:ext>
+            </a:extLst>
+          </p:cNvPr>
+          <p:cNvSpPr>
+            <a:spLocks noGrp="1"/>
+          </p:cNvSpPr>
+          <p:nvPr>
+            <p:ph type="body" idx="1"/>
+          </p:nvPr>
+        </p:nvSpPr>
+        <p:spPr>
+          <a:xfrm>
+            <a:off x="574293" y="1238864"/>
+            <a:ext cx="11163909" cy="3286820"/>
+          </a:xfrm>
+        </p:spPr>
+        <p:txBody>
+          <a:bodyPr/>
+          <a:lstStyle/>
+          <a:p>
+            <a:pPr marL="342900" indent="-342900">
+              <a:buFont typeface="Arial" panose="020B0604020202020204" pitchFamily="34" charset="0"/>
+              <a:buChar char="•"/>
+            </a:pPr>
+            <a:r>
+              <a:rPr lang="it-IT" sz="2400" b="1" dirty="0" smtClean="0">
+                <a:solidFill>
+                  <a:schemeClr val="tx1"/>
+                </a:solidFill>
+                <a:latin typeface="Tahoma" panose="020B0604030504040204" pitchFamily="34" charset="0"/>
+                <a:ea typeface="Tahoma" panose="020B0604030504040204" pitchFamily="34" charset="0"/>
+                <a:cs typeface="Tahoma" panose="020B0604030504040204" pitchFamily="34" charset="0"/>
+              </a:rPr>
+              <a:t>DLP</a:t>
+            </a:r>
+            <a:r>
+              <a:rPr lang="it-IT" sz="2400" dirty="0" smtClean="0">
+                <a:solidFill>
+                  <a:schemeClr val="tx1"/>
+                </a:solidFill>
+                <a:latin typeface="Tahoma" panose="020B0604030504040204" pitchFamily="34" charset="0"/>
+                <a:ea typeface="Tahoma" panose="020B0604030504040204" pitchFamily="34" charset="0"/>
+                <a:cs typeface="Tahoma" panose="020B0604030504040204" pitchFamily="34" charset="0"/>
+              </a:rPr>
+              <a:t> </a:t>
+            </a:r>
+            <a:r>
+              <a:rPr lang="it-IT" sz="2400" dirty="0">
+                <a:solidFill>
+                  <a:schemeClr val="tx1"/>
+                </a:solidFill>
+                <a:latin typeface="Tahoma" panose="020B0604030504040204" pitchFamily="34" charset="0"/>
+                <a:ea typeface="Tahoma" panose="020B0604030504040204" pitchFamily="34" charset="0"/>
+                <a:cs typeface="Tahoma" panose="020B0604030504040204" pitchFamily="34" charset="0"/>
+              </a:rPr>
+              <a:t>(Data </a:t>
+            </a:r>
+            <a:r>
+              <a:rPr lang="it-IT" sz="2400" dirty="0" err="1">
+                <a:solidFill>
+                  <a:schemeClr val="tx1"/>
+                </a:solidFill>
+                <a:latin typeface="Tahoma" panose="020B0604030504040204" pitchFamily="34" charset="0"/>
+                <a:ea typeface="Tahoma" panose="020B0604030504040204" pitchFamily="34" charset="0"/>
+                <a:cs typeface="Tahoma" panose="020B0604030504040204" pitchFamily="34" charset="0"/>
+              </a:rPr>
+              <a:t>Loss</a:t>
+            </a:r>
+            <a:r>
+              <a:rPr lang="it-IT" sz="2400" dirty="0">
+                <a:solidFill>
+                  <a:schemeClr val="tx1"/>
+                </a:solidFill>
+                <a:latin typeface="Tahoma" panose="020B0604030504040204" pitchFamily="34" charset="0"/>
+                <a:ea typeface="Tahoma" panose="020B0604030504040204" pitchFamily="34" charset="0"/>
+                <a:cs typeface="Tahoma" panose="020B0604030504040204" pitchFamily="34" charset="0"/>
+              </a:rPr>
+              <a:t> </a:t>
+            </a:r>
+            <a:r>
+              <a:rPr lang="it-IT" sz="2400" dirty="0" err="1">
+                <a:solidFill>
+                  <a:schemeClr val="tx1"/>
+                </a:solidFill>
+                <a:latin typeface="Tahoma" panose="020B0604030504040204" pitchFamily="34" charset="0"/>
+                <a:ea typeface="Tahoma" panose="020B0604030504040204" pitchFamily="34" charset="0"/>
+                <a:cs typeface="Tahoma" panose="020B0604030504040204" pitchFamily="34" charset="0"/>
+              </a:rPr>
+              <a:t>Prevention</a:t>
+            </a:r>
+            <a:r>
+              <a:rPr lang="it-IT" sz="2400" dirty="0">
+                <a:solidFill>
+                  <a:schemeClr val="tx1"/>
+                </a:solidFill>
+                <a:latin typeface="Tahoma" panose="020B0604030504040204" pitchFamily="34" charset="0"/>
+                <a:ea typeface="Tahoma" panose="020B0604030504040204" pitchFamily="34" charset="0"/>
+                <a:cs typeface="Tahoma" panose="020B0604030504040204" pitchFamily="34" charset="0"/>
+              </a:rPr>
+              <a:t>): La soluzione </a:t>
+            </a:r>
+            <a:r>
+              <a:rPr lang="it-IT" sz="2400" b="1" dirty="0">
+                <a:solidFill>
+                  <a:schemeClr val="tx1"/>
+                </a:solidFill>
+                <a:latin typeface="Tahoma" panose="020B0604030504040204" pitchFamily="34" charset="0"/>
+                <a:ea typeface="Tahoma" panose="020B0604030504040204" pitchFamily="34" charset="0"/>
+                <a:cs typeface="Tahoma" panose="020B0604030504040204" pitchFamily="34" charset="0"/>
+              </a:rPr>
+              <a:t>DLP</a:t>
+            </a:r>
+            <a:r>
+              <a:rPr lang="it-IT" sz="2400" dirty="0">
+                <a:solidFill>
+                  <a:schemeClr val="tx1"/>
+                </a:solidFill>
+                <a:latin typeface="Tahoma" panose="020B0604030504040204" pitchFamily="34" charset="0"/>
+                <a:ea typeface="Tahoma" panose="020B0604030504040204" pitchFamily="34" charset="0"/>
+                <a:cs typeface="Tahoma" panose="020B0604030504040204" pitchFamily="34" charset="0"/>
+              </a:rPr>
+              <a:t> è progettata per prevenire la perdita o la divulgazione non autorizzata di dati sensibili. Utilizza tecnologie come il monitoraggio del traffico di rete, la scansione dei dati in movimento e a riposo, la classificazione dei dati e le politiche di protezione per individuare e bloccare le potenziali violazioni di dati sensibili, come la divulgazione di informazioni personali o confidenziali.</a:t>
+            </a:r>
+          </a:p>
+        </p:txBody>
+      </p:sp>
+      <p:sp>
+        <p:nvSpPr>
+          <p:cNvPr id="7" name="Segnaposto numero diapositiva 6">
+            <a:extLst>
+              <a:ext uri="{FF2B5EF4-FFF2-40B4-BE49-F238E27FC236}">
+                <a16:creationId xmlns:a16="http://schemas.microsoft.com/office/drawing/2014/main" id="{AB740BE9-E218-4144-BFDE-AE473D230A3D}"/>
+              </a:ext>
+            </a:extLst>
+          </p:cNvPr>
+          <p:cNvSpPr>
+            <a:spLocks noGrp="1"/>
+          </p:cNvSpPr>
+          <p:nvPr>
+            <p:ph type="sldNum" sz="quarter" idx="12"/>
+          </p:nvPr>
+        </p:nvSpPr>
+        <p:spPr/>
+        <p:txBody>
+          <a:bodyPr/>
+          <a:lstStyle/>
+          <a:p>
+            <a:pPr>
+              <a:defRPr/>
+            </a:pPr>
+            <a:fld id="{48B4153A-D4C5-4CEF-8992-0D8815C829E3}" type="slidenum">
+              <a:rPr lang="en-US" smtClean="0"/>
+              <a:pPr>
+                <a:defRPr/>
+              </a:pPr>
+              <a:t>13</a:t>
+            </a:fld>
+            <a:endParaRPr lang="en-US" dirty="0"/>
+          </a:p>
+        </p:txBody>
+      </p:sp>
+      <p:sp>
+        <p:nvSpPr>
+          <p:cNvPr id="5" name="Titolo 4">
+            <a:extLst>
+              <a:ext uri="{FF2B5EF4-FFF2-40B4-BE49-F238E27FC236}">
+                <a16:creationId xmlns:a16="http://schemas.microsoft.com/office/drawing/2014/main" id="{82C46BA2-B380-4357-B125-BA9F08A643F5}"/>
+              </a:ext>
+            </a:extLst>
+          </p:cNvPr>
+          <p:cNvSpPr>
+            <a:spLocks noGrp="1"/>
+          </p:cNvSpPr>
+          <p:nvPr>
+            <p:ph type="title"/>
+          </p:nvPr>
+        </p:nvSpPr>
+        <p:spPr>
+          <a:xfrm>
+            <a:off x="468895" y="503475"/>
+            <a:ext cx="11269308" cy="384721"/>
+          </a:xfrm>
+        </p:spPr>
+        <p:txBody>
+          <a:bodyPr/>
+          <a:lstStyle/>
+          <a:p>
+            <a:r>
+              <a:rPr lang="it-IT" dirty="0" smtClean="0"/>
+              <a:t>Altri Sistemi </a:t>
+            </a:r>
+            <a:r>
+              <a:rPr lang="it-IT" dirty="0"/>
+              <a:t>di </a:t>
+            </a:r>
+            <a:r>
+              <a:rPr lang="it-IT" dirty="0" smtClean="0"/>
+              <a:t>Sicurezza (VPN, SIEM, DLP, HIDS/NIDS…) </a:t>
+            </a:r>
+            <a:endParaRPr lang="it-IT" dirty="0"/>
+          </a:p>
+        </p:txBody>
+      </p:sp>
+      <p:pic>
+        <p:nvPicPr>
+          <p:cNvPr id="3" name="Immagine 2"/>
+          <p:cNvPicPr>
+            <a:picLocks noChangeAspect="1"/>
+          </p:cNvPicPr>
+          <p:nvPr/>
+        </p:nvPicPr>
+        <p:blipFill>
+          <a:blip r:embed="rId2">
+            <a:extLst>
+              <a:ext uri="{28A0092B-C50C-407E-A947-70E740481C1C}">
+                <a14:useLocalDpi xmlns:a14="http://schemas.microsoft.com/office/drawing/2010/main" val="0"/>
+              </a:ext>
+            </a:extLst>
+          </a:blip>
+          <a:stretch>
+            <a:fillRect/>
+          </a:stretch>
+        </p:blipFill>
+        <p:spPr>
+          <a:xfrm>
+            <a:off x="3313471" y="3334033"/>
+            <a:ext cx="7599260" cy="3325059"/>
+          </a:xfrm>
+          <a:prstGeom prst="rect">
+            <a:avLst/>
+          </a:prstGeom>
+        </p:spPr>
+      </p:pic>
+    </p:spTree>
+    <p:extLst>
+      <p:ext uri="{BB962C8B-B14F-4D97-AF65-F5344CB8AC3E}">
+        <p14:creationId xmlns:p14="http://schemas.microsoft.com/office/powerpoint/2010/main" val="3898979367"/>
+      </p:ext>
+    </p:extLst>
+  </p:cSld>
+  <p:clrMapOvr>
+    <a:masterClrMapping/>
+  </p:clrMapOvr>
+</p:sld>
+</file>
+
+<file path=ppt/slides/slide14.xml><?xml version="1.0" encoding="utf-8"?>
+<p:sld xmlns:a="http://schemas.openxmlformats.org/drawingml/2006/main" xmlns:r="http://schemas.openxmlformats.org/officeDocument/2006/relationships" xmlns:p="http://schemas.openxmlformats.org/presentationml/2006/main">
+  <p:cSld>
+    <p:spTree>
+      <p:nvGrpSpPr>
+        <p:cNvPr id="1" name=""/>
+        <p:cNvGrpSpPr/>
+        <p:nvPr/>
+      </p:nvGrpSpPr>
+      <p:grpSpPr>
+        <a:xfrm>
+          <a:off x="0" y="0"/>
+          <a:ext cx="0" cy="0"/>
+          <a:chOff x="0" y="0"/>
+          <a:chExt cx="0" cy="0"/>
+        </a:xfrm>
+      </p:grpSpPr>
+      <p:sp>
+        <p:nvSpPr>
+          <p:cNvPr id="2" name="Segnaposto testo 1">
+            <a:extLst>
+              <a:ext uri="{FF2B5EF4-FFF2-40B4-BE49-F238E27FC236}">
+                <a16:creationId xmlns:a16="http://schemas.microsoft.com/office/drawing/2014/main" id="{E5AE986C-196F-4141-A898-FA4C4198CDCC}"/>
+              </a:ext>
+            </a:extLst>
+          </p:cNvPr>
+          <p:cNvSpPr>
+            <a:spLocks noGrp="1"/>
+          </p:cNvSpPr>
+          <p:nvPr>
+            <p:ph type="body" idx="1"/>
+          </p:nvPr>
+        </p:nvSpPr>
+        <p:spPr>
+          <a:xfrm>
+            <a:off x="721777" y="1401434"/>
+            <a:ext cx="6229629" cy="4392612"/>
+          </a:xfrm>
+        </p:spPr>
+        <p:txBody>
+          <a:bodyPr/>
+          <a:lstStyle/>
+          <a:p>
+            <a:pPr marL="342900" indent="-342900">
+              <a:buFont typeface="Arial" panose="020B0604020202020204" pitchFamily="34" charset="0"/>
+              <a:buChar char="•"/>
+            </a:pPr>
+            <a:r>
+              <a:rPr lang="it-IT" sz="2400" b="1" dirty="0" smtClean="0">
+                <a:solidFill>
+                  <a:schemeClr val="tx1"/>
+                </a:solidFill>
+                <a:latin typeface="Tahoma" panose="020B0604030504040204" pitchFamily="34" charset="0"/>
+                <a:ea typeface="Tahoma" panose="020B0604030504040204" pitchFamily="34" charset="0"/>
+                <a:cs typeface="Tahoma" panose="020B0604030504040204" pitchFamily="34" charset="0"/>
+              </a:rPr>
+              <a:t>HIDS/NIDS</a:t>
+            </a:r>
+            <a:r>
+              <a:rPr lang="it-IT" sz="2400" dirty="0" smtClean="0">
+                <a:solidFill>
+                  <a:schemeClr val="tx1"/>
+                </a:solidFill>
+                <a:latin typeface="Tahoma" panose="020B0604030504040204" pitchFamily="34" charset="0"/>
+                <a:ea typeface="Tahoma" panose="020B0604030504040204" pitchFamily="34" charset="0"/>
+                <a:cs typeface="Tahoma" panose="020B0604030504040204" pitchFamily="34" charset="0"/>
+              </a:rPr>
+              <a:t> </a:t>
+            </a:r>
+            <a:r>
+              <a:rPr lang="it-IT" sz="2400" dirty="0">
+                <a:solidFill>
+                  <a:schemeClr val="tx1"/>
+                </a:solidFill>
+                <a:latin typeface="Tahoma" panose="020B0604030504040204" pitchFamily="34" charset="0"/>
+                <a:ea typeface="Tahoma" panose="020B0604030504040204" pitchFamily="34" charset="0"/>
+                <a:cs typeface="Tahoma" panose="020B0604030504040204" pitchFamily="34" charset="0"/>
+              </a:rPr>
+              <a:t>(Host-</a:t>
+            </a:r>
+            <a:r>
+              <a:rPr lang="it-IT" sz="2400" dirty="0" err="1">
+                <a:solidFill>
+                  <a:schemeClr val="tx1"/>
+                </a:solidFill>
+                <a:latin typeface="Tahoma" panose="020B0604030504040204" pitchFamily="34" charset="0"/>
+                <a:ea typeface="Tahoma" panose="020B0604030504040204" pitchFamily="34" charset="0"/>
+                <a:cs typeface="Tahoma" panose="020B0604030504040204" pitchFamily="34" charset="0"/>
+              </a:rPr>
+              <a:t>based</a:t>
+            </a:r>
+            <a:r>
+              <a:rPr lang="it-IT" sz="2400" dirty="0">
+                <a:solidFill>
+                  <a:schemeClr val="tx1"/>
+                </a:solidFill>
+                <a:latin typeface="Tahoma" panose="020B0604030504040204" pitchFamily="34" charset="0"/>
+                <a:ea typeface="Tahoma" panose="020B0604030504040204" pitchFamily="34" charset="0"/>
+                <a:cs typeface="Tahoma" panose="020B0604030504040204" pitchFamily="34" charset="0"/>
+              </a:rPr>
+              <a:t> </a:t>
+            </a:r>
+            <a:r>
+              <a:rPr lang="it-IT" sz="2400" dirty="0" err="1">
+                <a:solidFill>
+                  <a:schemeClr val="tx1"/>
+                </a:solidFill>
+                <a:latin typeface="Tahoma" panose="020B0604030504040204" pitchFamily="34" charset="0"/>
+                <a:ea typeface="Tahoma" panose="020B0604030504040204" pitchFamily="34" charset="0"/>
+                <a:cs typeface="Tahoma" panose="020B0604030504040204" pitchFamily="34" charset="0"/>
+              </a:rPr>
+              <a:t>Intrusion</a:t>
+            </a:r>
+            <a:r>
+              <a:rPr lang="it-IT" sz="2400" dirty="0">
+                <a:solidFill>
+                  <a:schemeClr val="tx1"/>
+                </a:solidFill>
+                <a:latin typeface="Tahoma" panose="020B0604030504040204" pitchFamily="34" charset="0"/>
+                <a:ea typeface="Tahoma" panose="020B0604030504040204" pitchFamily="34" charset="0"/>
+                <a:cs typeface="Tahoma" panose="020B0604030504040204" pitchFamily="34" charset="0"/>
+              </a:rPr>
+              <a:t> </a:t>
+            </a:r>
+            <a:r>
+              <a:rPr lang="it-IT" sz="2400" dirty="0" err="1">
+                <a:solidFill>
+                  <a:schemeClr val="tx1"/>
+                </a:solidFill>
+                <a:latin typeface="Tahoma" panose="020B0604030504040204" pitchFamily="34" charset="0"/>
+                <a:ea typeface="Tahoma" panose="020B0604030504040204" pitchFamily="34" charset="0"/>
+                <a:cs typeface="Tahoma" panose="020B0604030504040204" pitchFamily="34" charset="0"/>
+              </a:rPr>
+              <a:t>Detection</a:t>
+            </a:r>
+            <a:r>
+              <a:rPr lang="it-IT" sz="2400" dirty="0">
+                <a:solidFill>
+                  <a:schemeClr val="tx1"/>
+                </a:solidFill>
+                <a:latin typeface="Tahoma" panose="020B0604030504040204" pitchFamily="34" charset="0"/>
+                <a:ea typeface="Tahoma" panose="020B0604030504040204" pitchFamily="34" charset="0"/>
+                <a:cs typeface="Tahoma" panose="020B0604030504040204" pitchFamily="34" charset="0"/>
+              </a:rPr>
+              <a:t> System/Network-</a:t>
+            </a:r>
+            <a:r>
+              <a:rPr lang="it-IT" sz="2400" dirty="0" err="1">
+                <a:solidFill>
+                  <a:schemeClr val="tx1"/>
+                </a:solidFill>
+                <a:latin typeface="Tahoma" panose="020B0604030504040204" pitchFamily="34" charset="0"/>
+                <a:ea typeface="Tahoma" panose="020B0604030504040204" pitchFamily="34" charset="0"/>
+                <a:cs typeface="Tahoma" panose="020B0604030504040204" pitchFamily="34" charset="0"/>
+              </a:rPr>
+              <a:t>based</a:t>
+            </a:r>
+            <a:r>
+              <a:rPr lang="it-IT" sz="2400" dirty="0">
+                <a:solidFill>
+                  <a:schemeClr val="tx1"/>
+                </a:solidFill>
+                <a:latin typeface="Tahoma" panose="020B0604030504040204" pitchFamily="34" charset="0"/>
+                <a:ea typeface="Tahoma" panose="020B0604030504040204" pitchFamily="34" charset="0"/>
+                <a:cs typeface="Tahoma" panose="020B0604030504040204" pitchFamily="34" charset="0"/>
+              </a:rPr>
+              <a:t> </a:t>
+            </a:r>
+            <a:r>
+              <a:rPr lang="it-IT" sz="2400" dirty="0" err="1">
+                <a:solidFill>
+                  <a:schemeClr val="tx1"/>
+                </a:solidFill>
+                <a:latin typeface="Tahoma" panose="020B0604030504040204" pitchFamily="34" charset="0"/>
+                <a:ea typeface="Tahoma" panose="020B0604030504040204" pitchFamily="34" charset="0"/>
+                <a:cs typeface="Tahoma" panose="020B0604030504040204" pitchFamily="34" charset="0"/>
+              </a:rPr>
+              <a:t>Intrusion</a:t>
+            </a:r>
+            <a:r>
+              <a:rPr lang="it-IT" sz="2400" dirty="0">
+                <a:solidFill>
+                  <a:schemeClr val="tx1"/>
+                </a:solidFill>
+                <a:latin typeface="Tahoma" panose="020B0604030504040204" pitchFamily="34" charset="0"/>
+                <a:ea typeface="Tahoma" panose="020B0604030504040204" pitchFamily="34" charset="0"/>
+                <a:cs typeface="Tahoma" panose="020B0604030504040204" pitchFamily="34" charset="0"/>
+              </a:rPr>
+              <a:t> </a:t>
+            </a:r>
+            <a:r>
+              <a:rPr lang="it-IT" sz="2400" dirty="0" err="1">
+                <a:solidFill>
+                  <a:schemeClr val="tx1"/>
+                </a:solidFill>
+                <a:latin typeface="Tahoma" panose="020B0604030504040204" pitchFamily="34" charset="0"/>
+                <a:ea typeface="Tahoma" panose="020B0604030504040204" pitchFamily="34" charset="0"/>
+                <a:cs typeface="Tahoma" panose="020B0604030504040204" pitchFamily="34" charset="0"/>
+              </a:rPr>
+              <a:t>Detection</a:t>
+            </a:r>
+            <a:r>
+              <a:rPr lang="it-IT" sz="2400" dirty="0">
+                <a:solidFill>
+                  <a:schemeClr val="tx1"/>
+                </a:solidFill>
+                <a:latin typeface="Tahoma" panose="020B0604030504040204" pitchFamily="34" charset="0"/>
+                <a:ea typeface="Tahoma" panose="020B0604030504040204" pitchFamily="34" charset="0"/>
+                <a:cs typeface="Tahoma" panose="020B0604030504040204" pitchFamily="34" charset="0"/>
+              </a:rPr>
+              <a:t> System): Gli </a:t>
+            </a:r>
+            <a:r>
+              <a:rPr lang="it-IT" sz="2400" b="1" dirty="0">
+                <a:solidFill>
+                  <a:schemeClr val="tx1"/>
+                </a:solidFill>
+                <a:latin typeface="Tahoma" panose="020B0604030504040204" pitchFamily="34" charset="0"/>
+                <a:ea typeface="Tahoma" panose="020B0604030504040204" pitchFamily="34" charset="0"/>
+                <a:cs typeface="Tahoma" panose="020B0604030504040204" pitchFamily="34" charset="0"/>
+              </a:rPr>
+              <a:t>HIDS</a:t>
+            </a:r>
+            <a:r>
+              <a:rPr lang="it-IT" sz="2400" dirty="0">
+                <a:solidFill>
+                  <a:schemeClr val="tx1"/>
+                </a:solidFill>
+                <a:latin typeface="Tahoma" panose="020B0604030504040204" pitchFamily="34" charset="0"/>
+                <a:ea typeface="Tahoma" panose="020B0604030504040204" pitchFamily="34" charset="0"/>
+                <a:cs typeface="Tahoma" panose="020B0604030504040204" pitchFamily="34" charset="0"/>
+              </a:rPr>
+              <a:t> e i </a:t>
+            </a:r>
+            <a:r>
+              <a:rPr lang="it-IT" sz="2400" b="1" dirty="0">
+                <a:solidFill>
+                  <a:schemeClr val="tx1"/>
+                </a:solidFill>
+                <a:latin typeface="Tahoma" panose="020B0604030504040204" pitchFamily="34" charset="0"/>
+                <a:ea typeface="Tahoma" panose="020B0604030504040204" pitchFamily="34" charset="0"/>
+                <a:cs typeface="Tahoma" panose="020B0604030504040204" pitchFamily="34" charset="0"/>
+              </a:rPr>
+              <a:t>NIDS</a:t>
+            </a:r>
+            <a:r>
+              <a:rPr lang="it-IT" sz="2400" dirty="0">
+                <a:solidFill>
+                  <a:schemeClr val="tx1"/>
+                </a:solidFill>
+                <a:latin typeface="Tahoma" panose="020B0604030504040204" pitchFamily="34" charset="0"/>
+                <a:ea typeface="Tahoma" panose="020B0604030504040204" pitchFamily="34" charset="0"/>
+                <a:cs typeface="Tahoma" panose="020B0604030504040204" pitchFamily="34" charset="0"/>
+              </a:rPr>
+              <a:t> sono sistemi di rilevamento delle intrusioni che monitorano e analizzano l'attività di rete e del sistema operativo per rilevare potenziali </a:t>
+            </a:r>
+            <a:r>
+              <a:rPr lang="it-IT" sz="2400" b="1" dirty="0">
+                <a:solidFill>
+                  <a:schemeClr val="tx1"/>
+                </a:solidFill>
+                <a:latin typeface="Tahoma" panose="020B0604030504040204" pitchFamily="34" charset="0"/>
+                <a:ea typeface="Tahoma" panose="020B0604030504040204" pitchFamily="34" charset="0"/>
+                <a:cs typeface="Tahoma" panose="020B0604030504040204" pitchFamily="34" charset="0"/>
+              </a:rPr>
+              <a:t>attacchi</a:t>
+            </a:r>
+            <a:r>
+              <a:rPr lang="it-IT" sz="2400" dirty="0">
+                <a:solidFill>
+                  <a:schemeClr val="tx1"/>
+                </a:solidFill>
+                <a:latin typeface="Tahoma" panose="020B0604030504040204" pitchFamily="34" charset="0"/>
+                <a:ea typeface="Tahoma" panose="020B0604030504040204" pitchFamily="34" charset="0"/>
+                <a:cs typeface="Tahoma" panose="020B0604030504040204" pitchFamily="34" charset="0"/>
+              </a:rPr>
+              <a:t> </a:t>
+            </a:r>
+            <a:r>
+              <a:rPr lang="it-IT" sz="2400" b="1" dirty="0">
+                <a:solidFill>
+                  <a:schemeClr val="tx1"/>
+                </a:solidFill>
+                <a:latin typeface="Tahoma" panose="020B0604030504040204" pitchFamily="34" charset="0"/>
+                <a:ea typeface="Tahoma" panose="020B0604030504040204" pitchFamily="34" charset="0"/>
+                <a:cs typeface="Tahoma" panose="020B0604030504040204" pitchFamily="34" charset="0"/>
+              </a:rPr>
+              <a:t>informatici</a:t>
+            </a:r>
+            <a:r>
+              <a:rPr lang="it-IT" sz="2400" dirty="0">
+                <a:solidFill>
+                  <a:schemeClr val="tx1"/>
+                </a:solidFill>
+                <a:latin typeface="Tahoma" panose="020B0604030504040204" pitchFamily="34" charset="0"/>
+                <a:ea typeface="Tahoma" panose="020B0604030504040204" pitchFamily="34" charset="0"/>
+                <a:cs typeface="Tahoma" panose="020B0604030504040204" pitchFamily="34" charset="0"/>
+              </a:rPr>
+              <a:t>. Gli HIDS sono installati su singoli dispositivi finali e rilevano attività sospette sul dispositivo stesso, mentre i NIDS monitorano il traffico di rete per identificare intrusioni o anomalie sulla rete.</a:t>
+            </a:r>
+          </a:p>
+        </p:txBody>
+      </p:sp>
+      <p:sp>
+        <p:nvSpPr>
+          <p:cNvPr id="7" name="Segnaposto numero diapositiva 6">
+            <a:extLst>
+              <a:ext uri="{FF2B5EF4-FFF2-40B4-BE49-F238E27FC236}">
+                <a16:creationId xmlns:a16="http://schemas.microsoft.com/office/drawing/2014/main" id="{AB740BE9-E218-4144-BFDE-AE473D230A3D}"/>
+              </a:ext>
+            </a:extLst>
+          </p:cNvPr>
+          <p:cNvSpPr>
+            <a:spLocks noGrp="1"/>
+          </p:cNvSpPr>
+          <p:nvPr>
+            <p:ph type="sldNum" sz="quarter" idx="12"/>
+          </p:nvPr>
+        </p:nvSpPr>
+        <p:spPr/>
+        <p:txBody>
+          <a:bodyPr/>
+          <a:lstStyle/>
+          <a:p>
+            <a:pPr>
+              <a:defRPr/>
+            </a:pPr>
+            <a:fld id="{48B4153A-D4C5-4CEF-8992-0D8815C829E3}" type="slidenum">
+              <a:rPr lang="en-US" smtClean="0"/>
+              <a:pPr>
+                <a:defRPr/>
+              </a:pPr>
+              <a:t>14</a:t>
+            </a:fld>
+            <a:endParaRPr lang="en-US" dirty="0"/>
+          </a:p>
+        </p:txBody>
+      </p:sp>
+      <p:sp>
+        <p:nvSpPr>
+          <p:cNvPr id="5" name="Titolo 4">
+            <a:extLst>
+              <a:ext uri="{FF2B5EF4-FFF2-40B4-BE49-F238E27FC236}">
+                <a16:creationId xmlns:a16="http://schemas.microsoft.com/office/drawing/2014/main" id="{82C46BA2-B380-4357-B125-BA9F08A643F5}"/>
+              </a:ext>
+            </a:extLst>
+          </p:cNvPr>
+          <p:cNvSpPr>
+            <a:spLocks noGrp="1"/>
+          </p:cNvSpPr>
+          <p:nvPr>
+            <p:ph type="title"/>
+          </p:nvPr>
+        </p:nvSpPr>
+        <p:spPr>
+          <a:xfrm>
+            <a:off x="468895" y="503475"/>
+            <a:ext cx="11269308" cy="384721"/>
+          </a:xfrm>
+        </p:spPr>
+        <p:txBody>
+          <a:bodyPr/>
+          <a:lstStyle/>
+          <a:p>
+            <a:r>
+              <a:rPr lang="it-IT" dirty="0" smtClean="0"/>
+              <a:t>Altri Sistemi </a:t>
+            </a:r>
+            <a:r>
+              <a:rPr lang="it-IT" dirty="0"/>
+              <a:t>di </a:t>
+            </a:r>
+            <a:r>
+              <a:rPr lang="it-IT" dirty="0" smtClean="0"/>
+              <a:t>Sicurezza (VPN, SIEM, DLP, HIDS/NIDS…) </a:t>
+            </a:r>
+            <a:endParaRPr lang="it-IT" dirty="0"/>
+          </a:p>
+        </p:txBody>
+      </p:sp>
+      <p:pic>
+        <p:nvPicPr>
+          <p:cNvPr id="3" name="Immagine 2"/>
+          <p:cNvPicPr>
+            <a:picLocks noChangeAspect="1"/>
+          </p:cNvPicPr>
+          <p:nvPr/>
+        </p:nvPicPr>
+        <p:blipFill>
+          <a:blip r:embed="rId2">
+            <a:extLst>
+              <a:ext uri="{28A0092B-C50C-407E-A947-70E740481C1C}">
+                <a14:useLocalDpi xmlns:a14="http://schemas.microsoft.com/office/drawing/2010/main" val="0"/>
+              </a:ext>
+            </a:extLst>
+          </a:blip>
+          <a:stretch>
+            <a:fillRect/>
+          </a:stretch>
+        </p:blipFill>
+        <p:spPr>
+          <a:xfrm>
+            <a:off x="7138220" y="1880278"/>
+            <a:ext cx="4699818" cy="3524864"/>
+          </a:xfrm>
+          <a:prstGeom prst="rect">
+            <a:avLst/>
+          </a:prstGeom>
+        </p:spPr>
+      </p:pic>
+    </p:spTree>
+    <p:extLst>
+      <p:ext uri="{BB962C8B-B14F-4D97-AF65-F5344CB8AC3E}">
+        <p14:creationId xmlns:p14="http://schemas.microsoft.com/office/powerpoint/2010/main" val="1579659056"/>
+      </p:ext>
+    </p:extLst>
+  </p:cSld>
+  <p:clrMapOvr>
+    <a:masterClrMapping/>
+  </p:clrMapOvr>
+</p:sld>
+</file>
+
+<file path=ppt/slides/slide15.xml><?xml version="1.0" encoding="utf-8"?>
+<p:sld xmlns:a="http://schemas.openxmlformats.org/drawingml/2006/main" xmlns:r="http://schemas.openxmlformats.org/officeDocument/2006/relationships" xmlns:p="http://schemas.openxmlformats.org/presentationml/2006/main">
+  <p:cSld>
+    <p:spTree>
+      <p:nvGrpSpPr>
+        <p:cNvPr id="1" name=""/>
+        <p:cNvGrpSpPr/>
+        <p:nvPr/>
+      </p:nvGrpSpPr>
+      <p:grpSpPr>
+        <a:xfrm>
+          <a:off x="0" y="0"/>
+          <a:ext cx="0" cy="0"/>
+          <a:chOff x="0" y="0"/>
+          <a:chExt cx="0" cy="0"/>
+        </a:xfrm>
+      </p:grpSpPr>
+      <p:sp>
+        <p:nvSpPr>
+          <p:cNvPr id="2" name="Segnaposto testo 1">
+            <a:extLst>
+              <a:ext uri="{FF2B5EF4-FFF2-40B4-BE49-F238E27FC236}">
+                <a16:creationId xmlns:a16="http://schemas.microsoft.com/office/drawing/2014/main" id="{E5AE986C-196F-4141-A898-FA4C4198CDCC}"/>
+              </a:ext>
+            </a:extLst>
+          </p:cNvPr>
+          <p:cNvSpPr>
+            <a:spLocks noGrp="1"/>
+          </p:cNvSpPr>
+          <p:nvPr>
+            <p:ph type="body" idx="1"/>
+          </p:nvPr>
+        </p:nvSpPr>
+        <p:spPr>
+          <a:xfrm>
+            <a:off x="721777" y="1401434"/>
+            <a:ext cx="10899952" cy="4392612"/>
+          </a:xfrm>
+        </p:spPr>
+        <p:txBody>
+          <a:bodyPr/>
+          <a:lstStyle/>
+          <a:p>
+            <a:pPr marL="342900" indent="-342900">
+              <a:buFont typeface="Arial" panose="020B0604020202020204" pitchFamily="34" charset="0"/>
+              <a:buChar char="•"/>
+            </a:pPr>
+            <a:r>
+              <a:rPr lang="it-IT" sz="2400" b="1" dirty="0" err="1" smtClean="0">
+                <a:solidFill>
+                  <a:schemeClr val="tx1"/>
+                </a:solidFill>
+                <a:latin typeface="Tahoma" panose="020B0604030504040204" pitchFamily="34" charset="0"/>
+                <a:ea typeface="Tahoma" panose="020B0604030504040204" pitchFamily="34" charset="0"/>
+                <a:cs typeface="Tahoma" panose="020B0604030504040204" pitchFamily="34" charset="0"/>
+              </a:rPr>
+              <a:t>Secure</a:t>
+            </a:r>
+            <a:r>
+              <a:rPr lang="it-IT" sz="2400" dirty="0" smtClean="0">
+                <a:solidFill>
+                  <a:schemeClr val="tx1"/>
+                </a:solidFill>
+                <a:latin typeface="Tahoma" panose="020B0604030504040204" pitchFamily="34" charset="0"/>
+                <a:ea typeface="Tahoma" panose="020B0604030504040204" pitchFamily="34" charset="0"/>
+                <a:cs typeface="Tahoma" panose="020B0604030504040204" pitchFamily="34" charset="0"/>
+              </a:rPr>
+              <a:t> </a:t>
+            </a:r>
+            <a:r>
+              <a:rPr lang="it-IT" sz="2400" b="1" dirty="0">
+                <a:solidFill>
+                  <a:schemeClr val="tx1"/>
+                </a:solidFill>
+                <a:latin typeface="Tahoma" panose="020B0604030504040204" pitchFamily="34" charset="0"/>
+                <a:ea typeface="Tahoma" panose="020B0604030504040204" pitchFamily="34" charset="0"/>
+                <a:cs typeface="Tahoma" panose="020B0604030504040204" pitchFamily="34" charset="0"/>
+              </a:rPr>
+              <a:t>Email</a:t>
+            </a:r>
+            <a:r>
+              <a:rPr lang="it-IT" sz="2400" dirty="0">
+                <a:solidFill>
+                  <a:schemeClr val="tx1"/>
+                </a:solidFill>
+                <a:latin typeface="Tahoma" panose="020B0604030504040204" pitchFamily="34" charset="0"/>
+                <a:ea typeface="Tahoma" panose="020B0604030504040204" pitchFamily="34" charset="0"/>
+                <a:cs typeface="Tahoma" panose="020B0604030504040204" pitchFamily="34" charset="0"/>
+              </a:rPr>
+              <a:t> </a:t>
+            </a:r>
+            <a:r>
+              <a:rPr lang="it-IT" sz="2400" b="1" dirty="0">
+                <a:solidFill>
+                  <a:schemeClr val="tx1"/>
+                </a:solidFill>
+                <a:latin typeface="Tahoma" panose="020B0604030504040204" pitchFamily="34" charset="0"/>
+                <a:ea typeface="Tahoma" panose="020B0604030504040204" pitchFamily="34" charset="0"/>
+                <a:cs typeface="Tahoma" panose="020B0604030504040204" pitchFamily="34" charset="0"/>
+              </a:rPr>
+              <a:t>Gateway</a:t>
+            </a:r>
+            <a:r>
+              <a:rPr lang="it-IT" sz="2400" dirty="0">
+                <a:solidFill>
+                  <a:schemeClr val="tx1"/>
+                </a:solidFill>
+                <a:latin typeface="Tahoma" panose="020B0604030504040204" pitchFamily="34" charset="0"/>
+                <a:ea typeface="Tahoma" panose="020B0604030504040204" pitchFamily="34" charset="0"/>
+                <a:cs typeface="Tahoma" panose="020B0604030504040204" pitchFamily="34" charset="0"/>
+              </a:rPr>
+              <a:t>: Un </a:t>
+            </a:r>
+            <a:r>
+              <a:rPr lang="it-IT" sz="2400" b="1" dirty="0" err="1">
+                <a:solidFill>
+                  <a:schemeClr val="tx1"/>
+                </a:solidFill>
+                <a:latin typeface="Tahoma" panose="020B0604030504040204" pitchFamily="34" charset="0"/>
+                <a:ea typeface="Tahoma" panose="020B0604030504040204" pitchFamily="34" charset="0"/>
+                <a:cs typeface="Tahoma" panose="020B0604030504040204" pitchFamily="34" charset="0"/>
+              </a:rPr>
+              <a:t>Secure</a:t>
+            </a:r>
+            <a:r>
+              <a:rPr lang="it-IT" sz="2400" dirty="0">
+                <a:solidFill>
+                  <a:schemeClr val="tx1"/>
+                </a:solidFill>
+                <a:latin typeface="Tahoma" panose="020B0604030504040204" pitchFamily="34" charset="0"/>
+                <a:ea typeface="Tahoma" panose="020B0604030504040204" pitchFamily="34" charset="0"/>
+                <a:cs typeface="Tahoma" panose="020B0604030504040204" pitchFamily="34" charset="0"/>
+              </a:rPr>
+              <a:t> </a:t>
+            </a:r>
+            <a:r>
+              <a:rPr lang="it-IT" sz="2400" b="1" dirty="0">
+                <a:solidFill>
+                  <a:schemeClr val="tx1"/>
+                </a:solidFill>
+                <a:latin typeface="Tahoma" panose="020B0604030504040204" pitchFamily="34" charset="0"/>
+                <a:ea typeface="Tahoma" panose="020B0604030504040204" pitchFamily="34" charset="0"/>
+                <a:cs typeface="Tahoma" panose="020B0604030504040204" pitchFamily="34" charset="0"/>
+              </a:rPr>
+              <a:t>Email</a:t>
+            </a:r>
+            <a:r>
+              <a:rPr lang="it-IT" sz="2400" dirty="0">
+                <a:solidFill>
+                  <a:schemeClr val="tx1"/>
+                </a:solidFill>
+                <a:latin typeface="Tahoma" panose="020B0604030504040204" pitchFamily="34" charset="0"/>
+                <a:ea typeface="Tahoma" panose="020B0604030504040204" pitchFamily="34" charset="0"/>
+                <a:cs typeface="Tahoma" panose="020B0604030504040204" pitchFamily="34" charset="0"/>
+              </a:rPr>
+              <a:t> </a:t>
+            </a:r>
+            <a:r>
+              <a:rPr lang="it-IT" sz="2400" b="1" dirty="0">
+                <a:solidFill>
+                  <a:schemeClr val="tx1"/>
+                </a:solidFill>
+                <a:latin typeface="Tahoma" panose="020B0604030504040204" pitchFamily="34" charset="0"/>
+                <a:ea typeface="Tahoma" panose="020B0604030504040204" pitchFamily="34" charset="0"/>
+                <a:cs typeface="Tahoma" panose="020B0604030504040204" pitchFamily="34" charset="0"/>
+              </a:rPr>
+              <a:t>Gateway</a:t>
+            </a:r>
+            <a:r>
+              <a:rPr lang="it-IT" sz="2400" dirty="0">
+                <a:solidFill>
+                  <a:schemeClr val="tx1"/>
+                </a:solidFill>
+                <a:latin typeface="Tahoma" panose="020B0604030504040204" pitchFamily="34" charset="0"/>
+                <a:ea typeface="Tahoma" panose="020B0604030504040204" pitchFamily="34" charset="0"/>
+                <a:cs typeface="Tahoma" panose="020B0604030504040204" pitchFamily="34" charset="0"/>
+              </a:rPr>
+              <a:t> è un sistema che fornisce protezione contro le minacce associate alle email, come </a:t>
+            </a:r>
+            <a:r>
+              <a:rPr lang="it-IT" sz="2400" dirty="0" err="1">
+                <a:solidFill>
+                  <a:schemeClr val="tx1"/>
+                </a:solidFill>
+                <a:latin typeface="Tahoma" panose="020B0604030504040204" pitchFamily="34" charset="0"/>
+                <a:ea typeface="Tahoma" panose="020B0604030504040204" pitchFamily="34" charset="0"/>
+                <a:cs typeface="Tahoma" panose="020B0604030504040204" pitchFamily="34" charset="0"/>
+              </a:rPr>
+              <a:t>phishing</a:t>
+            </a:r>
+            <a:r>
+              <a:rPr lang="it-IT" sz="2400" dirty="0">
+                <a:solidFill>
+                  <a:schemeClr val="tx1"/>
+                </a:solidFill>
+                <a:latin typeface="Tahoma" panose="020B0604030504040204" pitchFamily="34" charset="0"/>
+                <a:ea typeface="Tahoma" panose="020B0604030504040204" pitchFamily="34" charset="0"/>
+                <a:cs typeface="Tahoma" panose="020B0604030504040204" pitchFamily="34" charset="0"/>
+              </a:rPr>
+              <a:t>, </a:t>
+            </a:r>
+            <a:r>
+              <a:rPr lang="it-IT" sz="2400" dirty="0" err="1">
+                <a:solidFill>
+                  <a:schemeClr val="tx1"/>
+                </a:solidFill>
+                <a:latin typeface="Tahoma" panose="020B0604030504040204" pitchFamily="34" charset="0"/>
+                <a:ea typeface="Tahoma" panose="020B0604030504040204" pitchFamily="34" charset="0"/>
+                <a:cs typeface="Tahoma" panose="020B0604030504040204" pitchFamily="34" charset="0"/>
+              </a:rPr>
+              <a:t>malware</a:t>
+            </a:r>
+            <a:r>
+              <a:rPr lang="it-IT" sz="2400" dirty="0">
+                <a:solidFill>
+                  <a:schemeClr val="tx1"/>
+                </a:solidFill>
+                <a:latin typeface="Tahoma" panose="020B0604030504040204" pitchFamily="34" charset="0"/>
+                <a:ea typeface="Tahoma" panose="020B0604030504040204" pitchFamily="34" charset="0"/>
+                <a:cs typeface="Tahoma" panose="020B0604030504040204" pitchFamily="34" charset="0"/>
+              </a:rPr>
+              <a:t> e spam. Questi gateway analizzano e filtrano il traffico delle email in arrivo e in uscita, utilizzando tecniche di rilevamento delle minacce, firme antivirus, filtri antispam e regole personalizzabili per bloccare le email dannose e indesiderate.</a:t>
+            </a:r>
+          </a:p>
+        </p:txBody>
+      </p:sp>
+      <p:sp>
+        <p:nvSpPr>
+          <p:cNvPr id="7" name="Segnaposto numero diapositiva 6">
+            <a:extLst>
+              <a:ext uri="{FF2B5EF4-FFF2-40B4-BE49-F238E27FC236}">
+                <a16:creationId xmlns:a16="http://schemas.microsoft.com/office/drawing/2014/main" id="{AB740BE9-E218-4144-BFDE-AE473D230A3D}"/>
+              </a:ext>
+            </a:extLst>
+          </p:cNvPr>
+          <p:cNvSpPr>
+            <a:spLocks noGrp="1"/>
+          </p:cNvSpPr>
+          <p:nvPr>
+            <p:ph type="sldNum" sz="quarter" idx="12"/>
+          </p:nvPr>
+        </p:nvSpPr>
+        <p:spPr/>
+        <p:txBody>
+          <a:bodyPr/>
+          <a:lstStyle/>
+          <a:p>
+            <a:pPr>
+              <a:defRPr/>
+            </a:pPr>
+            <a:fld id="{48B4153A-D4C5-4CEF-8992-0D8815C829E3}" type="slidenum">
+              <a:rPr lang="en-US" smtClean="0"/>
+              <a:pPr>
+                <a:defRPr/>
+              </a:pPr>
+              <a:t>15</a:t>
+            </a:fld>
+            <a:endParaRPr lang="en-US" dirty="0"/>
+          </a:p>
+        </p:txBody>
+      </p:sp>
+      <p:sp>
+        <p:nvSpPr>
+          <p:cNvPr id="5" name="Titolo 4">
+            <a:extLst>
+              <a:ext uri="{FF2B5EF4-FFF2-40B4-BE49-F238E27FC236}">
+                <a16:creationId xmlns:a16="http://schemas.microsoft.com/office/drawing/2014/main" id="{82C46BA2-B380-4357-B125-BA9F08A643F5}"/>
+              </a:ext>
+            </a:extLst>
+          </p:cNvPr>
+          <p:cNvSpPr>
+            <a:spLocks noGrp="1"/>
+          </p:cNvSpPr>
+          <p:nvPr>
+            <p:ph type="title"/>
+          </p:nvPr>
+        </p:nvSpPr>
+        <p:spPr>
+          <a:xfrm>
+            <a:off x="468895" y="503475"/>
+            <a:ext cx="11269308" cy="384721"/>
+          </a:xfrm>
+        </p:spPr>
+        <p:txBody>
+          <a:bodyPr/>
+          <a:lstStyle/>
+          <a:p>
+            <a:r>
+              <a:rPr lang="it-IT" dirty="0" smtClean="0"/>
+              <a:t>Altri Sistemi </a:t>
+            </a:r>
+            <a:r>
+              <a:rPr lang="it-IT" dirty="0"/>
+              <a:t>di </a:t>
+            </a:r>
+            <a:r>
+              <a:rPr lang="it-IT" dirty="0" smtClean="0"/>
+              <a:t>Sicurezza (VPN, SIEM, DLP, HIDS/NIDS…) </a:t>
+            </a:r>
+            <a:endParaRPr lang="it-IT" dirty="0"/>
+          </a:p>
+        </p:txBody>
+      </p:sp>
+      <p:pic>
+        <p:nvPicPr>
+          <p:cNvPr id="3" name="Immagine 2"/>
+          <p:cNvPicPr>
+            <a:picLocks noChangeAspect="1"/>
+          </p:cNvPicPr>
+          <p:nvPr/>
+        </p:nvPicPr>
+        <p:blipFill>
+          <a:blip r:embed="rId2">
+            <a:extLst>
+              <a:ext uri="{28A0092B-C50C-407E-A947-70E740481C1C}">
+                <a14:useLocalDpi xmlns:a14="http://schemas.microsoft.com/office/drawing/2010/main" val="0"/>
+              </a:ext>
+            </a:extLst>
+          </a:blip>
+          <a:stretch>
+            <a:fillRect/>
+          </a:stretch>
+        </p:blipFill>
+        <p:spPr>
+          <a:xfrm>
+            <a:off x="3433783" y="3575979"/>
+            <a:ext cx="7116229" cy="3186371"/>
+          </a:xfrm>
+          <a:prstGeom prst="rect">
+            <a:avLst/>
+          </a:prstGeom>
+        </p:spPr>
+      </p:pic>
+    </p:spTree>
+    <p:extLst>
+      <p:ext uri="{BB962C8B-B14F-4D97-AF65-F5344CB8AC3E}">
+        <p14:creationId xmlns:p14="http://schemas.microsoft.com/office/powerpoint/2010/main" val="235489583"/>
+      </p:ext>
+    </p:extLst>
+  </p:cSld>
+  <p:clrMapOvr>
+    <a:masterClrMapping/>
+  </p:clrMapOvr>
+</p:sld>
+</file>
+
+<file path=ppt/slides/slide16.xml><?xml version="1.0" encoding="utf-8"?>
+<p:sld xmlns:a="http://schemas.openxmlformats.org/drawingml/2006/main" xmlns:r="http://schemas.openxmlformats.org/officeDocument/2006/relationships" xmlns:p="http://schemas.openxmlformats.org/presentationml/2006/main">
+  <p:cSld>
+    <p:spTree>
+      <p:nvGrpSpPr>
+        <p:cNvPr id="1" name=""/>
+        <p:cNvGrpSpPr/>
+        <p:nvPr/>
+      </p:nvGrpSpPr>
+      <p:grpSpPr>
+        <a:xfrm>
+          <a:off x="0" y="0"/>
+          <a:ext cx="0" cy="0"/>
+          <a:chOff x="0" y="0"/>
+          <a:chExt cx="0" cy="0"/>
+        </a:xfrm>
+      </p:grpSpPr>
+      <p:sp>
+        <p:nvSpPr>
+          <p:cNvPr id="2" name="Segnaposto testo 1">
+            <a:extLst>
+              <a:ext uri="{FF2B5EF4-FFF2-40B4-BE49-F238E27FC236}">
+                <a16:creationId xmlns:a16="http://schemas.microsoft.com/office/drawing/2014/main" id="{E5AE986C-196F-4141-A898-FA4C4198CDCC}"/>
+              </a:ext>
+            </a:extLst>
+          </p:cNvPr>
+          <p:cNvSpPr>
+            <a:spLocks noGrp="1"/>
+          </p:cNvSpPr>
+          <p:nvPr>
+            <p:ph type="body" idx="1"/>
+          </p:nvPr>
+        </p:nvSpPr>
+        <p:spPr>
+          <a:xfrm>
+            <a:off x="468895" y="1446404"/>
+            <a:ext cx="8281815" cy="4392612"/>
+          </a:xfrm>
+        </p:spPr>
+        <p:txBody>
+          <a:bodyPr/>
+          <a:lstStyle/>
+          <a:p>
+            <a:pPr marL="342900" indent="-342900">
+              <a:buFont typeface="Arial" panose="020B0604020202020204" pitchFamily="34" charset="0"/>
+              <a:buChar char="•"/>
+            </a:pPr>
+            <a:r>
+              <a:rPr lang="it-IT" sz="2400" dirty="0" smtClean="0">
+                <a:solidFill>
+                  <a:schemeClr val="tx1"/>
+                </a:solidFill>
+                <a:latin typeface="Tahoma" panose="020B0604030504040204" pitchFamily="34" charset="0"/>
+                <a:ea typeface="Tahoma" panose="020B0604030504040204" pitchFamily="34" charset="0"/>
+                <a:cs typeface="Tahoma" panose="020B0604030504040204" pitchFamily="34" charset="0"/>
+              </a:rPr>
+              <a:t>I </a:t>
+            </a:r>
+            <a:r>
+              <a:rPr lang="it-IT" sz="2400" b="1" dirty="0">
+                <a:solidFill>
+                  <a:schemeClr val="tx1"/>
+                </a:solidFill>
+                <a:latin typeface="Tahoma" panose="020B0604030504040204" pitchFamily="34" charset="0"/>
+                <a:ea typeface="Tahoma" panose="020B0604030504040204" pitchFamily="34" charset="0"/>
+                <a:cs typeface="Tahoma" panose="020B0604030504040204" pitchFamily="34" charset="0"/>
+              </a:rPr>
+              <a:t>sistemi</a:t>
+            </a:r>
+            <a:r>
+              <a:rPr lang="it-IT" sz="2400" dirty="0">
+                <a:solidFill>
+                  <a:schemeClr val="tx1"/>
+                </a:solidFill>
+                <a:latin typeface="Tahoma" panose="020B0604030504040204" pitchFamily="34" charset="0"/>
+                <a:ea typeface="Tahoma" panose="020B0604030504040204" pitchFamily="34" charset="0"/>
+                <a:cs typeface="Tahoma" panose="020B0604030504040204" pitchFamily="34" charset="0"/>
+              </a:rPr>
+              <a:t> </a:t>
+            </a:r>
+            <a:r>
+              <a:rPr lang="it-IT" sz="2400" b="1" dirty="0">
+                <a:solidFill>
+                  <a:schemeClr val="tx1"/>
+                </a:solidFill>
+                <a:latin typeface="Tahoma" panose="020B0604030504040204" pitchFamily="34" charset="0"/>
+                <a:ea typeface="Tahoma" panose="020B0604030504040204" pitchFamily="34" charset="0"/>
+                <a:cs typeface="Tahoma" panose="020B0604030504040204" pitchFamily="34" charset="0"/>
+              </a:rPr>
+              <a:t>di</a:t>
+            </a:r>
+            <a:r>
+              <a:rPr lang="it-IT" sz="2400" dirty="0">
+                <a:solidFill>
+                  <a:schemeClr val="tx1"/>
+                </a:solidFill>
+                <a:latin typeface="Tahoma" panose="020B0604030504040204" pitchFamily="34" charset="0"/>
+                <a:ea typeface="Tahoma" panose="020B0604030504040204" pitchFamily="34" charset="0"/>
+                <a:cs typeface="Tahoma" panose="020B0604030504040204" pitchFamily="34" charset="0"/>
+              </a:rPr>
+              <a:t> </a:t>
+            </a:r>
+            <a:r>
+              <a:rPr lang="it-IT" sz="2400" b="1" dirty="0">
+                <a:solidFill>
+                  <a:schemeClr val="tx1"/>
+                </a:solidFill>
+                <a:latin typeface="Tahoma" panose="020B0604030504040204" pitchFamily="34" charset="0"/>
+                <a:ea typeface="Tahoma" panose="020B0604030504040204" pitchFamily="34" charset="0"/>
+                <a:cs typeface="Tahoma" panose="020B0604030504040204" pitchFamily="34" charset="0"/>
+              </a:rPr>
+              <a:t>virtualizzazione</a:t>
+            </a:r>
+            <a:r>
+              <a:rPr lang="it-IT" sz="2400" dirty="0">
+                <a:solidFill>
+                  <a:schemeClr val="tx1"/>
+                </a:solidFill>
+                <a:latin typeface="Tahoma" panose="020B0604030504040204" pitchFamily="34" charset="0"/>
+                <a:ea typeface="Tahoma" panose="020B0604030504040204" pitchFamily="34" charset="0"/>
+                <a:cs typeface="Tahoma" panose="020B0604030504040204" pitchFamily="34" charset="0"/>
+              </a:rPr>
+              <a:t> giocano un ruolo significativo nella </a:t>
+            </a:r>
+            <a:r>
+              <a:rPr lang="it-IT" sz="2400" dirty="0" err="1">
+                <a:solidFill>
+                  <a:schemeClr val="tx1"/>
+                </a:solidFill>
+                <a:latin typeface="Tahoma" panose="020B0604030504040204" pitchFamily="34" charset="0"/>
+                <a:ea typeface="Tahoma" panose="020B0604030504040204" pitchFamily="34" charset="0"/>
+                <a:cs typeface="Tahoma" panose="020B0604030504040204" pitchFamily="34" charset="0"/>
+              </a:rPr>
+              <a:t>cybersicurezza</a:t>
+            </a:r>
+            <a:r>
+              <a:rPr lang="it-IT" sz="2400" dirty="0">
+                <a:solidFill>
+                  <a:schemeClr val="tx1"/>
+                </a:solidFill>
+                <a:latin typeface="Tahoma" panose="020B0604030504040204" pitchFamily="34" charset="0"/>
+                <a:ea typeface="Tahoma" panose="020B0604030504040204" pitchFamily="34" charset="0"/>
+                <a:cs typeface="Tahoma" panose="020B0604030504040204" pitchFamily="34" charset="0"/>
+              </a:rPr>
+              <a:t>, offrendo vantaggi come l'isolamento, la flessibilità e la gestione centralizzata delle risorse. </a:t>
+            </a:r>
+            <a:r>
+              <a:rPr lang="it-IT" sz="2400" dirty="0">
+                <a:solidFill>
+                  <a:schemeClr val="tx1"/>
+                </a:solidFill>
+                <a:latin typeface="Tahoma" panose="020B0604030504040204" pitchFamily="34" charset="0"/>
+                <a:ea typeface="Tahoma" panose="020B0604030504040204" pitchFamily="34" charset="0"/>
+                <a:cs typeface="Tahoma" panose="020B0604030504040204" pitchFamily="34" charset="0"/>
+              </a:rPr>
+              <a:t>Ecco alcuni esempi di come la virtualizzazione viene utilizzata nella </a:t>
+            </a:r>
+            <a:r>
+              <a:rPr lang="it-IT" sz="2400" dirty="0" err="1" smtClean="0">
+                <a:solidFill>
+                  <a:schemeClr val="tx1"/>
+                </a:solidFill>
+                <a:latin typeface="Tahoma" panose="020B0604030504040204" pitchFamily="34" charset="0"/>
+                <a:ea typeface="Tahoma" panose="020B0604030504040204" pitchFamily="34" charset="0"/>
+                <a:cs typeface="Tahoma" panose="020B0604030504040204" pitchFamily="34" charset="0"/>
+              </a:rPr>
+              <a:t>cybersicurezza</a:t>
+            </a:r>
+            <a:r>
+              <a:rPr lang="it-IT" sz="2400" dirty="0" smtClean="0">
+                <a:solidFill>
+                  <a:schemeClr val="tx1"/>
+                </a:solidFill>
+                <a:latin typeface="Tahoma" panose="020B0604030504040204" pitchFamily="34" charset="0"/>
+                <a:ea typeface="Tahoma" panose="020B0604030504040204" pitchFamily="34" charset="0"/>
+                <a:cs typeface="Tahoma" panose="020B0604030504040204" pitchFamily="34" charset="0"/>
+              </a:rPr>
+              <a:t>.</a:t>
+            </a:r>
+          </a:p>
+          <a:p>
+            <a:pPr marL="342900" indent="-342900">
+              <a:buFont typeface="Arial" panose="020B0604020202020204" pitchFamily="34" charset="0"/>
+              <a:buChar char="•"/>
+            </a:pPr>
+            <a:r>
+              <a:rPr lang="it-IT" sz="2400" dirty="0">
+                <a:solidFill>
+                  <a:schemeClr val="tx1"/>
+                </a:solidFill>
+                <a:latin typeface="Tahoma" panose="020B0604030504040204" pitchFamily="34" charset="0"/>
+                <a:ea typeface="Tahoma" panose="020B0604030504040204" pitchFamily="34" charset="0"/>
+                <a:cs typeface="Tahoma" panose="020B0604030504040204" pitchFamily="34" charset="0"/>
+              </a:rPr>
+              <a:t>La </a:t>
+            </a:r>
+            <a:r>
+              <a:rPr lang="it-IT" sz="2400" b="1" dirty="0">
+                <a:solidFill>
+                  <a:schemeClr val="tx1"/>
+                </a:solidFill>
+                <a:latin typeface="Tahoma" panose="020B0604030504040204" pitchFamily="34" charset="0"/>
+                <a:ea typeface="Tahoma" panose="020B0604030504040204" pitchFamily="34" charset="0"/>
+                <a:cs typeface="Tahoma" panose="020B0604030504040204" pitchFamily="34" charset="0"/>
+              </a:rPr>
+              <a:t>virtualizzazione</a:t>
+            </a:r>
+            <a:r>
+              <a:rPr lang="it-IT" sz="2400" dirty="0">
+                <a:solidFill>
+                  <a:schemeClr val="tx1"/>
+                </a:solidFill>
+                <a:latin typeface="Tahoma" panose="020B0604030504040204" pitchFamily="34" charset="0"/>
+                <a:ea typeface="Tahoma" panose="020B0604030504040204" pitchFamily="34" charset="0"/>
+                <a:cs typeface="Tahoma" panose="020B0604030504040204" pitchFamily="34" charset="0"/>
+              </a:rPr>
+              <a:t> offre un modo </a:t>
+            </a:r>
+            <a:r>
+              <a:rPr lang="it-IT" sz="2400" b="1" dirty="0">
+                <a:solidFill>
+                  <a:schemeClr val="tx1"/>
+                </a:solidFill>
+                <a:latin typeface="Tahoma" panose="020B0604030504040204" pitchFamily="34" charset="0"/>
+                <a:ea typeface="Tahoma" panose="020B0604030504040204" pitchFamily="34" charset="0"/>
+                <a:cs typeface="Tahoma" panose="020B0604030504040204" pitchFamily="34" charset="0"/>
+              </a:rPr>
+              <a:t>flessibile</a:t>
+            </a:r>
+            <a:r>
+              <a:rPr lang="it-IT" sz="2400" dirty="0">
+                <a:solidFill>
+                  <a:schemeClr val="tx1"/>
+                </a:solidFill>
+                <a:latin typeface="Tahoma" panose="020B0604030504040204" pitchFamily="34" charset="0"/>
+                <a:ea typeface="Tahoma" panose="020B0604030504040204" pitchFamily="34" charset="0"/>
+                <a:cs typeface="Tahoma" panose="020B0604030504040204" pitchFamily="34" charset="0"/>
+              </a:rPr>
+              <a:t> ed </a:t>
+            </a:r>
+            <a:r>
+              <a:rPr lang="it-IT" sz="2400" b="1" dirty="0">
+                <a:solidFill>
+                  <a:schemeClr val="tx1"/>
+                </a:solidFill>
+                <a:latin typeface="Tahoma" panose="020B0604030504040204" pitchFamily="34" charset="0"/>
+                <a:ea typeface="Tahoma" panose="020B0604030504040204" pitchFamily="34" charset="0"/>
+                <a:cs typeface="Tahoma" panose="020B0604030504040204" pitchFamily="34" charset="0"/>
+              </a:rPr>
+              <a:t>efficiente</a:t>
+            </a:r>
+            <a:r>
+              <a:rPr lang="it-IT" sz="2400" dirty="0">
+                <a:solidFill>
+                  <a:schemeClr val="tx1"/>
+                </a:solidFill>
+                <a:latin typeface="Tahoma" panose="020B0604030504040204" pitchFamily="34" charset="0"/>
+                <a:ea typeface="Tahoma" panose="020B0604030504040204" pitchFamily="34" charset="0"/>
+                <a:cs typeface="Tahoma" panose="020B0604030504040204" pitchFamily="34" charset="0"/>
+              </a:rPr>
+              <a:t> per implementare soluzioni di sicurezza, consentendo di ridurre i </a:t>
+            </a:r>
+            <a:r>
+              <a:rPr lang="it-IT" sz="2400" b="1" dirty="0">
+                <a:solidFill>
+                  <a:schemeClr val="tx1"/>
+                </a:solidFill>
+                <a:latin typeface="Tahoma" panose="020B0604030504040204" pitchFamily="34" charset="0"/>
+                <a:ea typeface="Tahoma" panose="020B0604030504040204" pitchFamily="34" charset="0"/>
+                <a:cs typeface="Tahoma" panose="020B0604030504040204" pitchFamily="34" charset="0"/>
+              </a:rPr>
+              <a:t>costi</a:t>
+            </a:r>
+            <a:r>
+              <a:rPr lang="it-IT" sz="2400" dirty="0">
+                <a:solidFill>
+                  <a:schemeClr val="tx1"/>
+                </a:solidFill>
+                <a:latin typeface="Tahoma" panose="020B0604030504040204" pitchFamily="34" charset="0"/>
+                <a:ea typeface="Tahoma" panose="020B0604030504040204" pitchFamily="34" charset="0"/>
+                <a:cs typeface="Tahoma" panose="020B0604030504040204" pitchFamily="34" charset="0"/>
+              </a:rPr>
+              <a:t>, semplificare la </a:t>
+            </a:r>
+            <a:r>
+              <a:rPr lang="it-IT" sz="2400" b="1" dirty="0">
+                <a:solidFill>
+                  <a:schemeClr val="tx1"/>
+                </a:solidFill>
+                <a:latin typeface="Tahoma" panose="020B0604030504040204" pitchFamily="34" charset="0"/>
+                <a:ea typeface="Tahoma" panose="020B0604030504040204" pitchFamily="34" charset="0"/>
+                <a:cs typeface="Tahoma" panose="020B0604030504040204" pitchFamily="34" charset="0"/>
+              </a:rPr>
+              <a:t>gestione</a:t>
+            </a:r>
+            <a:r>
+              <a:rPr lang="it-IT" sz="2400" dirty="0">
+                <a:solidFill>
+                  <a:schemeClr val="tx1"/>
+                </a:solidFill>
+                <a:latin typeface="Tahoma" panose="020B0604030504040204" pitchFamily="34" charset="0"/>
+                <a:ea typeface="Tahoma" panose="020B0604030504040204" pitchFamily="34" charset="0"/>
+                <a:cs typeface="Tahoma" panose="020B0604030504040204" pitchFamily="34" charset="0"/>
+              </a:rPr>
+              <a:t> e migliorare la </a:t>
+            </a:r>
+            <a:r>
+              <a:rPr lang="it-IT" sz="2400" b="1" dirty="0">
+                <a:solidFill>
+                  <a:schemeClr val="tx1"/>
+                </a:solidFill>
+                <a:latin typeface="Tahoma" panose="020B0604030504040204" pitchFamily="34" charset="0"/>
+                <a:ea typeface="Tahoma" panose="020B0604030504040204" pitchFamily="34" charset="0"/>
+                <a:cs typeface="Tahoma" panose="020B0604030504040204" pitchFamily="34" charset="0"/>
+              </a:rPr>
+              <a:t>resilienza</a:t>
+            </a:r>
+            <a:r>
+              <a:rPr lang="it-IT" sz="2400" dirty="0">
+                <a:solidFill>
+                  <a:schemeClr val="tx1"/>
+                </a:solidFill>
+                <a:latin typeface="Tahoma" panose="020B0604030504040204" pitchFamily="34" charset="0"/>
+                <a:ea typeface="Tahoma" panose="020B0604030504040204" pitchFamily="34" charset="0"/>
+                <a:cs typeface="Tahoma" panose="020B0604030504040204" pitchFamily="34" charset="0"/>
+              </a:rPr>
+              <a:t>. Tuttavia, è importante considerare anche la sicurezza dei componenti </a:t>
+            </a:r>
+            <a:r>
+              <a:rPr lang="it-IT" sz="2400" dirty="0" err="1">
+                <a:solidFill>
+                  <a:schemeClr val="tx1"/>
+                </a:solidFill>
+                <a:latin typeface="Tahoma" panose="020B0604030504040204" pitchFamily="34" charset="0"/>
+                <a:ea typeface="Tahoma" panose="020B0604030504040204" pitchFamily="34" charset="0"/>
+                <a:cs typeface="Tahoma" panose="020B0604030504040204" pitchFamily="34" charset="0"/>
+              </a:rPr>
+              <a:t>virtualizzati</a:t>
+            </a:r>
+            <a:r>
+              <a:rPr lang="it-IT" sz="2400" dirty="0">
+                <a:solidFill>
+                  <a:schemeClr val="tx1"/>
+                </a:solidFill>
+                <a:latin typeface="Tahoma" panose="020B0604030504040204" pitchFamily="34" charset="0"/>
+                <a:ea typeface="Tahoma" panose="020B0604030504040204" pitchFamily="34" charset="0"/>
+                <a:cs typeface="Tahoma" panose="020B0604030504040204" pitchFamily="34" charset="0"/>
+              </a:rPr>
+              <a:t> stessi, come le vulnerabilità delle VM, la gestione delle credenziali di accesso e le minacce specifiche legate alla virtualizzazione, per garantire una protezione completa.</a:t>
+            </a:r>
+          </a:p>
+        </p:txBody>
+      </p:sp>
+      <p:sp>
+        <p:nvSpPr>
+          <p:cNvPr id="7" name="Segnaposto numero diapositiva 6">
+            <a:extLst>
+              <a:ext uri="{FF2B5EF4-FFF2-40B4-BE49-F238E27FC236}">
+                <a16:creationId xmlns:a16="http://schemas.microsoft.com/office/drawing/2014/main" id="{AB740BE9-E218-4144-BFDE-AE473D230A3D}"/>
+              </a:ext>
+            </a:extLst>
+          </p:cNvPr>
+          <p:cNvSpPr>
+            <a:spLocks noGrp="1"/>
+          </p:cNvSpPr>
+          <p:nvPr>
+            <p:ph type="sldNum" sz="quarter" idx="12"/>
+          </p:nvPr>
+        </p:nvSpPr>
+        <p:spPr/>
+        <p:txBody>
+          <a:bodyPr/>
+          <a:lstStyle/>
+          <a:p>
+            <a:pPr>
+              <a:defRPr/>
+            </a:pPr>
+            <a:fld id="{48B4153A-D4C5-4CEF-8992-0D8815C829E3}" type="slidenum">
+              <a:rPr lang="en-US" smtClean="0"/>
+              <a:pPr>
+                <a:defRPr/>
+              </a:pPr>
+              <a:t>16</a:t>
+            </a:fld>
+            <a:endParaRPr lang="en-US" dirty="0"/>
+          </a:p>
+        </p:txBody>
+      </p:sp>
+      <p:sp>
+        <p:nvSpPr>
+          <p:cNvPr id="5" name="Titolo 4">
+            <a:extLst>
+              <a:ext uri="{FF2B5EF4-FFF2-40B4-BE49-F238E27FC236}">
+                <a16:creationId xmlns:a16="http://schemas.microsoft.com/office/drawing/2014/main" id="{82C46BA2-B380-4357-B125-BA9F08A643F5}"/>
+              </a:ext>
+            </a:extLst>
+          </p:cNvPr>
+          <p:cNvSpPr>
+            <a:spLocks noGrp="1"/>
+          </p:cNvSpPr>
+          <p:nvPr>
+            <p:ph type="title"/>
+          </p:nvPr>
+        </p:nvSpPr>
+        <p:spPr>
+          <a:xfrm>
+            <a:off x="468895" y="503475"/>
+            <a:ext cx="11269308" cy="384721"/>
+          </a:xfrm>
+        </p:spPr>
+        <p:txBody>
+          <a:bodyPr/>
+          <a:lstStyle/>
+          <a:p>
+            <a:r>
+              <a:rPr lang="it-IT" dirty="0" smtClean="0"/>
+              <a:t>Sistemi </a:t>
+            </a:r>
+            <a:r>
+              <a:rPr lang="it-IT" dirty="0"/>
+              <a:t>di virtualizzazione</a:t>
+            </a:r>
+            <a:endParaRPr lang="it-IT" dirty="0"/>
+          </a:p>
+        </p:txBody>
+      </p:sp>
+      <p:pic>
+        <p:nvPicPr>
+          <p:cNvPr id="4" name="Immagine 3"/>
+          <p:cNvPicPr>
+            <a:picLocks noChangeAspect="1"/>
+          </p:cNvPicPr>
+          <p:nvPr/>
+        </p:nvPicPr>
+        <p:blipFill>
+          <a:blip r:embed="rId2">
+            <a:extLst>
+              <a:ext uri="{28A0092B-C50C-407E-A947-70E740481C1C}">
+                <a14:useLocalDpi xmlns:a14="http://schemas.microsoft.com/office/drawing/2010/main" val="0"/>
+              </a:ext>
+            </a:extLst>
+          </a:blip>
+          <a:stretch>
+            <a:fillRect/>
+          </a:stretch>
+        </p:blipFill>
+        <p:spPr>
+          <a:xfrm>
+            <a:off x="8870346" y="2616455"/>
+            <a:ext cx="3109252" cy="2555313"/>
+          </a:xfrm>
+          <a:prstGeom prst="rect">
+            <a:avLst/>
+          </a:prstGeom>
+        </p:spPr>
+      </p:pic>
+    </p:spTree>
+    <p:extLst>
+      <p:ext uri="{BB962C8B-B14F-4D97-AF65-F5344CB8AC3E}">
+        <p14:creationId xmlns:p14="http://schemas.microsoft.com/office/powerpoint/2010/main" val="2771159722"/>
+      </p:ext>
+    </p:extLst>
+  </p:cSld>
+  <p:clrMapOvr>
+    <a:masterClrMapping/>
+  </p:clrMapOvr>
+</p:sld>
+</file>
+
+<file path=ppt/slides/slide17.xml><?xml version="1.0" encoding="utf-8"?>
+<p:sld xmlns:a="http://schemas.openxmlformats.org/drawingml/2006/main" xmlns:r="http://schemas.openxmlformats.org/officeDocument/2006/relationships" xmlns:p="http://schemas.openxmlformats.org/presentationml/2006/main">
+  <p:cSld>
+    <p:spTree>
+      <p:nvGrpSpPr>
+        <p:cNvPr id="1" name=""/>
+        <p:cNvGrpSpPr/>
+        <p:nvPr/>
+      </p:nvGrpSpPr>
+      <p:grpSpPr>
+        <a:xfrm>
+          <a:off x="0" y="0"/>
+          <a:ext cx="0" cy="0"/>
+          <a:chOff x="0" y="0"/>
+          <a:chExt cx="0" cy="0"/>
+        </a:xfrm>
+      </p:grpSpPr>
+      <p:sp>
+        <p:nvSpPr>
+          <p:cNvPr id="2" name="Segnaposto testo 1">
+            <a:extLst>
+              <a:ext uri="{FF2B5EF4-FFF2-40B4-BE49-F238E27FC236}">
+                <a16:creationId xmlns:a16="http://schemas.microsoft.com/office/drawing/2014/main" id="{E5AE986C-196F-4141-A898-FA4C4198CDCC}"/>
+              </a:ext>
+            </a:extLst>
+          </p:cNvPr>
+          <p:cNvSpPr>
+            <a:spLocks noGrp="1"/>
+          </p:cNvSpPr>
+          <p:nvPr>
+            <p:ph type="body" idx="1"/>
+          </p:nvPr>
+        </p:nvSpPr>
+        <p:spPr>
+          <a:xfrm>
+            <a:off x="721777" y="1401434"/>
+            <a:ext cx="4577810" cy="4392612"/>
+          </a:xfrm>
+        </p:spPr>
+        <p:txBody>
+          <a:bodyPr/>
+          <a:lstStyle/>
+          <a:p>
+            <a:pPr marL="342900" indent="-342900">
+              <a:buFont typeface="Arial" panose="020B0604020202020204" pitchFamily="34" charset="0"/>
+              <a:buChar char="•"/>
+            </a:pPr>
+            <a:r>
+              <a:rPr lang="it-IT" sz="2400" b="1" dirty="0" smtClean="0">
+                <a:solidFill>
+                  <a:schemeClr val="tx1"/>
+                </a:solidFill>
+                <a:latin typeface="Tahoma" panose="020B0604030504040204" pitchFamily="34" charset="0"/>
+                <a:ea typeface="Tahoma" panose="020B0604030504040204" pitchFamily="34" charset="0"/>
+                <a:cs typeface="Tahoma" panose="020B0604030504040204" pitchFamily="34" charset="0"/>
+              </a:rPr>
+              <a:t>Virtualizzazione </a:t>
+            </a:r>
+            <a:r>
+              <a:rPr lang="it-IT" sz="2400" b="1" dirty="0">
+                <a:solidFill>
+                  <a:schemeClr val="tx1"/>
+                </a:solidFill>
+                <a:latin typeface="Tahoma" panose="020B0604030504040204" pitchFamily="34" charset="0"/>
+                <a:ea typeface="Tahoma" panose="020B0604030504040204" pitchFamily="34" charset="0"/>
+                <a:cs typeface="Tahoma" panose="020B0604030504040204" pitchFamily="34" charset="0"/>
+              </a:rPr>
+              <a:t>dei server: </a:t>
+            </a:r>
+            <a:r>
+              <a:rPr lang="it-IT" sz="2400" dirty="0">
+                <a:solidFill>
+                  <a:schemeClr val="tx1"/>
+                </a:solidFill>
+                <a:latin typeface="Tahoma" panose="020B0604030504040204" pitchFamily="34" charset="0"/>
+                <a:ea typeface="Tahoma" panose="020B0604030504040204" pitchFamily="34" charset="0"/>
+                <a:cs typeface="Tahoma" panose="020B0604030504040204" pitchFamily="34" charset="0"/>
+              </a:rPr>
+              <a:t>La virtualizzazione dei server consente di eseguire più macchine virtuali (VM) su un singolo server fisico. </a:t>
+            </a:r>
+            <a:r>
+              <a:rPr lang="it-IT" sz="2400" dirty="0">
+                <a:solidFill>
+                  <a:schemeClr val="tx1"/>
+                </a:solidFill>
+                <a:latin typeface="Tahoma" panose="020B0604030504040204" pitchFamily="34" charset="0"/>
+                <a:ea typeface="Tahoma" panose="020B0604030504040204" pitchFamily="34" charset="0"/>
+                <a:cs typeface="Tahoma" panose="020B0604030504040204" pitchFamily="34" charset="0"/>
+              </a:rPr>
+              <a:t>Questo offre un'ulteriore protezione e isolamento tra le diverse applicazioni e i servizi ospitati sullo stesso server. In caso di compromissione di una VM, le altre rimangono intatte, limitando la diffusione di eventuali minacce.</a:t>
+            </a:r>
+          </a:p>
+        </p:txBody>
+      </p:sp>
+      <p:sp>
+        <p:nvSpPr>
+          <p:cNvPr id="7" name="Segnaposto numero diapositiva 6">
+            <a:extLst>
+              <a:ext uri="{FF2B5EF4-FFF2-40B4-BE49-F238E27FC236}">
+                <a16:creationId xmlns:a16="http://schemas.microsoft.com/office/drawing/2014/main" id="{AB740BE9-E218-4144-BFDE-AE473D230A3D}"/>
+              </a:ext>
+            </a:extLst>
+          </p:cNvPr>
+          <p:cNvSpPr>
+            <a:spLocks noGrp="1"/>
+          </p:cNvSpPr>
+          <p:nvPr>
+            <p:ph type="sldNum" sz="quarter" idx="12"/>
+          </p:nvPr>
+        </p:nvSpPr>
+        <p:spPr/>
+        <p:txBody>
+          <a:bodyPr/>
+          <a:lstStyle/>
+          <a:p>
+            <a:pPr>
+              <a:defRPr/>
+            </a:pPr>
+            <a:fld id="{48B4153A-D4C5-4CEF-8992-0D8815C829E3}" type="slidenum">
+              <a:rPr lang="en-US" smtClean="0"/>
+              <a:pPr>
+                <a:defRPr/>
+              </a:pPr>
+              <a:t>17</a:t>
+            </a:fld>
+            <a:endParaRPr lang="en-US" dirty="0"/>
+          </a:p>
+        </p:txBody>
+      </p:sp>
+      <p:sp>
+        <p:nvSpPr>
+          <p:cNvPr id="5" name="Titolo 4">
+            <a:extLst>
+              <a:ext uri="{FF2B5EF4-FFF2-40B4-BE49-F238E27FC236}">
+                <a16:creationId xmlns:a16="http://schemas.microsoft.com/office/drawing/2014/main" id="{82C46BA2-B380-4357-B125-BA9F08A643F5}"/>
+              </a:ext>
+            </a:extLst>
+          </p:cNvPr>
+          <p:cNvSpPr>
+            <a:spLocks noGrp="1"/>
+          </p:cNvSpPr>
+          <p:nvPr>
+            <p:ph type="title"/>
+          </p:nvPr>
+        </p:nvSpPr>
+        <p:spPr>
+          <a:xfrm>
+            <a:off x="468895" y="503475"/>
+            <a:ext cx="11269308" cy="384721"/>
+          </a:xfrm>
+        </p:spPr>
+        <p:txBody>
+          <a:bodyPr/>
+          <a:lstStyle/>
+          <a:p>
+            <a:r>
+              <a:rPr lang="it-IT" dirty="0" smtClean="0"/>
+              <a:t>Sistemi </a:t>
+            </a:r>
+            <a:r>
+              <a:rPr lang="it-IT" dirty="0"/>
+              <a:t>di virtualizzazione</a:t>
+            </a:r>
+            <a:endParaRPr lang="it-IT" dirty="0"/>
+          </a:p>
+        </p:txBody>
+      </p:sp>
+      <p:pic>
+        <p:nvPicPr>
+          <p:cNvPr id="6" name="Immagine 5"/>
+          <p:cNvPicPr>
+            <a:picLocks noChangeAspect="1"/>
+          </p:cNvPicPr>
+          <p:nvPr/>
+        </p:nvPicPr>
+        <p:blipFill>
+          <a:blip r:embed="rId2">
+            <a:extLst>
+              <a:ext uri="{28A0092B-C50C-407E-A947-70E740481C1C}">
+                <a14:useLocalDpi xmlns:a14="http://schemas.microsoft.com/office/drawing/2010/main" val="0"/>
+              </a:ext>
+            </a:extLst>
+          </a:blip>
+          <a:stretch>
+            <a:fillRect/>
+          </a:stretch>
+        </p:blipFill>
+        <p:spPr>
+          <a:xfrm>
+            <a:off x="5584336" y="1931732"/>
+            <a:ext cx="6153867" cy="3692320"/>
+          </a:xfrm>
+          <a:prstGeom prst="rect">
+            <a:avLst/>
+          </a:prstGeom>
+        </p:spPr>
+      </p:pic>
+    </p:spTree>
+    <p:extLst>
+      <p:ext uri="{BB962C8B-B14F-4D97-AF65-F5344CB8AC3E}">
+        <p14:creationId xmlns:p14="http://schemas.microsoft.com/office/powerpoint/2010/main" val="2220862935"/>
+      </p:ext>
+    </p:extLst>
+  </p:cSld>
+  <p:clrMapOvr>
+    <a:masterClrMapping/>
+  </p:clrMapOvr>
+</p:sld>
+</file>
+
+<file path=ppt/slides/slide18.xml><?xml version="1.0" encoding="utf-8"?>
+<p:sld xmlns:a="http://schemas.openxmlformats.org/drawingml/2006/main" xmlns:r="http://schemas.openxmlformats.org/officeDocument/2006/relationships" xmlns:p="http://schemas.openxmlformats.org/presentationml/2006/main">
+  <p:cSld>
+    <p:spTree>
+      <p:nvGrpSpPr>
+        <p:cNvPr id="1" name=""/>
+        <p:cNvGrpSpPr/>
+        <p:nvPr/>
+      </p:nvGrpSpPr>
+      <p:grpSpPr>
+        <a:xfrm>
+          <a:off x="0" y="0"/>
+          <a:ext cx="0" cy="0"/>
+          <a:chOff x="0" y="0"/>
+          <a:chExt cx="0" cy="0"/>
+        </a:xfrm>
+      </p:grpSpPr>
+      <p:sp>
+        <p:nvSpPr>
+          <p:cNvPr id="2" name="Segnaposto testo 1">
+            <a:extLst>
+              <a:ext uri="{FF2B5EF4-FFF2-40B4-BE49-F238E27FC236}">
+                <a16:creationId xmlns:a16="http://schemas.microsoft.com/office/drawing/2014/main" id="{E5AE986C-196F-4141-A898-FA4C4198CDCC}"/>
+              </a:ext>
+            </a:extLst>
+          </p:cNvPr>
+          <p:cNvSpPr>
+            <a:spLocks noGrp="1"/>
+          </p:cNvSpPr>
+          <p:nvPr>
+            <p:ph type="body" idx="1"/>
+          </p:nvPr>
+        </p:nvSpPr>
+        <p:spPr>
+          <a:xfrm>
+            <a:off x="721777" y="1401434"/>
+            <a:ext cx="4105862" cy="4392612"/>
+          </a:xfrm>
+        </p:spPr>
+        <p:txBody>
+          <a:bodyPr/>
+          <a:lstStyle/>
+          <a:p>
+            <a:pPr marL="342900" indent="-342900">
+              <a:buFont typeface="Arial" panose="020B0604020202020204" pitchFamily="34" charset="0"/>
+              <a:buChar char="•"/>
+            </a:pPr>
+            <a:r>
+              <a:rPr lang="it-IT" sz="2400" b="1" dirty="0" smtClean="0">
+                <a:solidFill>
+                  <a:schemeClr val="tx1"/>
+                </a:solidFill>
+                <a:latin typeface="Tahoma" panose="020B0604030504040204" pitchFamily="34" charset="0"/>
+                <a:ea typeface="Tahoma" panose="020B0604030504040204" pitchFamily="34" charset="0"/>
+                <a:cs typeface="Tahoma" panose="020B0604030504040204" pitchFamily="34" charset="0"/>
+              </a:rPr>
+              <a:t>Virtualizzazione </a:t>
+            </a:r>
+            <a:r>
+              <a:rPr lang="it-IT" sz="2400" b="1" dirty="0">
+                <a:solidFill>
+                  <a:schemeClr val="tx1"/>
+                </a:solidFill>
+                <a:latin typeface="Tahoma" panose="020B0604030504040204" pitchFamily="34" charset="0"/>
+                <a:ea typeface="Tahoma" panose="020B0604030504040204" pitchFamily="34" charset="0"/>
+                <a:cs typeface="Tahoma" panose="020B0604030504040204" pitchFamily="34" charset="0"/>
+              </a:rPr>
+              <a:t>delle reti: </a:t>
+            </a:r>
+            <a:r>
+              <a:rPr lang="it-IT" sz="2400" dirty="0">
+                <a:solidFill>
+                  <a:schemeClr val="tx1"/>
+                </a:solidFill>
+                <a:latin typeface="Tahoma" panose="020B0604030504040204" pitchFamily="34" charset="0"/>
+                <a:ea typeface="Tahoma" panose="020B0604030504040204" pitchFamily="34" charset="0"/>
+                <a:cs typeface="Tahoma" panose="020B0604030504040204" pitchFamily="34" charset="0"/>
+              </a:rPr>
+              <a:t>La virtualizzazione delle reti consente di creare reti virtuali separate all'interno di una rete fisica. </a:t>
+            </a:r>
+            <a:r>
+              <a:rPr lang="it-IT" sz="2400" dirty="0">
+                <a:solidFill>
+                  <a:schemeClr val="tx1"/>
+                </a:solidFill>
+                <a:latin typeface="Tahoma" panose="020B0604030504040204" pitchFamily="34" charset="0"/>
+                <a:ea typeface="Tahoma" panose="020B0604030504040204" pitchFamily="34" charset="0"/>
+                <a:cs typeface="Tahoma" panose="020B0604030504040204" pitchFamily="34" charset="0"/>
+              </a:rPr>
+              <a:t>Questo può contribuire a migliorare la sicurezza separando i diversi segmenti di rete, consentendo una gestione granulare degli accessi e delle politiche di sicurezza per ciascuna rete virtuale.</a:t>
+            </a:r>
+          </a:p>
+        </p:txBody>
+      </p:sp>
+      <p:sp>
+        <p:nvSpPr>
+          <p:cNvPr id="7" name="Segnaposto numero diapositiva 6">
+            <a:extLst>
+              <a:ext uri="{FF2B5EF4-FFF2-40B4-BE49-F238E27FC236}">
+                <a16:creationId xmlns:a16="http://schemas.microsoft.com/office/drawing/2014/main" id="{AB740BE9-E218-4144-BFDE-AE473D230A3D}"/>
+              </a:ext>
+            </a:extLst>
+          </p:cNvPr>
+          <p:cNvSpPr>
+            <a:spLocks noGrp="1"/>
+          </p:cNvSpPr>
+          <p:nvPr>
+            <p:ph type="sldNum" sz="quarter" idx="12"/>
+          </p:nvPr>
+        </p:nvSpPr>
+        <p:spPr/>
+        <p:txBody>
+          <a:bodyPr/>
+          <a:lstStyle/>
+          <a:p>
+            <a:pPr>
+              <a:defRPr/>
+            </a:pPr>
+            <a:fld id="{48B4153A-D4C5-4CEF-8992-0D8815C829E3}" type="slidenum">
+              <a:rPr lang="en-US" smtClean="0"/>
+              <a:pPr>
+                <a:defRPr/>
+              </a:pPr>
+              <a:t>18</a:t>
+            </a:fld>
+            <a:endParaRPr lang="en-US" dirty="0"/>
+          </a:p>
+        </p:txBody>
+      </p:sp>
+      <p:sp>
+        <p:nvSpPr>
+          <p:cNvPr id="5" name="Titolo 4">
+            <a:extLst>
+              <a:ext uri="{FF2B5EF4-FFF2-40B4-BE49-F238E27FC236}">
+                <a16:creationId xmlns:a16="http://schemas.microsoft.com/office/drawing/2014/main" id="{82C46BA2-B380-4357-B125-BA9F08A643F5}"/>
+              </a:ext>
+            </a:extLst>
+          </p:cNvPr>
+          <p:cNvSpPr>
+            <a:spLocks noGrp="1"/>
+          </p:cNvSpPr>
+          <p:nvPr>
+            <p:ph type="title"/>
+          </p:nvPr>
+        </p:nvSpPr>
+        <p:spPr>
+          <a:xfrm>
+            <a:off x="468895" y="503475"/>
+            <a:ext cx="11269308" cy="384721"/>
+          </a:xfrm>
+        </p:spPr>
+        <p:txBody>
+          <a:bodyPr/>
+          <a:lstStyle/>
+          <a:p>
+            <a:r>
+              <a:rPr lang="it-IT" dirty="0" smtClean="0"/>
+              <a:t>Sistemi </a:t>
+            </a:r>
+            <a:r>
+              <a:rPr lang="it-IT" dirty="0"/>
+              <a:t>di virtualizzazione</a:t>
+            </a:r>
+            <a:endParaRPr lang="it-IT" dirty="0"/>
+          </a:p>
+        </p:txBody>
+      </p:sp>
+      <p:pic>
+        <p:nvPicPr>
+          <p:cNvPr id="3" name="Immagine 2"/>
+          <p:cNvPicPr>
+            <a:picLocks noChangeAspect="1"/>
+          </p:cNvPicPr>
+          <p:nvPr/>
+        </p:nvPicPr>
+        <p:blipFill>
+          <a:blip r:embed="rId2">
+            <a:extLst>
+              <a:ext uri="{28A0092B-C50C-407E-A947-70E740481C1C}">
+                <a14:useLocalDpi xmlns:a14="http://schemas.microsoft.com/office/drawing/2010/main" val="0"/>
+              </a:ext>
+            </a:extLst>
+          </a:blip>
+          <a:stretch>
+            <a:fillRect/>
+          </a:stretch>
+        </p:blipFill>
+        <p:spPr>
+          <a:xfrm>
+            <a:off x="5068990" y="2164940"/>
+            <a:ext cx="6734621" cy="3252634"/>
+          </a:xfrm>
+          <a:prstGeom prst="rect">
+            <a:avLst/>
+          </a:prstGeom>
+        </p:spPr>
+      </p:pic>
+    </p:spTree>
+    <p:extLst>
+      <p:ext uri="{BB962C8B-B14F-4D97-AF65-F5344CB8AC3E}">
+        <p14:creationId xmlns:p14="http://schemas.microsoft.com/office/powerpoint/2010/main" val="569172281"/>
+      </p:ext>
+    </p:extLst>
+  </p:cSld>
+  <p:clrMapOvr>
+    <a:masterClrMapping/>
+  </p:clrMapOvr>
+</p:sld>
+</file>
+
+<file path=ppt/slides/slide19.xml><?xml version="1.0" encoding="utf-8"?>
+<p:sld xmlns:a="http://schemas.openxmlformats.org/drawingml/2006/main" xmlns:r="http://schemas.openxmlformats.org/officeDocument/2006/relationships" xmlns:p="http://schemas.openxmlformats.org/presentationml/2006/main">
+  <p:cSld>
+    <p:spTree>
+      <p:nvGrpSpPr>
+        <p:cNvPr id="1" name=""/>
+        <p:cNvGrpSpPr/>
+        <p:nvPr/>
+      </p:nvGrpSpPr>
+      <p:grpSpPr>
+        <a:xfrm>
+          <a:off x="0" y="0"/>
+          <a:ext cx="0" cy="0"/>
+          <a:chOff x="0" y="0"/>
+          <a:chExt cx="0" cy="0"/>
+        </a:xfrm>
+      </p:grpSpPr>
+      <p:sp>
+        <p:nvSpPr>
+          <p:cNvPr id="2" name="Segnaposto testo 1">
+            <a:extLst>
+              <a:ext uri="{FF2B5EF4-FFF2-40B4-BE49-F238E27FC236}">
+                <a16:creationId xmlns:a16="http://schemas.microsoft.com/office/drawing/2014/main" id="{E5AE986C-196F-4141-A898-FA4C4198CDCC}"/>
+              </a:ext>
+            </a:extLst>
+          </p:cNvPr>
+          <p:cNvSpPr>
+            <a:spLocks noGrp="1"/>
+          </p:cNvSpPr>
+          <p:nvPr>
+            <p:ph type="body" idx="1"/>
+          </p:nvPr>
+        </p:nvSpPr>
+        <p:spPr>
+          <a:xfrm>
+            <a:off x="721777" y="1401434"/>
+            <a:ext cx="5020262" cy="4392612"/>
+          </a:xfrm>
+        </p:spPr>
+        <p:txBody>
+          <a:bodyPr/>
+          <a:lstStyle/>
+          <a:p>
+            <a:pPr marL="342900" indent="-342900">
+              <a:buFont typeface="Arial" panose="020B0604020202020204" pitchFamily="34" charset="0"/>
+              <a:buChar char="•"/>
+            </a:pPr>
+            <a:r>
+              <a:rPr lang="it-IT" sz="2400" b="1" dirty="0" smtClean="0">
+                <a:solidFill>
+                  <a:schemeClr val="tx1"/>
+                </a:solidFill>
+                <a:latin typeface="Tahoma" panose="020B0604030504040204" pitchFamily="34" charset="0"/>
+                <a:ea typeface="Tahoma" panose="020B0604030504040204" pitchFamily="34" charset="0"/>
+                <a:cs typeface="Tahoma" panose="020B0604030504040204" pitchFamily="34" charset="0"/>
+              </a:rPr>
+              <a:t>Virtualizzazione </a:t>
+            </a:r>
+            <a:r>
+              <a:rPr lang="it-IT" sz="2400" b="1" dirty="0">
+                <a:solidFill>
+                  <a:schemeClr val="tx1"/>
+                </a:solidFill>
+                <a:latin typeface="Tahoma" panose="020B0604030504040204" pitchFamily="34" charset="0"/>
+                <a:ea typeface="Tahoma" panose="020B0604030504040204" pitchFamily="34" charset="0"/>
+                <a:cs typeface="Tahoma" panose="020B0604030504040204" pitchFamily="34" charset="0"/>
+              </a:rPr>
+              <a:t>dei desktop: </a:t>
+            </a:r>
+            <a:r>
+              <a:rPr lang="it-IT" sz="2400" dirty="0">
+                <a:solidFill>
+                  <a:schemeClr val="tx1"/>
+                </a:solidFill>
+                <a:latin typeface="Tahoma" panose="020B0604030504040204" pitchFamily="34" charset="0"/>
+                <a:ea typeface="Tahoma" panose="020B0604030504040204" pitchFamily="34" charset="0"/>
+                <a:cs typeface="Tahoma" panose="020B0604030504040204" pitchFamily="34" charset="0"/>
+              </a:rPr>
+              <a:t>La virtualizzazione dei desktop permette agli utenti di accedere a un desktop virtuale ospitato su un server centrale. </a:t>
+            </a:r>
+            <a:r>
+              <a:rPr lang="it-IT" sz="2400" dirty="0">
+                <a:solidFill>
+                  <a:schemeClr val="tx1"/>
+                </a:solidFill>
+                <a:latin typeface="Tahoma" panose="020B0604030504040204" pitchFamily="34" charset="0"/>
+                <a:ea typeface="Tahoma" panose="020B0604030504040204" pitchFamily="34" charset="0"/>
+                <a:cs typeface="Tahoma" panose="020B0604030504040204" pitchFamily="34" charset="0"/>
+              </a:rPr>
+              <a:t>Questo offre un maggiore controllo sulla sicurezza, poiché i dati e le applicazioni sensibili rimangono nel data center anziché essere distribuiti su dispositivi remoti. In caso di smarrimento o furto del dispositivo, i dati rimangono al sicuro nel server centrale.</a:t>
+            </a:r>
+          </a:p>
+        </p:txBody>
+      </p:sp>
+      <p:sp>
+        <p:nvSpPr>
+          <p:cNvPr id="7" name="Segnaposto numero diapositiva 6">
+            <a:extLst>
+              <a:ext uri="{FF2B5EF4-FFF2-40B4-BE49-F238E27FC236}">
+                <a16:creationId xmlns:a16="http://schemas.microsoft.com/office/drawing/2014/main" id="{AB740BE9-E218-4144-BFDE-AE473D230A3D}"/>
+              </a:ext>
+            </a:extLst>
+          </p:cNvPr>
+          <p:cNvSpPr>
+            <a:spLocks noGrp="1"/>
+          </p:cNvSpPr>
+          <p:nvPr>
+            <p:ph type="sldNum" sz="quarter" idx="12"/>
+          </p:nvPr>
+        </p:nvSpPr>
+        <p:spPr/>
+        <p:txBody>
+          <a:bodyPr/>
+          <a:lstStyle/>
+          <a:p>
+            <a:pPr>
+              <a:defRPr/>
+            </a:pPr>
+            <a:fld id="{48B4153A-D4C5-4CEF-8992-0D8815C829E3}" type="slidenum">
+              <a:rPr lang="en-US" smtClean="0"/>
+              <a:pPr>
+                <a:defRPr/>
+              </a:pPr>
+              <a:t>19</a:t>
+            </a:fld>
+            <a:endParaRPr lang="en-US" dirty="0"/>
+          </a:p>
+        </p:txBody>
+      </p:sp>
+      <p:sp>
+        <p:nvSpPr>
+          <p:cNvPr id="5" name="Titolo 4">
+            <a:extLst>
+              <a:ext uri="{FF2B5EF4-FFF2-40B4-BE49-F238E27FC236}">
+                <a16:creationId xmlns:a16="http://schemas.microsoft.com/office/drawing/2014/main" id="{82C46BA2-B380-4357-B125-BA9F08A643F5}"/>
+              </a:ext>
+            </a:extLst>
+          </p:cNvPr>
+          <p:cNvSpPr>
+            <a:spLocks noGrp="1"/>
+          </p:cNvSpPr>
+          <p:nvPr>
+            <p:ph type="title"/>
+          </p:nvPr>
+        </p:nvSpPr>
+        <p:spPr>
+          <a:xfrm>
+            <a:off x="468895" y="503475"/>
+            <a:ext cx="11269308" cy="384721"/>
+          </a:xfrm>
+        </p:spPr>
+        <p:txBody>
+          <a:bodyPr/>
+          <a:lstStyle/>
+          <a:p>
+            <a:r>
+              <a:rPr lang="it-IT" dirty="0" smtClean="0"/>
+              <a:t>Sistemi </a:t>
+            </a:r>
+            <a:r>
+              <a:rPr lang="it-IT" dirty="0"/>
+              <a:t>di virtualizzazione</a:t>
+            </a:r>
+            <a:endParaRPr lang="it-IT" dirty="0"/>
+          </a:p>
+        </p:txBody>
+      </p:sp>
+      <p:pic>
+        <p:nvPicPr>
+          <p:cNvPr id="3" name="Immagine 2"/>
+          <p:cNvPicPr>
+            <a:picLocks noChangeAspect="1"/>
+          </p:cNvPicPr>
+          <p:nvPr/>
+        </p:nvPicPr>
+        <p:blipFill>
+          <a:blip r:embed="rId2">
+            <a:extLst>
+              <a:ext uri="{28A0092B-C50C-407E-A947-70E740481C1C}">
+                <a14:useLocalDpi xmlns:a14="http://schemas.microsoft.com/office/drawing/2010/main" val="0"/>
+              </a:ext>
+            </a:extLst>
+          </a:blip>
+          <a:stretch>
+            <a:fillRect/>
+          </a:stretch>
+        </p:blipFill>
+        <p:spPr>
+          <a:xfrm>
+            <a:off x="6262841" y="1724178"/>
+            <a:ext cx="5567565" cy="4361990"/>
+          </a:xfrm>
+          <a:prstGeom prst="rect">
+            <a:avLst/>
+          </a:prstGeom>
+        </p:spPr>
+      </p:pic>
+    </p:spTree>
+    <p:extLst>
+      <p:ext uri="{BB962C8B-B14F-4D97-AF65-F5344CB8AC3E}">
+        <p14:creationId xmlns:p14="http://schemas.microsoft.com/office/powerpoint/2010/main" val="3997694189"/>
+      </p:ext>
+    </p:extLst>
+  </p:cSld>
+  <p:clrMapOvr>
+    <a:masterClrMapping/>
+  </p:clrMapOvr>
+</p:sld>
+</file>
+
 <file path=ppt/slides/slide2.xml><?xml version="1.0" encoding="utf-8"?>
 <p:sld xmlns:a="http://schemas.openxmlformats.org/drawingml/2006/main" xmlns:r="http://schemas.openxmlformats.org/officeDocument/2006/relationships" xmlns:p="http://schemas.openxmlformats.org/presentationml/2006/main">
   <p:cSld>
@@ -7087,6 +10416,2210 @@
   </p:cSld>
   <p:clrMapOvr>
     <a:overrideClrMapping bg1="lt1" tx1="dk1" bg2="lt2" tx2="dk2" accent1="accent1" accent2="accent2" accent3="accent3" accent4="accent4" accent5="accent5" accent6="accent6" hlink="hlink" folHlink="folHlink"/>
+  </p:clrMapOvr>
+</p:sld>
+</file>
+
+<file path=ppt/slides/slide20.xml><?xml version="1.0" encoding="utf-8"?>
+<p:sld xmlns:a="http://schemas.openxmlformats.org/drawingml/2006/main" xmlns:r="http://schemas.openxmlformats.org/officeDocument/2006/relationships" xmlns:p="http://schemas.openxmlformats.org/presentationml/2006/main">
+  <p:cSld>
+    <p:spTree>
+      <p:nvGrpSpPr>
+        <p:cNvPr id="1" name=""/>
+        <p:cNvGrpSpPr/>
+        <p:nvPr/>
+      </p:nvGrpSpPr>
+      <p:grpSpPr>
+        <a:xfrm>
+          <a:off x="0" y="0"/>
+          <a:ext cx="0" cy="0"/>
+          <a:chOff x="0" y="0"/>
+          <a:chExt cx="0" cy="0"/>
+        </a:xfrm>
+      </p:grpSpPr>
+      <p:sp>
+        <p:nvSpPr>
+          <p:cNvPr id="2" name="Segnaposto testo 1">
+            <a:extLst>
+              <a:ext uri="{FF2B5EF4-FFF2-40B4-BE49-F238E27FC236}">
+                <a16:creationId xmlns:a16="http://schemas.microsoft.com/office/drawing/2014/main" id="{E5AE986C-196F-4141-A898-FA4C4198CDCC}"/>
+              </a:ext>
+            </a:extLst>
+          </p:cNvPr>
+          <p:cNvSpPr>
+            <a:spLocks noGrp="1"/>
+          </p:cNvSpPr>
+          <p:nvPr>
+            <p:ph type="body" idx="1"/>
+          </p:nvPr>
+        </p:nvSpPr>
+        <p:spPr>
+          <a:xfrm>
+            <a:off x="721776" y="1401434"/>
+            <a:ext cx="4695797" cy="4392612"/>
+          </a:xfrm>
+        </p:spPr>
+        <p:txBody>
+          <a:bodyPr/>
+          <a:lstStyle/>
+          <a:p>
+            <a:pPr marL="342900" indent="-342900">
+              <a:buFont typeface="Arial" panose="020B0604020202020204" pitchFamily="34" charset="0"/>
+              <a:buChar char="•"/>
+            </a:pPr>
+            <a:r>
+              <a:rPr lang="it-IT" sz="2400" b="1" dirty="0" smtClean="0">
+                <a:solidFill>
+                  <a:schemeClr val="tx1"/>
+                </a:solidFill>
+                <a:latin typeface="Tahoma" panose="020B0604030504040204" pitchFamily="34" charset="0"/>
+                <a:ea typeface="Tahoma" panose="020B0604030504040204" pitchFamily="34" charset="0"/>
+                <a:cs typeface="Tahoma" panose="020B0604030504040204" pitchFamily="34" charset="0"/>
+              </a:rPr>
+              <a:t>Virtualizzazione </a:t>
+            </a:r>
+            <a:r>
+              <a:rPr lang="it-IT" sz="2400" b="1" dirty="0">
+                <a:solidFill>
+                  <a:schemeClr val="tx1"/>
+                </a:solidFill>
+                <a:latin typeface="Tahoma" panose="020B0604030504040204" pitchFamily="34" charset="0"/>
+                <a:ea typeface="Tahoma" panose="020B0604030504040204" pitchFamily="34" charset="0"/>
+                <a:cs typeface="Tahoma" panose="020B0604030504040204" pitchFamily="34" charset="0"/>
+              </a:rPr>
+              <a:t>delle </a:t>
+            </a:r>
+            <a:r>
+              <a:rPr lang="it-IT" sz="2400" b="1" dirty="0" err="1">
+                <a:solidFill>
+                  <a:schemeClr val="tx1"/>
+                </a:solidFill>
+                <a:latin typeface="Tahoma" panose="020B0604030504040204" pitchFamily="34" charset="0"/>
+                <a:ea typeface="Tahoma" panose="020B0604030504040204" pitchFamily="34" charset="0"/>
+                <a:cs typeface="Tahoma" panose="020B0604030504040204" pitchFamily="34" charset="0"/>
+              </a:rPr>
+              <a:t>sandbox</a:t>
+            </a:r>
+            <a:r>
+              <a:rPr lang="it-IT" sz="2400" b="1" dirty="0">
+                <a:solidFill>
+                  <a:schemeClr val="tx1"/>
+                </a:solidFill>
+                <a:latin typeface="Tahoma" panose="020B0604030504040204" pitchFamily="34" charset="0"/>
+                <a:ea typeface="Tahoma" panose="020B0604030504040204" pitchFamily="34" charset="0"/>
+                <a:cs typeface="Tahoma" panose="020B0604030504040204" pitchFamily="34" charset="0"/>
+              </a:rPr>
+              <a:t>: </a:t>
+            </a:r>
+            <a:r>
+              <a:rPr lang="it-IT" sz="2400" dirty="0">
+                <a:solidFill>
+                  <a:schemeClr val="tx1"/>
+                </a:solidFill>
+                <a:latin typeface="Tahoma" panose="020B0604030504040204" pitchFamily="34" charset="0"/>
+                <a:ea typeface="Tahoma" panose="020B0604030504040204" pitchFamily="34" charset="0"/>
+                <a:cs typeface="Tahoma" panose="020B0604030504040204" pitchFamily="34" charset="0"/>
+              </a:rPr>
+              <a:t>Le </a:t>
+            </a:r>
+            <a:r>
+              <a:rPr lang="it-IT" sz="2400" dirty="0" err="1">
+                <a:solidFill>
+                  <a:schemeClr val="tx1"/>
+                </a:solidFill>
+                <a:latin typeface="Tahoma" panose="020B0604030504040204" pitchFamily="34" charset="0"/>
+                <a:ea typeface="Tahoma" panose="020B0604030504040204" pitchFamily="34" charset="0"/>
+                <a:cs typeface="Tahoma" panose="020B0604030504040204" pitchFamily="34" charset="0"/>
+              </a:rPr>
+              <a:t>sandbox</a:t>
+            </a:r>
+            <a:r>
+              <a:rPr lang="it-IT" sz="2400" dirty="0">
+                <a:solidFill>
+                  <a:schemeClr val="tx1"/>
+                </a:solidFill>
+                <a:latin typeface="Tahoma" panose="020B0604030504040204" pitchFamily="34" charset="0"/>
+                <a:ea typeface="Tahoma" panose="020B0604030504040204" pitchFamily="34" charset="0"/>
+                <a:cs typeface="Tahoma" panose="020B0604030504040204" pitchFamily="34" charset="0"/>
+              </a:rPr>
+              <a:t> virtuali sono ambienti isolati che consentono di eseguire applicazioni o file sospetti in un ambiente controllato e separato. Questo aiuta a mitigare il rischio di esecuzione di </a:t>
+            </a:r>
+            <a:r>
+              <a:rPr lang="it-IT" sz="2400" dirty="0" err="1">
+                <a:solidFill>
+                  <a:schemeClr val="tx1"/>
+                </a:solidFill>
+                <a:latin typeface="Tahoma" panose="020B0604030504040204" pitchFamily="34" charset="0"/>
+                <a:ea typeface="Tahoma" panose="020B0604030504040204" pitchFamily="34" charset="0"/>
+                <a:cs typeface="Tahoma" panose="020B0604030504040204" pitchFamily="34" charset="0"/>
+              </a:rPr>
+              <a:t>malware</a:t>
+            </a:r>
+            <a:r>
+              <a:rPr lang="it-IT" sz="2400" dirty="0">
+                <a:solidFill>
+                  <a:schemeClr val="tx1"/>
+                </a:solidFill>
+                <a:latin typeface="Tahoma" panose="020B0604030504040204" pitchFamily="34" charset="0"/>
+                <a:ea typeface="Tahoma" panose="020B0604030504040204" pitchFamily="34" charset="0"/>
+                <a:cs typeface="Tahoma" panose="020B0604030504040204" pitchFamily="34" charset="0"/>
+              </a:rPr>
+              <a:t> o di comportamenti dannosi, poiché qualsiasi attività dannosa viene confinata nella </a:t>
+            </a:r>
+            <a:r>
+              <a:rPr lang="it-IT" sz="2400" dirty="0" err="1">
+                <a:solidFill>
+                  <a:schemeClr val="tx1"/>
+                </a:solidFill>
+                <a:latin typeface="Tahoma" panose="020B0604030504040204" pitchFamily="34" charset="0"/>
+                <a:ea typeface="Tahoma" panose="020B0604030504040204" pitchFamily="34" charset="0"/>
+                <a:cs typeface="Tahoma" panose="020B0604030504040204" pitchFamily="34" charset="0"/>
+              </a:rPr>
+              <a:t>sandbox</a:t>
+            </a:r>
+            <a:r>
+              <a:rPr lang="it-IT" sz="2400" dirty="0">
+                <a:solidFill>
+                  <a:schemeClr val="tx1"/>
+                </a:solidFill>
+                <a:latin typeface="Tahoma" panose="020B0604030504040204" pitchFamily="34" charset="0"/>
+                <a:ea typeface="Tahoma" panose="020B0604030504040204" pitchFamily="34" charset="0"/>
+                <a:cs typeface="Tahoma" panose="020B0604030504040204" pitchFamily="34" charset="0"/>
+              </a:rPr>
+              <a:t> senza compromettere il sistema ospitante.</a:t>
+            </a:r>
+          </a:p>
+        </p:txBody>
+      </p:sp>
+      <p:sp>
+        <p:nvSpPr>
+          <p:cNvPr id="7" name="Segnaposto numero diapositiva 6">
+            <a:extLst>
+              <a:ext uri="{FF2B5EF4-FFF2-40B4-BE49-F238E27FC236}">
+                <a16:creationId xmlns:a16="http://schemas.microsoft.com/office/drawing/2014/main" id="{AB740BE9-E218-4144-BFDE-AE473D230A3D}"/>
+              </a:ext>
+            </a:extLst>
+          </p:cNvPr>
+          <p:cNvSpPr>
+            <a:spLocks noGrp="1"/>
+          </p:cNvSpPr>
+          <p:nvPr>
+            <p:ph type="sldNum" sz="quarter" idx="12"/>
+          </p:nvPr>
+        </p:nvSpPr>
+        <p:spPr/>
+        <p:txBody>
+          <a:bodyPr/>
+          <a:lstStyle/>
+          <a:p>
+            <a:pPr>
+              <a:defRPr/>
+            </a:pPr>
+            <a:fld id="{48B4153A-D4C5-4CEF-8992-0D8815C829E3}" type="slidenum">
+              <a:rPr lang="en-US" smtClean="0"/>
+              <a:pPr>
+                <a:defRPr/>
+              </a:pPr>
+              <a:t>20</a:t>
+            </a:fld>
+            <a:endParaRPr lang="en-US" dirty="0"/>
+          </a:p>
+        </p:txBody>
+      </p:sp>
+      <p:sp>
+        <p:nvSpPr>
+          <p:cNvPr id="5" name="Titolo 4">
+            <a:extLst>
+              <a:ext uri="{FF2B5EF4-FFF2-40B4-BE49-F238E27FC236}">
+                <a16:creationId xmlns:a16="http://schemas.microsoft.com/office/drawing/2014/main" id="{82C46BA2-B380-4357-B125-BA9F08A643F5}"/>
+              </a:ext>
+            </a:extLst>
+          </p:cNvPr>
+          <p:cNvSpPr>
+            <a:spLocks noGrp="1"/>
+          </p:cNvSpPr>
+          <p:nvPr>
+            <p:ph type="title"/>
+          </p:nvPr>
+        </p:nvSpPr>
+        <p:spPr>
+          <a:xfrm>
+            <a:off x="468895" y="503475"/>
+            <a:ext cx="11269308" cy="384721"/>
+          </a:xfrm>
+        </p:spPr>
+        <p:txBody>
+          <a:bodyPr/>
+          <a:lstStyle/>
+          <a:p>
+            <a:r>
+              <a:rPr lang="it-IT" dirty="0" smtClean="0"/>
+              <a:t>Sistemi </a:t>
+            </a:r>
+            <a:r>
+              <a:rPr lang="it-IT" dirty="0"/>
+              <a:t>di virtualizzazione</a:t>
+            </a:r>
+            <a:endParaRPr lang="it-IT" dirty="0"/>
+          </a:p>
+        </p:txBody>
+      </p:sp>
+    </p:spTree>
+    <p:extLst>
+      <p:ext uri="{BB962C8B-B14F-4D97-AF65-F5344CB8AC3E}">
+        <p14:creationId xmlns:p14="http://schemas.microsoft.com/office/powerpoint/2010/main" val="1091937524"/>
+      </p:ext>
+    </p:extLst>
+  </p:cSld>
+  <p:clrMapOvr>
+    <a:masterClrMapping/>
+  </p:clrMapOvr>
+</p:sld>
+</file>
+
+<file path=ppt/slides/slide21.xml><?xml version="1.0" encoding="utf-8"?>
+<p:sld xmlns:a="http://schemas.openxmlformats.org/drawingml/2006/main" xmlns:r="http://schemas.openxmlformats.org/officeDocument/2006/relationships" xmlns:p="http://schemas.openxmlformats.org/presentationml/2006/main">
+  <p:cSld>
+    <p:spTree>
+      <p:nvGrpSpPr>
+        <p:cNvPr id="1" name=""/>
+        <p:cNvGrpSpPr/>
+        <p:nvPr/>
+      </p:nvGrpSpPr>
+      <p:grpSpPr>
+        <a:xfrm>
+          <a:off x="0" y="0"/>
+          <a:ext cx="0" cy="0"/>
+          <a:chOff x="0" y="0"/>
+          <a:chExt cx="0" cy="0"/>
+        </a:xfrm>
+      </p:grpSpPr>
+      <p:sp>
+        <p:nvSpPr>
+          <p:cNvPr id="2" name="Segnaposto testo 1">
+            <a:extLst>
+              <a:ext uri="{FF2B5EF4-FFF2-40B4-BE49-F238E27FC236}">
+                <a16:creationId xmlns:a16="http://schemas.microsoft.com/office/drawing/2014/main" id="{E5AE986C-196F-4141-A898-FA4C4198CDCC}"/>
+              </a:ext>
+            </a:extLst>
+          </p:cNvPr>
+          <p:cNvSpPr>
+            <a:spLocks noGrp="1"/>
+          </p:cNvSpPr>
+          <p:nvPr>
+            <p:ph type="body" idx="1"/>
+          </p:nvPr>
+        </p:nvSpPr>
+        <p:spPr>
+          <a:xfrm>
+            <a:off x="721776" y="1401434"/>
+            <a:ext cx="5157913" cy="4392612"/>
+          </a:xfrm>
+        </p:spPr>
+        <p:txBody>
+          <a:bodyPr/>
+          <a:lstStyle/>
+          <a:p>
+            <a:pPr marL="342900" indent="-342900">
+              <a:buFont typeface="Arial" panose="020B0604020202020204" pitchFamily="34" charset="0"/>
+              <a:buChar char="•"/>
+            </a:pPr>
+            <a:r>
+              <a:rPr lang="it-IT" sz="2400" b="1" dirty="0" smtClean="0">
+                <a:solidFill>
+                  <a:schemeClr val="tx1"/>
+                </a:solidFill>
+                <a:latin typeface="Tahoma" panose="020B0604030504040204" pitchFamily="34" charset="0"/>
+                <a:ea typeface="Tahoma" panose="020B0604030504040204" pitchFamily="34" charset="0"/>
+                <a:cs typeface="Tahoma" panose="020B0604030504040204" pitchFamily="34" charset="0"/>
+              </a:rPr>
+              <a:t>Virtualizzazione </a:t>
+            </a:r>
+            <a:r>
+              <a:rPr lang="it-IT" sz="2400" b="1" dirty="0">
+                <a:solidFill>
+                  <a:schemeClr val="tx1"/>
+                </a:solidFill>
+                <a:latin typeface="Tahoma" panose="020B0604030504040204" pitchFamily="34" charset="0"/>
+                <a:ea typeface="Tahoma" panose="020B0604030504040204" pitchFamily="34" charset="0"/>
+                <a:cs typeface="Tahoma" panose="020B0604030504040204" pitchFamily="34" charset="0"/>
+              </a:rPr>
+              <a:t>dei test di sicurezza:</a:t>
+            </a:r>
+            <a:r>
+              <a:rPr lang="it-IT" sz="2400" dirty="0">
+                <a:solidFill>
+                  <a:schemeClr val="tx1"/>
+                </a:solidFill>
+                <a:latin typeface="Tahoma" panose="020B0604030504040204" pitchFamily="34" charset="0"/>
+                <a:ea typeface="Tahoma" panose="020B0604030504040204" pitchFamily="34" charset="0"/>
+                <a:cs typeface="Tahoma" panose="020B0604030504040204" pitchFamily="34" charset="0"/>
+              </a:rPr>
+              <a:t> La virtualizzazione viene ampiamente utilizzata per eseguire test di sicurezza e analisi delle vulnerabilità. </a:t>
+            </a:r>
+            <a:r>
+              <a:rPr lang="it-IT" sz="2400" dirty="0">
+                <a:solidFill>
+                  <a:schemeClr val="tx1"/>
+                </a:solidFill>
+                <a:latin typeface="Tahoma" panose="020B0604030504040204" pitchFamily="34" charset="0"/>
+                <a:ea typeface="Tahoma" panose="020B0604030504040204" pitchFamily="34" charset="0"/>
+                <a:cs typeface="Tahoma" panose="020B0604030504040204" pitchFamily="34" charset="0"/>
+              </a:rPr>
+              <a:t>I ricercatori di sicurezza e i professionisti del settore possono creare ambienti virtuali per simulare attacchi, testare patch di sicurezza e valutare la resilienza di un sistema o di un'applicazione senza compromettere l'ambiente di produzione.</a:t>
+            </a:r>
+          </a:p>
+        </p:txBody>
+      </p:sp>
+      <p:sp>
+        <p:nvSpPr>
+          <p:cNvPr id="7" name="Segnaposto numero diapositiva 6">
+            <a:extLst>
+              <a:ext uri="{FF2B5EF4-FFF2-40B4-BE49-F238E27FC236}">
+                <a16:creationId xmlns:a16="http://schemas.microsoft.com/office/drawing/2014/main" id="{AB740BE9-E218-4144-BFDE-AE473D230A3D}"/>
+              </a:ext>
+            </a:extLst>
+          </p:cNvPr>
+          <p:cNvSpPr>
+            <a:spLocks noGrp="1"/>
+          </p:cNvSpPr>
+          <p:nvPr>
+            <p:ph type="sldNum" sz="quarter" idx="12"/>
+          </p:nvPr>
+        </p:nvSpPr>
+        <p:spPr/>
+        <p:txBody>
+          <a:bodyPr/>
+          <a:lstStyle/>
+          <a:p>
+            <a:pPr>
+              <a:defRPr/>
+            </a:pPr>
+            <a:fld id="{48B4153A-D4C5-4CEF-8992-0D8815C829E3}" type="slidenum">
+              <a:rPr lang="en-US" smtClean="0"/>
+              <a:pPr>
+                <a:defRPr/>
+              </a:pPr>
+              <a:t>21</a:t>
+            </a:fld>
+            <a:endParaRPr lang="en-US" dirty="0"/>
+          </a:p>
+        </p:txBody>
+      </p:sp>
+      <p:sp>
+        <p:nvSpPr>
+          <p:cNvPr id="5" name="Titolo 4">
+            <a:extLst>
+              <a:ext uri="{FF2B5EF4-FFF2-40B4-BE49-F238E27FC236}">
+                <a16:creationId xmlns:a16="http://schemas.microsoft.com/office/drawing/2014/main" id="{82C46BA2-B380-4357-B125-BA9F08A643F5}"/>
+              </a:ext>
+            </a:extLst>
+          </p:cNvPr>
+          <p:cNvSpPr>
+            <a:spLocks noGrp="1"/>
+          </p:cNvSpPr>
+          <p:nvPr>
+            <p:ph type="title"/>
+          </p:nvPr>
+        </p:nvSpPr>
+        <p:spPr>
+          <a:xfrm>
+            <a:off x="468895" y="503475"/>
+            <a:ext cx="11269308" cy="384721"/>
+          </a:xfrm>
+        </p:spPr>
+        <p:txBody>
+          <a:bodyPr/>
+          <a:lstStyle/>
+          <a:p>
+            <a:r>
+              <a:rPr lang="it-IT" dirty="0" smtClean="0"/>
+              <a:t>Sistemi </a:t>
+            </a:r>
+            <a:r>
+              <a:rPr lang="it-IT" dirty="0"/>
+              <a:t>di virtualizzazione</a:t>
+            </a:r>
+            <a:endParaRPr lang="it-IT" dirty="0"/>
+          </a:p>
+        </p:txBody>
+      </p:sp>
+    </p:spTree>
+    <p:extLst>
+      <p:ext uri="{BB962C8B-B14F-4D97-AF65-F5344CB8AC3E}">
+        <p14:creationId xmlns:p14="http://schemas.microsoft.com/office/powerpoint/2010/main" val="497935364"/>
+      </p:ext>
+    </p:extLst>
+  </p:cSld>
+  <p:clrMapOvr>
+    <a:masterClrMapping/>
+  </p:clrMapOvr>
+</p:sld>
+</file>
+
+<file path=ppt/slides/slide22.xml><?xml version="1.0" encoding="utf-8"?>
+<p:sld xmlns:a="http://schemas.openxmlformats.org/drawingml/2006/main" xmlns:r="http://schemas.openxmlformats.org/officeDocument/2006/relationships" xmlns:p="http://schemas.openxmlformats.org/presentationml/2006/main">
+  <p:cSld>
+    <p:spTree>
+      <p:nvGrpSpPr>
+        <p:cNvPr id="1" name=""/>
+        <p:cNvGrpSpPr/>
+        <p:nvPr/>
+      </p:nvGrpSpPr>
+      <p:grpSpPr>
+        <a:xfrm>
+          <a:off x="0" y="0"/>
+          <a:ext cx="0" cy="0"/>
+          <a:chOff x="0" y="0"/>
+          <a:chExt cx="0" cy="0"/>
+        </a:xfrm>
+      </p:grpSpPr>
+      <p:sp>
+        <p:nvSpPr>
+          <p:cNvPr id="2" name="Segnaposto testo 1">
+            <a:extLst>
+              <a:ext uri="{FF2B5EF4-FFF2-40B4-BE49-F238E27FC236}">
+                <a16:creationId xmlns:a16="http://schemas.microsoft.com/office/drawing/2014/main" id="{E5AE986C-196F-4141-A898-FA4C4198CDCC}"/>
+              </a:ext>
+            </a:extLst>
+          </p:cNvPr>
+          <p:cNvSpPr>
+            <a:spLocks noGrp="1"/>
+          </p:cNvSpPr>
+          <p:nvPr>
+            <p:ph type="body" idx="1"/>
+          </p:nvPr>
+        </p:nvSpPr>
+        <p:spPr>
+          <a:xfrm>
+            <a:off x="721777" y="1705419"/>
+            <a:ext cx="4774455" cy="4392612"/>
+          </a:xfrm>
+        </p:spPr>
+        <p:txBody>
+          <a:bodyPr/>
+          <a:lstStyle/>
+          <a:p>
+            <a:pPr marL="342900" indent="-342900">
+              <a:buFont typeface="Arial" panose="020B0604020202020204" pitchFamily="34" charset="0"/>
+              <a:buChar char="•"/>
+            </a:pPr>
+            <a:r>
+              <a:rPr lang="it-IT" sz="2400" dirty="0">
+                <a:solidFill>
+                  <a:schemeClr val="tx1"/>
+                </a:solidFill>
+                <a:latin typeface="Tahoma" panose="020B0604030504040204" pitchFamily="34" charset="0"/>
+                <a:ea typeface="Tahoma" panose="020B0604030504040204" pitchFamily="34" charset="0"/>
+                <a:cs typeface="Tahoma" panose="020B0604030504040204" pitchFamily="34" charset="0"/>
+              </a:rPr>
+              <a:t>Le funzioni di </a:t>
+            </a:r>
+            <a:r>
+              <a:rPr lang="it-IT" sz="2400" b="1" dirty="0">
+                <a:solidFill>
+                  <a:schemeClr val="tx1"/>
+                </a:solidFill>
+                <a:latin typeface="Tahoma" panose="020B0604030504040204" pitchFamily="34" charset="0"/>
+                <a:ea typeface="Tahoma" panose="020B0604030504040204" pitchFamily="34" charset="0"/>
+                <a:cs typeface="Tahoma" panose="020B0604030504040204" pitchFamily="34" charset="0"/>
+              </a:rPr>
+              <a:t>CSIRT</a:t>
+            </a:r>
+            <a:r>
+              <a:rPr lang="it-IT" sz="2400" dirty="0">
+                <a:solidFill>
+                  <a:schemeClr val="tx1"/>
+                </a:solidFill>
+                <a:latin typeface="Tahoma" panose="020B0604030504040204" pitchFamily="34" charset="0"/>
+                <a:ea typeface="Tahoma" panose="020B0604030504040204" pitchFamily="34" charset="0"/>
+                <a:cs typeface="Tahoma" panose="020B0604030504040204" pitchFamily="34" charset="0"/>
+              </a:rPr>
+              <a:t> (Computer Security </a:t>
+            </a:r>
+            <a:r>
+              <a:rPr lang="it-IT" sz="2400" dirty="0" err="1">
+                <a:solidFill>
+                  <a:schemeClr val="tx1"/>
+                </a:solidFill>
+                <a:latin typeface="Tahoma" panose="020B0604030504040204" pitchFamily="34" charset="0"/>
+                <a:ea typeface="Tahoma" panose="020B0604030504040204" pitchFamily="34" charset="0"/>
+                <a:cs typeface="Tahoma" panose="020B0604030504040204" pitchFamily="34" charset="0"/>
+              </a:rPr>
+              <a:t>Incident</a:t>
+            </a:r>
+            <a:r>
+              <a:rPr lang="it-IT" sz="2400" dirty="0">
+                <a:solidFill>
+                  <a:schemeClr val="tx1"/>
+                </a:solidFill>
+                <a:latin typeface="Tahoma" panose="020B0604030504040204" pitchFamily="34" charset="0"/>
+                <a:ea typeface="Tahoma" panose="020B0604030504040204" pitchFamily="34" charset="0"/>
+                <a:cs typeface="Tahoma" panose="020B0604030504040204" pitchFamily="34" charset="0"/>
+              </a:rPr>
+              <a:t> </a:t>
+            </a:r>
+            <a:r>
+              <a:rPr lang="it-IT" sz="2400" dirty="0" err="1">
+                <a:solidFill>
+                  <a:schemeClr val="tx1"/>
+                </a:solidFill>
+                <a:latin typeface="Tahoma" panose="020B0604030504040204" pitchFamily="34" charset="0"/>
+                <a:ea typeface="Tahoma" panose="020B0604030504040204" pitchFamily="34" charset="0"/>
+                <a:cs typeface="Tahoma" panose="020B0604030504040204" pitchFamily="34" charset="0"/>
+              </a:rPr>
+              <a:t>Response</a:t>
+            </a:r>
+            <a:r>
+              <a:rPr lang="it-IT" sz="2400" dirty="0">
+                <a:solidFill>
+                  <a:schemeClr val="tx1"/>
+                </a:solidFill>
+                <a:latin typeface="Tahoma" panose="020B0604030504040204" pitchFamily="34" charset="0"/>
+                <a:ea typeface="Tahoma" panose="020B0604030504040204" pitchFamily="34" charset="0"/>
+                <a:cs typeface="Tahoma" panose="020B0604030504040204" pitchFamily="34" charset="0"/>
+              </a:rPr>
+              <a:t> Team), </a:t>
+            </a:r>
+            <a:r>
+              <a:rPr lang="it-IT" sz="2400" b="1" dirty="0">
+                <a:solidFill>
+                  <a:schemeClr val="tx1"/>
+                </a:solidFill>
+                <a:latin typeface="Tahoma" panose="020B0604030504040204" pitchFamily="34" charset="0"/>
+                <a:ea typeface="Tahoma" panose="020B0604030504040204" pitchFamily="34" charset="0"/>
+                <a:cs typeface="Tahoma" panose="020B0604030504040204" pitchFamily="34" charset="0"/>
+              </a:rPr>
+              <a:t>SOC</a:t>
+            </a:r>
+            <a:r>
+              <a:rPr lang="it-IT" sz="2400" dirty="0">
+                <a:solidFill>
+                  <a:schemeClr val="tx1"/>
+                </a:solidFill>
+                <a:latin typeface="Tahoma" panose="020B0604030504040204" pitchFamily="34" charset="0"/>
+                <a:ea typeface="Tahoma" panose="020B0604030504040204" pitchFamily="34" charset="0"/>
+                <a:cs typeface="Tahoma" panose="020B0604030504040204" pitchFamily="34" charset="0"/>
+              </a:rPr>
+              <a:t> (Security Operations Center) e </a:t>
+            </a:r>
+            <a:r>
+              <a:rPr lang="it-IT" sz="2400" b="1" dirty="0">
+                <a:solidFill>
+                  <a:schemeClr val="tx1"/>
+                </a:solidFill>
+                <a:latin typeface="Tahoma" panose="020B0604030504040204" pitchFamily="34" charset="0"/>
+                <a:ea typeface="Tahoma" panose="020B0604030504040204" pitchFamily="34" charset="0"/>
+                <a:cs typeface="Tahoma" panose="020B0604030504040204" pitchFamily="34" charset="0"/>
+              </a:rPr>
+              <a:t>ISAC</a:t>
+            </a:r>
+            <a:r>
+              <a:rPr lang="it-IT" sz="2400" dirty="0">
+                <a:solidFill>
+                  <a:schemeClr val="tx1"/>
+                </a:solidFill>
+                <a:latin typeface="Tahoma" panose="020B0604030504040204" pitchFamily="34" charset="0"/>
+                <a:ea typeface="Tahoma" panose="020B0604030504040204" pitchFamily="34" charset="0"/>
+                <a:cs typeface="Tahoma" panose="020B0604030504040204" pitchFamily="34" charset="0"/>
+              </a:rPr>
+              <a:t> (Information </a:t>
+            </a:r>
+            <a:r>
+              <a:rPr lang="it-IT" sz="2400" dirty="0" err="1">
+                <a:solidFill>
+                  <a:schemeClr val="tx1"/>
+                </a:solidFill>
+                <a:latin typeface="Tahoma" panose="020B0604030504040204" pitchFamily="34" charset="0"/>
+                <a:ea typeface="Tahoma" panose="020B0604030504040204" pitchFamily="34" charset="0"/>
+                <a:cs typeface="Tahoma" panose="020B0604030504040204" pitchFamily="34" charset="0"/>
+              </a:rPr>
+              <a:t>Sharing</a:t>
+            </a:r>
+            <a:r>
+              <a:rPr lang="it-IT" sz="2400" dirty="0">
+                <a:solidFill>
+                  <a:schemeClr val="tx1"/>
+                </a:solidFill>
+                <a:latin typeface="Tahoma" panose="020B0604030504040204" pitchFamily="34" charset="0"/>
+                <a:ea typeface="Tahoma" panose="020B0604030504040204" pitchFamily="34" charset="0"/>
+                <a:cs typeface="Tahoma" panose="020B0604030504040204" pitchFamily="34" charset="0"/>
+              </a:rPr>
+              <a:t> and Analysis Center) sono strettamente connesse e spesso lavorano in collaborazione per garantire la sicurezza informatica di un'organizzazione o di </a:t>
+            </a:r>
+            <a:r>
+              <a:rPr lang="it-IT" sz="2400" dirty="0" smtClean="0">
+                <a:solidFill>
+                  <a:schemeClr val="tx1"/>
+                </a:solidFill>
+                <a:latin typeface="Tahoma" panose="020B0604030504040204" pitchFamily="34" charset="0"/>
+                <a:ea typeface="Tahoma" panose="020B0604030504040204" pitchFamily="34" charset="0"/>
+                <a:cs typeface="Tahoma" panose="020B0604030504040204" pitchFamily="34" charset="0"/>
+              </a:rPr>
+              <a:t>una comunità. </a:t>
+            </a:r>
+            <a:endParaRPr lang="it-IT" sz="2400" dirty="0">
+              <a:solidFill>
+                <a:schemeClr val="tx1"/>
+              </a:solidFill>
+              <a:latin typeface="Tahoma" panose="020B0604030504040204" pitchFamily="34" charset="0"/>
+              <a:ea typeface="Tahoma" panose="020B0604030504040204" pitchFamily="34" charset="0"/>
+              <a:cs typeface="Tahoma" panose="020B0604030504040204" pitchFamily="34" charset="0"/>
+            </a:endParaRPr>
+          </a:p>
+        </p:txBody>
+      </p:sp>
+      <p:sp>
+        <p:nvSpPr>
+          <p:cNvPr id="7" name="Segnaposto numero diapositiva 6">
+            <a:extLst>
+              <a:ext uri="{FF2B5EF4-FFF2-40B4-BE49-F238E27FC236}">
+                <a16:creationId xmlns:a16="http://schemas.microsoft.com/office/drawing/2014/main" id="{AB740BE9-E218-4144-BFDE-AE473D230A3D}"/>
+              </a:ext>
+            </a:extLst>
+          </p:cNvPr>
+          <p:cNvSpPr>
+            <a:spLocks noGrp="1"/>
+          </p:cNvSpPr>
+          <p:nvPr>
+            <p:ph type="sldNum" sz="quarter" idx="12"/>
+          </p:nvPr>
+        </p:nvSpPr>
+        <p:spPr/>
+        <p:txBody>
+          <a:bodyPr/>
+          <a:lstStyle/>
+          <a:p>
+            <a:pPr>
+              <a:defRPr/>
+            </a:pPr>
+            <a:fld id="{48B4153A-D4C5-4CEF-8992-0D8815C829E3}" type="slidenum">
+              <a:rPr lang="en-US" smtClean="0"/>
+              <a:pPr>
+                <a:defRPr/>
+              </a:pPr>
+              <a:t>22</a:t>
+            </a:fld>
+            <a:endParaRPr lang="en-US" dirty="0"/>
+          </a:p>
+        </p:txBody>
+      </p:sp>
+      <p:sp>
+        <p:nvSpPr>
+          <p:cNvPr id="5" name="Titolo 4">
+            <a:extLst>
+              <a:ext uri="{FF2B5EF4-FFF2-40B4-BE49-F238E27FC236}">
+                <a16:creationId xmlns:a16="http://schemas.microsoft.com/office/drawing/2014/main" id="{82C46BA2-B380-4357-B125-BA9F08A643F5}"/>
+              </a:ext>
+            </a:extLst>
+          </p:cNvPr>
+          <p:cNvSpPr>
+            <a:spLocks noGrp="1"/>
+          </p:cNvSpPr>
+          <p:nvPr>
+            <p:ph type="title"/>
+          </p:nvPr>
+        </p:nvSpPr>
+        <p:spPr>
+          <a:xfrm>
+            <a:off x="468895" y="503475"/>
+            <a:ext cx="11269308" cy="384721"/>
+          </a:xfrm>
+        </p:spPr>
+        <p:txBody>
+          <a:bodyPr/>
+          <a:lstStyle/>
+          <a:p>
+            <a:r>
+              <a:rPr lang="it-IT" dirty="0" smtClean="0"/>
+              <a:t>Funzioni </a:t>
+            </a:r>
+            <a:r>
+              <a:rPr lang="it-IT" dirty="0"/>
+              <a:t>di CSIRT, SOC e </a:t>
+            </a:r>
+            <a:r>
+              <a:rPr lang="it-IT" dirty="0" smtClean="0"/>
+              <a:t>ISAC</a:t>
+            </a:r>
+            <a:endParaRPr lang="it-IT" dirty="0"/>
+          </a:p>
+        </p:txBody>
+      </p:sp>
+      <p:pic>
+        <p:nvPicPr>
+          <p:cNvPr id="3" name="Immagine 2"/>
+          <p:cNvPicPr>
+            <a:picLocks noChangeAspect="1"/>
+          </p:cNvPicPr>
+          <p:nvPr/>
+        </p:nvPicPr>
+        <p:blipFill>
+          <a:blip r:embed="rId2">
+            <a:extLst>
+              <a:ext uri="{28A0092B-C50C-407E-A947-70E740481C1C}">
+                <a14:useLocalDpi xmlns:a14="http://schemas.microsoft.com/office/drawing/2010/main" val="0"/>
+              </a:ext>
+            </a:extLst>
+          </a:blip>
+          <a:stretch>
+            <a:fillRect/>
+          </a:stretch>
+        </p:blipFill>
+        <p:spPr>
+          <a:xfrm>
+            <a:off x="5496232" y="2009403"/>
+            <a:ext cx="7275991" cy="3784643"/>
+          </a:xfrm>
+          <a:prstGeom prst="rect">
+            <a:avLst/>
+          </a:prstGeom>
+        </p:spPr>
+      </p:pic>
+    </p:spTree>
+    <p:extLst>
+      <p:ext uri="{BB962C8B-B14F-4D97-AF65-F5344CB8AC3E}">
+        <p14:creationId xmlns:p14="http://schemas.microsoft.com/office/powerpoint/2010/main" val="2990027839"/>
+      </p:ext>
+    </p:extLst>
+  </p:cSld>
+  <p:clrMapOvr>
+    <a:masterClrMapping/>
+  </p:clrMapOvr>
+</p:sld>
+</file>
+
+<file path=ppt/slides/slide23.xml><?xml version="1.0" encoding="utf-8"?>
+<p:sld xmlns:a="http://schemas.openxmlformats.org/drawingml/2006/main" xmlns:r="http://schemas.openxmlformats.org/officeDocument/2006/relationships" xmlns:p="http://schemas.openxmlformats.org/presentationml/2006/main">
+  <p:cSld>
+    <p:spTree>
+      <p:nvGrpSpPr>
+        <p:cNvPr id="1" name=""/>
+        <p:cNvGrpSpPr/>
+        <p:nvPr/>
+      </p:nvGrpSpPr>
+      <p:grpSpPr>
+        <a:xfrm>
+          <a:off x="0" y="0"/>
+          <a:ext cx="0" cy="0"/>
+          <a:chOff x="0" y="0"/>
+          <a:chExt cx="0" cy="0"/>
+        </a:xfrm>
+      </p:grpSpPr>
+      <p:sp>
+        <p:nvSpPr>
+          <p:cNvPr id="2" name="Segnaposto testo 1">
+            <a:extLst>
+              <a:ext uri="{FF2B5EF4-FFF2-40B4-BE49-F238E27FC236}">
+                <a16:creationId xmlns:a16="http://schemas.microsoft.com/office/drawing/2014/main" id="{E5AE986C-196F-4141-A898-FA4C4198CDCC}"/>
+              </a:ext>
+            </a:extLst>
+          </p:cNvPr>
+          <p:cNvSpPr>
+            <a:spLocks noGrp="1"/>
+          </p:cNvSpPr>
+          <p:nvPr>
+            <p:ph type="body" idx="1"/>
+          </p:nvPr>
+        </p:nvSpPr>
+        <p:spPr>
+          <a:xfrm>
+            <a:off x="721777" y="1401434"/>
+            <a:ext cx="6426275" cy="4392612"/>
+          </a:xfrm>
+        </p:spPr>
+        <p:txBody>
+          <a:bodyPr/>
+          <a:lstStyle/>
+          <a:p>
+            <a:pPr marL="342900" indent="-342900">
+              <a:buFont typeface="Arial" panose="020B0604020202020204" pitchFamily="34" charset="0"/>
+              <a:buChar char="•"/>
+            </a:pPr>
+            <a:r>
+              <a:rPr lang="it-IT" sz="2400" b="1" dirty="0">
+                <a:solidFill>
+                  <a:schemeClr val="tx1"/>
+                </a:solidFill>
+                <a:latin typeface="Tahoma" panose="020B0604030504040204" pitchFamily="34" charset="0"/>
+                <a:ea typeface="Tahoma" panose="020B0604030504040204" pitchFamily="34" charset="0"/>
+                <a:cs typeface="Tahoma" panose="020B0604030504040204" pitchFamily="34" charset="0"/>
+              </a:rPr>
+              <a:t>CSIRT</a:t>
+            </a:r>
+            <a:r>
+              <a:rPr lang="it-IT" sz="2400" dirty="0">
+                <a:solidFill>
+                  <a:schemeClr val="tx1"/>
+                </a:solidFill>
+                <a:latin typeface="Tahoma" panose="020B0604030504040204" pitchFamily="34" charset="0"/>
+                <a:ea typeface="Tahoma" panose="020B0604030504040204" pitchFamily="34" charset="0"/>
+                <a:cs typeface="Tahoma" panose="020B0604030504040204" pitchFamily="34" charset="0"/>
+              </a:rPr>
+              <a:t> (Computer Security </a:t>
+            </a:r>
+            <a:r>
+              <a:rPr lang="it-IT" sz="2400" dirty="0" err="1">
+                <a:solidFill>
+                  <a:schemeClr val="tx1"/>
+                </a:solidFill>
+                <a:latin typeface="Tahoma" panose="020B0604030504040204" pitchFamily="34" charset="0"/>
+                <a:ea typeface="Tahoma" panose="020B0604030504040204" pitchFamily="34" charset="0"/>
+                <a:cs typeface="Tahoma" panose="020B0604030504040204" pitchFamily="34" charset="0"/>
+              </a:rPr>
+              <a:t>Incident</a:t>
+            </a:r>
+            <a:r>
+              <a:rPr lang="it-IT" sz="2400" dirty="0">
+                <a:solidFill>
+                  <a:schemeClr val="tx1"/>
+                </a:solidFill>
+                <a:latin typeface="Tahoma" panose="020B0604030504040204" pitchFamily="34" charset="0"/>
+                <a:ea typeface="Tahoma" panose="020B0604030504040204" pitchFamily="34" charset="0"/>
+                <a:cs typeface="Tahoma" panose="020B0604030504040204" pitchFamily="34" charset="0"/>
+              </a:rPr>
+              <a:t> </a:t>
+            </a:r>
+            <a:r>
+              <a:rPr lang="it-IT" sz="2400" dirty="0" err="1">
+                <a:solidFill>
+                  <a:schemeClr val="tx1"/>
+                </a:solidFill>
+                <a:latin typeface="Tahoma" panose="020B0604030504040204" pitchFamily="34" charset="0"/>
+                <a:ea typeface="Tahoma" panose="020B0604030504040204" pitchFamily="34" charset="0"/>
+                <a:cs typeface="Tahoma" panose="020B0604030504040204" pitchFamily="34" charset="0"/>
+              </a:rPr>
+              <a:t>Response</a:t>
+            </a:r>
+            <a:r>
+              <a:rPr lang="it-IT" sz="2400" dirty="0">
+                <a:solidFill>
+                  <a:schemeClr val="tx1"/>
+                </a:solidFill>
+                <a:latin typeface="Tahoma" panose="020B0604030504040204" pitchFamily="34" charset="0"/>
+                <a:ea typeface="Tahoma" panose="020B0604030504040204" pitchFamily="34" charset="0"/>
+                <a:cs typeface="Tahoma" panose="020B0604030504040204" pitchFamily="34" charset="0"/>
+              </a:rPr>
+              <a:t> Team): Un </a:t>
+            </a:r>
+            <a:r>
+              <a:rPr lang="it-IT" sz="2400" b="1" dirty="0">
+                <a:solidFill>
+                  <a:schemeClr val="tx1"/>
+                </a:solidFill>
+                <a:latin typeface="Tahoma" panose="020B0604030504040204" pitchFamily="34" charset="0"/>
+                <a:ea typeface="Tahoma" panose="020B0604030504040204" pitchFamily="34" charset="0"/>
+                <a:cs typeface="Tahoma" panose="020B0604030504040204" pitchFamily="34" charset="0"/>
+              </a:rPr>
+              <a:t>CSIRT</a:t>
+            </a:r>
+            <a:r>
+              <a:rPr lang="it-IT" sz="2400" dirty="0">
+                <a:solidFill>
+                  <a:schemeClr val="tx1"/>
+                </a:solidFill>
+                <a:latin typeface="Tahoma" panose="020B0604030504040204" pitchFamily="34" charset="0"/>
+                <a:ea typeface="Tahoma" panose="020B0604030504040204" pitchFamily="34" charset="0"/>
+                <a:cs typeface="Tahoma" panose="020B0604030504040204" pitchFamily="34" charset="0"/>
+              </a:rPr>
+              <a:t> è un team dedicato alla gestione degli incidenti di </a:t>
+            </a:r>
+            <a:r>
+              <a:rPr lang="it-IT" sz="2400" b="1" dirty="0">
+                <a:solidFill>
+                  <a:schemeClr val="tx1"/>
+                </a:solidFill>
+                <a:latin typeface="Tahoma" panose="020B0604030504040204" pitchFamily="34" charset="0"/>
+                <a:ea typeface="Tahoma" panose="020B0604030504040204" pitchFamily="34" charset="0"/>
+                <a:cs typeface="Tahoma" panose="020B0604030504040204" pitchFamily="34" charset="0"/>
+              </a:rPr>
+              <a:t>sicurezza</a:t>
+            </a:r>
+            <a:r>
+              <a:rPr lang="it-IT" sz="2400" dirty="0">
+                <a:solidFill>
+                  <a:schemeClr val="tx1"/>
+                </a:solidFill>
+                <a:latin typeface="Tahoma" panose="020B0604030504040204" pitchFamily="34" charset="0"/>
+                <a:ea typeface="Tahoma" panose="020B0604030504040204" pitchFamily="34" charset="0"/>
+                <a:cs typeface="Tahoma" panose="020B0604030504040204" pitchFamily="34" charset="0"/>
+              </a:rPr>
+              <a:t> </a:t>
+            </a:r>
+            <a:r>
+              <a:rPr lang="it-IT" sz="2400" b="1" dirty="0">
+                <a:solidFill>
+                  <a:schemeClr val="tx1"/>
+                </a:solidFill>
+                <a:latin typeface="Tahoma" panose="020B0604030504040204" pitchFamily="34" charset="0"/>
+                <a:ea typeface="Tahoma" panose="020B0604030504040204" pitchFamily="34" charset="0"/>
+                <a:cs typeface="Tahoma" panose="020B0604030504040204" pitchFamily="34" charset="0"/>
+              </a:rPr>
+              <a:t>informatica</a:t>
+            </a:r>
+            <a:r>
+              <a:rPr lang="it-IT" sz="2400" dirty="0">
+                <a:solidFill>
+                  <a:schemeClr val="tx1"/>
+                </a:solidFill>
+                <a:latin typeface="Tahoma" panose="020B0604030504040204" pitchFamily="34" charset="0"/>
+                <a:ea typeface="Tahoma" panose="020B0604030504040204" pitchFamily="34" charset="0"/>
+                <a:cs typeface="Tahoma" panose="020B0604030504040204" pitchFamily="34" charset="0"/>
+              </a:rPr>
+              <a:t>. Il suo obiettivo principale è quello di rilevare, rispondere e mitigare gli attacchi informatici. I membri del team </a:t>
+            </a:r>
+            <a:r>
+              <a:rPr lang="it-IT" sz="2400" b="1" dirty="0">
+                <a:solidFill>
+                  <a:schemeClr val="tx1"/>
+                </a:solidFill>
+                <a:latin typeface="Tahoma" panose="020B0604030504040204" pitchFamily="34" charset="0"/>
+                <a:ea typeface="Tahoma" panose="020B0604030504040204" pitchFamily="34" charset="0"/>
+                <a:cs typeface="Tahoma" panose="020B0604030504040204" pitchFamily="34" charset="0"/>
+              </a:rPr>
+              <a:t>CSIRT</a:t>
+            </a:r>
+            <a:r>
+              <a:rPr lang="it-IT" sz="2400" dirty="0">
+                <a:solidFill>
+                  <a:schemeClr val="tx1"/>
+                </a:solidFill>
+                <a:latin typeface="Tahoma" panose="020B0604030504040204" pitchFamily="34" charset="0"/>
+                <a:ea typeface="Tahoma" panose="020B0604030504040204" pitchFamily="34" charset="0"/>
+                <a:cs typeface="Tahoma" panose="020B0604030504040204" pitchFamily="34" charset="0"/>
+              </a:rPr>
+              <a:t> sono addestrati per identificare le minacce, analizzare gli incidenti di sicurezza e coordinare le risposte appropriate. </a:t>
+            </a:r>
+            <a:r>
+              <a:rPr lang="it-IT" sz="2400" dirty="0">
+                <a:solidFill>
+                  <a:schemeClr val="tx1"/>
+                </a:solidFill>
+                <a:latin typeface="Tahoma" panose="020B0604030504040204" pitchFamily="34" charset="0"/>
+                <a:ea typeface="Tahoma" panose="020B0604030504040204" pitchFamily="34" charset="0"/>
+                <a:cs typeface="Tahoma" panose="020B0604030504040204" pitchFamily="34" charset="0"/>
+              </a:rPr>
+              <a:t>Possono anche fornire consulenza sulla sicurezza informatica e promuovere le migliori pratiche all'interno di un'organizzazione</a:t>
+            </a:r>
+            <a:r>
+              <a:rPr lang="it-IT" sz="2400" dirty="0" smtClean="0">
+                <a:solidFill>
+                  <a:schemeClr val="tx1"/>
+                </a:solidFill>
+                <a:latin typeface="Tahoma" panose="020B0604030504040204" pitchFamily="34" charset="0"/>
+                <a:ea typeface="Tahoma" panose="020B0604030504040204" pitchFamily="34" charset="0"/>
+                <a:cs typeface="Tahoma" panose="020B0604030504040204" pitchFamily="34" charset="0"/>
+              </a:rPr>
+              <a:t>.</a:t>
+            </a:r>
+            <a:endParaRPr lang="it-IT" sz="2400" dirty="0">
+              <a:solidFill>
+                <a:schemeClr val="tx1"/>
+              </a:solidFill>
+              <a:latin typeface="Tahoma" panose="020B0604030504040204" pitchFamily="34" charset="0"/>
+              <a:ea typeface="Tahoma" panose="020B0604030504040204" pitchFamily="34" charset="0"/>
+              <a:cs typeface="Tahoma" panose="020B0604030504040204" pitchFamily="34" charset="0"/>
+            </a:endParaRPr>
+          </a:p>
+        </p:txBody>
+      </p:sp>
+      <p:sp>
+        <p:nvSpPr>
+          <p:cNvPr id="7" name="Segnaposto numero diapositiva 6">
+            <a:extLst>
+              <a:ext uri="{FF2B5EF4-FFF2-40B4-BE49-F238E27FC236}">
+                <a16:creationId xmlns:a16="http://schemas.microsoft.com/office/drawing/2014/main" id="{AB740BE9-E218-4144-BFDE-AE473D230A3D}"/>
+              </a:ext>
+            </a:extLst>
+          </p:cNvPr>
+          <p:cNvSpPr>
+            <a:spLocks noGrp="1"/>
+          </p:cNvSpPr>
+          <p:nvPr>
+            <p:ph type="sldNum" sz="quarter" idx="12"/>
+          </p:nvPr>
+        </p:nvSpPr>
+        <p:spPr/>
+        <p:txBody>
+          <a:bodyPr/>
+          <a:lstStyle/>
+          <a:p>
+            <a:pPr>
+              <a:defRPr/>
+            </a:pPr>
+            <a:fld id="{48B4153A-D4C5-4CEF-8992-0D8815C829E3}" type="slidenum">
+              <a:rPr lang="en-US" smtClean="0"/>
+              <a:pPr>
+                <a:defRPr/>
+              </a:pPr>
+              <a:t>23</a:t>
+            </a:fld>
+            <a:endParaRPr lang="en-US" dirty="0"/>
+          </a:p>
+        </p:txBody>
+      </p:sp>
+      <p:sp>
+        <p:nvSpPr>
+          <p:cNvPr id="5" name="Titolo 4">
+            <a:extLst>
+              <a:ext uri="{FF2B5EF4-FFF2-40B4-BE49-F238E27FC236}">
+                <a16:creationId xmlns:a16="http://schemas.microsoft.com/office/drawing/2014/main" id="{82C46BA2-B380-4357-B125-BA9F08A643F5}"/>
+              </a:ext>
+            </a:extLst>
+          </p:cNvPr>
+          <p:cNvSpPr>
+            <a:spLocks noGrp="1"/>
+          </p:cNvSpPr>
+          <p:nvPr>
+            <p:ph type="title"/>
+          </p:nvPr>
+        </p:nvSpPr>
+        <p:spPr>
+          <a:xfrm>
+            <a:off x="468895" y="503475"/>
+            <a:ext cx="11269308" cy="384721"/>
+          </a:xfrm>
+        </p:spPr>
+        <p:txBody>
+          <a:bodyPr/>
+          <a:lstStyle/>
+          <a:p>
+            <a:r>
+              <a:rPr lang="it-IT" dirty="0" smtClean="0"/>
+              <a:t>Funzioni </a:t>
+            </a:r>
+            <a:r>
+              <a:rPr lang="it-IT" dirty="0"/>
+              <a:t>di CSIRT, SOC e ISAC</a:t>
+            </a:r>
+            <a:endParaRPr lang="it-IT" dirty="0"/>
+          </a:p>
+        </p:txBody>
+      </p:sp>
+      <p:pic>
+        <p:nvPicPr>
+          <p:cNvPr id="4" name="Immagine 3"/>
+          <p:cNvPicPr>
+            <a:picLocks noChangeAspect="1"/>
+          </p:cNvPicPr>
+          <p:nvPr/>
+        </p:nvPicPr>
+        <p:blipFill>
+          <a:blip r:embed="rId2">
+            <a:extLst>
+              <a:ext uri="{28A0092B-C50C-407E-A947-70E740481C1C}">
+                <a14:useLocalDpi xmlns:a14="http://schemas.microsoft.com/office/drawing/2010/main" val="0"/>
+              </a:ext>
+            </a:extLst>
+          </a:blip>
+          <a:stretch>
+            <a:fillRect/>
+          </a:stretch>
+        </p:blipFill>
+        <p:spPr>
+          <a:xfrm>
+            <a:off x="7290674" y="2491798"/>
+            <a:ext cx="4608355" cy="2301824"/>
+          </a:xfrm>
+          <a:prstGeom prst="rect">
+            <a:avLst/>
+          </a:prstGeom>
+        </p:spPr>
+      </p:pic>
+    </p:spTree>
+    <p:extLst>
+      <p:ext uri="{BB962C8B-B14F-4D97-AF65-F5344CB8AC3E}">
+        <p14:creationId xmlns:p14="http://schemas.microsoft.com/office/powerpoint/2010/main" val="3553250571"/>
+      </p:ext>
+    </p:extLst>
+  </p:cSld>
+  <p:clrMapOvr>
+    <a:masterClrMapping/>
+  </p:clrMapOvr>
+</p:sld>
+</file>
+
+<file path=ppt/slides/slide24.xml><?xml version="1.0" encoding="utf-8"?>
+<p:sld xmlns:a="http://schemas.openxmlformats.org/drawingml/2006/main" xmlns:r="http://schemas.openxmlformats.org/officeDocument/2006/relationships" xmlns:p="http://schemas.openxmlformats.org/presentationml/2006/main">
+  <p:cSld>
+    <p:spTree>
+      <p:nvGrpSpPr>
+        <p:cNvPr id="1" name=""/>
+        <p:cNvGrpSpPr/>
+        <p:nvPr/>
+      </p:nvGrpSpPr>
+      <p:grpSpPr>
+        <a:xfrm>
+          <a:off x="0" y="0"/>
+          <a:ext cx="0" cy="0"/>
+          <a:chOff x="0" y="0"/>
+          <a:chExt cx="0" cy="0"/>
+        </a:xfrm>
+      </p:grpSpPr>
+      <p:sp>
+        <p:nvSpPr>
+          <p:cNvPr id="2" name="Segnaposto testo 1">
+            <a:extLst>
+              <a:ext uri="{FF2B5EF4-FFF2-40B4-BE49-F238E27FC236}">
+                <a16:creationId xmlns:a16="http://schemas.microsoft.com/office/drawing/2014/main" id="{E5AE986C-196F-4141-A898-FA4C4198CDCC}"/>
+              </a:ext>
+            </a:extLst>
+          </p:cNvPr>
+          <p:cNvSpPr>
+            <a:spLocks noGrp="1"/>
+          </p:cNvSpPr>
+          <p:nvPr>
+            <p:ph type="body" idx="1"/>
+          </p:nvPr>
+        </p:nvSpPr>
+        <p:spPr>
+          <a:xfrm>
+            <a:off x="721777" y="1401434"/>
+            <a:ext cx="7989604" cy="4392612"/>
+          </a:xfrm>
+        </p:spPr>
+        <p:txBody>
+          <a:bodyPr/>
+          <a:lstStyle/>
+          <a:p>
+            <a:pPr marL="342900" indent="-342900">
+              <a:buFont typeface="Arial" panose="020B0604020202020204" pitchFamily="34" charset="0"/>
+              <a:buChar char="•"/>
+            </a:pPr>
+            <a:r>
+              <a:rPr lang="it-IT" sz="2400" b="1" dirty="0" smtClean="0">
+                <a:solidFill>
+                  <a:schemeClr val="tx1"/>
+                </a:solidFill>
+                <a:latin typeface="Tahoma" panose="020B0604030504040204" pitchFamily="34" charset="0"/>
+                <a:ea typeface="Tahoma" panose="020B0604030504040204" pitchFamily="34" charset="0"/>
+                <a:cs typeface="Tahoma" panose="020B0604030504040204" pitchFamily="34" charset="0"/>
+              </a:rPr>
+              <a:t>SOC</a:t>
+            </a:r>
+            <a:r>
+              <a:rPr lang="it-IT" sz="2400" dirty="0" smtClean="0">
+                <a:solidFill>
+                  <a:schemeClr val="tx1"/>
+                </a:solidFill>
+                <a:latin typeface="Tahoma" panose="020B0604030504040204" pitchFamily="34" charset="0"/>
+                <a:ea typeface="Tahoma" panose="020B0604030504040204" pitchFamily="34" charset="0"/>
+                <a:cs typeface="Tahoma" panose="020B0604030504040204" pitchFamily="34" charset="0"/>
+              </a:rPr>
+              <a:t> </a:t>
+            </a:r>
+            <a:r>
+              <a:rPr lang="it-IT" sz="2400" dirty="0">
+                <a:solidFill>
+                  <a:schemeClr val="tx1"/>
+                </a:solidFill>
+                <a:latin typeface="Tahoma" panose="020B0604030504040204" pitchFamily="34" charset="0"/>
+                <a:ea typeface="Tahoma" panose="020B0604030504040204" pitchFamily="34" charset="0"/>
+                <a:cs typeface="Tahoma" panose="020B0604030504040204" pitchFamily="34" charset="0"/>
+              </a:rPr>
+              <a:t>(Security Operations Center): Un </a:t>
+            </a:r>
+            <a:r>
+              <a:rPr lang="it-IT" sz="2400" b="1" dirty="0">
+                <a:solidFill>
+                  <a:schemeClr val="tx1"/>
+                </a:solidFill>
+                <a:latin typeface="Tahoma" panose="020B0604030504040204" pitchFamily="34" charset="0"/>
+                <a:ea typeface="Tahoma" panose="020B0604030504040204" pitchFamily="34" charset="0"/>
+                <a:cs typeface="Tahoma" panose="020B0604030504040204" pitchFamily="34" charset="0"/>
+              </a:rPr>
+              <a:t>SOC</a:t>
+            </a:r>
+            <a:r>
+              <a:rPr lang="it-IT" sz="2400" dirty="0">
+                <a:solidFill>
+                  <a:schemeClr val="tx1"/>
+                </a:solidFill>
+                <a:latin typeface="Tahoma" panose="020B0604030504040204" pitchFamily="34" charset="0"/>
+                <a:ea typeface="Tahoma" panose="020B0604030504040204" pitchFamily="34" charset="0"/>
+                <a:cs typeface="Tahoma" panose="020B0604030504040204" pitchFamily="34" charset="0"/>
+              </a:rPr>
+              <a:t> è un centro operativo specializzato nella gestione della </a:t>
+            </a:r>
+            <a:r>
+              <a:rPr lang="it-IT" sz="2400" b="1" dirty="0">
+                <a:solidFill>
+                  <a:schemeClr val="tx1"/>
+                </a:solidFill>
+                <a:latin typeface="Tahoma" panose="020B0604030504040204" pitchFamily="34" charset="0"/>
+                <a:ea typeface="Tahoma" panose="020B0604030504040204" pitchFamily="34" charset="0"/>
+                <a:cs typeface="Tahoma" panose="020B0604030504040204" pitchFamily="34" charset="0"/>
+              </a:rPr>
+              <a:t>sicurezza</a:t>
+            </a:r>
+            <a:r>
+              <a:rPr lang="it-IT" sz="2400" dirty="0">
+                <a:solidFill>
+                  <a:schemeClr val="tx1"/>
+                </a:solidFill>
+                <a:latin typeface="Tahoma" panose="020B0604030504040204" pitchFamily="34" charset="0"/>
+                <a:ea typeface="Tahoma" panose="020B0604030504040204" pitchFamily="34" charset="0"/>
+                <a:cs typeface="Tahoma" panose="020B0604030504040204" pitchFamily="34" charset="0"/>
+              </a:rPr>
+              <a:t> </a:t>
+            </a:r>
+            <a:r>
+              <a:rPr lang="it-IT" sz="2400" b="1" dirty="0">
+                <a:solidFill>
+                  <a:schemeClr val="tx1"/>
+                </a:solidFill>
+                <a:latin typeface="Tahoma" panose="020B0604030504040204" pitchFamily="34" charset="0"/>
+                <a:ea typeface="Tahoma" panose="020B0604030504040204" pitchFamily="34" charset="0"/>
+                <a:cs typeface="Tahoma" panose="020B0604030504040204" pitchFamily="34" charset="0"/>
+              </a:rPr>
+              <a:t>informatica</a:t>
+            </a:r>
+            <a:r>
+              <a:rPr lang="it-IT" sz="2400" dirty="0">
+                <a:solidFill>
+                  <a:schemeClr val="tx1"/>
+                </a:solidFill>
+                <a:latin typeface="Tahoma" panose="020B0604030504040204" pitchFamily="34" charset="0"/>
+                <a:ea typeface="Tahoma" panose="020B0604030504040204" pitchFamily="34" charset="0"/>
+                <a:cs typeface="Tahoma" panose="020B0604030504040204" pitchFamily="34" charset="0"/>
+              </a:rPr>
+              <a:t>. </a:t>
+            </a:r>
+            <a:r>
+              <a:rPr lang="it-IT" sz="2400" dirty="0">
+                <a:solidFill>
+                  <a:schemeClr val="tx1"/>
+                </a:solidFill>
+                <a:latin typeface="Tahoma" panose="020B0604030504040204" pitchFamily="34" charset="0"/>
+                <a:ea typeface="Tahoma" panose="020B0604030504040204" pitchFamily="34" charset="0"/>
+                <a:cs typeface="Tahoma" panose="020B0604030504040204" pitchFamily="34" charset="0"/>
+              </a:rPr>
+              <a:t>Solitamente è composto da un gruppo di esperti che monitorano costantemente gli </a:t>
+            </a:r>
+            <a:r>
+              <a:rPr lang="it-IT" sz="2400" b="1" dirty="0">
+                <a:solidFill>
+                  <a:schemeClr val="tx1"/>
+                </a:solidFill>
+                <a:latin typeface="Tahoma" panose="020B0604030504040204" pitchFamily="34" charset="0"/>
+                <a:ea typeface="Tahoma" panose="020B0604030504040204" pitchFamily="34" charset="0"/>
+                <a:cs typeface="Tahoma" panose="020B0604030504040204" pitchFamily="34" charset="0"/>
+              </a:rPr>
+              <a:t>eventi di sicurezza</a:t>
+            </a:r>
+            <a:r>
+              <a:rPr lang="it-IT" sz="2400" dirty="0">
+                <a:solidFill>
+                  <a:schemeClr val="tx1"/>
+                </a:solidFill>
+                <a:latin typeface="Tahoma" panose="020B0604030504040204" pitchFamily="34" charset="0"/>
+                <a:ea typeface="Tahoma" panose="020B0604030504040204" pitchFamily="34" charset="0"/>
+                <a:cs typeface="Tahoma" panose="020B0604030504040204" pitchFamily="34" charset="0"/>
+              </a:rPr>
+              <a:t>, analizzano le </a:t>
+            </a:r>
+            <a:r>
+              <a:rPr lang="it-IT" sz="2400" b="1" dirty="0">
+                <a:solidFill>
+                  <a:schemeClr val="tx1"/>
+                </a:solidFill>
+                <a:latin typeface="Tahoma" panose="020B0604030504040204" pitchFamily="34" charset="0"/>
+                <a:ea typeface="Tahoma" panose="020B0604030504040204" pitchFamily="34" charset="0"/>
+                <a:cs typeface="Tahoma" panose="020B0604030504040204" pitchFamily="34" charset="0"/>
+              </a:rPr>
+              <a:t>anomalie</a:t>
+            </a:r>
+            <a:r>
+              <a:rPr lang="it-IT" sz="2400" dirty="0">
+                <a:solidFill>
+                  <a:schemeClr val="tx1"/>
+                </a:solidFill>
+                <a:latin typeface="Tahoma" panose="020B0604030504040204" pitchFamily="34" charset="0"/>
+                <a:ea typeface="Tahoma" panose="020B0604030504040204" pitchFamily="34" charset="0"/>
+                <a:cs typeface="Tahoma" panose="020B0604030504040204" pitchFamily="34" charset="0"/>
+              </a:rPr>
+              <a:t> e rispondono agli incidenti. Il SOC utilizza tecnologie avanzate, come i sistemi di rilevamento delle intrusioni (</a:t>
+            </a:r>
+            <a:r>
+              <a:rPr lang="it-IT" sz="2400" b="1" dirty="0">
+                <a:solidFill>
+                  <a:schemeClr val="tx1"/>
+                </a:solidFill>
+                <a:latin typeface="Tahoma" panose="020B0604030504040204" pitchFamily="34" charset="0"/>
+                <a:ea typeface="Tahoma" panose="020B0604030504040204" pitchFamily="34" charset="0"/>
+                <a:cs typeface="Tahoma" panose="020B0604030504040204" pitchFamily="34" charset="0"/>
+              </a:rPr>
+              <a:t>IDS</a:t>
+            </a:r>
+            <a:r>
+              <a:rPr lang="it-IT" sz="2400" dirty="0">
+                <a:solidFill>
+                  <a:schemeClr val="tx1"/>
+                </a:solidFill>
+                <a:latin typeface="Tahoma" panose="020B0604030504040204" pitchFamily="34" charset="0"/>
+                <a:ea typeface="Tahoma" panose="020B0604030504040204" pitchFamily="34" charset="0"/>
+                <a:cs typeface="Tahoma" panose="020B0604030504040204" pitchFamily="34" charset="0"/>
+              </a:rPr>
+              <a:t>) e le soluzioni di gestione delle informazioni e degli eventi di sicurezza (</a:t>
+            </a:r>
+            <a:r>
+              <a:rPr lang="it-IT" sz="2400" b="1" dirty="0">
+                <a:solidFill>
+                  <a:schemeClr val="tx1"/>
+                </a:solidFill>
+                <a:latin typeface="Tahoma" panose="020B0604030504040204" pitchFamily="34" charset="0"/>
+                <a:ea typeface="Tahoma" panose="020B0604030504040204" pitchFamily="34" charset="0"/>
+                <a:cs typeface="Tahoma" panose="020B0604030504040204" pitchFamily="34" charset="0"/>
+              </a:rPr>
+              <a:t>SIEM</a:t>
+            </a:r>
+            <a:r>
+              <a:rPr lang="it-IT" sz="2400" dirty="0">
+                <a:solidFill>
+                  <a:schemeClr val="tx1"/>
+                </a:solidFill>
+                <a:latin typeface="Tahoma" panose="020B0604030504040204" pitchFamily="34" charset="0"/>
+                <a:ea typeface="Tahoma" panose="020B0604030504040204" pitchFamily="34" charset="0"/>
+                <a:cs typeface="Tahoma" panose="020B0604030504040204" pitchFamily="34" charset="0"/>
+              </a:rPr>
+              <a:t>), per monitorare e analizzare il traffico di rete e i log dei sistemi al fine di identificare potenziali minacce. Il SOC svolge anche attività di risposta agli incidenti, collaborando con il team CSIRT o con altre entità interne o esterne all'organizzazione.</a:t>
+            </a:r>
+          </a:p>
+        </p:txBody>
+      </p:sp>
+      <p:sp>
+        <p:nvSpPr>
+          <p:cNvPr id="7" name="Segnaposto numero diapositiva 6">
+            <a:extLst>
+              <a:ext uri="{FF2B5EF4-FFF2-40B4-BE49-F238E27FC236}">
+                <a16:creationId xmlns:a16="http://schemas.microsoft.com/office/drawing/2014/main" id="{AB740BE9-E218-4144-BFDE-AE473D230A3D}"/>
+              </a:ext>
+            </a:extLst>
+          </p:cNvPr>
+          <p:cNvSpPr>
+            <a:spLocks noGrp="1"/>
+          </p:cNvSpPr>
+          <p:nvPr>
+            <p:ph type="sldNum" sz="quarter" idx="12"/>
+          </p:nvPr>
+        </p:nvSpPr>
+        <p:spPr/>
+        <p:txBody>
+          <a:bodyPr/>
+          <a:lstStyle/>
+          <a:p>
+            <a:pPr>
+              <a:defRPr/>
+            </a:pPr>
+            <a:fld id="{48B4153A-D4C5-4CEF-8992-0D8815C829E3}" type="slidenum">
+              <a:rPr lang="en-US" smtClean="0"/>
+              <a:pPr>
+                <a:defRPr/>
+              </a:pPr>
+              <a:t>24</a:t>
+            </a:fld>
+            <a:endParaRPr lang="en-US" dirty="0"/>
+          </a:p>
+        </p:txBody>
+      </p:sp>
+      <p:sp>
+        <p:nvSpPr>
+          <p:cNvPr id="5" name="Titolo 4">
+            <a:extLst>
+              <a:ext uri="{FF2B5EF4-FFF2-40B4-BE49-F238E27FC236}">
+                <a16:creationId xmlns:a16="http://schemas.microsoft.com/office/drawing/2014/main" id="{82C46BA2-B380-4357-B125-BA9F08A643F5}"/>
+              </a:ext>
+            </a:extLst>
+          </p:cNvPr>
+          <p:cNvSpPr>
+            <a:spLocks noGrp="1"/>
+          </p:cNvSpPr>
+          <p:nvPr>
+            <p:ph type="title"/>
+          </p:nvPr>
+        </p:nvSpPr>
+        <p:spPr>
+          <a:xfrm>
+            <a:off x="468895" y="503475"/>
+            <a:ext cx="11269308" cy="384721"/>
+          </a:xfrm>
+        </p:spPr>
+        <p:txBody>
+          <a:bodyPr/>
+          <a:lstStyle/>
+          <a:p>
+            <a:r>
+              <a:rPr lang="it-IT" dirty="0" smtClean="0"/>
+              <a:t>Funzioni </a:t>
+            </a:r>
+            <a:r>
+              <a:rPr lang="it-IT" dirty="0"/>
+              <a:t>di CSIRT, SOC e ISAC</a:t>
+            </a:r>
+            <a:endParaRPr lang="it-IT" dirty="0"/>
+          </a:p>
+        </p:txBody>
+      </p:sp>
+      <p:pic>
+        <p:nvPicPr>
+          <p:cNvPr id="3" name="Immagine 2"/>
+          <p:cNvPicPr>
+            <a:picLocks noChangeAspect="1"/>
+          </p:cNvPicPr>
+          <p:nvPr/>
+        </p:nvPicPr>
+        <p:blipFill>
+          <a:blip r:embed="rId2">
+            <a:extLst>
+              <a:ext uri="{28A0092B-C50C-407E-A947-70E740481C1C}">
+                <a14:useLocalDpi xmlns:a14="http://schemas.microsoft.com/office/drawing/2010/main" val="0"/>
+              </a:ext>
+            </a:extLst>
+          </a:blip>
+          <a:stretch>
+            <a:fillRect/>
+          </a:stretch>
+        </p:blipFill>
+        <p:spPr>
+          <a:xfrm>
+            <a:off x="8711381" y="2605547"/>
+            <a:ext cx="3146324" cy="1769807"/>
+          </a:xfrm>
+          <a:prstGeom prst="rect">
+            <a:avLst/>
+          </a:prstGeom>
+        </p:spPr>
+      </p:pic>
+    </p:spTree>
+    <p:extLst>
+      <p:ext uri="{BB962C8B-B14F-4D97-AF65-F5344CB8AC3E}">
+        <p14:creationId xmlns:p14="http://schemas.microsoft.com/office/powerpoint/2010/main" val="2709473474"/>
+      </p:ext>
+    </p:extLst>
+  </p:cSld>
+  <p:clrMapOvr>
+    <a:masterClrMapping/>
+  </p:clrMapOvr>
+</p:sld>
+</file>
+
+<file path=ppt/slides/slide25.xml><?xml version="1.0" encoding="utf-8"?>
+<p:sld xmlns:a="http://schemas.openxmlformats.org/drawingml/2006/main" xmlns:r="http://schemas.openxmlformats.org/officeDocument/2006/relationships" xmlns:p="http://schemas.openxmlformats.org/presentationml/2006/main">
+  <p:cSld>
+    <p:spTree>
+      <p:nvGrpSpPr>
+        <p:cNvPr id="1" name=""/>
+        <p:cNvGrpSpPr/>
+        <p:nvPr/>
+      </p:nvGrpSpPr>
+      <p:grpSpPr>
+        <a:xfrm>
+          <a:off x="0" y="0"/>
+          <a:ext cx="0" cy="0"/>
+          <a:chOff x="0" y="0"/>
+          <a:chExt cx="0" cy="0"/>
+        </a:xfrm>
+      </p:grpSpPr>
+      <p:sp>
+        <p:nvSpPr>
+          <p:cNvPr id="2" name="Segnaposto testo 1">
+            <a:extLst>
+              <a:ext uri="{FF2B5EF4-FFF2-40B4-BE49-F238E27FC236}">
+                <a16:creationId xmlns:a16="http://schemas.microsoft.com/office/drawing/2014/main" id="{E5AE986C-196F-4141-A898-FA4C4198CDCC}"/>
+              </a:ext>
+            </a:extLst>
+          </p:cNvPr>
+          <p:cNvSpPr>
+            <a:spLocks noGrp="1"/>
+          </p:cNvSpPr>
+          <p:nvPr>
+            <p:ph type="body" idx="1"/>
+          </p:nvPr>
+        </p:nvSpPr>
+        <p:spPr>
+          <a:xfrm>
+            <a:off x="721777" y="1401434"/>
+            <a:ext cx="7488158" cy="4392612"/>
+          </a:xfrm>
+        </p:spPr>
+        <p:txBody>
+          <a:bodyPr/>
+          <a:lstStyle/>
+          <a:p>
+            <a:pPr marL="342900" indent="-342900">
+              <a:buFont typeface="Arial" panose="020B0604020202020204" pitchFamily="34" charset="0"/>
+              <a:buChar char="•"/>
+            </a:pPr>
+            <a:r>
+              <a:rPr lang="it-IT" sz="2400" b="1" dirty="0" smtClean="0">
+                <a:solidFill>
+                  <a:schemeClr val="tx1"/>
+                </a:solidFill>
+                <a:latin typeface="Tahoma" panose="020B0604030504040204" pitchFamily="34" charset="0"/>
+                <a:ea typeface="Tahoma" panose="020B0604030504040204" pitchFamily="34" charset="0"/>
+                <a:cs typeface="Tahoma" panose="020B0604030504040204" pitchFamily="34" charset="0"/>
+              </a:rPr>
+              <a:t>ISAC</a:t>
+            </a:r>
+            <a:r>
+              <a:rPr lang="it-IT" sz="2400" dirty="0" smtClean="0">
+                <a:solidFill>
+                  <a:schemeClr val="tx1"/>
+                </a:solidFill>
+                <a:latin typeface="Tahoma" panose="020B0604030504040204" pitchFamily="34" charset="0"/>
+                <a:ea typeface="Tahoma" panose="020B0604030504040204" pitchFamily="34" charset="0"/>
+                <a:cs typeface="Tahoma" panose="020B0604030504040204" pitchFamily="34" charset="0"/>
+              </a:rPr>
+              <a:t> </a:t>
+            </a:r>
+            <a:r>
+              <a:rPr lang="it-IT" sz="2400" dirty="0">
+                <a:solidFill>
+                  <a:schemeClr val="tx1"/>
+                </a:solidFill>
+                <a:latin typeface="Tahoma" panose="020B0604030504040204" pitchFamily="34" charset="0"/>
+                <a:ea typeface="Tahoma" panose="020B0604030504040204" pitchFamily="34" charset="0"/>
+                <a:cs typeface="Tahoma" panose="020B0604030504040204" pitchFamily="34" charset="0"/>
+              </a:rPr>
+              <a:t>(Information </a:t>
+            </a:r>
+            <a:r>
+              <a:rPr lang="it-IT" sz="2400" dirty="0" err="1">
+                <a:solidFill>
+                  <a:schemeClr val="tx1"/>
+                </a:solidFill>
+                <a:latin typeface="Tahoma" panose="020B0604030504040204" pitchFamily="34" charset="0"/>
+                <a:ea typeface="Tahoma" panose="020B0604030504040204" pitchFamily="34" charset="0"/>
+                <a:cs typeface="Tahoma" panose="020B0604030504040204" pitchFamily="34" charset="0"/>
+              </a:rPr>
+              <a:t>Sharing</a:t>
+            </a:r>
+            <a:r>
+              <a:rPr lang="it-IT" sz="2400" dirty="0">
+                <a:solidFill>
+                  <a:schemeClr val="tx1"/>
+                </a:solidFill>
+                <a:latin typeface="Tahoma" panose="020B0604030504040204" pitchFamily="34" charset="0"/>
+                <a:ea typeface="Tahoma" panose="020B0604030504040204" pitchFamily="34" charset="0"/>
+                <a:cs typeface="Tahoma" panose="020B0604030504040204" pitchFamily="34" charset="0"/>
+              </a:rPr>
+              <a:t> and Analysis Center): Un </a:t>
+            </a:r>
+            <a:r>
+              <a:rPr lang="it-IT" sz="2400" b="1" dirty="0">
+                <a:solidFill>
+                  <a:schemeClr val="tx1"/>
+                </a:solidFill>
+                <a:latin typeface="Tahoma" panose="020B0604030504040204" pitchFamily="34" charset="0"/>
+                <a:ea typeface="Tahoma" panose="020B0604030504040204" pitchFamily="34" charset="0"/>
+                <a:cs typeface="Tahoma" panose="020B0604030504040204" pitchFamily="34" charset="0"/>
+              </a:rPr>
+              <a:t>ISAC</a:t>
+            </a:r>
+            <a:r>
+              <a:rPr lang="it-IT" sz="2400" dirty="0">
+                <a:solidFill>
+                  <a:schemeClr val="tx1"/>
+                </a:solidFill>
+                <a:latin typeface="Tahoma" panose="020B0604030504040204" pitchFamily="34" charset="0"/>
+                <a:ea typeface="Tahoma" panose="020B0604030504040204" pitchFamily="34" charset="0"/>
+                <a:cs typeface="Tahoma" panose="020B0604030504040204" pitchFamily="34" charset="0"/>
+              </a:rPr>
+              <a:t> è un'organizzazione che facilita lo scambio di informazioni sulla sicurezza informatica tra diverse entità, come organizzazioni governative, aziende, organizzazioni non profit e fornitori di servizi. L'obiettivo principale di un </a:t>
+            </a:r>
+            <a:r>
+              <a:rPr lang="it-IT" sz="2400" b="1" dirty="0">
+                <a:solidFill>
+                  <a:schemeClr val="tx1"/>
+                </a:solidFill>
+                <a:latin typeface="Tahoma" panose="020B0604030504040204" pitchFamily="34" charset="0"/>
+                <a:ea typeface="Tahoma" panose="020B0604030504040204" pitchFamily="34" charset="0"/>
+                <a:cs typeface="Tahoma" panose="020B0604030504040204" pitchFamily="34" charset="0"/>
+              </a:rPr>
+              <a:t>ISAC</a:t>
+            </a:r>
+            <a:r>
+              <a:rPr lang="it-IT" sz="2400" dirty="0">
+                <a:solidFill>
+                  <a:schemeClr val="tx1"/>
+                </a:solidFill>
+                <a:latin typeface="Tahoma" panose="020B0604030504040204" pitchFamily="34" charset="0"/>
+                <a:ea typeface="Tahoma" panose="020B0604030504040204" pitchFamily="34" charset="0"/>
+                <a:cs typeface="Tahoma" panose="020B0604030504040204" pitchFamily="34" charset="0"/>
+              </a:rPr>
+              <a:t> è promuovere la collaborazione e la condivisione di informazioni sulla minaccia cibernetica per migliorare la sicurezza complessiva. Gli ISAC raccolgono, analizzano e diffondono informazioni sulle minacce e sulle migliori pratiche di sicurezza informatica, consentendo alle organizzazioni aderenti di essere più consapevoli dei rischi e di prendere misure preventive appropriate</a:t>
+            </a:r>
+            <a:r>
+              <a:rPr lang="it-IT" sz="2400" dirty="0"/>
+              <a:t>.</a:t>
+            </a:r>
+            <a:endParaRPr lang="it-IT" sz="2400" dirty="0">
+              <a:solidFill>
+                <a:schemeClr val="tx1"/>
+              </a:solidFill>
+              <a:latin typeface="Tahoma" panose="020B0604030504040204" pitchFamily="34" charset="0"/>
+              <a:ea typeface="Tahoma" panose="020B0604030504040204" pitchFamily="34" charset="0"/>
+              <a:cs typeface="Tahoma" panose="020B0604030504040204" pitchFamily="34" charset="0"/>
+            </a:endParaRPr>
+          </a:p>
+        </p:txBody>
+      </p:sp>
+      <p:sp>
+        <p:nvSpPr>
+          <p:cNvPr id="7" name="Segnaposto numero diapositiva 6">
+            <a:extLst>
+              <a:ext uri="{FF2B5EF4-FFF2-40B4-BE49-F238E27FC236}">
+                <a16:creationId xmlns:a16="http://schemas.microsoft.com/office/drawing/2014/main" id="{AB740BE9-E218-4144-BFDE-AE473D230A3D}"/>
+              </a:ext>
+            </a:extLst>
+          </p:cNvPr>
+          <p:cNvSpPr>
+            <a:spLocks noGrp="1"/>
+          </p:cNvSpPr>
+          <p:nvPr>
+            <p:ph type="sldNum" sz="quarter" idx="12"/>
+          </p:nvPr>
+        </p:nvSpPr>
+        <p:spPr/>
+        <p:txBody>
+          <a:bodyPr/>
+          <a:lstStyle/>
+          <a:p>
+            <a:pPr>
+              <a:defRPr/>
+            </a:pPr>
+            <a:fld id="{48B4153A-D4C5-4CEF-8992-0D8815C829E3}" type="slidenum">
+              <a:rPr lang="en-US" smtClean="0"/>
+              <a:pPr>
+                <a:defRPr/>
+              </a:pPr>
+              <a:t>25</a:t>
+            </a:fld>
+            <a:endParaRPr lang="en-US" dirty="0"/>
+          </a:p>
+        </p:txBody>
+      </p:sp>
+      <p:sp>
+        <p:nvSpPr>
+          <p:cNvPr id="5" name="Titolo 4">
+            <a:extLst>
+              <a:ext uri="{FF2B5EF4-FFF2-40B4-BE49-F238E27FC236}">
+                <a16:creationId xmlns:a16="http://schemas.microsoft.com/office/drawing/2014/main" id="{82C46BA2-B380-4357-B125-BA9F08A643F5}"/>
+              </a:ext>
+            </a:extLst>
+          </p:cNvPr>
+          <p:cNvSpPr>
+            <a:spLocks noGrp="1"/>
+          </p:cNvSpPr>
+          <p:nvPr>
+            <p:ph type="title"/>
+          </p:nvPr>
+        </p:nvSpPr>
+        <p:spPr>
+          <a:xfrm>
+            <a:off x="468895" y="503475"/>
+            <a:ext cx="11269308" cy="384721"/>
+          </a:xfrm>
+        </p:spPr>
+        <p:txBody>
+          <a:bodyPr/>
+          <a:lstStyle/>
+          <a:p>
+            <a:r>
+              <a:rPr lang="it-IT" dirty="0" smtClean="0"/>
+              <a:t>Funzioni </a:t>
+            </a:r>
+            <a:r>
+              <a:rPr lang="it-IT" dirty="0"/>
+              <a:t>di CSIRT, SOC e ISAC</a:t>
+            </a:r>
+            <a:endParaRPr lang="it-IT" dirty="0"/>
+          </a:p>
+        </p:txBody>
+      </p:sp>
+      <p:pic>
+        <p:nvPicPr>
+          <p:cNvPr id="3" name="Immagine 2"/>
+          <p:cNvPicPr>
+            <a:picLocks noChangeAspect="1"/>
+          </p:cNvPicPr>
+          <p:nvPr/>
+        </p:nvPicPr>
+        <p:blipFill>
+          <a:blip r:embed="rId2">
+            <a:extLst>
+              <a:ext uri="{28A0092B-C50C-407E-A947-70E740481C1C}">
+                <a14:useLocalDpi xmlns:a14="http://schemas.microsoft.com/office/drawing/2010/main" val="0"/>
+              </a:ext>
+            </a:extLst>
+          </a:blip>
+          <a:stretch>
+            <a:fillRect/>
+          </a:stretch>
+        </p:blipFill>
+        <p:spPr>
+          <a:xfrm>
+            <a:off x="8387070" y="2229617"/>
+            <a:ext cx="3423931" cy="3423931"/>
+          </a:xfrm>
+          <a:prstGeom prst="rect">
+            <a:avLst/>
+          </a:prstGeom>
+        </p:spPr>
+      </p:pic>
+    </p:spTree>
+    <p:extLst>
+      <p:ext uri="{BB962C8B-B14F-4D97-AF65-F5344CB8AC3E}">
+        <p14:creationId xmlns:p14="http://schemas.microsoft.com/office/powerpoint/2010/main" val="383873187"/>
+      </p:ext>
+    </p:extLst>
+  </p:cSld>
+  <p:clrMapOvr>
+    <a:masterClrMapping/>
+  </p:clrMapOvr>
+</p:sld>
+</file>
+
+<file path=ppt/slides/slide26.xml><?xml version="1.0" encoding="utf-8"?>
+<p:sld xmlns:a="http://schemas.openxmlformats.org/drawingml/2006/main" xmlns:r="http://schemas.openxmlformats.org/officeDocument/2006/relationships" xmlns:p="http://schemas.openxmlformats.org/presentationml/2006/main">
+  <p:cSld>
+    <p:spTree>
+      <p:nvGrpSpPr>
+        <p:cNvPr id="1" name=""/>
+        <p:cNvGrpSpPr/>
+        <p:nvPr/>
+      </p:nvGrpSpPr>
+      <p:grpSpPr>
+        <a:xfrm>
+          <a:off x="0" y="0"/>
+          <a:ext cx="0" cy="0"/>
+          <a:chOff x="0" y="0"/>
+          <a:chExt cx="0" cy="0"/>
+        </a:xfrm>
+      </p:grpSpPr>
+      <p:sp>
+        <p:nvSpPr>
+          <p:cNvPr id="2" name="Segnaposto testo 1">
+            <a:extLst>
+              <a:ext uri="{FF2B5EF4-FFF2-40B4-BE49-F238E27FC236}">
+                <a16:creationId xmlns:a16="http://schemas.microsoft.com/office/drawing/2014/main" id="{E5AE986C-196F-4141-A898-FA4C4198CDCC}"/>
+              </a:ext>
+            </a:extLst>
+          </p:cNvPr>
+          <p:cNvSpPr>
+            <a:spLocks noGrp="1"/>
+          </p:cNvSpPr>
+          <p:nvPr>
+            <p:ph type="body" idx="1"/>
+          </p:nvPr>
+        </p:nvSpPr>
+        <p:spPr>
+          <a:xfrm>
+            <a:off x="721777" y="1401434"/>
+            <a:ext cx="4695797" cy="4392612"/>
+          </a:xfrm>
+        </p:spPr>
+        <p:txBody>
+          <a:bodyPr/>
+          <a:lstStyle/>
+          <a:p>
+            <a:pPr marL="342900" indent="-342900">
+              <a:buFont typeface="Arial" panose="020B0604020202020204" pitchFamily="34" charset="0"/>
+              <a:buChar char="•"/>
+            </a:pPr>
+            <a:r>
+              <a:rPr lang="it-IT" sz="2400" dirty="0" smtClean="0">
+                <a:solidFill>
+                  <a:schemeClr val="tx1"/>
+                </a:solidFill>
+                <a:latin typeface="Tahoma" panose="020B0604030504040204" pitchFamily="34" charset="0"/>
+                <a:ea typeface="Tahoma" panose="020B0604030504040204" pitchFamily="34" charset="0"/>
+                <a:cs typeface="Tahoma" panose="020B0604030504040204" pitchFamily="34" charset="0"/>
+              </a:rPr>
+              <a:t>In </a:t>
+            </a:r>
+            <a:r>
+              <a:rPr lang="it-IT" sz="2400" dirty="0">
+                <a:solidFill>
+                  <a:schemeClr val="tx1"/>
+                </a:solidFill>
+                <a:latin typeface="Tahoma" panose="020B0604030504040204" pitchFamily="34" charset="0"/>
+                <a:ea typeface="Tahoma" panose="020B0604030504040204" pitchFamily="34" charset="0"/>
+                <a:cs typeface="Tahoma" panose="020B0604030504040204" pitchFamily="34" charset="0"/>
+              </a:rPr>
+              <a:t>sintesi, </a:t>
+            </a:r>
+            <a:r>
+              <a:rPr lang="it-IT" sz="2400" b="1" dirty="0">
+                <a:solidFill>
+                  <a:schemeClr val="tx1"/>
+                </a:solidFill>
+                <a:latin typeface="Tahoma" panose="020B0604030504040204" pitchFamily="34" charset="0"/>
+                <a:ea typeface="Tahoma" panose="020B0604030504040204" pitchFamily="34" charset="0"/>
+                <a:cs typeface="Tahoma" panose="020B0604030504040204" pitchFamily="34" charset="0"/>
+              </a:rPr>
+              <a:t>CSIRT</a:t>
+            </a:r>
+            <a:r>
+              <a:rPr lang="it-IT" sz="2400" dirty="0">
+                <a:solidFill>
+                  <a:schemeClr val="tx1"/>
+                </a:solidFill>
+                <a:latin typeface="Tahoma" panose="020B0604030504040204" pitchFamily="34" charset="0"/>
+                <a:ea typeface="Tahoma" panose="020B0604030504040204" pitchFamily="34" charset="0"/>
+                <a:cs typeface="Tahoma" panose="020B0604030504040204" pitchFamily="34" charset="0"/>
+              </a:rPr>
+              <a:t>, </a:t>
+            </a:r>
+            <a:r>
+              <a:rPr lang="it-IT" sz="2400" b="1" dirty="0">
+                <a:solidFill>
+                  <a:schemeClr val="tx1"/>
+                </a:solidFill>
+                <a:latin typeface="Tahoma" panose="020B0604030504040204" pitchFamily="34" charset="0"/>
+                <a:ea typeface="Tahoma" panose="020B0604030504040204" pitchFamily="34" charset="0"/>
+                <a:cs typeface="Tahoma" panose="020B0604030504040204" pitchFamily="34" charset="0"/>
+              </a:rPr>
+              <a:t>SOC</a:t>
+            </a:r>
+            <a:r>
+              <a:rPr lang="it-IT" sz="2400" dirty="0">
+                <a:solidFill>
+                  <a:schemeClr val="tx1"/>
+                </a:solidFill>
+                <a:latin typeface="Tahoma" panose="020B0604030504040204" pitchFamily="34" charset="0"/>
+                <a:ea typeface="Tahoma" panose="020B0604030504040204" pitchFamily="34" charset="0"/>
+                <a:cs typeface="Tahoma" panose="020B0604030504040204" pitchFamily="34" charset="0"/>
+              </a:rPr>
+              <a:t> e </a:t>
+            </a:r>
+            <a:r>
+              <a:rPr lang="it-IT" sz="2400" b="1" dirty="0">
+                <a:solidFill>
+                  <a:schemeClr val="tx1"/>
+                </a:solidFill>
+                <a:latin typeface="Tahoma" panose="020B0604030504040204" pitchFamily="34" charset="0"/>
+                <a:ea typeface="Tahoma" panose="020B0604030504040204" pitchFamily="34" charset="0"/>
+                <a:cs typeface="Tahoma" panose="020B0604030504040204" pitchFamily="34" charset="0"/>
+              </a:rPr>
+              <a:t>ISAC</a:t>
+            </a:r>
+            <a:r>
+              <a:rPr lang="it-IT" sz="2400" dirty="0">
+                <a:solidFill>
+                  <a:schemeClr val="tx1"/>
+                </a:solidFill>
+                <a:latin typeface="Tahoma" panose="020B0604030504040204" pitchFamily="34" charset="0"/>
+                <a:ea typeface="Tahoma" panose="020B0604030504040204" pitchFamily="34" charset="0"/>
+                <a:cs typeface="Tahoma" panose="020B0604030504040204" pitchFamily="34" charset="0"/>
+              </a:rPr>
+              <a:t> rappresentano tre aspetti complementari della sicurezza informatica: il </a:t>
+            </a:r>
+            <a:r>
+              <a:rPr lang="it-IT" sz="2400" b="1" dirty="0">
+                <a:solidFill>
+                  <a:schemeClr val="tx1"/>
+                </a:solidFill>
+                <a:latin typeface="Tahoma" panose="020B0604030504040204" pitchFamily="34" charset="0"/>
+                <a:ea typeface="Tahoma" panose="020B0604030504040204" pitchFamily="34" charset="0"/>
+                <a:cs typeface="Tahoma" panose="020B0604030504040204" pitchFamily="34" charset="0"/>
+              </a:rPr>
+              <a:t>CSIRT</a:t>
+            </a:r>
+            <a:r>
+              <a:rPr lang="it-IT" sz="2400" dirty="0">
+                <a:solidFill>
+                  <a:schemeClr val="tx1"/>
+                </a:solidFill>
+                <a:latin typeface="Tahoma" panose="020B0604030504040204" pitchFamily="34" charset="0"/>
+                <a:ea typeface="Tahoma" panose="020B0604030504040204" pitchFamily="34" charset="0"/>
+                <a:cs typeface="Tahoma" panose="020B0604030504040204" pitchFamily="34" charset="0"/>
+              </a:rPr>
+              <a:t> gestisce gli incidenti di sicurezza, il </a:t>
+            </a:r>
+            <a:r>
+              <a:rPr lang="it-IT" sz="2400" b="1" dirty="0">
+                <a:solidFill>
+                  <a:schemeClr val="tx1"/>
+                </a:solidFill>
+                <a:latin typeface="Tahoma" panose="020B0604030504040204" pitchFamily="34" charset="0"/>
+                <a:ea typeface="Tahoma" panose="020B0604030504040204" pitchFamily="34" charset="0"/>
+                <a:cs typeface="Tahoma" panose="020B0604030504040204" pitchFamily="34" charset="0"/>
+              </a:rPr>
+              <a:t>SOC</a:t>
+            </a:r>
+            <a:r>
+              <a:rPr lang="it-IT" sz="2400" dirty="0">
+                <a:solidFill>
+                  <a:schemeClr val="tx1"/>
+                </a:solidFill>
+                <a:latin typeface="Tahoma" panose="020B0604030504040204" pitchFamily="34" charset="0"/>
+                <a:ea typeface="Tahoma" panose="020B0604030504040204" pitchFamily="34" charset="0"/>
+                <a:cs typeface="Tahoma" panose="020B0604030504040204" pitchFamily="34" charset="0"/>
+              </a:rPr>
+              <a:t> monitora e analizza gli eventi di sicurezza in tempo reale, mentre gli </a:t>
+            </a:r>
+            <a:r>
+              <a:rPr lang="it-IT" sz="2400" b="1" dirty="0">
+                <a:solidFill>
+                  <a:schemeClr val="tx1"/>
+                </a:solidFill>
+                <a:latin typeface="Tahoma" panose="020B0604030504040204" pitchFamily="34" charset="0"/>
+                <a:ea typeface="Tahoma" panose="020B0604030504040204" pitchFamily="34" charset="0"/>
+                <a:cs typeface="Tahoma" panose="020B0604030504040204" pitchFamily="34" charset="0"/>
+              </a:rPr>
+              <a:t>ISAC</a:t>
+            </a:r>
+            <a:r>
+              <a:rPr lang="it-IT" sz="2400" dirty="0">
+                <a:solidFill>
+                  <a:schemeClr val="tx1"/>
+                </a:solidFill>
+                <a:latin typeface="Tahoma" panose="020B0604030504040204" pitchFamily="34" charset="0"/>
+                <a:ea typeface="Tahoma" panose="020B0604030504040204" pitchFamily="34" charset="0"/>
+                <a:cs typeface="Tahoma" panose="020B0604030504040204" pitchFamily="34" charset="0"/>
+              </a:rPr>
+              <a:t> favoriscono la condivisione delle informazioni sulla minaccia tra le organizzazioni.</a:t>
+            </a:r>
+          </a:p>
+        </p:txBody>
+      </p:sp>
+      <p:sp>
+        <p:nvSpPr>
+          <p:cNvPr id="7" name="Segnaposto numero diapositiva 6">
+            <a:extLst>
+              <a:ext uri="{FF2B5EF4-FFF2-40B4-BE49-F238E27FC236}">
+                <a16:creationId xmlns:a16="http://schemas.microsoft.com/office/drawing/2014/main" id="{AB740BE9-E218-4144-BFDE-AE473D230A3D}"/>
+              </a:ext>
+            </a:extLst>
+          </p:cNvPr>
+          <p:cNvSpPr>
+            <a:spLocks noGrp="1"/>
+          </p:cNvSpPr>
+          <p:nvPr>
+            <p:ph type="sldNum" sz="quarter" idx="12"/>
+          </p:nvPr>
+        </p:nvSpPr>
+        <p:spPr/>
+        <p:txBody>
+          <a:bodyPr/>
+          <a:lstStyle/>
+          <a:p>
+            <a:pPr>
+              <a:defRPr/>
+            </a:pPr>
+            <a:fld id="{48B4153A-D4C5-4CEF-8992-0D8815C829E3}" type="slidenum">
+              <a:rPr lang="en-US" smtClean="0"/>
+              <a:pPr>
+                <a:defRPr/>
+              </a:pPr>
+              <a:t>26</a:t>
+            </a:fld>
+            <a:endParaRPr lang="en-US" dirty="0"/>
+          </a:p>
+        </p:txBody>
+      </p:sp>
+      <p:sp>
+        <p:nvSpPr>
+          <p:cNvPr id="5" name="Titolo 4">
+            <a:extLst>
+              <a:ext uri="{FF2B5EF4-FFF2-40B4-BE49-F238E27FC236}">
+                <a16:creationId xmlns:a16="http://schemas.microsoft.com/office/drawing/2014/main" id="{82C46BA2-B380-4357-B125-BA9F08A643F5}"/>
+              </a:ext>
+            </a:extLst>
+          </p:cNvPr>
+          <p:cNvSpPr>
+            <a:spLocks noGrp="1"/>
+          </p:cNvSpPr>
+          <p:nvPr>
+            <p:ph type="title"/>
+          </p:nvPr>
+        </p:nvSpPr>
+        <p:spPr>
+          <a:xfrm>
+            <a:off x="468895" y="503475"/>
+            <a:ext cx="11269308" cy="384721"/>
+          </a:xfrm>
+        </p:spPr>
+        <p:txBody>
+          <a:bodyPr/>
+          <a:lstStyle/>
+          <a:p>
+            <a:r>
+              <a:rPr lang="it-IT" dirty="0" smtClean="0"/>
+              <a:t>Funzioni </a:t>
+            </a:r>
+            <a:r>
+              <a:rPr lang="it-IT" dirty="0"/>
+              <a:t>di CSIRT, SOC e ISAC</a:t>
+            </a:r>
+            <a:endParaRPr lang="it-IT" dirty="0"/>
+          </a:p>
+        </p:txBody>
+      </p:sp>
+      <p:pic>
+        <p:nvPicPr>
+          <p:cNvPr id="4" name="Immagine 3"/>
+          <p:cNvPicPr>
+            <a:picLocks noChangeAspect="1"/>
+          </p:cNvPicPr>
+          <p:nvPr/>
+        </p:nvPicPr>
+        <p:blipFill>
+          <a:blip r:embed="rId2">
+            <a:extLst>
+              <a:ext uri="{28A0092B-C50C-407E-A947-70E740481C1C}">
+                <a14:useLocalDpi xmlns:a14="http://schemas.microsoft.com/office/drawing/2010/main" val="0"/>
+              </a:ext>
+            </a:extLst>
+          </a:blip>
+          <a:stretch>
+            <a:fillRect/>
+          </a:stretch>
+        </p:blipFill>
+        <p:spPr>
+          <a:xfrm>
+            <a:off x="5781368" y="1308304"/>
+            <a:ext cx="6192018" cy="5184015"/>
+          </a:xfrm>
+          <a:prstGeom prst="rect">
+            <a:avLst/>
+          </a:prstGeom>
+        </p:spPr>
+      </p:pic>
+    </p:spTree>
+    <p:extLst>
+      <p:ext uri="{BB962C8B-B14F-4D97-AF65-F5344CB8AC3E}">
+        <p14:creationId xmlns:p14="http://schemas.microsoft.com/office/powerpoint/2010/main" val="538899849"/>
+      </p:ext>
+    </p:extLst>
+  </p:cSld>
+  <p:clrMapOvr>
+    <a:masterClrMapping/>
+  </p:clrMapOvr>
+</p:sld>
+</file>
+
+<file path=ppt/slides/slide27.xml><?xml version="1.0" encoding="utf-8"?>
+<p:sld xmlns:a="http://schemas.openxmlformats.org/drawingml/2006/main" xmlns:r="http://schemas.openxmlformats.org/officeDocument/2006/relationships" xmlns:p="http://schemas.openxmlformats.org/presentationml/2006/main">
+  <p:cSld>
+    <p:spTree>
+      <p:nvGrpSpPr>
+        <p:cNvPr id="1" name=""/>
+        <p:cNvGrpSpPr/>
+        <p:nvPr/>
+      </p:nvGrpSpPr>
+      <p:grpSpPr>
+        <a:xfrm>
+          <a:off x="0" y="0"/>
+          <a:ext cx="0" cy="0"/>
+          <a:chOff x="0" y="0"/>
+          <a:chExt cx="0" cy="0"/>
+        </a:xfrm>
+      </p:grpSpPr>
+      <p:sp>
+        <p:nvSpPr>
+          <p:cNvPr id="7" name="Segnaposto numero diapositiva 6">
+            <a:extLst>
+              <a:ext uri="{FF2B5EF4-FFF2-40B4-BE49-F238E27FC236}">
+                <a16:creationId xmlns:a16="http://schemas.microsoft.com/office/drawing/2014/main" id="{AB740BE9-E218-4144-BFDE-AE473D230A3D}"/>
+              </a:ext>
+            </a:extLst>
+          </p:cNvPr>
+          <p:cNvSpPr>
+            <a:spLocks noGrp="1"/>
+          </p:cNvSpPr>
+          <p:nvPr>
+            <p:ph type="sldNum" sz="quarter" idx="12"/>
+          </p:nvPr>
+        </p:nvSpPr>
+        <p:spPr/>
+        <p:txBody>
+          <a:bodyPr/>
+          <a:lstStyle/>
+          <a:p>
+            <a:pPr>
+              <a:defRPr/>
+            </a:pPr>
+            <a:fld id="{48B4153A-D4C5-4CEF-8992-0D8815C829E3}" type="slidenum">
+              <a:rPr lang="en-US" smtClean="0"/>
+              <a:pPr>
+                <a:defRPr/>
+              </a:pPr>
+              <a:t>27</a:t>
+            </a:fld>
+            <a:endParaRPr lang="en-US" dirty="0"/>
+          </a:p>
+        </p:txBody>
+      </p:sp>
+      <p:sp>
+        <p:nvSpPr>
+          <p:cNvPr id="5" name="Titolo 4">
+            <a:extLst>
+              <a:ext uri="{FF2B5EF4-FFF2-40B4-BE49-F238E27FC236}">
+                <a16:creationId xmlns:a16="http://schemas.microsoft.com/office/drawing/2014/main" id="{82C46BA2-B380-4357-B125-BA9F08A643F5}"/>
+              </a:ext>
+            </a:extLst>
+          </p:cNvPr>
+          <p:cNvSpPr>
+            <a:spLocks noGrp="1"/>
+          </p:cNvSpPr>
+          <p:nvPr>
+            <p:ph type="title"/>
+          </p:nvPr>
+        </p:nvSpPr>
+        <p:spPr>
+          <a:xfrm>
+            <a:off x="468895" y="503475"/>
+            <a:ext cx="11269308" cy="384721"/>
+          </a:xfrm>
+        </p:spPr>
+        <p:txBody>
+          <a:bodyPr/>
+          <a:lstStyle/>
+          <a:p>
+            <a:r>
+              <a:rPr lang="it-IT"/>
+              <a:t>Bibliografia</a:t>
+            </a:r>
+            <a:endParaRPr lang="it-IT" dirty="0"/>
+          </a:p>
+        </p:txBody>
+      </p:sp>
+      <p:sp>
+        <p:nvSpPr>
+          <p:cNvPr id="3" name="Segnaposto testo 2">
+            <a:extLst>
+              <a:ext uri="{FF2B5EF4-FFF2-40B4-BE49-F238E27FC236}">
+                <a16:creationId xmlns:a16="http://schemas.microsoft.com/office/drawing/2014/main" id="{15CD42DB-61E6-AA3D-7125-BF4BEDB5D886}"/>
+              </a:ext>
+            </a:extLst>
+          </p:cNvPr>
+          <p:cNvSpPr>
+            <a:spLocks noGrp="1"/>
+          </p:cNvSpPr>
+          <p:nvPr>
+            <p:ph type="body" idx="1"/>
+          </p:nvPr>
+        </p:nvSpPr>
+        <p:spPr/>
+        <p:txBody>
+          <a:bodyPr/>
+          <a:lstStyle/>
+          <a:p>
+            <a:endParaRPr lang="it-IT" dirty="0"/>
+          </a:p>
+        </p:txBody>
+      </p:sp>
+    </p:spTree>
+    <p:extLst>
+      <p:ext uri="{BB962C8B-B14F-4D97-AF65-F5344CB8AC3E}">
+        <p14:creationId xmlns:p14="http://schemas.microsoft.com/office/powerpoint/2010/main" val="3490964097"/>
+      </p:ext>
+    </p:extLst>
+  </p:cSld>
+  <p:clrMapOvr>
+    <a:masterClrMapping/>
   </p:clrMapOvr>
 </p:sld>
 </file>
@@ -7436,15 +12969,59 @@
               <a:buChar char="ü"/>
             </a:pPr>
             <a:r>
-              <a:rPr lang="it-IT" sz="2400">
-                <a:solidFill>
-                  <a:schemeClr val="tx1"/>
-                </a:solidFill>
-                <a:latin typeface="Tahoma" panose="020B0604030504040204" pitchFamily="34" charset="0"/>
-                <a:ea typeface="Tahoma" panose="020B0604030504040204" pitchFamily="34" charset="0"/>
-                <a:cs typeface="Tahoma" panose="020B0604030504040204" pitchFamily="34" charset="0"/>
-              </a:rPr>
-              <a:t>Con l'incremento del numero di utenti, dispositivi e programmi nell'impresa moderna, l'importaanza della cybersicurezza continua a crescere. </a:t>
+              <a:rPr lang="it-IT" sz="2400" dirty="0">
+                <a:solidFill>
+                  <a:schemeClr val="tx1"/>
+                </a:solidFill>
+                <a:latin typeface="Tahoma" panose="020B0604030504040204" pitchFamily="34" charset="0"/>
+                <a:ea typeface="Tahoma" panose="020B0604030504040204" pitchFamily="34" charset="0"/>
+                <a:cs typeface="Tahoma" panose="020B0604030504040204" pitchFamily="34" charset="0"/>
+              </a:rPr>
+              <a:t>Con l'incremento del numero di utenti, dispositivi e programmi nell'impresa moderna, l'</a:t>
+            </a:r>
+            <a:r>
+              <a:rPr lang="it-IT" sz="2400" dirty="0" err="1">
+                <a:solidFill>
+                  <a:schemeClr val="tx1"/>
+                </a:solidFill>
+                <a:latin typeface="Tahoma" panose="020B0604030504040204" pitchFamily="34" charset="0"/>
+                <a:ea typeface="Tahoma" panose="020B0604030504040204" pitchFamily="34" charset="0"/>
+                <a:cs typeface="Tahoma" panose="020B0604030504040204" pitchFamily="34" charset="0"/>
+              </a:rPr>
+              <a:t>importaanza</a:t>
+            </a:r>
+            <a:r>
+              <a:rPr lang="it-IT" sz="2400" dirty="0">
+                <a:solidFill>
+                  <a:schemeClr val="tx1"/>
+                </a:solidFill>
+                <a:latin typeface="Tahoma" panose="020B0604030504040204" pitchFamily="34" charset="0"/>
+                <a:ea typeface="Tahoma" panose="020B0604030504040204" pitchFamily="34" charset="0"/>
+                <a:cs typeface="Tahoma" panose="020B0604030504040204" pitchFamily="34" charset="0"/>
+              </a:rPr>
+              <a:t> della </a:t>
+            </a:r>
+            <a:r>
+              <a:rPr lang="it-IT" sz="2400" dirty="0" err="1">
+                <a:solidFill>
+                  <a:schemeClr val="tx1"/>
+                </a:solidFill>
+                <a:latin typeface="Tahoma" panose="020B0604030504040204" pitchFamily="34" charset="0"/>
+                <a:ea typeface="Tahoma" panose="020B0604030504040204" pitchFamily="34" charset="0"/>
+                <a:cs typeface="Tahoma" panose="020B0604030504040204" pitchFamily="34" charset="0"/>
+              </a:rPr>
+              <a:t>cybersicurezza</a:t>
+            </a:r>
+            <a:r>
+              <a:rPr lang="it-IT" sz="2400" dirty="0">
+                <a:solidFill>
+                  <a:schemeClr val="tx1"/>
+                </a:solidFill>
+                <a:latin typeface="Tahoma" panose="020B0604030504040204" pitchFamily="34" charset="0"/>
+                <a:ea typeface="Tahoma" panose="020B0604030504040204" pitchFamily="34" charset="0"/>
+                <a:cs typeface="Tahoma" panose="020B0604030504040204" pitchFamily="34" charset="0"/>
+              </a:rPr>
+              <a:t> continua a crescere. </a:t>
             </a:r>
           </a:p>
           <a:p>
@@ -7453,7 +13030,7 @@
               <a:buChar char="ü"/>
             </a:pPr>
             <a:r>
-              <a:rPr lang="it-IT" sz="2400">
+              <a:rPr lang="it-IT" sz="2400" dirty="0">
                 <a:solidFill>
                   <a:schemeClr val="tx1"/>
                 </a:solidFill>
@@ -7470,7 +13047,7 @@
               <a:buChar char="ü"/>
             </a:pPr>
             <a:r>
-              <a:rPr lang="it-IT" sz="2400">
+              <a:rPr lang="it-IT" sz="2400" dirty="0">
                 <a:solidFill>
                   <a:schemeClr val="tx1"/>
                 </a:solidFill>
@@ -7487,7 +13064,7 @@
               <a:buChar char="ü"/>
             </a:pPr>
             <a:r>
-              <a:rPr lang="it-IT" sz="2400">
+              <a:rPr lang="it-IT" sz="2400" dirty="0">
                 <a:solidFill>
                   <a:schemeClr val="tx1"/>
                 </a:solidFill>
@@ -7498,26 +13075,59 @@
               <a:t>Il campo della </a:t>
             </a:r>
             <a:r>
-              <a:rPr lang="it-IT" sz="2400" b="1">
-                <a:solidFill>
-                  <a:schemeClr val="tx1"/>
-                </a:solidFill>
-                <a:latin typeface="Tahoma" panose="020B0604030504040204" pitchFamily="34" charset="0"/>
-                <a:ea typeface="Tahoma" panose="020B0604030504040204" pitchFamily="34" charset="0"/>
-                <a:cs typeface="Tahoma" panose="020B0604030504040204" pitchFamily="34" charset="0"/>
-              </a:rPr>
-              <a:t>Cybersicurezza </a:t>
-            </a:r>
-            <a:r>
-              <a:rPr lang="it-IT" sz="2400">
-                <a:solidFill>
-                  <a:schemeClr val="tx1"/>
-                </a:solidFill>
-                <a:latin typeface="Tahoma" panose="020B0604030504040204" pitchFamily="34" charset="0"/>
-                <a:ea typeface="Tahoma" panose="020B0604030504040204" pitchFamily="34" charset="0"/>
-                <a:cs typeface="Tahoma" panose="020B0604030504040204" pitchFamily="34" charset="0"/>
-              </a:rPr>
-              <a:t>può essere suddiviso in diverse sezioni, il coordinamento delle quali all'interno dell'organizzazione è cruciale per il successo di un programma di cybersicurezza. </a:t>
+              <a:rPr lang="it-IT" sz="2400" b="1" dirty="0" err="1">
+                <a:solidFill>
+                  <a:schemeClr val="tx1"/>
+                </a:solidFill>
+                <a:latin typeface="Tahoma" panose="020B0604030504040204" pitchFamily="34" charset="0"/>
+                <a:ea typeface="Tahoma" panose="020B0604030504040204" pitchFamily="34" charset="0"/>
+                <a:cs typeface="Tahoma" panose="020B0604030504040204" pitchFamily="34" charset="0"/>
+              </a:rPr>
+              <a:t>Cybersicurezza</a:t>
+            </a:r>
+            <a:r>
+              <a:rPr lang="it-IT" sz="2400" b="1" dirty="0">
+                <a:solidFill>
+                  <a:schemeClr val="tx1"/>
+                </a:solidFill>
+                <a:latin typeface="Tahoma" panose="020B0604030504040204" pitchFamily="34" charset="0"/>
+                <a:ea typeface="Tahoma" panose="020B0604030504040204" pitchFamily="34" charset="0"/>
+                <a:cs typeface="Tahoma" panose="020B0604030504040204" pitchFamily="34" charset="0"/>
+              </a:rPr>
+              <a:t> </a:t>
+            </a:r>
+            <a:r>
+              <a:rPr lang="it-IT" sz="2400" dirty="0">
+                <a:solidFill>
+                  <a:schemeClr val="tx1"/>
+                </a:solidFill>
+                <a:latin typeface="Tahoma" panose="020B0604030504040204" pitchFamily="34" charset="0"/>
+                <a:ea typeface="Tahoma" panose="020B0604030504040204" pitchFamily="34" charset="0"/>
+                <a:cs typeface="Tahoma" panose="020B0604030504040204" pitchFamily="34" charset="0"/>
+              </a:rPr>
+              <a:t>può essere suddiviso in diverse sezioni, il coordinamento delle quali all'interno dell'organizzazione è cruciale per il successo di un programma di </a:t>
+            </a:r>
+            <a:r>
+              <a:rPr lang="it-IT" sz="2400" dirty="0" err="1">
+                <a:solidFill>
+                  <a:schemeClr val="tx1"/>
+                </a:solidFill>
+                <a:latin typeface="Tahoma" panose="020B0604030504040204" pitchFamily="34" charset="0"/>
+                <a:ea typeface="Tahoma" panose="020B0604030504040204" pitchFamily="34" charset="0"/>
+                <a:cs typeface="Tahoma" panose="020B0604030504040204" pitchFamily="34" charset="0"/>
+              </a:rPr>
+              <a:t>cybersicurezza</a:t>
+            </a:r>
+            <a:r>
+              <a:rPr lang="it-IT" sz="2400" dirty="0">
+                <a:solidFill>
+                  <a:schemeClr val="tx1"/>
+                </a:solidFill>
+                <a:latin typeface="Tahoma" panose="020B0604030504040204" pitchFamily="34" charset="0"/>
+                <a:ea typeface="Tahoma" panose="020B0604030504040204" pitchFamily="34" charset="0"/>
+                <a:cs typeface="Tahoma" panose="020B0604030504040204" pitchFamily="34" charset="0"/>
+              </a:rPr>
+              <a:t>. </a:t>
             </a:r>
           </a:p>
           <a:p>
@@ -7526,15 +13136,37 @@
               <a:buChar char="ü"/>
             </a:pPr>
             <a:r>
-              <a:rPr lang="it-IT" sz="2400">
-                <a:solidFill>
-                  <a:schemeClr val="tx1"/>
-                </a:solidFill>
-                <a:latin typeface="Tahoma" panose="020B0604030504040204" pitchFamily="34" charset="0"/>
-                <a:ea typeface="Tahoma" panose="020B0604030504040204" pitchFamily="34" charset="0"/>
-                <a:cs typeface="Tahoma" panose="020B0604030504040204" pitchFamily="34" charset="0"/>
-              </a:rPr>
-              <a:t>Mantenere la Cybersicurezza è un terreno in costante evoluzione ed una sfida per tutte le organizzazioni e le company. Gli approcci reattivi tradizionali, in cui le risorse sono messe sul piatto per proteggere i sistemi contro le più grandi minacce conosciute, mentre le minacce meno conosciute sono indifese. </a:t>
+              <a:rPr lang="it-IT" sz="2400" dirty="0">
+                <a:solidFill>
+                  <a:schemeClr val="tx1"/>
+                </a:solidFill>
+                <a:latin typeface="Tahoma" panose="020B0604030504040204" pitchFamily="34" charset="0"/>
+                <a:ea typeface="Tahoma" panose="020B0604030504040204" pitchFamily="34" charset="0"/>
+                <a:cs typeface="Tahoma" panose="020B0604030504040204" pitchFamily="34" charset="0"/>
+              </a:rPr>
+              <a:t>Mantenere la </a:t>
+            </a:r>
+            <a:r>
+              <a:rPr lang="it-IT" sz="2400" dirty="0" err="1">
+                <a:solidFill>
+                  <a:schemeClr val="tx1"/>
+                </a:solidFill>
+                <a:latin typeface="Tahoma" panose="020B0604030504040204" pitchFamily="34" charset="0"/>
+                <a:ea typeface="Tahoma" panose="020B0604030504040204" pitchFamily="34" charset="0"/>
+                <a:cs typeface="Tahoma" panose="020B0604030504040204" pitchFamily="34" charset="0"/>
+              </a:rPr>
+              <a:t>Cybersicurezza</a:t>
+            </a:r>
+            <a:r>
+              <a:rPr lang="it-IT" sz="2400" dirty="0">
+                <a:solidFill>
+                  <a:schemeClr val="tx1"/>
+                </a:solidFill>
+                <a:latin typeface="Tahoma" panose="020B0604030504040204" pitchFamily="34" charset="0"/>
+                <a:ea typeface="Tahoma" panose="020B0604030504040204" pitchFamily="34" charset="0"/>
+                <a:cs typeface="Tahoma" panose="020B0604030504040204" pitchFamily="34" charset="0"/>
+              </a:rPr>
+              <a:t> è un terreno in costante evoluzione ed una sfida per tutte le organizzazioni e le company. Gli approcci reattivi tradizionali, in cui le risorse sono messe sul piatto per proteggere i sistemi contro le più grandi minacce conosciute, mentre le minacce meno conosciute sono indifese. </a:t>
             </a:r>
           </a:p>
         </p:txBody>
@@ -7994,6 +13626,182 @@
       </p:grpSpPr>
       <p:sp>
         <p:nvSpPr>
+          <p:cNvPr id="2" name="Segnaposto testo 1">
+            <a:extLst>
+              <a:ext uri="{FF2B5EF4-FFF2-40B4-BE49-F238E27FC236}">
+                <a16:creationId xmlns:a16="http://schemas.microsoft.com/office/drawing/2014/main" id="{E5AE986C-196F-4141-A898-FA4C4198CDCC}"/>
+              </a:ext>
+            </a:extLst>
+          </p:cNvPr>
+          <p:cNvSpPr>
+            <a:spLocks noGrp="1"/>
+          </p:cNvSpPr>
+          <p:nvPr>
+            <p:ph type="body" idx="1"/>
+          </p:nvPr>
+        </p:nvSpPr>
+        <p:spPr>
+          <a:xfrm>
+            <a:off x="721777" y="1401434"/>
+            <a:ext cx="10781965" cy="4392612"/>
+          </a:xfrm>
+        </p:spPr>
+        <p:txBody>
+          <a:bodyPr/>
+          <a:lstStyle/>
+          <a:p>
+            <a:pPr marL="342900" indent="-342900">
+              <a:buFont typeface="Arial" panose="020B0604020202020204" pitchFamily="34" charset="0"/>
+              <a:buChar char="•"/>
+            </a:pPr>
+            <a:r>
+              <a:rPr lang="it-IT" sz="2400" dirty="0" smtClean="0">
+                <a:solidFill>
+                  <a:schemeClr val="tx1"/>
+                </a:solidFill>
+                <a:latin typeface="Tahoma" panose="020B0604030504040204" pitchFamily="34" charset="0"/>
+                <a:ea typeface="Tahoma" panose="020B0604030504040204" pitchFamily="34" charset="0"/>
+                <a:cs typeface="Tahoma" panose="020B0604030504040204" pitchFamily="34" charset="0"/>
+              </a:rPr>
+              <a:t>I </a:t>
+            </a:r>
+            <a:r>
+              <a:rPr lang="it-IT" sz="2400" dirty="0">
+                <a:solidFill>
+                  <a:schemeClr val="tx1"/>
+                </a:solidFill>
+                <a:latin typeface="Tahoma" panose="020B0604030504040204" pitchFamily="34" charset="0"/>
+                <a:ea typeface="Tahoma" panose="020B0604030504040204" pitchFamily="34" charset="0"/>
+                <a:cs typeface="Tahoma" panose="020B0604030504040204" pitchFamily="34" charset="0"/>
+              </a:rPr>
+              <a:t>sistemi di sicurezza </a:t>
+            </a:r>
+            <a:r>
+              <a:rPr lang="it-IT" sz="2400" dirty="0" smtClean="0">
+                <a:solidFill>
+                  <a:schemeClr val="tx1"/>
+                </a:solidFill>
+                <a:latin typeface="Tahoma" panose="020B0604030504040204" pitchFamily="34" charset="0"/>
+                <a:ea typeface="Tahoma" panose="020B0604030504040204" pitchFamily="34" charset="0"/>
+                <a:cs typeface="Tahoma" panose="020B0604030504040204" pitchFamily="34" charset="0"/>
+              </a:rPr>
+              <a:t>come </a:t>
+            </a:r>
+            <a:r>
+              <a:rPr lang="it-IT" sz="2400" b="1" dirty="0">
+                <a:solidFill>
+                  <a:schemeClr val="tx1"/>
+                </a:solidFill>
+                <a:latin typeface="Tahoma" panose="020B0604030504040204" pitchFamily="34" charset="0"/>
+                <a:ea typeface="Tahoma" panose="020B0604030504040204" pitchFamily="34" charset="0"/>
+                <a:cs typeface="Tahoma" panose="020B0604030504040204" pitchFamily="34" charset="0"/>
+              </a:rPr>
+              <a:t>IPS/IDS</a:t>
+            </a:r>
+            <a:r>
+              <a:rPr lang="it-IT" sz="2400" dirty="0">
+                <a:solidFill>
+                  <a:schemeClr val="tx1"/>
+                </a:solidFill>
+                <a:latin typeface="Tahoma" panose="020B0604030504040204" pitchFamily="34" charset="0"/>
+                <a:ea typeface="Tahoma" panose="020B0604030504040204" pitchFamily="34" charset="0"/>
+                <a:cs typeface="Tahoma" panose="020B0604030504040204" pitchFamily="34" charset="0"/>
+              </a:rPr>
+              <a:t>, </a:t>
+            </a:r>
+            <a:r>
+              <a:rPr lang="it-IT" sz="2400" b="1" dirty="0">
+                <a:solidFill>
+                  <a:schemeClr val="tx1"/>
+                </a:solidFill>
+                <a:latin typeface="Tahoma" panose="020B0604030504040204" pitchFamily="34" charset="0"/>
+                <a:ea typeface="Tahoma" panose="020B0604030504040204" pitchFamily="34" charset="0"/>
+                <a:cs typeface="Tahoma" panose="020B0604030504040204" pitchFamily="34" charset="0"/>
+              </a:rPr>
+              <a:t>Firewall</a:t>
+            </a:r>
+            <a:r>
+              <a:rPr lang="it-IT" sz="2400" dirty="0">
+                <a:solidFill>
+                  <a:schemeClr val="tx1"/>
+                </a:solidFill>
+                <a:latin typeface="Tahoma" panose="020B0604030504040204" pitchFamily="34" charset="0"/>
+                <a:ea typeface="Tahoma" panose="020B0604030504040204" pitchFamily="34" charset="0"/>
+                <a:cs typeface="Tahoma" panose="020B0604030504040204" pitchFamily="34" charset="0"/>
+              </a:rPr>
+              <a:t>, </a:t>
+            </a:r>
+            <a:r>
+              <a:rPr lang="it-IT" sz="2400" b="1" dirty="0">
+                <a:solidFill>
+                  <a:schemeClr val="tx1"/>
+                </a:solidFill>
+                <a:latin typeface="Tahoma" panose="020B0604030504040204" pitchFamily="34" charset="0"/>
+                <a:ea typeface="Tahoma" panose="020B0604030504040204" pitchFamily="34" charset="0"/>
+                <a:cs typeface="Tahoma" panose="020B0604030504040204" pitchFamily="34" charset="0"/>
+              </a:rPr>
+              <a:t>WAF</a:t>
+            </a:r>
+            <a:r>
+              <a:rPr lang="it-IT" sz="2400" dirty="0">
+                <a:solidFill>
+                  <a:schemeClr val="tx1"/>
+                </a:solidFill>
+                <a:latin typeface="Tahoma" panose="020B0604030504040204" pitchFamily="34" charset="0"/>
+                <a:ea typeface="Tahoma" panose="020B0604030504040204" pitchFamily="34" charset="0"/>
+                <a:cs typeface="Tahoma" panose="020B0604030504040204" pitchFamily="34" charset="0"/>
+              </a:rPr>
+              <a:t> e </a:t>
+            </a:r>
+            <a:r>
+              <a:rPr lang="it-IT" sz="2400" b="1" dirty="0" err="1">
+                <a:solidFill>
+                  <a:schemeClr val="tx1"/>
+                </a:solidFill>
+                <a:latin typeface="Tahoma" panose="020B0604030504040204" pitchFamily="34" charset="0"/>
+                <a:ea typeface="Tahoma" panose="020B0604030504040204" pitchFamily="34" charset="0"/>
+                <a:cs typeface="Tahoma" panose="020B0604030504040204" pitchFamily="34" charset="0"/>
+              </a:rPr>
+              <a:t>Endpoint</a:t>
+            </a:r>
+            <a:r>
+              <a:rPr lang="it-IT" sz="2400" dirty="0">
+                <a:solidFill>
+                  <a:schemeClr val="tx1"/>
+                </a:solidFill>
+                <a:latin typeface="Tahoma" panose="020B0604030504040204" pitchFamily="34" charset="0"/>
+                <a:ea typeface="Tahoma" panose="020B0604030504040204" pitchFamily="34" charset="0"/>
+                <a:cs typeface="Tahoma" panose="020B0604030504040204" pitchFamily="34" charset="0"/>
+              </a:rPr>
+              <a:t> </a:t>
+            </a:r>
+            <a:r>
+              <a:rPr lang="it-IT" sz="2400" b="1" dirty="0" err="1">
+                <a:solidFill>
+                  <a:schemeClr val="tx1"/>
+                </a:solidFill>
+                <a:latin typeface="Tahoma" panose="020B0604030504040204" pitchFamily="34" charset="0"/>
+                <a:ea typeface="Tahoma" panose="020B0604030504040204" pitchFamily="34" charset="0"/>
+                <a:cs typeface="Tahoma" panose="020B0604030504040204" pitchFamily="34" charset="0"/>
+              </a:rPr>
+              <a:t>Protection</a:t>
+            </a:r>
+            <a:r>
+              <a:rPr lang="it-IT" sz="2400" dirty="0">
+                <a:solidFill>
+                  <a:schemeClr val="tx1"/>
+                </a:solidFill>
+                <a:latin typeface="Tahoma" panose="020B0604030504040204" pitchFamily="34" charset="0"/>
+                <a:ea typeface="Tahoma" panose="020B0604030504040204" pitchFamily="34" charset="0"/>
+                <a:cs typeface="Tahoma" panose="020B0604030504040204" pitchFamily="34" charset="0"/>
+              </a:rPr>
+              <a:t>, sono strumenti e tecnologie utilizzati per proteggere le reti informatiche e i dispositivi dagli attacchi informatici. </a:t>
+            </a:r>
+          </a:p>
+        </p:txBody>
+      </p:sp>
+      <p:sp>
+        <p:nvSpPr>
           <p:cNvPr id="7" name="Segnaposto numero diapositiva 6">
             <a:extLst>
               <a:ext uri="{FF2B5EF4-FFF2-40B4-BE49-F238E27FC236}">
@@ -8054,19 +13862,99 @@
           <a:lstStyle/>
           <a:p>
             <a:r>
-              <a:rPr lang="it-IT"/>
-              <a:t>Bibliografia</a:t>
+              <a:rPr lang="it-IT" dirty="0" smtClean="0"/>
+              <a:t>Sistemi </a:t>
+            </a:r>
+            <a:r>
+              <a:rPr lang="it-IT" dirty="0"/>
+              <a:t>di sicurezza (IPS/IDS, Firewall, WAF, </a:t>
+            </a:r>
+            <a:r>
+              <a:rPr lang="it-IT" dirty="0" err="1"/>
+              <a:t>Endpoint</a:t>
+            </a:r>
+            <a:r>
+              <a:rPr lang="it-IT" dirty="0"/>
+              <a:t> </a:t>
+            </a:r>
+            <a:r>
+              <a:rPr lang="it-IT" dirty="0" err="1"/>
+              <a:t>protection</a:t>
+            </a:r>
+            <a:r>
+              <a:rPr lang="it-IT" dirty="0"/>
+              <a:t>…</a:t>
             </a:r>
             <a:endParaRPr lang="it-IT" dirty="0"/>
           </a:p>
         </p:txBody>
       </p:sp>
-      <p:sp>
-        <p:nvSpPr>
-          <p:cNvPr id="3" name="Segnaposto testo 2">
-            <a:extLst>
-              <a:ext uri="{FF2B5EF4-FFF2-40B4-BE49-F238E27FC236}">
-                <a16:creationId xmlns:a16="http://schemas.microsoft.com/office/drawing/2014/main" id="{15CD42DB-61E6-AA3D-7125-BF4BEDB5D886}"/>
+      <p:pic>
+        <p:nvPicPr>
+          <p:cNvPr id="3" name="Immagine 2"/>
+          <p:cNvPicPr>
+            <a:picLocks noChangeAspect="1"/>
+          </p:cNvPicPr>
+          <p:nvPr/>
+        </p:nvPicPr>
+        <p:blipFill>
+          <a:blip r:embed="rId2">
+            <a:extLst>
+              <a:ext uri="{28A0092B-C50C-407E-A947-70E740481C1C}">
+                <a14:useLocalDpi xmlns:a14="http://schemas.microsoft.com/office/drawing/2010/main" val="0"/>
+              </a:ext>
+            </a:extLst>
+          </a:blip>
+          <a:stretch>
+            <a:fillRect/>
+          </a:stretch>
+        </p:blipFill>
+        <p:spPr>
+          <a:xfrm>
+            <a:off x="2153262" y="2707359"/>
+            <a:ext cx="7462686" cy="3815300"/>
+          </a:xfrm>
+          <a:prstGeom prst="rect">
+            <a:avLst/>
+          </a:prstGeom>
+        </p:spPr>
+      </p:pic>
+    </p:spTree>
+    <p:extLst>
+      <p:ext uri="{BB962C8B-B14F-4D97-AF65-F5344CB8AC3E}">
+        <p14:creationId xmlns:p14="http://schemas.microsoft.com/office/powerpoint/2010/main" val="934125034"/>
+      </p:ext>
+    </p:extLst>
+  </p:cSld>
+  <p:clrMapOvr>
+    <a:masterClrMapping/>
+  </p:clrMapOvr>
+</p:sld>
+</file>
+
+<file path=ppt/slides/slide7.xml><?xml version="1.0" encoding="utf-8"?>
+<p:sld xmlns:a="http://schemas.openxmlformats.org/drawingml/2006/main" xmlns:r="http://schemas.openxmlformats.org/officeDocument/2006/relationships" xmlns:p="http://schemas.openxmlformats.org/presentationml/2006/main">
+  <p:cSld>
+    <p:spTree>
+      <p:nvGrpSpPr>
+        <p:cNvPr id="1" name=""/>
+        <p:cNvGrpSpPr/>
+        <p:nvPr/>
+      </p:nvGrpSpPr>
+      <p:grpSpPr>
+        <a:xfrm>
+          <a:off x="0" y="0"/>
+          <a:ext cx="0" cy="0"/>
+          <a:chOff x="0" y="0"/>
+          <a:chExt cx="0" cy="0"/>
+        </a:xfrm>
+      </p:grpSpPr>
+      <p:sp>
+        <p:nvSpPr>
+          <p:cNvPr id="2" name="Segnaposto testo 1">
+            <a:extLst>
+              <a:ext uri="{FF2B5EF4-FFF2-40B4-BE49-F238E27FC236}">
+                <a16:creationId xmlns:a16="http://schemas.microsoft.com/office/drawing/2014/main" id="{E5AE986C-196F-4141-A898-FA4C4198CDCC}"/>
               </a:ext>
             </a:extLst>
           </p:cNvPr>
@@ -8077,19 +13965,883 @@
             <p:ph type="body" idx="1"/>
           </p:nvPr>
         </p:nvSpPr>
+        <p:spPr>
+          <a:xfrm>
+            <a:off x="721777" y="1401434"/>
+            <a:ext cx="6976881" cy="4392612"/>
+          </a:xfrm>
+        </p:spPr>
+        <p:txBody>
+          <a:bodyPr/>
+          <a:lstStyle/>
+          <a:p>
+            <a:pPr marL="342900" indent="-342900">
+              <a:buFont typeface="Arial" panose="020B0604020202020204" pitchFamily="34" charset="0"/>
+              <a:buChar char="•"/>
+            </a:pPr>
+            <a:r>
+              <a:rPr lang="it-IT" sz="2400" b="1" dirty="0" smtClean="0">
+                <a:solidFill>
+                  <a:schemeClr val="tx1"/>
+                </a:solidFill>
+                <a:latin typeface="Tahoma" panose="020B0604030504040204" pitchFamily="34" charset="0"/>
+                <a:ea typeface="Tahoma" panose="020B0604030504040204" pitchFamily="34" charset="0"/>
+                <a:cs typeface="Tahoma" panose="020B0604030504040204" pitchFamily="34" charset="0"/>
+              </a:rPr>
+              <a:t>IPS/IDS</a:t>
+            </a:r>
+            <a:r>
+              <a:rPr lang="it-IT" sz="2400" dirty="0" smtClean="0">
+                <a:solidFill>
+                  <a:schemeClr val="tx1"/>
+                </a:solidFill>
+                <a:latin typeface="Tahoma" panose="020B0604030504040204" pitchFamily="34" charset="0"/>
+                <a:ea typeface="Tahoma" panose="020B0604030504040204" pitchFamily="34" charset="0"/>
+                <a:cs typeface="Tahoma" panose="020B0604030504040204" pitchFamily="34" charset="0"/>
+              </a:rPr>
+              <a:t> </a:t>
+            </a:r>
+            <a:r>
+              <a:rPr lang="it-IT" sz="2400" dirty="0">
+                <a:solidFill>
+                  <a:schemeClr val="tx1"/>
+                </a:solidFill>
+                <a:latin typeface="Tahoma" panose="020B0604030504040204" pitchFamily="34" charset="0"/>
+                <a:ea typeface="Tahoma" panose="020B0604030504040204" pitchFamily="34" charset="0"/>
+                <a:cs typeface="Tahoma" panose="020B0604030504040204" pitchFamily="34" charset="0"/>
+              </a:rPr>
+              <a:t>(</a:t>
+            </a:r>
+            <a:r>
+              <a:rPr lang="it-IT" sz="2400" dirty="0" err="1">
+                <a:solidFill>
+                  <a:schemeClr val="tx1"/>
+                </a:solidFill>
+                <a:latin typeface="Tahoma" panose="020B0604030504040204" pitchFamily="34" charset="0"/>
+                <a:ea typeface="Tahoma" panose="020B0604030504040204" pitchFamily="34" charset="0"/>
+                <a:cs typeface="Tahoma" panose="020B0604030504040204" pitchFamily="34" charset="0"/>
+              </a:rPr>
+              <a:t>Intrusion</a:t>
+            </a:r>
+            <a:r>
+              <a:rPr lang="it-IT" sz="2400" dirty="0">
+                <a:solidFill>
+                  <a:schemeClr val="tx1"/>
+                </a:solidFill>
+                <a:latin typeface="Tahoma" panose="020B0604030504040204" pitchFamily="34" charset="0"/>
+                <a:ea typeface="Tahoma" panose="020B0604030504040204" pitchFamily="34" charset="0"/>
+                <a:cs typeface="Tahoma" panose="020B0604030504040204" pitchFamily="34" charset="0"/>
+              </a:rPr>
+              <a:t> </a:t>
+            </a:r>
+            <a:r>
+              <a:rPr lang="it-IT" sz="2400" dirty="0" err="1">
+                <a:solidFill>
+                  <a:schemeClr val="tx1"/>
+                </a:solidFill>
+                <a:latin typeface="Tahoma" panose="020B0604030504040204" pitchFamily="34" charset="0"/>
+                <a:ea typeface="Tahoma" panose="020B0604030504040204" pitchFamily="34" charset="0"/>
+                <a:cs typeface="Tahoma" panose="020B0604030504040204" pitchFamily="34" charset="0"/>
+              </a:rPr>
+              <a:t>Prevention</a:t>
+            </a:r>
+            <a:r>
+              <a:rPr lang="it-IT" sz="2400" dirty="0">
+                <a:solidFill>
+                  <a:schemeClr val="tx1"/>
+                </a:solidFill>
+                <a:latin typeface="Tahoma" panose="020B0604030504040204" pitchFamily="34" charset="0"/>
+                <a:ea typeface="Tahoma" panose="020B0604030504040204" pitchFamily="34" charset="0"/>
+                <a:cs typeface="Tahoma" panose="020B0604030504040204" pitchFamily="34" charset="0"/>
+              </a:rPr>
+              <a:t> System/</a:t>
+            </a:r>
+            <a:r>
+              <a:rPr lang="it-IT" sz="2400" dirty="0" err="1">
+                <a:solidFill>
+                  <a:schemeClr val="tx1"/>
+                </a:solidFill>
+                <a:latin typeface="Tahoma" panose="020B0604030504040204" pitchFamily="34" charset="0"/>
+                <a:ea typeface="Tahoma" panose="020B0604030504040204" pitchFamily="34" charset="0"/>
+                <a:cs typeface="Tahoma" panose="020B0604030504040204" pitchFamily="34" charset="0"/>
+              </a:rPr>
+              <a:t>Intrusion</a:t>
+            </a:r>
+            <a:r>
+              <a:rPr lang="it-IT" sz="2400" dirty="0">
+                <a:solidFill>
+                  <a:schemeClr val="tx1"/>
+                </a:solidFill>
+                <a:latin typeface="Tahoma" panose="020B0604030504040204" pitchFamily="34" charset="0"/>
+                <a:ea typeface="Tahoma" panose="020B0604030504040204" pitchFamily="34" charset="0"/>
+                <a:cs typeface="Tahoma" panose="020B0604030504040204" pitchFamily="34" charset="0"/>
+              </a:rPr>
+              <a:t> </a:t>
+            </a:r>
+            <a:r>
+              <a:rPr lang="it-IT" sz="2400" dirty="0" err="1">
+                <a:solidFill>
+                  <a:schemeClr val="tx1"/>
+                </a:solidFill>
+                <a:latin typeface="Tahoma" panose="020B0604030504040204" pitchFamily="34" charset="0"/>
+                <a:ea typeface="Tahoma" panose="020B0604030504040204" pitchFamily="34" charset="0"/>
+                <a:cs typeface="Tahoma" panose="020B0604030504040204" pitchFamily="34" charset="0"/>
+              </a:rPr>
+              <a:t>Detection</a:t>
+            </a:r>
+            <a:r>
+              <a:rPr lang="it-IT" sz="2400" dirty="0">
+                <a:solidFill>
+                  <a:schemeClr val="tx1"/>
+                </a:solidFill>
+                <a:latin typeface="Tahoma" panose="020B0604030504040204" pitchFamily="34" charset="0"/>
+                <a:ea typeface="Tahoma" panose="020B0604030504040204" pitchFamily="34" charset="0"/>
+                <a:cs typeface="Tahoma" panose="020B0604030504040204" pitchFamily="34" charset="0"/>
+              </a:rPr>
+              <a:t> System): Gli </a:t>
+            </a:r>
+            <a:r>
+              <a:rPr lang="it-IT" sz="2400" b="1" dirty="0">
+                <a:solidFill>
+                  <a:schemeClr val="tx1"/>
+                </a:solidFill>
+                <a:latin typeface="Tahoma" panose="020B0604030504040204" pitchFamily="34" charset="0"/>
+                <a:ea typeface="Tahoma" panose="020B0604030504040204" pitchFamily="34" charset="0"/>
+                <a:cs typeface="Tahoma" panose="020B0604030504040204" pitchFamily="34" charset="0"/>
+              </a:rPr>
+              <a:t>IPS</a:t>
+            </a:r>
+            <a:r>
+              <a:rPr lang="it-IT" sz="2400" dirty="0">
+                <a:solidFill>
+                  <a:schemeClr val="tx1"/>
+                </a:solidFill>
+                <a:latin typeface="Tahoma" panose="020B0604030504040204" pitchFamily="34" charset="0"/>
+                <a:ea typeface="Tahoma" panose="020B0604030504040204" pitchFamily="34" charset="0"/>
+                <a:cs typeface="Tahoma" panose="020B0604030504040204" pitchFamily="34" charset="0"/>
+              </a:rPr>
+              <a:t> e gli </a:t>
+            </a:r>
+            <a:r>
+              <a:rPr lang="it-IT" sz="2400" b="1" dirty="0">
+                <a:solidFill>
+                  <a:schemeClr val="tx1"/>
+                </a:solidFill>
+                <a:latin typeface="Tahoma" panose="020B0604030504040204" pitchFamily="34" charset="0"/>
+                <a:ea typeface="Tahoma" panose="020B0604030504040204" pitchFamily="34" charset="0"/>
+                <a:cs typeface="Tahoma" panose="020B0604030504040204" pitchFamily="34" charset="0"/>
+              </a:rPr>
+              <a:t>IDS</a:t>
+            </a:r>
+            <a:r>
+              <a:rPr lang="it-IT" sz="2400" dirty="0">
+                <a:solidFill>
+                  <a:schemeClr val="tx1"/>
+                </a:solidFill>
+                <a:latin typeface="Tahoma" panose="020B0604030504040204" pitchFamily="34" charset="0"/>
+                <a:ea typeface="Tahoma" panose="020B0604030504040204" pitchFamily="34" charset="0"/>
+                <a:cs typeface="Tahoma" panose="020B0604030504040204" pitchFamily="34" charset="0"/>
+              </a:rPr>
+              <a:t> sono sistemi progettati per rilevare e prevenire gli attacchi informatici. Gli </a:t>
+            </a:r>
+            <a:r>
+              <a:rPr lang="it-IT" sz="2400" b="1" dirty="0">
+                <a:solidFill>
+                  <a:schemeClr val="tx1"/>
+                </a:solidFill>
+                <a:latin typeface="Tahoma" panose="020B0604030504040204" pitchFamily="34" charset="0"/>
+                <a:ea typeface="Tahoma" panose="020B0604030504040204" pitchFamily="34" charset="0"/>
+                <a:cs typeface="Tahoma" panose="020B0604030504040204" pitchFamily="34" charset="0"/>
+              </a:rPr>
+              <a:t>IDS</a:t>
+            </a:r>
+            <a:r>
+              <a:rPr lang="it-IT" sz="2400" dirty="0">
+                <a:solidFill>
+                  <a:schemeClr val="tx1"/>
+                </a:solidFill>
+                <a:latin typeface="Tahoma" panose="020B0604030504040204" pitchFamily="34" charset="0"/>
+                <a:ea typeface="Tahoma" panose="020B0604030504040204" pitchFamily="34" charset="0"/>
+                <a:cs typeface="Tahoma" panose="020B0604030504040204" pitchFamily="34" charset="0"/>
+              </a:rPr>
+              <a:t> monitorano il traffico di rete o i log dei sistemi per identificare attività sospette o anomalie che potrebbero indicare una violazione di sicurezza. Gli </a:t>
+            </a:r>
+            <a:r>
+              <a:rPr lang="it-IT" sz="2400" b="1" dirty="0">
+                <a:solidFill>
+                  <a:schemeClr val="tx1"/>
+                </a:solidFill>
+                <a:latin typeface="Tahoma" panose="020B0604030504040204" pitchFamily="34" charset="0"/>
+                <a:ea typeface="Tahoma" panose="020B0604030504040204" pitchFamily="34" charset="0"/>
+                <a:cs typeface="Tahoma" panose="020B0604030504040204" pitchFamily="34" charset="0"/>
+              </a:rPr>
+              <a:t>IPS</a:t>
+            </a:r>
+            <a:r>
+              <a:rPr lang="it-IT" sz="2400" dirty="0">
+                <a:solidFill>
+                  <a:schemeClr val="tx1"/>
+                </a:solidFill>
+                <a:latin typeface="Tahoma" panose="020B0604030504040204" pitchFamily="34" charset="0"/>
+                <a:ea typeface="Tahoma" panose="020B0604030504040204" pitchFamily="34" charset="0"/>
+                <a:cs typeface="Tahoma" panose="020B0604030504040204" pitchFamily="34" charset="0"/>
+              </a:rPr>
+              <a:t>, oltre a rilevare le intrusioni, possono anche intraprendere azioni attive per impedire che tali attacchi avvengano o si propaghino. Ad esempio, possono bloccare il traffico proveniente da indirizzi </a:t>
+            </a:r>
+            <a:r>
+              <a:rPr lang="it-IT" sz="2400" b="1" dirty="0">
+                <a:solidFill>
+                  <a:schemeClr val="tx1"/>
+                </a:solidFill>
+                <a:latin typeface="Tahoma" panose="020B0604030504040204" pitchFamily="34" charset="0"/>
+                <a:ea typeface="Tahoma" panose="020B0604030504040204" pitchFamily="34" charset="0"/>
+                <a:cs typeface="Tahoma" panose="020B0604030504040204" pitchFamily="34" charset="0"/>
+              </a:rPr>
+              <a:t>IP</a:t>
+            </a:r>
+            <a:r>
+              <a:rPr lang="it-IT" sz="2400" dirty="0">
+                <a:solidFill>
+                  <a:schemeClr val="tx1"/>
+                </a:solidFill>
+                <a:latin typeface="Tahoma" panose="020B0604030504040204" pitchFamily="34" charset="0"/>
+                <a:ea typeface="Tahoma" panose="020B0604030504040204" pitchFamily="34" charset="0"/>
+                <a:cs typeface="Tahoma" panose="020B0604030504040204" pitchFamily="34" charset="0"/>
+              </a:rPr>
+              <a:t> malevoli o applicare regole di sicurezza per impedire l'accesso non autorizzato.</a:t>
+            </a:r>
+          </a:p>
+        </p:txBody>
+      </p:sp>
+      <p:sp>
+        <p:nvSpPr>
+          <p:cNvPr id="7" name="Segnaposto numero diapositiva 6">
+            <a:extLst>
+              <a:ext uri="{FF2B5EF4-FFF2-40B4-BE49-F238E27FC236}">
+                <a16:creationId xmlns:a16="http://schemas.microsoft.com/office/drawing/2014/main" id="{AB740BE9-E218-4144-BFDE-AE473D230A3D}"/>
+              </a:ext>
+            </a:extLst>
+          </p:cNvPr>
+          <p:cNvSpPr>
+            <a:spLocks noGrp="1"/>
+          </p:cNvSpPr>
+          <p:nvPr>
+            <p:ph type="sldNum" sz="quarter" idx="12"/>
+          </p:nvPr>
+        </p:nvSpPr>
         <p:spPr/>
         <p:txBody>
           <a:bodyPr/>
           <a:lstStyle/>
           <a:p>
+            <a:pPr>
+              <a:defRPr/>
+            </a:pPr>
+            <a:fld id="{48B4153A-D4C5-4CEF-8992-0D8815C829E3}" type="slidenum">
+              <a:rPr lang="en-US" smtClean="0"/>
+              <a:pPr>
+                <a:defRPr/>
+              </a:pPr>
+              <a:t>7</a:t>
+            </a:fld>
+            <a:endParaRPr lang="en-US" dirty="0"/>
+          </a:p>
+        </p:txBody>
+      </p:sp>
+      <p:sp>
+        <p:nvSpPr>
+          <p:cNvPr id="5" name="Titolo 4">
+            <a:extLst>
+              <a:ext uri="{FF2B5EF4-FFF2-40B4-BE49-F238E27FC236}">
+                <a16:creationId xmlns:a16="http://schemas.microsoft.com/office/drawing/2014/main" id="{82C46BA2-B380-4357-B125-BA9F08A643F5}"/>
+              </a:ext>
+            </a:extLst>
+          </p:cNvPr>
+          <p:cNvSpPr>
+            <a:spLocks noGrp="1"/>
+          </p:cNvSpPr>
+          <p:nvPr>
+            <p:ph type="title"/>
+          </p:nvPr>
+        </p:nvSpPr>
+        <p:spPr>
+          <a:xfrm>
+            <a:off x="468895" y="503475"/>
+            <a:ext cx="11269308" cy="384721"/>
+          </a:xfrm>
+        </p:spPr>
+        <p:txBody>
+          <a:bodyPr/>
+          <a:lstStyle/>
+          <a:p>
+            <a:r>
+              <a:rPr lang="it-IT" dirty="0" smtClean="0"/>
+              <a:t>Sistemi </a:t>
+            </a:r>
+            <a:r>
+              <a:rPr lang="it-IT" dirty="0"/>
+              <a:t>di sicurezza (IPS/IDS, Firewall, WAF, </a:t>
+            </a:r>
+            <a:r>
+              <a:rPr lang="it-IT" dirty="0" err="1"/>
+              <a:t>Endpoint</a:t>
+            </a:r>
+            <a:r>
+              <a:rPr lang="it-IT" dirty="0"/>
+              <a:t> </a:t>
+            </a:r>
+            <a:r>
+              <a:rPr lang="it-IT" dirty="0" err="1"/>
+              <a:t>protection</a:t>
+            </a:r>
+            <a:r>
+              <a:rPr lang="it-IT" dirty="0"/>
+              <a:t>…</a:t>
+            </a:r>
             <a:endParaRPr lang="it-IT" dirty="0"/>
           </a:p>
         </p:txBody>
       </p:sp>
+      <p:pic>
+        <p:nvPicPr>
+          <p:cNvPr id="6" name="Immagine 5"/>
+          <p:cNvPicPr>
+            <a:picLocks noChangeAspect="1"/>
+          </p:cNvPicPr>
+          <p:nvPr/>
+        </p:nvPicPr>
+        <p:blipFill>
+          <a:blip r:embed="rId2"/>
+          <a:stretch>
+            <a:fillRect/>
+          </a:stretch>
+        </p:blipFill>
+        <p:spPr>
+          <a:xfrm>
+            <a:off x="7812253" y="2375040"/>
+            <a:ext cx="4033313" cy="2535340"/>
+          </a:xfrm>
+          <a:prstGeom prst="rect">
+            <a:avLst/>
+          </a:prstGeom>
+        </p:spPr>
+      </p:pic>
     </p:spTree>
     <p:extLst>
       <p:ext uri="{BB962C8B-B14F-4D97-AF65-F5344CB8AC3E}">
-        <p14:creationId xmlns:p14="http://schemas.microsoft.com/office/powerpoint/2010/main" val="3490964097"/>
+        <p14:creationId xmlns:p14="http://schemas.microsoft.com/office/powerpoint/2010/main" val="2967091266"/>
+      </p:ext>
+    </p:extLst>
+  </p:cSld>
+  <p:clrMapOvr>
+    <a:masterClrMapping/>
+  </p:clrMapOvr>
+</p:sld>
+</file>
+
+<file path=ppt/slides/slide8.xml><?xml version="1.0" encoding="utf-8"?>
+<p:sld xmlns:a="http://schemas.openxmlformats.org/drawingml/2006/main" xmlns:r="http://schemas.openxmlformats.org/officeDocument/2006/relationships" xmlns:p="http://schemas.openxmlformats.org/presentationml/2006/main">
+  <p:cSld>
+    <p:spTree>
+      <p:nvGrpSpPr>
+        <p:cNvPr id="1" name=""/>
+        <p:cNvGrpSpPr/>
+        <p:nvPr/>
+      </p:nvGrpSpPr>
+      <p:grpSpPr>
+        <a:xfrm>
+          <a:off x="0" y="0"/>
+          <a:ext cx="0" cy="0"/>
+          <a:chOff x="0" y="0"/>
+          <a:chExt cx="0" cy="0"/>
+        </a:xfrm>
+      </p:grpSpPr>
+      <p:sp>
+        <p:nvSpPr>
+          <p:cNvPr id="2" name="Segnaposto testo 1">
+            <a:extLst>
+              <a:ext uri="{FF2B5EF4-FFF2-40B4-BE49-F238E27FC236}">
+                <a16:creationId xmlns:a16="http://schemas.microsoft.com/office/drawing/2014/main" id="{E5AE986C-196F-4141-A898-FA4C4198CDCC}"/>
+              </a:ext>
+            </a:extLst>
+          </p:cNvPr>
+          <p:cNvSpPr>
+            <a:spLocks noGrp="1"/>
+          </p:cNvSpPr>
+          <p:nvPr>
+            <p:ph type="body" idx="1"/>
+          </p:nvPr>
+        </p:nvSpPr>
+        <p:spPr>
+          <a:xfrm>
+            <a:off x="721777" y="1401434"/>
+            <a:ext cx="6976881" cy="4392612"/>
+          </a:xfrm>
+        </p:spPr>
+        <p:txBody>
+          <a:bodyPr/>
+          <a:lstStyle/>
+          <a:p>
+            <a:pPr marL="342900" indent="-342900">
+              <a:buFont typeface="Arial" panose="020B0604020202020204" pitchFamily="34" charset="0"/>
+              <a:buChar char="•"/>
+            </a:pPr>
+            <a:r>
+              <a:rPr lang="it-IT" sz="2400" b="1" dirty="0" smtClean="0">
+                <a:solidFill>
+                  <a:schemeClr val="tx1"/>
+                </a:solidFill>
+                <a:latin typeface="Tahoma" panose="020B0604030504040204" pitchFamily="34" charset="0"/>
+                <a:ea typeface="Tahoma" panose="020B0604030504040204" pitchFamily="34" charset="0"/>
+                <a:cs typeface="Tahoma" panose="020B0604030504040204" pitchFamily="34" charset="0"/>
+              </a:rPr>
+              <a:t>Firewall</a:t>
+            </a:r>
+            <a:r>
+              <a:rPr lang="it-IT" sz="2400" dirty="0">
+                <a:solidFill>
+                  <a:schemeClr val="tx1"/>
+                </a:solidFill>
+                <a:latin typeface="Tahoma" panose="020B0604030504040204" pitchFamily="34" charset="0"/>
+                <a:ea typeface="Tahoma" panose="020B0604030504040204" pitchFamily="34" charset="0"/>
+                <a:cs typeface="Tahoma" panose="020B0604030504040204" pitchFamily="34" charset="0"/>
+              </a:rPr>
+              <a:t>: Un firewall è un componente di sicurezza di rete che filtra e controlla il traffico di rete in entrata e in uscita tra una rete privata e una rete pubblica. </a:t>
+            </a:r>
+            <a:r>
+              <a:rPr lang="it-IT" sz="2400" dirty="0">
+                <a:solidFill>
+                  <a:schemeClr val="tx1"/>
+                </a:solidFill>
+                <a:latin typeface="Tahoma" panose="020B0604030504040204" pitchFamily="34" charset="0"/>
+                <a:ea typeface="Tahoma" panose="020B0604030504040204" pitchFamily="34" charset="0"/>
+                <a:cs typeface="Tahoma" panose="020B0604030504040204" pitchFamily="34" charset="0"/>
+              </a:rPr>
+              <a:t>Funziona come una barriera di protezione, impedendo a determinati tipi di traffico di passare attraverso. I firewall possono essere basati su software o su hardware e utilizzano regole predefinite per consentire o bloccare il traffico sulla base di indirizzi IP, porte di rete o protocolli specifici. Il firewall aiuta a proteggere la rete da accessi non autorizzati, attacchi di rete e traffico dannoso.</a:t>
+            </a:r>
+          </a:p>
+        </p:txBody>
+      </p:sp>
+      <p:sp>
+        <p:nvSpPr>
+          <p:cNvPr id="7" name="Segnaposto numero diapositiva 6">
+            <a:extLst>
+              <a:ext uri="{FF2B5EF4-FFF2-40B4-BE49-F238E27FC236}">
+                <a16:creationId xmlns:a16="http://schemas.microsoft.com/office/drawing/2014/main" id="{AB740BE9-E218-4144-BFDE-AE473D230A3D}"/>
+              </a:ext>
+            </a:extLst>
+          </p:cNvPr>
+          <p:cNvSpPr>
+            <a:spLocks noGrp="1"/>
+          </p:cNvSpPr>
+          <p:nvPr>
+            <p:ph type="sldNum" sz="quarter" idx="12"/>
+          </p:nvPr>
+        </p:nvSpPr>
+        <p:spPr/>
+        <p:txBody>
+          <a:bodyPr/>
+          <a:lstStyle/>
+          <a:p>
+            <a:pPr>
+              <a:defRPr/>
+            </a:pPr>
+            <a:fld id="{48B4153A-D4C5-4CEF-8992-0D8815C829E3}" type="slidenum">
+              <a:rPr lang="en-US" smtClean="0"/>
+              <a:pPr>
+                <a:defRPr/>
+              </a:pPr>
+              <a:t>8</a:t>
+            </a:fld>
+            <a:endParaRPr lang="en-US" dirty="0"/>
+          </a:p>
+        </p:txBody>
+      </p:sp>
+      <p:sp>
+        <p:nvSpPr>
+          <p:cNvPr id="5" name="Titolo 4">
+            <a:extLst>
+              <a:ext uri="{FF2B5EF4-FFF2-40B4-BE49-F238E27FC236}">
+                <a16:creationId xmlns:a16="http://schemas.microsoft.com/office/drawing/2014/main" id="{82C46BA2-B380-4357-B125-BA9F08A643F5}"/>
+              </a:ext>
+            </a:extLst>
+          </p:cNvPr>
+          <p:cNvSpPr>
+            <a:spLocks noGrp="1"/>
+          </p:cNvSpPr>
+          <p:nvPr>
+            <p:ph type="title"/>
+          </p:nvPr>
+        </p:nvSpPr>
+        <p:spPr>
+          <a:xfrm>
+            <a:off x="468895" y="503475"/>
+            <a:ext cx="11269308" cy="384721"/>
+          </a:xfrm>
+        </p:spPr>
+        <p:txBody>
+          <a:bodyPr/>
+          <a:lstStyle/>
+          <a:p>
+            <a:r>
+              <a:rPr lang="it-IT" dirty="0" smtClean="0"/>
+              <a:t>Sistemi </a:t>
+            </a:r>
+            <a:r>
+              <a:rPr lang="it-IT" dirty="0"/>
+              <a:t>di sicurezza (IPS/IDS, Firewall, WAF, </a:t>
+            </a:r>
+            <a:r>
+              <a:rPr lang="it-IT" dirty="0" err="1"/>
+              <a:t>Endpoint</a:t>
+            </a:r>
+            <a:r>
+              <a:rPr lang="it-IT" dirty="0"/>
+              <a:t> </a:t>
+            </a:r>
+            <a:r>
+              <a:rPr lang="it-IT" dirty="0" err="1"/>
+              <a:t>protection</a:t>
+            </a:r>
+            <a:r>
+              <a:rPr lang="it-IT" dirty="0"/>
+              <a:t>…</a:t>
+            </a:r>
+            <a:endParaRPr lang="it-IT" dirty="0"/>
+          </a:p>
+        </p:txBody>
+      </p:sp>
+      <p:pic>
+        <p:nvPicPr>
+          <p:cNvPr id="3" name="Immagine 2"/>
+          <p:cNvPicPr>
+            <a:picLocks noChangeAspect="1"/>
+          </p:cNvPicPr>
+          <p:nvPr/>
+        </p:nvPicPr>
+        <p:blipFill>
+          <a:blip r:embed="rId2">
+            <a:extLst>
+              <a:ext uri="{28A0092B-C50C-407E-A947-70E740481C1C}">
+                <a14:useLocalDpi xmlns:a14="http://schemas.microsoft.com/office/drawing/2010/main" val="0"/>
+              </a:ext>
+            </a:extLst>
+          </a:blip>
+          <a:stretch>
+            <a:fillRect/>
+          </a:stretch>
+        </p:blipFill>
+        <p:spPr>
+          <a:xfrm>
+            <a:off x="8008835" y="2131449"/>
+            <a:ext cx="3901463" cy="2922331"/>
+          </a:xfrm>
+          <a:prstGeom prst="rect">
+            <a:avLst/>
+          </a:prstGeom>
+        </p:spPr>
+      </p:pic>
+    </p:spTree>
+    <p:extLst>
+      <p:ext uri="{BB962C8B-B14F-4D97-AF65-F5344CB8AC3E}">
+        <p14:creationId xmlns:p14="http://schemas.microsoft.com/office/powerpoint/2010/main" val="1826749671"/>
+      </p:ext>
+    </p:extLst>
+  </p:cSld>
+  <p:clrMapOvr>
+    <a:masterClrMapping/>
+  </p:clrMapOvr>
+</p:sld>
+</file>
+
+<file path=ppt/slides/slide9.xml><?xml version="1.0" encoding="utf-8"?>
+<p:sld xmlns:a="http://schemas.openxmlformats.org/drawingml/2006/main" xmlns:r="http://schemas.openxmlformats.org/officeDocument/2006/relationships" xmlns:p="http://schemas.openxmlformats.org/presentationml/2006/main">
+  <p:cSld>
+    <p:spTree>
+      <p:nvGrpSpPr>
+        <p:cNvPr id="1" name=""/>
+        <p:cNvGrpSpPr/>
+        <p:nvPr/>
+      </p:nvGrpSpPr>
+      <p:grpSpPr>
+        <a:xfrm>
+          <a:off x="0" y="0"/>
+          <a:ext cx="0" cy="0"/>
+          <a:chOff x="0" y="0"/>
+          <a:chExt cx="0" cy="0"/>
+        </a:xfrm>
+      </p:grpSpPr>
+      <p:sp>
+        <p:nvSpPr>
+          <p:cNvPr id="2" name="Segnaposto testo 1">
+            <a:extLst>
+              <a:ext uri="{FF2B5EF4-FFF2-40B4-BE49-F238E27FC236}">
+                <a16:creationId xmlns:a16="http://schemas.microsoft.com/office/drawing/2014/main" id="{E5AE986C-196F-4141-A898-FA4C4198CDCC}"/>
+              </a:ext>
+            </a:extLst>
+          </p:cNvPr>
+          <p:cNvSpPr>
+            <a:spLocks noGrp="1"/>
+          </p:cNvSpPr>
+          <p:nvPr>
+            <p:ph type="body" idx="1"/>
+          </p:nvPr>
+        </p:nvSpPr>
+        <p:spPr>
+          <a:xfrm>
+            <a:off x="721777" y="1401434"/>
+            <a:ext cx="6976881" cy="4392612"/>
+          </a:xfrm>
+        </p:spPr>
+        <p:txBody>
+          <a:bodyPr/>
+          <a:lstStyle/>
+          <a:p>
+            <a:pPr marL="342900" indent="-342900">
+              <a:buFont typeface="Arial" panose="020B0604020202020204" pitchFamily="34" charset="0"/>
+              <a:buChar char="•"/>
+            </a:pPr>
+            <a:r>
+              <a:rPr lang="it-IT" sz="2400" b="1" dirty="0" smtClean="0">
+                <a:solidFill>
+                  <a:schemeClr val="tx1"/>
+                </a:solidFill>
+                <a:latin typeface="Tahoma" panose="020B0604030504040204" pitchFamily="34" charset="0"/>
+                <a:ea typeface="Tahoma" panose="020B0604030504040204" pitchFamily="34" charset="0"/>
+                <a:cs typeface="Tahoma" panose="020B0604030504040204" pitchFamily="34" charset="0"/>
+              </a:rPr>
+              <a:t>WAF</a:t>
+            </a:r>
+            <a:r>
+              <a:rPr lang="it-IT" sz="2400" dirty="0" smtClean="0">
+                <a:solidFill>
+                  <a:schemeClr val="tx1"/>
+                </a:solidFill>
+                <a:latin typeface="Tahoma" panose="020B0604030504040204" pitchFamily="34" charset="0"/>
+                <a:ea typeface="Tahoma" panose="020B0604030504040204" pitchFamily="34" charset="0"/>
+                <a:cs typeface="Tahoma" panose="020B0604030504040204" pitchFamily="34" charset="0"/>
+              </a:rPr>
+              <a:t> </a:t>
+            </a:r>
+            <a:r>
+              <a:rPr lang="it-IT" sz="2400" dirty="0">
+                <a:solidFill>
+                  <a:schemeClr val="tx1"/>
+                </a:solidFill>
+                <a:latin typeface="Tahoma" panose="020B0604030504040204" pitchFamily="34" charset="0"/>
+                <a:ea typeface="Tahoma" panose="020B0604030504040204" pitchFamily="34" charset="0"/>
+                <a:cs typeface="Tahoma" panose="020B0604030504040204" pitchFamily="34" charset="0"/>
+              </a:rPr>
+              <a:t>(Web Application Firewall): Il </a:t>
+            </a:r>
+            <a:r>
+              <a:rPr lang="it-IT" sz="2400" b="1" dirty="0">
+                <a:solidFill>
+                  <a:schemeClr val="tx1"/>
+                </a:solidFill>
+                <a:latin typeface="Tahoma" panose="020B0604030504040204" pitchFamily="34" charset="0"/>
+                <a:ea typeface="Tahoma" panose="020B0604030504040204" pitchFamily="34" charset="0"/>
+                <a:cs typeface="Tahoma" panose="020B0604030504040204" pitchFamily="34" charset="0"/>
+              </a:rPr>
+              <a:t>WAF</a:t>
+            </a:r>
+            <a:r>
+              <a:rPr lang="it-IT" sz="2400" dirty="0">
+                <a:solidFill>
+                  <a:schemeClr val="tx1"/>
+                </a:solidFill>
+                <a:latin typeface="Tahoma" panose="020B0604030504040204" pitchFamily="34" charset="0"/>
+                <a:ea typeface="Tahoma" panose="020B0604030504040204" pitchFamily="34" charset="0"/>
+                <a:cs typeface="Tahoma" panose="020B0604030504040204" pitchFamily="34" charset="0"/>
+              </a:rPr>
+              <a:t> è un tipo di firewall specificamente progettato per proteggere le applicazioni web da attacchi come SQL </a:t>
+            </a:r>
+            <a:r>
+              <a:rPr lang="it-IT" sz="2400" dirty="0" err="1">
+                <a:solidFill>
+                  <a:schemeClr val="tx1"/>
+                </a:solidFill>
+                <a:latin typeface="Tahoma" panose="020B0604030504040204" pitchFamily="34" charset="0"/>
+                <a:ea typeface="Tahoma" panose="020B0604030504040204" pitchFamily="34" charset="0"/>
+                <a:cs typeface="Tahoma" panose="020B0604030504040204" pitchFamily="34" charset="0"/>
+              </a:rPr>
+              <a:t>injection</a:t>
+            </a:r>
+            <a:r>
+              <a:rPr lang="it-IT" sz="2400" dirty="0">
+                <a:solidFill>
+                  <a:schemeClr val="tx1"/>
+                </a:solidFill>
+                <a:latin typeface="Tahoma" panose="020B0604030504040204" pitchFamily="34" charset="0"/>
+                <a:ea typeface="Tahoma" panose="020B0604030504040204" pitchFamily="34" charset="0"/>
+                <a:cs typeface="Tahoma" panose="020B0604030504040204" pitchFamily="34" charset="0"/>
+              </a:rPr>
+              <a:t>, cross-site </a:t>
+            </a:r>
+            <a:r>
+              <a:rPr lang="it-IT" sz="2400" dirty="0" err="1">
+                <a:solidFill>
+                  <a:schemeClr val="tx1"/>
+                </a:solidFill>
+                <a:latin typeface="Tahoma" panose="020B0604030504040204" pitchFamily="34" charset="0"/>
+                <a:ea typeface="Tahoma" panose="020B0604030504040204" pitchFamily="34" charset="0"/>
+                <a:cs typeface="Tahoma" panose="020B0604030504040204" pitchFamily="34" charset="0"/>
+              </a:rPr>
+              <a:t>scripting</a:t>
+            </a:r>
+            <a:r>
+              <a:rPr lang="it-IT" sz="2400" dirty="0">
+                <a:solidFill>
+                  <a:schemeClr val="tx1"/>
+                </a:solidFill>
+                <a:latin typeface="Tahoma" panose="020B0604030504040204" pitchFamily="34" charset="0"/>
+                <a:ea typeface="Tahoma" panose="020B0604030504040204" pitchFamily="34" charset="0"/>
+                <a:cs typeface="Tahoma" panose="020B0604030504040204" pitchFamily="34" charset="0"/>
+              </a:rPr>
+              <a:t> (XSS) e altri attacchi di livello applicativo. Il WAF monitora il traffico </a:t>
+            </a:r>
+            <a:r>
+              <a:rPr lang="it-IT" sz="2400" b="1" dirty="0">
+                <a:solidFill>
+                  <a:schemeClr val="tx1"/>
+                </a:solidFill>
+                <a:latin typeface="Tahoma" panose="020B0604030504040204" pitchFamily="34" charset="0"/>
+                <a:ea typeface="Tahoma" panose="020B0604030504040204" pitchFamily="34" charset="0"/>
+                <a:cs typeface="Tahoma" panose="020B0604030504040204" pitchFamily="34" charset="0"/>
+              </a:rPr>
+              <a:t>HTTP/HTTPS</a:t>
+            </a:r>
+            <a:r>
+              <a:rPr lang="it-IT" sz="2400" dirty="0">
+                <a:solidFill>
+                  <a:schemeClr val="tx1"/>
+                </a:solidFill>
+                <a:latin typeface="Tahoma" panose="020B0604030504040204" pitchFamily="34" charset="0"/>
+                <a:ea typeface="Tahoma" panose="020B0604030504040204" pitchFamily="34" charset="0"/>
+                <a:cs typeface="Tahoma" panose="020B0604030504040204" pitchFamily="34" charset="0"/>
+              </a:rPr>
+              <a:t> delle applicazioni web, analizza le richieste in arrivo e le risposte, e applica regole di sicurezza per filtrare e bloccare le minacce. Può anche fornire funzionalità aggiuntive come la gestione delle sessioni, la protezione delle credenziali e la prevenzione del furto di dati.</a:t>
+            </a:r>
+          </a:p>
+        </p:txBody>
+      </p:sp>
+      <p:sp>
+        <p:nvSpPr>
+          <p:cNvPr id="7" name="Segnaposto numero diapositiva 6">
+            <a:extLst>
+              <a:ext uri="{FF2B5EF4-FFF2-40B4-BE49-F238E27FC236}">
+                <a16:creationId xmlns:a16="http://schemas.microsoft.com/office/drawing/2014/main" id="{AB740BE9-E218-4144-BFDE-AE473D230A3D}"/>
+              </a:ext>
+            </a:extLst>
+          </p:cNvPr>
+          <p:cNvSpPr>
+            <a:spLocks noGrp="1"/>
+          </p:cNvSpPr>
+          <p:nvPr>
+            <p:ph type="sldNum" sz="quarter" idx="12"/>
+          </p:nvPr>
+        </p:nvSpPr>
+        <p:spPr/>
+        <p:txBody>
+          <a:bodyPr/>
+          <a:lstStyle/>
+          <a:p>
+            <a:pPr>
+              <a:defRPr/>
+            </a:pPr>
+            <a:fld id="{48B4153A-D4C5-4CEF-8992-0D8815C829E3}" type="slidenum">
+              <a:rPr lang="en-US" smtClean="0"/>
+              <a:pPr>
+                <a:defRPr/>
+              </a:pPr>
+              <a:t>9</a:t>
+            </a:fld>
+            <a:endParaRPr lang="en-US" dirty="0"/>
+          </a:p>
+        </p:txBody>
+      </p:sp>
+      <p:sp>
+        <p:nvSpPr>
+          <p:cNvPr id="5" name="Titolo 4">
+            <a:extLst>
+              <a:ext uri="{FF2B5EF4-FFF2-40B4-BE49-F238E27FC236}">
+                <a16:creationId xmlns:a16="http://schemas.microsoft.com/office/drawing/2014/main" id="{82C46BA2-B380-4357-B125-BA9F08A643F5}"/>
+              </a:ext>
+            </a:extLst>
+          </p:cNvPr>
+          <p:cNvSpPr>
+            <a:spLocks noGrp="1"/>
+          </p:cNvSpPr>
+          <p:nvPr>
+            <p:ph type="title"/>
+          </p:nvPr>
+        </p:nvSpPr>
+        <p:spPr>
+          <a:xfrm>
+            <a:off x="468895" y="503475"/>
+            <a:ext cx="11269308" cy="384721"/>
+          </a:xfrm>
+        </p:spPr>
+        <p:txBody>
+          <a:bodyPr/>
+          <a:lstStyle/>
+          <a:p>
+            <a:r>
+              <a:rPr lang="it-IT" dirty="0" smtClean="0"/>
+              <a:t>Sistemi </a:t>
+            </a:r>
+            <a:r>
+              <a:rPr lang="it-IT" dirty="0"/>
+              <a:t>di sicurezza (IPS/IDS, Firewall, WAF, </a:t>
+            </a:r>
+            <a:r>
+              <a:rPr lang="it-IT" dirty="0" err="1"/>
+              <a:t>Endpoint</a:t>
+            </a:r>
+            <a:r>
+              <a:rPr lang="it-IT" dirty="0"/>
+              <a:t> </a:t>
+            </a:r>
+            <a:r>
+              <a:rPr lang="it-IT" dirty="0" err="1"/>
+              <a:t>protection</a:t>
+            </a:r>
+            <a:r>
+              <a:rPr lang="it-IT" dirty="0"/>
+              <a:t>…</a:t>
+            </a:r>
+            <a:endParaRPr lang="it-IT" dirty="0"/>
+          </a:p>
+        </p:txBody>
+      </p:sp>
+      <p:pic>
+        <p:nvPicPr>
+          <p:cNvPr id="6" name="Immagine 5"/>
+          <p:cNvPicPr>
+            <a:picLocks noChangeAspect="1"/>
+          </p:cNvPicPr>
+          <p:nvPr/>
+        </p:nvPicPr>
+        <p:blipFill>
+          <a:blip r:embed="rId2"/>
+          <a:stretch>
+            <a:fillRect/>
+          </a:stretch>
+        </p:blipFill>
+        <p:spPr>
+          <a:xfrm>
+            <a:off x="7728178" y="2524432"/>
+            <a:ext cx="4010025" cy="1828800"/>
+          </a:xfrm>
+          <a:prstGeom prst="rect">
+            <a:avLst/>
+          </a:prstGeom>
+        </p:spPr>
+      </p:pic>
+    </p:spTree>
+    <p:extLst>
+      <p:ext uri="{BB962C8B-B14F-4D97-AF65-F5344CB8AC3E}">
+        <p14:creationId xmlns:p14="http://schemas.microsoft.com/office/powerpoint/2010/main" val="1626849000"/>
       </p:ext>
     </p:extLst>
   </p:cSld>
@@ -8707,6 +15459,79 @@
 </file>
 
 <file path=customXml/item1.xml><?xml version="1.0" encoding="utf-8"?>
+<p:properties xmlns:p="http://schemas.microsoft.com/office/2006/metadata/properties" xmlns:xsi="http://www.w3.org/2001/XMLSchema-instance" xmlns:pc="http://schemas.microsoft.com/office/infopath/2007/PartnerControls">
+  <documentManagement>
+    <SottoCategoria xmlns="679261c3-551f-4e86-913f-177e0e529669">-</SottoCategoria>
+    <Categoria xmlns="c58f2efd-82a8-4ecf-b395-8c25e928921d">Power Point</Categoria>
+    <_dlc_DocId xmlns="459159c4-d20a-4ff3-9b11-fbd127bd52e5">INTRANET-14-158</_dlc_DocId>
+    <_dlc_DocIdUrl xmlns="459159c4-d20a-4ff3-9b11-fbd127bd52e5">
+      <Url>https://intranet.istat.it/Collaborativi/_layouts/15/DocIdRedir.aspx?ID=INTRANET-14-158</Url>
+      <Description>INTRANET-14-158</Description>
+    </_dlc_DocIdUrl>
+  </documentManagement>
+</p:properties>
+</file>
+
+<file path=customXml/item2.xml><?xml version="1.0" encoding="utf-8"?>
+<?mso-contentType ?>
+<FormTemplates xmlns="http://schemas.microsoft.com/sharepoint/v3/contenttype/forms">
+  <Display>DocumentLibraryForm</Display>
+  <Edit>DocumentLibraryForm</Edit>
+  <New>DocumentLibraryForm</New>
+</FormTemplates>
+</file>
+
+<file path=customXml/item3.xml><?xml version="1.0" encoding="utf-8"?>
+<?mso-contentType ?>
+<spe:Receivers xmlns:spe="http://schemas.microsoft.com/sharepoint/events">
+  <Receiver>
+    <Name>Document ID Generator</Name>
+    <Synchronization>Synchronous</Synchronization>
+    <Type>10001</Type>
+    <SequenceNumber>1000</SequenceNumber>
+    <Url/>
+    <Assembly>Microsoft.Office.DocumentManagement, Version=15.0.0.0, Culture=neutral, PublicKeyToken=71e9bce111e9429c</Assembly>
+    <Class>Microsoft.Office.DocumentManagement.Internal.DocIdHandler</Class>
+    <Data/>
+    <Filter/>
+  </Receiver>
+  <Receiver>
+    <Name>Document ID Generator</Name>
+    <Synchronization>Synchronous</Synchronization>
+    <Type>10002</Type>
+    <SequenceNumber>1001</SequenceNumber>
+    <Url/>
+    <Assembly>Microsoft.Office.DocumentManagement, Version=15.0.0.0, Culture=neutral, PublicKeyToken=71e9bce111e9429c</Assembly>
+    <Class>Microsoft.Office.DocumentManagement.Internal.DocIdHandler</Class>
+    <Data/>
+    <Filter/>
+  </Receiver>
+  <Receiver>
+    <Name>Document ID Generator</Name>
+    <Synchronization>Synchronous</Synchronization>
+    <Type>10004</Type>
+    <SequenceNumber>1002</SequenceNumber>
+    <Url/>
+    <Assembly>Microsoft.Office.DocumentManagement, Version=15.0.0.0, Culture=neutral, PublicKeyToken=71e9bce111e9429c</Assembly>
+    <Class>Microsoft.Office.DocumentManagement.Internal.DocIdHandler</Class>
+    <Data/>
+    <Filter/>
+  </Receiver>
+  <Receiver>
+    <Name>Document ID Generator</Name>
+    <Synchronization>Synchronous</Synchronization>
+    <Type>10006</Type>
+    <SequenceNumber>1003</SequenceNumber>
+    <Url/>
+    <Assembly>Microsoft.Office.DocumentManagement, Version=15.0.0.0, Culture=neutral, PublicKeyToken=71e9bce111e9429c</Assembly>
+    <Class>Microsoft.Office.DocumentManagement.Internal.DocIdHandler</Class>
+    <Data/>
+    <Filter/>
+  </Receiver>
+</spe:Receivers>
+</file>
+
+<file path=customXml/item4.xml><?xml version="1.0" encoding="utf-8"?>
 <ct:contentTypeSchema xmlns:ct="http://schemas.microsoft.com/office/2006/metadata/contentType" xmlns:ma="http://schemas.microsoft.com/office/2006/metadata/properties/metaAttributes" ct:_="" ma:_="" ma:contentTypeName="Documento" ma:contentTypeID="0x010100661A2BE3120D674DA36C11D6006822D4" ma:contentTypeVersion="3" ma:contentTypeDescription="Creare un nuovo documento." ma:contentTypeScope="" ma:versionID="2ad8b07f9840a1ce9cd199d874146b74">
   <xsd:schema xmlns:xsd="http://www.w3.org/2001/XMLSchema" xmlns:xs="http://www.w3.org/2001/XMLSchema" xmlns:p="http://schemas.microsoft.com/office/2006/metadata/properties" xmlns:ns2="c58f2efd-82a8-4ecf-b395-8c25e928921d" xmlns:ns3="459159c4-d20a-4ff3-9b11-fbd127bd52e5" xmlns:ns4="679261c3-551f-4e86-913f-177e0e529669" targetNamespace="http://schemas.microsoft.com/office/2006/metadata/properties" ma:root="true" ma:fieldsID="fffb0e16fb90ffea59fef1085e90ecca" ns2:_="" ns3:_="" ns4:_="">
     <xsd:import namespace="c58f2efd-82a8-4ecf-b395-8c25e928921d"/>
@@ -8893,80 +15718,41 @@
 </ct:contentTypeSchema>
 </file>
 
-<file path=customXml/item2.xml><?xml version="1.0" encoding="utf-8"?>
-<?mso-contentType ?>
-<spe:Receivers xmlns:spe="http://schemas.microsoft.com/sharepoint/events">
-  <Receiver>
-    <Name>Document ID Generator</Name>
-    <Synchronization>Synchronous</Synchronization>
-    <Type>10001</Type>
-    <SequenceNumber>1000</SequenceNumber>
-    <Url/>
-    <Assembly>Microsoft.Office.DocumentManagement, Version=15.0.0.0, Culture=neutral, PublicKeyToken=71e9bce111e9429c</Assembly>
-    <Class>Microsoft.Office.DocumentManagement.Internal.DocIdHandler</Class>
-    <Data/>
-    <Filter/>
-  </Receiver>
-  <Receiver>
-    <Name>Document ID Generator</Name>
-    <Synchronization>Synchronous</Synchronization>
-    <Type>10002</Type>
-    <SequenceNumber>1001</SequenceNumber>
-    <Url/>
-    <Assembly>Microsoft.Office.DocumentManagement, Version=15.0.0.0, Culture=neutral, PublicKeyToken=71e9bce111e9429c</Assembly>
-    <Class>Microsoft.Office.DocumentManagement.Internal.DocIdHandler</Class>
-    <Data/>
-    <Filter/>
-  </Receiver>
-  <Receiver>
-    <Name>Document ID Generator</Name>
-    <Synchronization>Synchronous</Synchronization>
-    <Type>10004</Type>
-    <SequenceNumber>1002</SequenceNumber>
-    <Url/>
-    <Assembly>Microsoft.Office.DocumentManagement, Version=15.0.0.0, Culture=neutral, PublicKeyToken=71e9bce111e9429c</Assembly>
-    <Class>Microsoft.Office.DocumentManagement.Internal.DocIdHandler</Class>
-    <Data/>
-    <Filter/>
-  </Receiver>
-  <Receiver>
-    <Name>Document ID Generator</Name>
-    <Synchronization>Synchronous</Synchronization>
-    <Type>10006</Type>
-    <SequenceNumber>1003</SequenceNumber>
-    <Url/>
-    <Assembly>Microsoft.Office.DocumentManagement, Version=15.0.0.0, Culture=neutral, PublicKeyToken=71e9bce111e9429c</Assembly>
-    <Class>Microsoft.Office.DocumentManagement.Internal.DocIdHandler</Class>
-    <Data/>
-    <Filter/>
-  </Receiver>
-</spe:Receivers>
+<file path=customXml/itemProps1.xml><?xml version="1.0" encoding="utf-8"?>
+<ds:datastoreItem xmlns:ds="http://schemas.openxmlformats.org/officeDocument/2006/customXml" ds:itemID="{3EF378BC-F4D0-4510-B4EC-07B6EFE18CF8}">
+  <ds:schemaRefs>
+    <ds:schemaRef ds:uri="http://schemas.microsoft.com/office/infopath/2007/PartnerControls"/>
+    <ds:schemaRef ds:uri="http://schemas.microsoft.com/office/2006/metadata/properties"/>
+    <ds:schemaRef ds:uri="459159c4-d20a-4ff3-9b11-fbd127bd52e5"/>
+    <ds:schemaRef ds:uri="http://schemas.microsoft.com/office/2006/documentManagement/types"/>
+    <ds:schemaRef ds:uri="http://purl.org/dc/terms/"/>
+    <ds:schemaRef ds:uri="679261c3-551f-4e86-913f-177e0e529669"/>
+    <ds:schemaRef ds:uri="http://schemas.openxmlformats.org/package/2006/metadata/core-properties"/>
+    <ds:schemaRef ds:uri="http://purl.org/dc/elements/1.1/"/>
+    <ds:schemaRef ds:uri="c58f2efd-82a8-4ecf-b395-8c25e928921d"/>
+    <ds:schemaRef ds:uri="http://www.w3.org/XML/1998/namespace"/>
+    <ds:schemaRef ds:uri="http://purl.org/dc/dcmitype/"/>
+  </ds:schemaRefs>
+</ds:datastoreItem>
 </file>
 
-<file path=customXml/item3.xml><?xml version="1.0" encoding="utf-8"?>
-<?mso-contentType ?>
-<FormTemplates xmlns="http://schemas.microsoft.com/sharepoint/v3/contenttype/forms">
-  <Display>DocumentLibraryForm</Display>
-  <Edit>DocumentLibraryForm</Edit>
-  <New>DocumentLibraryForm</New>
-</FormTemplates>
+<file path=customXml/itemProps2.xml><?xml version="1.0" encoding="utf-8"?>
+<ds:datastoreItem xmlns:ds="http://schemas.openxmlformats.org/officeDocument/2006/customXml" ds:itemID="{BD9C238D-4D5C-4783-820B-4854DCE45D41}">
+  <ds:schemaRefs>
+    <ds:schemaRef ds:uri="http://schemas.microsoft.com/sharepoint/v3/contenttype/forms"/>
+  </ds:schemaRefs>
+</ds:datastoreItem>
 </file>
 
-<file path=customXml/item4.xml><?xml version="1.0" encoding="utf-8"?>
-<p:properties xmlns:p="http://schemas.microsoft.com/office/2006/metadata/properties" xmlns:xsi="http://www.w3.org/2001/XMLSchema-instance" xmlns:pc="http://schemas.microsoft.com/office/infopath/2007/PartnerControls">
-  <documentManagement>
-    <SottoCategoria xmlns="679261c3-551f-4e86-913f-177e0e529669">-</SottoCategoria>
-    <Categoria xmlns="c58f2efd-82a8-4ecf-b395-8c25e928921d">Power Point</Categoria>
-    <_dlc_DocId xmlns="459159c4-d20a-4ff3-9b11-fbd127bd52e5">INTRANET-14-158</_dlc_DocId>
-    <_dlc_DocIdUrl xmlns="459159c4-d20a-4ff3-9b11-fbd127bd52e5">
-      <Url>https://intranet.istat.it/Collaborativi/_layouts/15/DocIdRedir.aspx?ID=INTRANET-14-158</Url>
-      <Description>INTRANET-14-158</Description>
-    </_dlc_DocIdUrl>
-  </documentManagement>
-</p:properties>
+<file path=customXml/itemProps3.xml><?xml version="1.0" encoding="utf-8"?>
+<ds:datastoreItem xmlns:ds="http://schemas.openxmlformats.org/officeDocument/2006/customXml" ds:itemID="{D9296C4F-9DE9-4B43-AA80-1FC85656CFFA}">
+  <ds:schemaRefs>
+    <ds:schemaRef ds:uri="http://schemas.microsoft.com/sharepoint/events"/>
+  </ds:schemaRefs>
+</ds:datastoreItem>
 </file>
 
-<file path=customXml/itemProps1.xml><?xml version="1.0" encoding="utf-8"?>
+<file path=customXml/itemProps4.xml><?xml version="1.0" encoding="utf-8"?>
 <ds:datastoreItem xmlns:ds="http://schemas.openxmlformats.org/officeDocument/2006/customXml" ds:itemID="{3F66F418-6054-4EA5-BF8E-6AF3CEAE6265}">
   <ds:schemaRefs>
     <ds:schemaRef ds:uri="http://schemas.microsoft.com/office/2006/metadata/contentType"/>
@@ -8984,38 +15770,4 @@
     <ds:schemaRef ds:uri="http://schemas.microsoft.com/internal/obd"/>
   </ds:schemaRefs>
 </ds:datastoreItem>
-</file>
-
-<file path=customXml/itemProps2.xml><?xml version="1.0" encoding="utf-8"?>
-<ds:datastoreItem xmlns:ds="http://schemas.openxmlformats.org/officeDocument/2006/customXml" ds:itemID="{D9296C4F-9DE9-4B43-AA80-1FC85656CFFA}">
-  <ds:schemaRefs>
-    <ds:schemaRef ds:uri="http://schemas.microsoft.com/sharepoint/events"/>
-  </ds:schemaRefs>
-</ds:datastoreItem>
-</file>
-
-<file path=customXml/itemProps3.xml><?xml version="1.0" encoding="utf-8"?>
-<ds:datastoreItem xmlns:ds="http://schemas.openxmlformats.org/officeDocument/2006/customXml" ds:itemID="{BD9C238D-4D5C-4783-820B-4854DCE45D41}">
-  <ds:schemaRefs>
-    <ds:schemaRef ds:uri="http://schemas.microsoft.com/sharepoint/v3/contenttype/forms"/>
-  </ds:schemaRefs>
-</ds:datastoreItem>
-</file>
-
-<file path=customXml/itemProps4.xml><?xml version="1.0" encoding="utf-8"?>
-<ds:datastoreItem xmlns:ds="http://schemas.openxmlformats.org/officeDocument/2006/customXml" ds:itemID="{3EF378BC-F4D0-4510-B4EC-07B6EFE18CF8}">
-  <ds:schemaRefs>
-    <ds:schemaRef ds:uri="679261c3-551f-4e86-913f-177e0e529669"/>
-    <ds:schemaRef ds:uri="http://purl.org/dc/terms/"/>
-    <ds:schemaRef ds:uri="459159c4-d20a-4ff3-9b11-fbd127bd52e5"/>
-    <ds:schemaRef ds:uri="c58f2efd-82a8-4ecf-b395-8c25e928921d"/>
-    <ds:schemaRef ds:uri="http://schemas.microsoft.com/office/2006/documentManagement/types"/>
-    <ds:schemaRef ds:uri="http://schemas.microsoft.com/office/2006/metadata/properties"/>
-    <ds:schemaRef ds:uri="http://purl.org/dc/elements/1.1/"/>
-    <ds:schemaRef ds:uri="http://schemas.microsoft.com/office/infopath/2007/PartnerControls"/>
-    <ds:schemaRef ds:uri="http://schemas.openxmlformats.org/package/2006/metadata/core-properties"/>
-    <ds:schemaRef ds:uri="http://www.w3.org/XML/1998/namespace"/>
-    <ds:schemaRef ds:uri="http://purl.org/dc/dcmitype/"/>
-  </ds:schemaRefs>
-</ds:datastoreItem>
 </file>
--- a/Cybersecurity/Fondamenti_di_Cybersicurezza.pptx
+++ b/Cybersecurity/Fondamenti_di_Cybersicurezza.pptx
@@ -5,7 +5,7 @@
     <p:sldMasterId id="2147483648" r:id="rId5"/>
   </p:sldMasterIdLst>
   <p:notesMasterIdLst>
-    <p:notesMasterId r:id="rId33"/>
+    <p:notesMasterId r:id="rId37"/>
   </p:notesMasterIdLst>
   <p:sldIdLst>
     <p:sldId id="256" r:id="rId6"/>
@@ -29,12 +29,16 @@
     <p:sldId id="383" r:id="rId24"/>
     <p:sldId id="384" r:id="rId25"/>
     <p:sldId id="385" r:id="rId26"/>
-    <p:sldId id="366" r:id="rId27"/>
-    <p:sldId id="367" r:id="rId28"/>
-    <p:sldId id="369" r:id="rId29"/>
-    <p:sldId id="368" r:id="rId30"/>
-    <p:sldId id="370" r:id="rId31"/>
-    <p:sldId id="343" r:id="rId32"/>
+    <p:sldId id="387" r:id="rId27"/>
+    <p:sldId id="388" r:id="rId28"/>
+    <p:sldId id="389" r:id="rId29"/>
+    <p:sldId id="390" r:id="rId30"/>
+    <p:sldId id="366" r:id="rId31"/>
+    <p:sldId id="367" r:id="rId32"/>
+    <p:sldId id="369" r:id="rId33"/>
+    <p:sldId id="368" r:id="rId34"/>
+    <p:sldId id="370" r:id="rId35"/>
+    <p:sldId id="343" r:id="rId36"/>
   </p:sldIdLst>
   <p:sldSz cx="12192000" cy="6858000"/>
   <p:notesSz cx="6858000" cy="9144000"/>
@@ -292,7 +296,7 @@
               <a:pPr>
                 <a:defRPr/>
               </a:pPr>
-              <a:t>6/17/2023</a:t>
+              <a:t>6/19/2023</a:t>
             </a:fld>
             <a:endParaRPr lang="en-US"/>
           </a:p>
@@ -7425,7 +7429,6 @@
               <a:rPr lang="it-IT" dirty="0"/>
               <a:t>…</a:t>
             </a:r>
-            <a:endParaRPr lang="it-IT" dirty="0"/>
           </a:p>
         </p:txBody>
       </p:sp>
@@ -7594,18 +7597,7 @@
                 <a:ea typeface="Tahoma" panose="020B0604030504040204" pitchFamily="34" charset="0"/>
                 <a:cs typeface="Tahoma" panose="020B0604030504040204" pitchFamily="34" charset="0"/>
               </a:rPr>
-              <a:t> su una rete pubblica, come Internet. </a:t>
-            </a:r>
-            <a:r>
-              <a:rPr lang="it-IT" sz="2400" dirty="0">
-                <a:solidFill>
-                  <a:schemeClr val="tx1"/>
-                </a:solidFill>
-                <a:latin typeface="Tahoma" panose="020B0604030504040204" pitchFamily="34" charset="0"/>
-                <a:ea typeface="Tahoma" panose="020B0604030504040204" pitchFamily="34" charset="0"/>
-                <a:cs typeface="Tahoma" panose="020B0604030504040204" pitchFamily="34" charset="0"/>
-              </a:rPr>
-              <a:t>Le </a:t>
+              <a:t> su una rete pubblica, come Internet. Le </a:t>
             </a:r>
             <a:r>
               <a:rPr lang="it-IT" sz="2400" b="1" dirty="0">
@@ -9159,18 +9151,7 @@
                 <a:ea typeface="Tahoma" panose="020B0604030504040204" pitchFamily="34" charset="0"/>
                 <a:cs typeface="Tahoma" panose="020B0604030504040204" pitchFamily="34" charset="0"/>
               </a:rPr>
-              <a:t>, offrendo vantaggi come l'isolamento, la flessibilità e la gestione centralizzata delle risorse. </a:t>
-            </a:r>
-            <a:r>
-              <a:rPr lang="it-IT" sz="2400" dirty="0">
-                <a:solidFill>
-                  <a:schemeClr val="tx1"/>
-                </a:solidFill>
-                <a:latin typeface="Tahoma" panose="020B0604030504040204" pitchFamily="34" charset="0"/>
-                <a:ea typeface="Tahoma" panose="020B0604030504040204" pitchFamily="34" charset="0"/>
-                <a:cs typeface="Tahoma" panose="020B0604030504040204" pitchFamily="34" charset="0"/>
-              </a:rPr>
-              <a:t>Ecco alcuni esempi di come la virtualizzazione viene utilizzata nella </a:t>
+              <a:t>, offrendo vantaggi come l'isolamento, la flessibilità e la gestione centralizzata delle risorse. Ecco alcuni esempi di come la virtualizzazione viene utilizzata nella </a:t>
             </a:r>
             <a:r>
               <a:rPr lang="it-IT" sz="2400" dirty="0" err="1" smtClean="0">
@@ -9437,7 +9418,6 @@
               <a:rPr lang="it-IT" dirty="0"/>
               <a:t>di virtualizzazione</a:t>
             </a:r>
-            <a:endParaRPr lang="it-IT" dirty="0"/>
           </a:p>
         </p:txBody>
       </p:sp>
@@ -9562,18 +9542,7 @@
                 <a:ea typeface="Tahoma" panose="020B0604030504040204" pitchFamily="34" charset="0"/>
                 <a:cs typeface="Tahoma" panose="020B0604030504040204" pitchFamily="34" charset="0"/>
               </a:rPr>
-              <a:t>La virtualizzazione dei server consente di eseguire più macchine virtuali (VM) su un singolo server fisico. </a:t>
-            </a:r>
-            <a:r>
-              <a:rPr lang="it-IT" sz="2400" dirty="0">
-                <a:solidFill>
-                  <a:schemeClr val="tx1"/>
-                </a:solidFill>
-                <a:latin typeface="Tahoma" panose="020B0604030504040204" pitchFamily="34" charset="0"/>
-                <a:ea typeface="Tahoma" panose="020B0604030504040204" pitchFamily="34" charset="0"/>
-                <a:cs typeface="Tahoma" panose="020B0604030504040204" pitchFamily="34" charset="0"/>
-              </a:rPr>
-              <a:t>Questo offre un'ulteriore protezione e isolamento tra le diverse applicazioni e i servizi ospitati sullo stesso server. In caso di compromissione di una VM, le altre rimangono intatte, limitando la diffusione di eventuali minacce.</a:t>
+              <a:t>La virtualizzazione dei server consente di eseguire più macchine virtuali (VM) su un singolo server fisico. Questo offre un'ulteriore protezione e isolamento tra le diverse applicazioni e i servizi ospitati sullo stesso server. In caso di compromissione di una VM, le altre rimangono intatte, limitando la diffusione di eventuali minacce.</a:t>
             </a:r>
           </a:p>
         </p:txBody>
@@ -9647,7 +9616,6 @@
               <a:rPr lang="it-IT" dirty="0"/>
               <a:t>di virtualizzazione</a:t>
             </a:r>
-            <a:endParaRPr lang="it-IT" dirty="0"/>
           </a:p>
         </p:txBody>
       </p:sp>
@@ -9772,18 +9740,7 @@
                 <a:ea typeface="Tahoma" panose="020B0604030504040204" pitchFamily="34" charset="0"/>
                 <a:cs typeface="Tahoma" panose="020B0604030504040204" pitchFamily="34" charset="0"/>
               </a:rPr>
-              <a:t>La virtualizzazione delle reti consente di creare reti virtuali separate all'interno di una rete fisica. </a:t>
-            </a:r>
-            <a:r>
-              <a:rPr lang="it-IT" sz="2400" dirty="0">
-                <a:solidFill>
-                  <a:schemeClr val="tx1"/>
-                </a:solidFill>
-                <a:latin typeface="Tahoma" panose="020B0604030504040204" pitchFamily="34" charset="0"/>
-                <a:ea typeface="Tahoma" panose="020B0604030504040204" pitchFamily="34" charset="0"/>
-                <a:cs typeface="Tahoma" panose="020B0604030504040204" pitchFamily="34" charset="0"/>
-              </a:rPr>
-              <a:t>Questo può contribuire a migliorare la sicurezza separando i diversi segmenti di rete, consentendo una gestione granulare degli accessi e delle politiche di sicurezza per ciascuna rete virtuale.</a:t>
+              <a:t>La virtualizzazione delle reti consente di creare reti virtuali separate all'interno di una rete fisica. Questo può contribuire a migliorare la sicurezza separando i diversi segmenti di rete, consentendo una gestione granulare degli accessi e delle politiche di sicurezza per ciascuna rete virtuale.</a:t>
             </a:r>
           </a:p>
         </p:txBody>
@@ -9857,7 +9814,6 @@
               <a:rPr lang="it-IT" dirty="0"/>
               <a:t>di virtualizzazione</a:t>
             </a:r>
-            <a:endParaRPr lang="it-IT" dirty="0"/>
           </a:p>
         </p:txBody>
       </p:sp>
@@ -9982,18 +9938,7 @@
                 <a:ea typeface="Tahoma" panose="020B0604030504040204" pitchFamily="34" charset="0"/>
                 <a:cs typeface="Tahoma" panose="020B0604030504040204" pitchFamily="34" charset="0"/>
               </a:rPr>
-              <a:t>La virtualizzazione dei desktop permette agli utenti di accedere a un desktop virtuale ospitato su un server centrale. </a:t>
-            </a:r>
-            <a:r>
-              <a:rPr lang="it-IT" sz="2400" dirty="0">
-                <a:solidFill>
-                  <a:schemeClr val="tx1"/>
-                </a:solidFill>
-                <a:latin typeface="Tahoma" panose="020B0604030504040204" pitchFamily="34" charset="0"/>
-                <a:ea typeface="Tahoma" panose="020B0604030504040204" pitchFamily="34" charset="0"/>
-                <a:cs typeface="Tahoma" panose="020B0604030504040204" pitchFamily="34" charset="0"/>
-              </a:rPr>
-              <a:t>Questo offre un maggiore controllo sulla sicurezza, poiché i dati e le applicazioni sensibili rimangono nel data center anziché essere distribuiti su dispositivi remoti. In caso di smarrimento o furto del dispositivo, i dati rimangono al sicuro nel server centrale.</a:t>
+              <a:t>La virtualizzazione dei desktop permette agli utenti di accedere a un desktop virtuale ospitato su un server centrale. Questo offre un maggiore controllo sulla sicurezza, poiché i dati e le applicazioni sensibili rimangono nel data center anziché essere distribuiti su dispositivi remoti. In caso di smarrimento o furto del dispositivo, i dati rimangono al sicuro nel server centrale.</a:t>
             </a:r>
           </a:p>
         </p:txBody>
@@ -10067,7 +10012,6 @@
               <a:rPr lang="it-IT" dirty="0"/>
               <a:t>di virtualizzazione</a:t>
             </a:r>
-            <a:endParaRPr lang="it-IT" dirty="0"/>
           </a:p>
         </p:txBody>
       </p:sp>
@@ -10660,7 +10604,6 @@
               <a:rPr lang="it-IT" dirty="0"/>
               <a:t>di virtualizzazione</a:t>
             </a:r>
-            <a:endParaRPr lang="it-IT" dirty="0"/>
           </a:p>
         </p:txBody>
       </p:sp>
@@ -10755,18 +10698,7 @@
                 <a:ea typeface="Tahoma" panose="020B0604030504040204" pitchFamily="34" charset="0"/>
                 <a:cs typeface="Tahoma" panose="020B0604030504040204" pitchFamily="34" charset="0"/>
               </a:rPr>
-              <a:t> La virtualizzazione viene ampiamente utilizzata per eseguire test di sicurezza e analisi delle vulnerabilità. </a:t>
-            </a:r>
-            <a:r>
-              <a:rPr lang="it-IT" sz="2400" dirty="0">
-                <a:solidFill>
-                  <a:schemeClr val="tx1"/>
-                </a:solidFill>
-                <a:latin typeface="Tahoma" panose="020B0604030504040204" pitchFamily="34" charset="0"/>
-                <a:ea typeface="Tahoma" panose="020B0604030504040204" pitchFamily="34" charset="0"/>
-                <a:cs typeface="Tahoma" panose="020B0604030504040204" pitchFamily="34" charset="0"/>
-              </a:rPr>
-              <a:t>I ricercatori di sicurezza e i professionisti del settore possono creare ambienti virtuali per simulare attacchi, testare patch di sicurezza e valutare la resilienza di un sistema o di un'applicazione senza compromettere l'ambiente di produzione.</a:t>
+              <a:t> La virtualizzazione viene ampiamente utilizzata per eseguire test di sicurezza e analisi delle vulnerabilità. I ricercatori di sicurezza e i professionisti del settore possono creare ambienti virtuali per simulare attacchi, testare patch di sicurezza e valutare la resilienza di un sistema o di un'applicazione senza compromettere l'ambiente di produzione.</a:t>
             </a:r>
           </a:p>
         </p:txBody>
@@ -10840,7 +10772,6 @@
               <a:rPr lang="it-IT" dirty="0"/>
               <a:t>di virtualizzazione</a:t>
             </a:r>
-            <a:endParaRPr lang="it-IT" dirty="0"/>
           </a:p>
         </p:txBody>
       </p:sp>
@@ -10893,7 +10824,7 @@
         <p:spPr>
           <a:xfrm>
             <a:off x="721777" y="1705419"/>
-            <a:ext cx="4774455" cy="4392612"/>
+            <a:ext cx="5049758" cy="4392612"/>
           </a:xfrm>
         </p:spPr>
         <p:txBody>
@@ -10905,6 +10836,28 @@
               <a:buChar char="•"/>
             </a:pPr>
             <a:r>
+              <a:rPr lang="it-IT" sz="2400" dirty="0" smtClean="0">
+                <a:solidFill>
+                  <a:schemeClr val="tx1"/>
+                </a:solidFill>
+                <a:latin typeface="Tahoma" panose="020B0604030504040204" pitchFamily="34" charset="0"/>
+                <a:ea typeface="Tahoma" panose="020B0604030504040204" pitchFamily="34" charset="0"/>
+                <a:cs typeface="Tahoma" panose="020B0604030504040204" pitchFamily="34" charset="0"/>
+              </a:rPr>
+              <a:t>I </a:t>
+            </a:r>
+            <a:r>
+              <a:rPr lang="it-IT" sz="2400" b="1" dirty="0">
+                <a:solidFill>
+                  <a:schemeClr val="tx1"/>
+                </a:solidFill>
+                <a:latin typeface="Tahoma" panose="020B0604030504040204" pitchFamily="34" charset="0"/>
+                <a:ea typeface="Tahoma" panose="020B0604030504040204" pitchFamily="34" charset="0"/>
+                <a:cs typeface="Tahoma" panose="020B0604030504040204" pitchFamily="34" charset="0"/>
+              </a:rPr>
+              <a:t>sistemi di gestione centralizzati </a:t>
+            </a:r>
+            <a:r>
               <a:rPr lang="it-IT" sz="2400" dirty="0">
                 <a:solidFill>
                   <a:schemeClr val="tx1"/>
@@ -10913,7 +10866,7 @@
                 <a:ea typeface="Tahoma" panose="020B0604030504040204" pitchFamily="34" charset="0"/>
                 <a:cs typeface="Tahoma" panose="020B0604030504040204" pitchFamily="34" charset="0"/>
               </a:rPr>
-              <a:t>Le funzioni di </a:t>
+              <a:t>come </a:t>
             </a:r>
             <a:r>
               <a:rPr lang="it-IT" sz="2400" b="1" dirty="0">
@@ -10924,7 +10877,7 @@
                 <a:ea typeface="Tahoma" panose="020B0604030504040204" pitchFamily="34" charset="0"/>
                 <a:cs typeface="Tahoma" panose="020B0604030504040204" pitchFamily="34" charset="0"/>
               </a:rPr>
-              <a:t>CSIRT</a:t>
+              <a:t>Active</a:t>
             </a:r>
             <a:r>
               <a:rPr lang="it-IT" sz="2400" dirty="0">
@@ -10935,18 +10888,18 @@
                 <a:ea typeface="Tahoma" panose="020B0604030504040204" pitchFamily="34" charset="0"/>
                 <a:cs typeface="Tahoma" panose="020B0604030504040204" pitchFamily="34" charset="0"/>
               </a:rPr>
-              <a:t> (Computer Security </a:t>
-            </a:r>
-            <a:r>
-              <a:rPr lang="it-IT" sz="2400" dirty="0" err="1">
-                <a:solidFill>
-                  <a:schemeClr val="tx1"/>
-                </a:solidFill>
-                <a:latin typeface="Tahoma" panose="020B0604030504040204" pitchFamily="34" charset="0"/>
-                <a:ea typeface="Tahoma" panose="020B0604030504040204" pitchFamily="34" charset="0"/>
-                <a:cs typeface="Tahoma" panose="020B0604030504040204" pitchFamily="34" charset="0"/>
-              </a:rPr>
-              <a:t>Incident</a:t>
+              <a:t> </a:t>
+            </a:r>
+            <a:r>
+              <a:rPr lang="it-IT" sz="2400" b="1" dirty="0">
+                <a:solidFill>
+                  <a:schemeClr val="tx1"/>
+                </a:solidFill>
+                <a:latin typeface="Tahoma" panose="020B0604030504040204" pitchFamily="34" charset="0"/>
+                <a:ea typeface="Tahoma" panose="020B0604030504040204" pitchFamily="34" charset="0"/>
+                <a:cs typeface="Tahoma" panose="020B0604030504040204" pitchFamily="34" charset="0"/>
+              </a:rPr>
+              <a:t>Directory</a:t>
             </a:r>
             <a:r>
               <a:rPr lang="it-IT" sz="2400" dirty="0">
@@ -10957,18 +10910,62 @@
                 <a:ea typeface="Tahoma" panose="020B0604030504040204" pitchFamily="34" charset="0"/>
                 <a:cs typeface="Tahoma" panose="020B0604030504040204" pitchFamily="34" charset="0"/>
               </a:rPr>
+              <a:t>, sistemi </a:t>
+            </a:r>
+            <a:r>
+              <a:rPr lang="it-IT" sz="2400" b="1" dirty="0">
+                <a:solidFill>
+                  <a:schemeClr val="tx1"/>
+                </a:solidFill>
+                <a:latin typeface="Tahoma" panose="020B0604030504040204" pitchFamily="34" charset="0"/>
+                <a:ea typeface="Tahoma" panose="020B0604030504040204" pitchFamily="34" charset="0"/>
+                <a:cs typeface="Tahoma" panose="020B0604030504040204" pitchFamily="34" charset="0"/>
+              </a:rPr>
+              <a:t>IAM</a:t>
+            </a:r>
+            <a:r>
+              <a:rPr lang="it-IT" sz="2400" dirty="0">
+                <a:solidFill>
+                  <a:schemeClr val="tx1"/>
+                </a:solidFill>
+                <a:latin typeface="Tahoma" panose="020B0604030504040204" pitchFamily="34" charset="0"/>
+                <a:ea typeface="Tahoma" panose="020B0604030504040204" pitchFamily="34" charset="0"/>
+                <a:cs typeface="Tahoma" panose="020B0604030504040204" pitchFamily="34" charset="0"/>
+              </a:rPr>
+              <a:t> (Identity and Access Management), </a:t>
+            </a:r>
+            <a:r>
+              <a:rPr lang="it-IT" sz="2400" b="1" dirty="0" err="1">
+                <a:solidFill>
+                  <a:schemeClr val="tx1"/>
+                </a:solidFill>
+                <a:latin typeface="Tahoma" panose="020B0604030504040204" pitchFamily="34" charset="0"/>
+                <a:ea typeface="Tahoma" panose="020B0604030504040204" pitchFamily="34" charset="0"/>
+                <a:cs typeface="Tahoma" panose="020B0604030504040204" pitchFamily="34" charset="0"/>
+              </a:rPr>
+              <a:t>OAuth</a:t>
+            </a:r>
+            <a:r>
+              <a:rPr lang="it-IT" sz="2400" dirty="0">
+                <a:solidFill>
+                  <a:schemeClr val="tx1"/>
+                </a:solidFill>
+                <a:latin typeface="Tahoma" panose="020B0604030504040204" pitchFamily="34" charset="0"/>
+                <a:ea typeface="Tahoma" panose="020B0604030504040204" pitchFamily="34" charset="0"/>
+                <a:cs typeface="Tahoma" panose="020B0604030504040204" pitchFamily="34" charset="0"/>
+              </a:rPr>
               <a:t> </a:t>
             </a:r>
             <a:r>
-              <a:rPr lang="it-IT" sz="2400" dirty="0" err="1">
-                <a:solidFill>
-                  <a:schemeClr val="tx1"/>
-                </a:solidFill>
-                <a:latin typeface="Tahoma" panose="020B0604030504040204" pitchFamily="34" charset="0"/>
-                <a:ea typeface="Tahoma" panose="020B0604030504040204" pitchFamily="34" charset="0"/>
-                <a:cs typeface="Tahoma" panose="020B0604030504040204" pitchFamily="34" charset="0"/>
-              </a:rPr>
-              <a:t>Response</a:t>
+              <a:rPr lang="it-IT" sz="2400" b="1" dirty="0">
+                <a:solidFill>
+                  <a:schemeClr val="tx1"/>
+                </a:solidFill>
+                <a:latin typeface="Tahoma" panose="020B0604030504040204" pitchFamily="34" charset="0"/>
+                <a:ea typeface="Tahoma" panose="020B0604030504040204" pitchFamily="34" charset="0"/>
+                <a:cs typeface="Tahoma" panose="020B0604030504040204" pitchFamily="34" charset="0"/>
+              </a:rPr>
+              <a:t>2.0</a:t>
             </a:r>
             <a:r>
               <a:rPr lang="it-IT" sz="2400" dirty="0">
@@ -10979,7 +10976,7 @@
                 <a:ea typeface="Tahoma" panose="020B0604030504040204" pitchFamily="34" charset="0"/>
                 <a:cs typeface="Tahoma" panose="020B0604030504040204" pitchFamily="34" charset="0"/>
               </a:rPr>
-              <a:t> Team), </a:t>
+              <a:t>, </a:t>
             </a:r>
             <a:r>
               <a:rPr lang="it-IT" sz="2400" b="1" dirty="0">
@@ -10990,7 +10987,7 @@
                 <a:ea typeface="Tahoma" panose="020B0604030504040204" pitchFamily="34" charset="0"/>
                 <a:cs typeface="Tahoma" panose="020B0604030504040204" pitchFamily="34" charset="0"/>
               </a:rPr>
-              <a:t>SOC</a:t>
+              <a:t>SAML</a:t>
             </a:r>
             <a:r>
               <a:rPr lang="it-IT" sz="2400" dirty="0">
@@ -11001,18 +10998,18 @@
                 <a:ea typeface="Tahoma" panose="020B0604030504040204" pitchFamily="34" charset="0"/>
                 <a:cs typeface="Tahoma" panose="020B0604030504040204" pitchFamily="34" charset="0"/>
               </a:rPr>
-              <a:t> (Security Operations Center) e </a:t>
-            </a:r>
-            <a:r>
-              <a:rPr lang="it-IT" sz="2400" b="1" dirty="0">
-                <a:solidFill>
-                  <a:schemeClr val="tx1"/>
-                </a:solidFill>
-                <a:latin typeface="Tahoma" panose="020B0604030504040204" pitchFamily="34" charset="0"/>
-                <a:ea typeface="Tahoma" panose="020B0604030504040204" pitchFamily="34" charset="0"/>
-                <a:cs typeface="Tahoma" panose="020B0604030504040204" pitchFamily="34" charset="0"/>
-              </a:rPr>
-              <a:t>ISAC</a:t>
+              <a:t> e </a:t>
+            </a:r>
+            <a:r>
+              <a:rPr lang="it-IT" sz="2400" b="1" dirty="0" err="1">
+                <a:solidFill>
+                  <a:schemeClr val="tx1"/>
+                </a:solidFill>
+                <a:latin typeface="Tahoma" panose="020B0604030504040204" pitchFamily="34" charset="0"/>
+                <a:ea typeface="Tahoma" panose="020B0604030504040204" pitchFamily="34" charset="0"/>
+                <a:cs typeface="Tahoma" panose="020B0604030504040204" pitchFamily="34" charset="0"/>
+              </a:rPr>
+              <a:t>Kerberos</a:t>
             </a:r>
             <a:r>
               <a:rPr lang="it-IT" sz="2400" dirty="0">
@@ -11023,18 +11020,7 @@
                 <a:ea typeface="Tahoma" panose="020B0604030504040204" pitchFamily="34" charset="0"/>
                 <a:cs typeface="Tahoma" panose="020B0604030504040204" pitchFamily="34" charset="0"/>
               </a:rPr>
-              <a:t> (Information </a:t>
-            </a:r>
-            <a:r>
-              <a:rPr lang="it-IT" sz="2400" dirty="0" err="1">
-                <a:solidFill>
-                  <a:schemeClr val="tx1"/>
-                </a:solidFill>
-                <a:latin typeface="Tahoma" panose="020B0604030504040204" pitchFamily="34" charset="0"/>
-                <a:ea typeface="Tahoma" panose="020B0604030504040204" pitchFamily="34" charset="0"/>
-                <a:cs typeface="Tahoma" panose="020B0604030504040204" pitchFamily="34" charset="0"/>
-              </a:rPr>
-              <a:t>Sharing</a:t>
+              <a:t> sono utilizzati per facilitare e controllare l'accesso agli utenti e alle risorse in un ambiente informatico. </a:t>
             </a:r>
             <a:r>
               <a:rPr lang="it-IT" sz="2400" dirty="0">
@@ -11045,27 +11031,8 @@
                 <a:ea typeface="Tahoma" panose="020B0604030504040204" pitchFamily="34" charset="0"/>
                 <a:cs typeface="Tahoma" panose="020B0604030504040204" pitchFamily="34" charset="0"/>
               </a:rPr>
-              <a:t> and Analysis Center) sono strettamente connesse e spesso lavorano in collaborazione per garantire la sicurezza informatica di un'organizzazione o di </a:t>
-            </a:r>
-            <a:r>
-              <a:rPr lang="it-IT" sz="2400" dirty="0" smtClean="0">
-                <a:solidFill>
-                  <a:schemeClr val="tx1"/>
-                </a:solidFill>
-                <a:latin typeface="Tahoma" panose="020B0604030504040204" pitchFamily="34" charset="0"/>
-                <a:ea typeface="Tahoma" panose="020B0604030504040204" pitchFamily="34" charset="0"/>
-                <a:cs typeface="Tahoma" panose="020B0604030504040204" pitchFamily="34" charset="0"/>
-              </a:rPr>
-              <a:t>una comunità. </a:t>
-            </a:r>
-            <a:endParaRPr lang="it-IT" sz="2400" dirty="0">
-              <a:solidFill>
-                <a:schemeClr val="tx1"/>
-              </a:solidFill>
-              <a:latin typeface="Tahoma" panose="020B0604030504040204" pitchFamily="34" charset="0"/>
-              <a:ea typeface="Tahoma" panose="020B0604030504040204" pitchFamily="34" charset="0"/>
-              <a:cs typeface="Tahoma" panose="020B0604030504040204" pitchFamily="34" charset="0"/>
-            </a:endParaRPr>
+              <a:t>Ognuno di questi sistemi ha un ruolo specifico nella gestione dell'identità, dell'autenticazione e dell'autorizzazione degli utenti. </a:t>
+            </a:r>
           </a:p>
         </p:txBody>
       </p:sp>
@@ -11122,8 +11089,8 @@
         </p:nvSpPr>
         <p:spPr>
           <a:xfrm>
-            <a:off x="468895" y="503475"/>
-            <a:ext cx="11269308" cy="384721"/>
+            <a:off x="468895" y="118755"/>
+            <a:ext cx="11269308" cy="769441"/>
           </a:xfrm>
         </p:spPr>
         <p:txBody>
@@ -11132,15 +11099,27 @@
           <a:p>
             <a:r>
               <a:rPr lang="it-IT" dirty="0" smtClean="0"/>
-              <a:t>Funzioni </a:t>
+              <a:t>Sistemi </a:t>
             </a:r>
             <a:r>
               <a:rPr lang="it-IT" dirty="0"/>
-              <a:t>di CSIRT, SOC e </a:t>
-            </a:r>
-            <a:r>
-              <a:rPr lang="it-IT" dirty="0" smtClean="0"/>
-              <a:t>ISAC</a:t>
+              <a:t>di gestione centralizzati (Active Directory, Sistemi IAM, </a:t>
+            </a:r>
+            <a:r>
+              <a:rPr lang="it-IT" dirty="0" err="1"/>
+              <a:t>OAuth</a:t>
+            </a:r>
+            <a:r>
+              <a:rPr lang="it-IT" dirty="0"/>
+              <a:t> 2.0, SAML, </a:t>
+            </a:r>
+            <a:r>
+              <a:rPr lang="it-IT" dirty="0" err="1"/>
+              <a:t>Kerberos</a:t>
+            </a:r>
+            <a:r>
+              <a:rPr lang="it-IT" dirty="0"/>
+              <a:t>…) </a:t>
             </a:r>
             <a:endParaRPr lang="it-IT" dirty="0"/>
           </a:p>
@@ -11148,7 +11127,7 @@
       </p:sp>
       <p:pic>
         <p:nvPicPr>
-          <p:cNvPr id="3" name="Immagine 2"/>
+          <p:cNvPr id="4" name="Immagine 3"/>
           <p:cNvPicPr>
             <a:picLocks noChangeAspect="1"/>
           </p:cNvPicPr>
@@ -11168,8 +11147,8 @@
         </p:blipFill>
         <p:spPr>
           <a:xfrm>
-            <a:off x="5496232" y="2009403"/>
-            <a:ext cx="7275991" cy="3784643"/>
+            <a:off x="6316031" y="1510316"/>
+            <a:ext cx="5187711" cy="4782817"/>
           </a:xfrm>
           <a:prstGeom prst="rect">
             <a:avLst/>
@@ -11179,7 +11158,7 @@
     </p:spTree>
     <p:extLst>
       <p:ext uri="{BB962C8B-B14F-4D97-AF65-F5344CB8AC3E}">
-        <p14:creationId xmlns:p14="http://schemas.microsoft.com/office/powerpoint/2010/main" val="2990027839"/>
+        <p14:creationId xmlns:p14="http://schemas.microsoft.com/office/powerpoint/2010/main" val="145651189"/>
       </p:ext>
     </p:extLst>
   </p:cSld>
@@ -11224,8 +11203,8 @@
         </p:nvSpPr>
         <p:spPr>
           <a:xfrm>
-            <a:off x="721777" y="1401434"/>
-            <a:ext cx="6426275" cy="4392612"/>
+            <a:off x="721777" y="1705419"/>
+            <a:ext cx="5049758" cy="4392612"/>
           </a:xfrm>
         </p:spPr>
         <p:txBody>
@@ -11237,6 +11216,17 @@
               <a:buChar char="•"/>
             </a:pPr>
             <a:r>
+              <a:rPr lang="it-IT" sz="2400" b="1" dirty="0" smtClean="0">
+                <a:solidFill>
+                  <a:schemeClr val="tx1"/>
+                </a:solidFill>
+                <a:latin typeface="Tahoma" panose="020B0604030504040204" pitchFamily="34" charset="0"/>
+                <a:ea typeface="Tahoma" panose="020B0604030504040204" pitchFamily="34" charset="0"/>
+                <a:cs typeface="Tahoma" panose="020B0604030504040204" pitchFamily="34" charset="0"/>
+              </a:rPr>
+              <a:t>Active </a:t>
+            </a:r>
+            <a:r>
               <a:rPr lang="it-IT" sz="2400" b="1" dirty="0">
                 <a:solidFill>
                   <a:schemeClr val="tx1"/>
@@ -11245,7 +11235,7 @@
                 <a:ea typeface="Tahoma" panose="020B0604030504040204" pitchFamily="34" charset="0"/>
                 <a:cs typeface="Tahoma" panose="020B0604030504040204" pitchFamily="34" charset="0"/>
               </a:rPr>
-              <a:t>CSIRT</a:t>
+              <a:t>Directory (AD)</a:t>
             </a:r>
             <a:r>
               <a:rPr lang="it-IT" sz="2400" dirty="0">
@@ -11256,18 +11246,18 @@
                 <a:ea typeface="Tahoma" panose="020B0604030504040204" pitchFamily="34" charset="0"/>
                 <a:cs typeface="Tahoma" panose="020B0604030504040204" pitchFamily="34" charset="0"/>
               </a:rPr>
-              <a:t> (Computer Security </a:t>
-            </a:r>
-            <a:r>
-              <a:rPr lang="it-IT" sz="2400" dirty="0" err="1">
-                <a:solidFill>
-                  <a:schemeClr val="tx1"/>
-                </a:solidFill>
-                <a:latin typeface="Tahoma" panose="020B0604030504040204" pitchFamily="34" charset="0"/>
-                <a:ea typeface="Tahoma" panose="020B0604030504040204" pitchFamily="34" charset="0"/>
-                <a:cs typeface="Tahoma" panose="020B0604030504040204" pitchFamily="34" charset="0"/>
-              </a:rPr>
-              <a:t>Incident</a:t>
+              <a:t>: </a:t>
+            </a:r>
+            <a:r>
+              <a:rPr lang="it-IT" sz="2400" b="1" dirty="0">
+                <a:solidFill>
+                  <a:schemeClr val="tx1"/>
+                </a:solidFill>
+                <a:latin typeface="Tahoma" panose="020B0604030504040204" pitchFamily="34" charset="0"/>
+                <a:ea typeface="Tahoma" panose="020B0604030504040204" pitchFamily="34" charset="0"/>
+                <a:cs typeface="Tahoma" panose="020B0604030504040204" pitchFamily="34" charset="0"/>
+              </a:rPr>
+              <a:t>Active</a:t>
             </a:r>
             <a:r>
               <a:rPr lang="it-IT" sz="2400" dirty="0">
@@ -11281,15 +11271,15 @@
               <a:t> </a:t>
             </a:r>
             <a:r>
-              <a:rPr lang="it-IT" sz="2400" dirty="0" err="1">
-                <a:solidFill>
-                  <a:schemeClr val="tx1"/>
-                </a:solidFill>
-                <a:latin typeface="Tahoma" panose="020B0604030504040204" pitchFamily="34" charset="0"/>
-                <a:ea typeface="Tahoma" panose="020B0604030504040204" pitchFamily="34" charset="0"/>
-                <a:cs typeface="Tahoma" panose="020B0604030504040204" pitchFamily="34" charset="0"/>
-              </a:rPr>
-              <a:t>Response</a:t>
+              <a:rPr lang="it-IT" sz="2400" b="1" dirty="0">
+                <a:solidFill>
+                  <a:schemeClr val="tx1"/>
+                </a:solidFill>
+                <a:latin typeface="Tahoma" panose="020B0604030504040204" pitchFamily="34" charset="0"/>
+                <a:ea typeface="Tahoma" panose="020B0604030504040204" pitchFamily="34" charset="0"/>
+                <a:cs typeface="Tahoma" panose="020B0604030504040204" pitchFamily="34" charset="0"/>
+              </a:rPr>
+              <a:t>Directory</a:t>
             </a:r>
             <a:r>
               <a:rPr lang="it-IT" sz="2400" dirty="0">
@@ -11300,18 +11290,7 @@
                 <a:ea typeface="Tahoma" panose="020B0604030504040204" pitchFamily="34" charset="0"/>
                 <a:cs typeface="Tahoma" panose="020B0604030504040204" pitchFamily="34" charset="0"/>
               </a:rPr>
-              <a:t> Team): Un </a:t>
-            </a:r>
-            <a:r>
-              <a:rPr lang="it-IT" sz="2400" b="1" dirty="0">
-                <a:solidFill>
-                  <a:schemeClr val="tx1"/>
-                </a:solidFill>
-                <a:latin typeface="Tahoma" panose="020B0604030504040204" pitchFamily="34" charset="0"/>
-                <a:ea typeface="Tahoma" panose="020B0604030504040204" pitchFamily="34" charset="0"/>
-                <a:cs typeface="Tahoma" panose="020B0604030504040204" pitchFamily="34" charset="0"/>
-              </a:rPr>
-              <a:t>CSIRT</a:t>
+              <a:t> è un servizio di directory sviluppato da Microsoft, ampiamente utilizzato nei sistemi operativi Windows. </a:t>
             </a:r>
             <a:r>
               <a:rPr lang="it-IT" sz="2400" dirty="0">
@@ -11322,104 +11301,8 @@
                 <a:ea typeface="Tahoma" panose="020B0604030504040204" pitchFamily="34" charset="0"/>
                 <a:cs typeface="Tahoma" panose="020B0604030504040204" pitchFamily="34" charset="0"/>
               </a:rPr>
-              <a:t> è un team dedicato alla gestione degli incidenti di </a:t>
-            </a:r>
-            <a:r>
-              <a:rPr lang="it-IT" sz="2400" b="1" dirty="0">
-                <a:solidFill>
-                  <a:schemeClr val="tx1"/>
-                </a:solidFill>
-                <a:latin typeface="Tahoma" panose="020B0604030504040204" pitchFamily="34" charset="0"/>
-                <a:ea typeface="Tahoma" panose="020B0604030504040204" pitchFamily="34" charset="0"/>
-                <a:cs typeface="Tahoma" panose="020B0604030504040204" pitchFamily="34" charset="0"/>
-              </a:rPr>
-              <a:t>sicurezza</a:t>
-            </a:r>
-            <a:r>
-              <a:rPr lang="it-IT" sz="2400" dirty="0">
-                <a:solidFill>
-                  <a:schemeClr val="tx1"/>
-                </a:solidFill>
-                <a:latin typeface="Tahoma" panose="020B0604030504040204" pitchFamily="34" charset="0"/>
-                <a:ea typeface="Tahoma" panose="020B0604030504040204" pitchFamily="34" charset="0"/>
-                <a:cs typeface="Tahoma" panose="020B0604030504040204" pitchFamily="34" charset="0"/>
-              </a:rPr>
-              <a:t> </a:t>
-            </a:r>
-            <a:r>
-              <a:rPr lang="it-IT" sz="2400" b="1" dirty="0">
-                <a:solidFill>
-                  <a:schemeClr val="tx1"/>
-                </a:solidFill>
-                <a:latin typeface="Tahoma" panose="020B0604030504040204" pitchFamily="34" charset="0"/>
-                <a:ea typeface="Tahoma" panose="020B0604030504040204" pitchFamily="34" charset="0"/>
-                <a:cs typeface="Tahoma" panose="020B0604030504040204" pitchFamily="34" charset="0"/>
-              </a:rPr>
-              <a:t>informatica</a:t>
-            </a:r>
-            <a:r>
-              <a:rPr lang="it-IT" sz="2400" dirty="0">
-                <a:solidFill>
-                  <a:schemeClr val="tx1"/>
-                </a:solidFill>
-                <a:latin typeface="Tahoma" panose="020B0604030504040204" pitchFamily="34" charset="0"/>
-                <a:ea typeface="Tahoma" panose="020B0604030504040204" pitchFamily="34" charset="0"/>
-                <a:cs typeface="Tahoma" panose="020B0604030504040204" pitchFamily="34" charset="0"/>
-              </a:rPr>
-              <a:t>. Il suo obiettivo principale è quello di rilevare, rispondere e mitigare gli attacchi informatici. I membri del team </a:t>
-            </a:r>
-            <a:r>
-              <a:rPr lang="it-IT" sz="2400" b="1" dirty="0">
-                <a:solidFill>
-                  <a:schemeClr val="tx1"/>
-                </a:solidFill>
-                <a:latin typeface="Tahoma" panose="020B0604030504040204" pitchFamily="34" charset="0"/>
-                <a:ea typeface="Tahoma" panose="020B0604030504040204" pitchFamily="34" charset="0"/>
-                <a:cs typeface="Tahoma" panose="020B0604030504040204" pitchFamily="34" charset="0"/>
-              </a:rPr>
-              <a:t>CSIRT</a:t>
-            </a:r>
-            <a:r>
-              <a:rPr lang="it-IT" sz="2400" dirty="0">
-                <a:solidFill>
-                  <a:schemeClr val="tx1"/>
-                </a:solidFill>
-                <a:latin typeface="Tahoma" panose="020B0604030504040204" pitchFamily="34" charset="0"/>
-                <a:ea typeface="Tahoma" panose="020B0604030504040204" pitchFamily="34" charset="0"/>
-                <a:cs typeface="Tahoma" panose="020B0604030504040204" pitchFamily="34" charset="0"/>
-              </a:rPr>
-              <a:t> sono addestrati per identificare le minacce, analizzare gli incidenti di sicurezza e coordinare le risposte appropriate. </a:t>
-            </a:r>
-            <a:r>
-              <a:rPr lang="it-IT" sz="2400" dirty="0">
-                <a:solidFill>
-                  <a:schemeClr val="tx1"/>
-                </a:solidFill>
-                <a:latin typeface="Tahoma" panose="020B0604030504040204" pitchFamily="34" charset="0"/>
-                <a:ea typeface="Tahoma" panose="020B0604030504040204" pitchFamily="34" charset="0"/>
-                <a:cs typeface="Tahoma" panose="020B0604030504040204" pitchFamily="34" charset="0"/>
-              </a:rPr>
-              <a:t>Possono anche fornire consulenza sulla sicurezza informatica e promuovere le migliori pratiche all'interno di un'organizzazione</a:t>
-            </a:r>
-            <a:r>
-              <a:rPr lang="it-IT" sz="2400" dirty="0" smtClean="0">
-                <a:solidFill>
-                  <a:schemeClr val="tx1"/>
-                </a:solidFill>
-                <a:latin typeface="Tahoma" panose="020B0604030504040204" pitchFamily="34" charset="0"/>
-                <a:ea typeface="Tahoma" panose="020B0604030504040204" pitchFamily="34" charset="0"/>
-                <a:cs typeface="Tahoma" panose="020B0604030504040204" pitchFamily="34" charset="0"/>
-              </a:rPr>
-              <a:t>.</a:t>
-            </a:r>
-            <a:endParaRPr lang="it-IT" sz="2400" dirty="0">
-              <a:solidFill>
-                <a:schemeClr val="tx1"/>
-              </a:solidFill>
-              <a:latin typeface="Tahoma" panose="020B0604030504040204" pitchFamily="34" charset="0"/>
-              <a:ea typeface="Tahoma" panose="020B0604030504040204" pitchFamily="34" charset="0"/>
-              <a:cs typeface="Tahoma" panose="020B0604030504040204" pitchFamily="34" charset="0"/>
-            </a:endParaRPr>
+              <a:t>Funziona come un database centralizzato per memorizzare le informazioni sugli utenti, i gruppi e le risorse di rete. AD offre funzionalità di autenticazione, autorizzazione e gestione delle risorse in un dominio Windows.</a:t>
+            </a:r>
           </a:p>
         </p:txBody>
       </p:sp>
@@ -11476,8 +11359,8 @@
         </p:nvSpPr>
         <p:spPr>
           <a:xfrm>
-            <a:off x="468895" y="503475"/>
-            <a:ext cx="11269308" cy="384721"/>
+            <a:off x="468895" y="118755"/>
+            <a:ext cx="11269308" cy="769441"/>
           </a:xfrm>
         </p:spPr>
         <p:txBody>
@@ -11486,11 +11369,27 @@
           <a:p>
             <a:r>
               <a:rPr lang="it-IT" dirty="0" smtClean="0"/>
-              <a:t>Funzioni </a:t>
+              <a:t>Sistemi </a:t>
             </a:r>
             <a:r>
               <a:rPr lang="it-IT" dirty="0"/>
-              <a:t>di CSIRT, SOC e ISAC</a:t>
+              <a:t>di gestione centralizzati (Active Directory, Sistemi IAM, </a:t>
+            </a:r>
+            <a:r>
+              <a:rPr lang="it-IT" dirty="0" err="1"/>
+              <a:t>OAuth</a:t>
+            </a:r>
+            <a:r>
+              <a:rPr lang="it-IT" dirty="0"/>
+              <a:t> 2.0, SAML, </a:t>
+            </a:r>
+            <a:r>
+              <a:rPr lang="it-IT" dirty="0" err="1"/>
+              <a:t>Kerberos</a:t>
+            </a:r>
+            <a:r>
+              <a:rPr lang="it-IT" dirty="0"/>
+              <a:t>…) </a:t>
             </a:r>
             <a:endParaRPr lang="it-IT" dirty="0"/>
           </a:p>
@@ -11498,7 +11397,7 @@
       </p:sp>
       <p:pic>
         <p:nvPicPr>
-          <p:cNvPr id="4" name="Immagine 3"/>
+          <p:cNvPr id="3" name="Immagine 2"/>
           <p:cNvPicPr>
             <a:picLocks noChangeAspect="1"/>
           </p:cNvPicPr>
@@ -11518,8 +11417,8 @@
         </p:blipFill>
         <p:spPr>
           <a:xfrm>
-            <a:off x="7290674" y="2491798"/>
-            <a:ext cx="4608355" cy="2301824"/>
+            <a:off x="5810317" y="2097958"/>
+            <a:ext cx="5927886" cy="3319616"/>
           </a:xfrm>
           <a:prstGeom prst="rect">
             <a:avLst/>
@@ -11529,7 +11428,7 @@
     </p:spTree>
     <p:extLst>
       <p:ext uri="{BB962C8B-B14F-4D97-AF65-F5344CB8AC3E}">
-        <p14:creationId xmlns:p14="http://schemas.microsoft.com/office/powerpoint/2010/main" val="3553250571"/>
+        <p14:creationId xmlns:p14="http://schemas.microsoft.com/office/powerpoint/2010/main" val="4210450604"/>
       </p:ext>
     </p:extLst>
   </p:cSld>
@@ -11574,8 +11473,8 @@
         </p:nvSpPr>
         <p:spPr>
           <a:xfrm>
-            <a:off x="721777" y="1401434"/>
-            <a:ext cx="7989604" cy="4392612"/>
+            <a:off x="721777" y="1705419"/>
+            <a:ext cx="5049758" cy="4392612"/>
           </a:xfrm>
         </p:spPr>
         <p:txBody>
@@ -11595,18 +11494,18 @@
                 <a:ea typeface="Tahoma" panose="020B0604030504040204" pitchFamily="34" charset="0"/>
                 <a:cs typeface="Tahoma" panose="020B0604030504040204" pitchFamily="34" charset="0"/>
               </a:rPr>
-              <a:t>SOC</a:t>
-            </a:r>
-            <a:r>
-              <a:rPr lang="it-IT" sz="2400" dirty="0" smtClean="0">
-                <a:solidFill>
-                  <a:schemeClr val="tx1"/>
-                </a:solidFill>
-                <a:latin typeface="Tahoma" panose="020B0604030504040204" pitchFamily="34" charset="0"/>
-                <a:ea typeface="Tahoma" panose="020B0604030504040204" pitchFamily="34" charset="0"/>
-                <a:cs typeface="Tahoma" panose="020B0604030504040204" pitchFamily="34" charset="0"/>
-              </a:rPr>
-              <a:t> </a:t>
+              <a:t>Sistemi </a:t>
+            </a:r>
+            <a:r>
+              <a:rPr lang="it-IT" sz="2400" b="1" dirty="0">
+                <a:solidFill>
+                  <a:schemeClr val="tx1"/>
+                </a:solidFill>
+                <a:latin typeface="Tahoma" panose="020B0604030504040204" pitchFamily="34" charset="0"/>
+                <a:ea typeface="Tahoma" panose="020B0604030504040204" pitchFamily="34" charset="0"/>
+                <a:cs typeface="Tahoma" panose="020B0604030504040204" pitchFamily="34" charset="0"/>
+              </a:rPr>
+              <a:t>IAM</a:t>
             </a:r>
             <a:r>
               <a:rPr lang="it-IT" sz="2400" dirty="0">
@@ -11617,7 +11516,7 @@
                 <a:ea typeface="Tahoma" panose="020B0604030504040204" pitchFamily="34" charset="0"/>
                 <a:cs typeface="Tahoma" panose="020B0604030504040204" pitchFamily="34" charset="0"/>
               </a:rPr>
-              <a:t>(Security Operations Center): Un </a:t>
+              <a:t> (Identity and Access Management): </a:t>
             </a:r>
             <a:r>
               <a:rPr lang="it-IT" sz="2400" b="1" dirty="0">
@@ -11628,7 +11527,7 @@
                 <a:ea typeface="Tahoma" panose="020B0604030504040204" pitchFamily="34" charset="0"/>
                 <a:cs typeface="Tahoma" panose="020B0604030504040204" pitchFamily="34" charset="0"/>
               </a:rPr>
-              <a:t>SOC</a:t>
+              <a:t>IAM</a:t>
             </a:r>
             <a:r>
               <a:rPr lang="it-IT" sz="2400" dirty="0">
@@ -11639,18 +11538,18 @@
                 <a:ea typeface="Tahoma" panose="020B0604030504040204" pitchFamily="34" charset="0"/>
                 <a:cs typeface="Tahoma" panose="020B0604030504040204" pitchFamily="34" charset="0"/>
               </a:rPr>
-              <a:t> è un centro operativo specializzato nella gestione della </a:t>
-            </a:r>
-            <a:r>
-              <a:rPr lang="it-IT" sz="2400" b="1" dirty="0">
-                <a:solidFill>
-                  <a:schemeClr val="tx1"/>
-                </a:solidFill>
-                <a:latin typeface="Tahoma" panose="020B0604030504040204" pitchFamily="34" charset="0"/>
-                <a:ea typeface="Tahoma" panose="020B0604030504040204" pitchFamily="34" charset="0"/>
-                <a:cs typeface="Tahoma" panose="020B0604030504040204" pitchFamily="34" charset="0"/>
-              </a:rPr>
-              <a:t>sicurezza</a:t>
+              <a:t> è un </a:t>
+            </a:r>
+            <a:r>
+              <a:rPr lang="it-IT" sz="2400" dirty="0" err="1">
+                <a:solidFill>
+                  <a:schemeClr val="tx1"/>
+                </a:solidFill>
+                <a:latin typeface="Tahoma" panose="020B0604030504040204" pitchFamily="34" charset="0"/>
+                <a:ea typeface="Tahoma" panose="020B0604030504040204" pitchFamily="34" charset="0"/>
+                <a:cs typeface="Tahoma" panose="020B0604030504040204" pitchFamily="34" charset="0"/>
+              </a:rPr>
+              <a:t>framework</a:t>
             </a:r>
             <a:r>
               <a:rPr lang="it-IT" sz="2400" dirty="0">
@@ -11661,128 +11560,7 @@
                 <a:ea typeface="Tahoma" panose="020B0604030504040204" pitchFamily="34" charset="0"/>
                 <a:cs typeface="Tahoma" panose="020B0604030504040204" pitchFamily="34" charset="0"/>
               </a:rPr>
-              <a:t> </a:t>
-            </a:r>
-            <a:r>
-              <a:rPr lang="it-IT" sz="2400" b="1" dirty="0">
-                <a:solidFill>
-                  <a:schemeClr val="tx1"/>
-                </a:solidFill>
-                <a:latin typeface="Tahoma" panose="020B0604030504040204" pitchFamily="34" charset="0"/>
-                <a:ea typeface="Tahoma" panose="020B0604030504040204" pitchFamily="34" charset="0"/>
-                <a:cs typeface="Tahoma" panose="020B0604030504040204" pitchFamily="34" charset="0"/>
-              </a:rPr>
-              <a:t>informatica</a:t>
-            </a:r>
-            <a:r>
-              <a:rPr lang="it-IT" sz="2400" dirty="0">
-                <a:solidFill>
-                  <a:schemeClr val="tx1"/>
-                </a:solidFill>
-                <a:latin typeface="Tahoma" panose="020B0604030504040204" pitchFamily="34" charset="0"/>
-                <a:ea typeface="Tahoma" panose="020B0604030504040204" pitchFamily="34" charset="0"/>
-                <a:cs typeface="Tahoma" panose="020B0604030504040204" pitchFamily="34" charset="0"/>
-              </a:rPr>
-              <a:t>. </a:t>
-            </a:r>
-            <a:r>
-              <a:rPr lang="it-IT" sz="2400" dirty="0">
-                <a:solidFill>
-                  <a:schemeClr val="tx1"/>
-                </a:solidFill>
-                <a:latin typeface="Tahoma" panose="020B0604030504040204" pitchFamily="34" charset="0"/>
-                <a:ea typeface="Tahoma" panose="020B0604030504040204" pitchFamily="34" charset="0"/>
-                <a:cs typeface="Tahoma" panose="020B0604030504040204" pitchFamily="34" charset="0"/>
-              </a:rPr>
-              <a:t>Solitamente è composto da un gruppo di esperti che monitorano costantemente gli </a:t>
-            </a:r>
-            <a:r>
-              <a:rPr lang="it-IT" sz="2400" b="1" dirty="0">
-                <a:solidFill>
-                  <a:schemeClr val="tx1"/>
-                </a:solidFill>
-                <a:latin typeface="Tahoma" panose="020B0604030504040204" pitchFamily="34" charset="0"/>
-                <a:ea typeface="Tahoma" panose="020B0604030504040204" pitchFamily="34" charset="0"/>
-                <a:cs typeface="Tahoma" panose="020B0604030504040204" pitchFamily="34" charset="0"/>
-              </a:rPr>
-              <a:t>eventi di sicurezza</a:t>
-            </a:r>
-            <a:r>
-              <a:rPr lang="it-IT" sz="2400" dirty="0">
-                <a:solidFill>
-                  <a:schemeClr val="tx1"/>
-                </a:solidFill>
-                <a:latin typeface="Tahoma" panose="020B0604030504040204" pitchFamily="34" charset="0"/>
-                <a:ea typeface="Tahoma" panose="020B0604030504040204" pitchFamily="34" charset="0"/>
-                <a:cs typeface="Tahoma" panose="020B0604030504040204" pitchFamily="34" charset="0"/>
-              </a:rPr>
-              <a:t>, analizzano le </a:t>
-            </a:r>
-            <a:r>
-              <a:rPr lang="it-IT" sz="2400" b="1" dirty="0">
-                <a:solidFill>
-                  <a:schemeClr val="tx1"/>
-                </a:solidFill>
-                <a:latin typeface="Tahoma" panose="020B0604030504040204" pitchFamily="34" charset="0"/>
-                <a:ea typeface="Tahoma" panose="020B0604030504040204" pitchFamily="34" charset="0"/>
-                <a:cs typeface="Tahoma" panose="020B0604030504040204" pitchFamily="34" charset="0"/>
-              </a:rPr>
-              <a:t>anomalie</a:t>
-            </a:r>
-            <a:r>
-              <a:rPr lang="it-IT" sz="2400" dirty="0">
-                <a:solidFill>
-                  <a:schemeClr val="tx1"/>
-                </a:solidFill>
-                <a:latin typeface="Tahoma" panose="020B0604030504040204" pitchFamily="34" charset="0"/>
-                <a:ea typeface="Tahoma" panose="020B0604030504040204" pitchFamily="34" charset="0"/>
-                <a:cs typeface="Tahoma" panose="020B0604030504040204" pitchFamily="34" charset="0"/>
-              </a:rPr>
-              <a:t> e rispondono agli incidenti. Il SOC utilizza tecnologie avanzate, come i sistemi di rilevamento delle intrusioni (</a:t>
-            </a:r>
-            <a:r>
-              <a:rPr lang="it-IT" sz="2400" b="1" dirty="0">
-                <a:solidFill>
-                  <a:schemeClr val="tx1"/>
-                </a:solidFill>
-                <a:latin typeface="Tahoma" panose="020B0604030504040204" pitchFamily="34" charset="0"/>
-                <a:ea typeface="Tahoma" panose="020B0604030504040204" pitchFamily="34" charset="0"/>
-                <a:cs typeface="Tahoma" panose="020B0604030504040204" pitchFamily="34" charset="0"/>
-              </a:rPr>
-              <a:t>IDS</a:t>
-            </a:r>
-            <a:r>
-              <a:rPr lang="it-IT" sz="2400" dirty="0">
-                <a:solidFill>
-                  <a:schemeClr val="tx1"/>
-                </a:solidFill>
-                <a:latin typeface="Tahoma" panose="020B0604030504040204" pitchFamily="34" charset="0"/>
-                <a:ea typeface="Tahoma" panose="020B0604030504040204" pitchFamily="34" charset="0"/>
-                <a:cs typeface="Tahoma" panose="020B0604030504040204" pitchFamily="34" charset="0"/>
-              </a:rPr>
-              <a:t>) e le soluzioni di gestione delle informazioni e degli eventi di sicurezza (</a:t>
-            </a:r>
-            <a:r>
-              <a:rPr lang="it-IT" sz="2400" b="1" dirty="0">
-                <a:solidFill>
-                  <a:schemeClr val="tx1"/>
-                </a:solidFill>
-                <a:latin typeface="Tahoma" panose="020B0604030504040204" pitchFamily="34" charset="0"/>
-                <a:ea typeface="Tahoma" panose="020B0604030504040204" pitchFamily="34" charset="0"/>
-                <a:cs typeface="Tahoma" panose="020B0604030504040204" pitchFamily="34" charset="0"/>
-              </a:rPr>
-              <a:t>SIEM</a:t>
-            </a:r>
-            <a:r>
-              <a:rPr lang="it-IT" sz="2400" dirty="0">
-                <a:solidFill>
-                  <a:schemeClr val="tx1"/>
-                </a:solidFill>
-                <a:latin typeface="Tahoma" panose="020B0604030504040204" pitchFamily="34" charset="0"/>
-                <a:ea typeface="Tahoma" panose="020B0604030504040204" pitchFamily="34" charset="0"/>
-                <a:cs typeface="Tahoma" panose="020B0604030504040204" pitchFamily="34" charset="0"/>
-              </a:rPr>
-              <a:t>), per monitorare e analizzare il traffico di rete e i log dei sistemi al fine di identificare potenziali minacce. Il SOC svolge anche attività di risposta agli incidenti, collaborando con il team CSIRT o con altre entità interne o esterne all'organizzazione.</a:t>
+              <a:t> che gestisce l'identità digitale degli utenti e controlla l'accesso alle risorse. Consente di creare, gestire e revocare le identità degli utenti, di definire i loro ruoli e le autorizzazioni associate. IAM fornisce un controllo centralizzato sull'accesso alle risorse sia all'interno che all'esterno di un'organizzazione.</a:t>
             </a:r>
           </a:p>
         </p:txBody>
@@ -11840,8 +11618,8 @@
         </p:nvSpPr>
         <p:spPr>
           <a:xfrm>
-            <a:off x="468895" y="503475"/>
-            <a:ext cx="11269308" cy="384721"/>
+            <a:off x="468895" y="118755"/>
+            <a:ext cx="11269308" cy="769441"/>
           </a:xfrm>
         </p:spPr>
         <p:txBody>
@@ -11850,11 +11628,27 @@
           <a:p>
             <a:r>
               <a:rPr lang="it-IT" dirty="0" smtClean="0"/>
-              <a:t>Funzioni </a:t>
+              <a:t>Sistemi </a:t>
             </a:r>
             <a:r>
               <a:rPr lang="it-IT" dirty="0"/>
-              <a:t>di CSIRT, SOC e ISAC</a:t>
+              <a:t>di gestione centralizzati (Active Directory, Sistemi IAM, </a:t>
+            </a:r>
+            <a:r>
+              <a:rPr lang="it-IT" dirty="0" err="1"/>
+              <a:t>OAuth</a:t>
+            </a:r>
+            <a:r>
+              <a:rPr lang="it-IT" dirty="0"/>
+              <a:t> 2.0, SAML, </a:t>
+            </a:r>
+            <a:r>
+              <a:rPr lang="it-IT" dirty="0" err="1"/>
+              <a:t>Kerberos</a:t>
+            </a:r>
+            <a:r>
+              <a:rPr lang="it-IT" dirty="0"/>
+              <a:t>…) </a:t>
             </a:r>
             <a:endParaRPr lang="it-IT" dirty="0"/>
           </a:p>
@@ -11882,8 +11676,8 @@
         </p:blipFill>
         <p:spPr>
           <a:xfrm>
-            <a:off x="8711381" y="2605547"/>
-            <a:ext cx="3146324" cy="1769807"/>
+            <a:off x="6035776" y="2216696"/>
+            <a:ext cx="5880611" cy="3053394"/>
           </a:xfrm>
           <a:prstGeom prst="rect">
             <a:avLst/>
@@ -11893,7 +11687,7 @@
     </p:spTree>
     <p:extLst>
       <p:ext uri="{BB962C8B-B14F-4D97-AF65-F5344CB8AC3E}">
-        <p14:creationId xmlns:p14="http://schemas.microsoft.com/office/powerpoint/2010/main" val="2709473474"/>
+        <p14:creationId xmlns:p14="http://schemas.microsoft.com/office/powerpoint/2010/main" val="1783511154"/>
       </p:ext>
     </p:extLst>
   </p:cSld>
@@ -11938,8 +11732,8 @@
         </p:nvSpPr>
         <p:spPr>
           <a:xfrm>
-            <a:off x="721777" y="1401434"/>
-            <a:ext cx="7488158" cy="4392612"/>
+            <a:off x="721777" y="1705419"/>
+            <a:ext cx="5718352" cy="4392612"/>
           </a:xfrm>
         </p:spPr>
         <p:txBody>
@@ -11951,6 +11745,17 @@
               <a:buChar char="•"/>
             </a:pPr>
             <a:r>
+              <a:rPr lang="it-IT" sz="2400" b="1" dirty="0" err="1" smtClean="0">
+                <a:solidFill>
+                  <a:schemeClr val="tx1"/>
+                </a:solidFill>
+                <a:latin typeface="Tahoma" panose="020B0604030504040204" pitchFamily="34" charset="0"/>
+                <a:ea typeface="Tahoma" panose="020B0604030504040204" pitchFamily="34" charset="0"/>
+                <a:cs typeface="Tahoma" panose="020B0604030504040204" pitchFamily="34" charset="0"/>
+              </a:rPr>
+              <a:t>OAuth</a:t>
+            </a:r>
+            <a:r>
               <a:rPr lang="it-IT" sz="2400" b="1" dirty="0" smtClean="0">
                 <a:solidFill>
                   <a:schemeClr val="tx1"/>
@@ -11959,20 +11764,20 @@
                 <a:ea typeface="Tahoma" panose="020B0604030504040204" pitchFamily="34" charset="0"/>
                 <a:cs typeface="Tahoma" panose="020B0604030504040204" pitchFamily="34" charset="0"/>
               </a:rPr>
-              <a:t>ISAC</a:t>
-            </a:r>
-            <a:r>
-              <a:rPr lang="it-IT" sz="2400" dirty="0" smtClean="0">
-                <a:solidFill>
-                  <a:schemeClr val="tx1"/>
-                </a:solidFill>
-                <a:latin typeface="Tahoma" panose="020B0604030504040204" pitchFamily="34" charset="0"/>
-                <a:ea typeface="Tahoma" panose="020B0604030504040204" pitchFamily="34" charset="0"/>
-                <a:cs typeface="Tahoma" panose="020B0604030504040204" pitchFamily="34" charset="0"/>
-              </a:rPr>
               <a:t> </a:t>
             </a:r>
             <a:r>
+              <a:rPr lang="it-IT" sz="2400" b="1" dirty="0">
+                <a:solidFill>
+                  <a:schemeClr val="tx1"/>
+                </a:solidFill>
+                <a:latin typeface="Tahoma" panose="020B0604030504040204" pitchFamily="34" charset="0"/>
+                <a:ea typeface="Tahoma" panose="020B0604030504040204" pitchFamily="34" charset="0"/>
+                <a:cs typeface="Tahoma" panose="020B0604030504040204" pitchFamily="34" charset="0"/>
+              </a:rPr>
+              <a:t>2.0</a:t>
+            </a:r>
+            <a:r>
               <a:rPr lang="it-IT" sz="2400" dirty="0">
                 <a:solidFill>
                   <a:schemeClr val="tx1"/>
@@ -11981,7 +11786,7 @@
                 <a:ea typeface="Tahoma" panose="020B0604030504040204" pitchFamily="34" charset="0"/>
                 <a:cs typeface="Tahoma" panose="020B0604030504040204" pitchFamily="34" charset="0"/>
               </a:rPr>
-              <a:t>(Information </a:t>
+              <a:t>: </a:t>
             </a:r>
             <a:r>
               <a:rPr lang="it-IT" sz="2400" dirty="0" err="1">
@@ -11992,7 +11797,7 @@
                 <a:ea typeface="Tahoma" panose="020B0604030504040204" pitchFamily="34" charset="0"/>
                 <a:cs typeface="Tahoma" panose="020B0604030504040204" pitchFamily="34" charset="0"/>
               </a:rPr>
-              <a:t>Sharing</a:t>
+              <a:t>OAuth</a:t>
             </a:r>
             <a:r>
               <a:rPr lang="it-IT" sz="2400" dirty="0">
@@ -12003,18 +11808,18 @@
                 <a:ea typeface="Tahoma" panose="020B0604030504040204" pitchFamily="34" charset="0"/>
                 <a:cs typeface="Tahoma" panose="020B0604030504040204" pitchFamily="34" charset="0"/>
               </a:rPr>
-              <a:t> and Analysis Center): Un </a:t>
-            </a:r>
-            <a:r>
-              <a:rPr lang="it-IT" sz="2400" b="1" dirty="0">
-                <a:solidFill>
-                  <a:schemeClr val="tx1"/>
-                </a:solidFill>
-                <a:latin typeface="Tahoma" panose="020B0604030504040204" pitchFamily="34" charset="0"/>
-                <a:ea typeface="Tahoma" panose="020B0604030504040204" pitchFamily="34" charset="0"/>
-                <a:cs typeface="Tahoma" panose="020B0604030504040204" pitchFamily="34" charset="0"/>
-              </a:rPr>
-              <a:t>ISAC</a:t>
+              <a:t> 2.0 è un protocollo di autorizzazione che consente a un'applicazione di ottenere l'accesso ai dati di un utente su un server di risorse, senza richiedere le credenziali di accesso dell'utente. È ampiamente utilizzato per consentire l'autenticazione e l'autorizzazione sicure tra servizi e applicazioni di terze parti, ad esempio quando si accede a un'</a:t>
+            </a:r>
+            <a:r>
+              <a:rPr lang="it-IT" sz="2400" dirty="0" err="1">
+                <a:solidFill>
+                  <a:schemeClr val="tx1"/>
+                </a:solidFill>
+                <a:latin typeface="Tahoma" panose="020B0604030504040204" pitchFamily="34" charset="0"/>
+                <a:ea typeface="Tahoma" panose="020B0604030504040204" pitchFamily="34" charset="0"/>
+                <a:cs typeface="Tahoma" panose="020B0604030504040204" pitchFamily="34" charset="0"/>
+              </a:rPr>
+              <a:t>app</a:t>
             </a:r>
             <a:r>
               <a:rPr lang="it-IT" sz="2400" dirty="0">
@@ -12025,18 +11830,18 @@
                 <a:ea typeface="Tahoma" panose="020B0604030504040204" pitchFamily="34" charset="0"/>
                 <a:cs typeface="Tahoma" panose="020B0604030504040204" pitchFamily="34" charset="0"/>
               </a:rPr>
-              <a:t> è un'organizzazione che facilita lo scambio di informazioni sulla sicurezza informatica tra diverse entità, come organizzazioni governative, aziende, organizzazioni non profit e fornitori di servizi. L'obiettivo principale di un </a:t>
-            </a:r>
-            <a:r>
-              <a:rPr lang="it-IT" sz="2400" b="1" dirty="0">
-                <a:solidFill>
-                  <a:schemeClr val="tx1"/>
-                </a:solidFill>
-                <a:latin typeface="Tahoma" panose="020B0604030504040204" pitchFamily="34" charset="0"/>
-                <a:ea typeface="Tahoma" panose="020B0604030504040204" pitchFamily="34" charset="0"/>
-                <a:cs typeface="Tahoma" panose="020B0604030504040204" pitchFamily="34" charset="0"/>
-              </a:rPr>
-              <a:t>ISAC</a:t>
+              <a:t> utilizzando le credenziali di accesso di un account Google o </a:t>
+            </a:r>
+            <a:r>
+              <a:rPr lang="it-IT" sz="2400" dirty="0" err="1">
+                <a:solidFill>
+                  <a:schemeClr val="tx1"/>
+                </a:solidFill>
+                <a:latin typeface="Tahoma" panose="020B0604030504040204" pitchFamily="34" charset="0"/>
+                <a:ea typeface="Tahoma" panose="020B0604030504040204" pitchFamily="34" charset="0"/>
+                <a:cs typeface="Tahoma" panose="020B0604030504040204" pitchFamily="34" charset="0"/>
+              </a:rPr>
+              <a:t>Facebook</a:t>
             </a:r>
             <a:r>
               <a:rPr lang="it-IT" sz="2400" dirty="0">
@@ -12047,20 +11852,8 @@
                 <a:ea typeface="Tahoma" panose="020B0604030504040204" pitchFamily="34" charset="0"/>
                 <a:cs typeface="Tahoma" panose="020B0604030504040204" pitchFamily="34" charset="0"/>
               </a:rPr>
-              <a:t> è promuovere la collaborazione e la condivisione di informazioni sulla minaccia cibernetica per migliorare la sicurezza complessiva. Gli ISAC raccolgono, analizzano e diffondono informazioni sulle minacce e sulle migliori pratiche di sicurezza informatica, consentendo alle organizzazioni aderenti di essere più consapevoli dei rischi e di prendere misure preventive appropriate</a:t>
-            </a:r>
-            <a:r>
-              <a:rPr lang="it-IT" sz="2400" dirty="0"/>
               <a:t>.</a:t>
             </a:r>
-            <a:endParaRPr lang="it-IT" sz="2400" dirty="0">
-              <a:solidFill>
-                <a:schemeClr val="tx1"/>
-              </a:solidFill>
-              <a:latin typeface="Tahoma" panose="020B0604030504040204" pitchFamily="34" charset="0"/>
-              <a:ea typeface="Tahoma" panose="020B0604030504040204" pitchFamily="34" charset="0"/>
-              <a:cs typeface="Tahoma" panose="020B0604030504040204" pitchFamily="34" charset="0"/>
-            </a:endParaRPr>
           </a:p>
         </p:txBody>
       </p:sp>
@@ -12117,8 +11910,8 @@
         </p:nvSpPr>
         <p:spPr>
           <a:xfrm>
-            <a:off x="468895" y="503475"/>
-            <a:ext cx="11269308" cy="384721"/>
+            <a:off x="468895" y="118755"/>
+            <a:ext cx="11269308" cy="769441"/>
           </a:xfrm>
         </p:spPr>
         <p:txBody>
@@ -12127,50 +11920,36 @@
           <a:p>
             <a:r>
               <a:rPr lang="it-IT" dirty="0" smtClean="0"/>
-              <a:t>Funzioni </a:t>
+              <a:t>Sistemi </a:t>
             </a:r>
             <a:r>
               <a:rPr lang="it-IT" dirty="0"/>
-              <a:t>di CSIRT, SOC e ISAC</a:t>
+              <a:t>di gestione centralizzati (Active Directory, Sistemi IAM, </a:t>
+            </a:r>
+            <a:r>
+              <a:rPr lang="it-IT" dirty="0" err="1"/>
+              <a:t>OAuth</a:t>
+            </a:r>
+            <a:r>
+              <a:rPr lang="it-IT" dirty="0"/>
+              <a:t> 2.0, SAML, </a:t>
+            </a:r>
+            <a:r>
+              <a:rPr lang="it-IT" dirty="0" err="1"/>
+              <a:t>Kerberos</a:t>
+            </a:r>
+            <a:r>
+              <a:rPr lang="it-IT" dirty="0"/>
+              <a:t>…) </a:t>
             </a:r>
             <a:endParaRPr lang="it-IT" dirty="0"/>
           </a:p>
         </p:txBody>
       </p:sp>
-      <p:pic>
-        <p:nvPicPr>
-          <p:cNvPr id="3" name="Immagine 2"/>
-          <p:cNvPicPr>
-            <a:picLocks noChangeAspect="1"/>
-          </p:cNvPicPr>
-          <p:nvPr/>
-        </p:nvPicPr>
-        <p:blipFill>
-          <a:blip r:embed="rId2">
-            <a:extLst>
-              <a:ext uri="{28A0092B-C50C-407E-A947-70E740481C1C}">
-                <a14:useLocalDpi xmlns:a14="http://schemas.microsoft.com/office/drawing/2010/main" val="0"/>
-              </a:ext>
-            </a:extLst>
-          </a:blip>
-          <a:stretch>
-            <a:fillRect/>
-          </a:stretch>
-        </p:blipFill>
-        <p:spPr>
-          <a:xfrm>
-            <a:off x="8387070" y="2229617"/>
-            <a:ext cx="3423931" cy="3423931"/>
-          </a:xfrm>
-          <a:prstGeom prst="rect">
-            <a:avLst/>
-          </a:prstGeom>
-        </p:spPr>
-      </p:pic>
     </p:spTree>
     <p:extLst>
       <p:ext uri="{BB962C8B-B14F-4D97-AF65-F5344CB8AC3E}">
-        <p14:creationId xmlns:p14="http://schemas.microsoft.com/office/powerpoint/2010/main" val="383873187"/>
+        <p14:creationId xmlns:p14="http://schemas.microsoft.com/office/powerpoint/2010/main" val="4239704136"/>
       </p:ext>
     </p:extLst>
   </p:cSld>
@@ -12215,8 +11994,8 @@
         </p:nvSpPr>
         <p:spPr>
           <a:xfrm>
-            <a:off x="721777" y="1401434"/>
-            <a:ext cx="4695797" cy="4392612"/>
+            <a:off x="721777" y="1705419"/>
+            <a:ext cx="4774455" cy="4392612"/>
           </a:xfrm>
         </p:spPr>
         <p:txBody>
@@ -12228,6 +12007,149 @@
               <a:buChar char="•"/>
             </a:pPr>
             <a:r>
+              <a:rPr lang="it-IT" sz="2400" dirty="0">
+                <a:solidFill>
+                  <a:schemeClr val="tx1"/>
+                </a:solidFill>
+                <a:latin typeface="Tahoma" panose="020B0604030504040204" pitchFamily="34" charset="0"/>
+                <a:ea typeface="Tahoma" panose="020B0604030504040204" pitchFamily="34" charset="0"/>
+                <a:cs typeface="Tahoma" panose="020B0604030504040204" pitchFamily="34" charset="0"/>
+              </a:rPr>
+              <a:t>Le funzioni di </a:t>
+            </a:r>
+            <a:r>
+              <a:rPr lang="it-IT" sz="2400" b="1" dirty="0">
+                <a:solidFill>
+                  <a:schemeClr val="tx1"/>
+                </a:solidFill>
+                <a:latin typeface="Tahoma" panose="020B0604030504040204" pitchFamily="34" charset="0"/>
+                <a:ea typeface="Tahoma" panose="020B0604030504040204" pitchFamily="34" charset="0"/>
+                <a:cs typeface="Tahoma" panose="020B0604030504040204" pitchFamily="34" charset="0"/>
+              </a:rPr>
+              <a:t>CSIRT</a:t>
+            </a:r>
+            <a:r>
+              <a:rPr lang="it-IT" sz="2400" dirty="0">
+                <a:solidFill>
+                  <a:schemeClr val="tx1"/>
+                </a:solidFill>
+                <a:latin typeface="Tahoma" panose="020B0604030504040204" pitchFamily="34" charset="0"/>
+                <a:ea typeface="Tahoma" panose="020B0604030504040204" pitchFamily="34" charset="0"/>
+                <a:cs typeface="Tahoma" panose="020B0604030504040204" pitchFamily="34" charset="0"/>
+              </a:rPr>
+              <a:t> (Computer Security </a:t>
+            </a:r>
+            <a:r>
+              <a:rPr lang="it-IT" sz="2400" dirty="0" err="1">
+                <a:solidFill>
+                  <a:schemeClr val="tx1"/>
+                </a:solidFill>
+                <a:latin typeface="Tahoma" panose="020B0604030504040204" pitchFamily="34" charset="0"/>
+                <a:ea typeface="Tahoma" panose="020B0604030504040204" pitchFamily="34" charset="0"/>
+                <a:cs typeface="Tahoma" panose="020B0604030504040204" pitchFamily="34" charset="0"/>
+              </a:rPr>
+              <a:t>Incident</a:t>
+            </a:r>
+            <a:r>
+              <a:rPr lang="it-IT" sz="2400" dirty="0">
+                <a:solidFill>
+                  <a:schemeClr val="tx1"/>
+                </a:solidFill>
+                <a:latin typeface="Tahoma" panose="020B0604030504040204" pitchFamily="34" charset="0"/>
+                <a:ea typeface="Tahoma" panose="020B0604030504040204" pitchFamily="34" charset="0"/>
+                <a:cs typeface="Tahoma" panose="020B0604030504040204" pitchFamily="34" charset="0"/>
+              </a:rPr>
+              <a:t> </a:t>
+            </a:r>
+            <a:r>
+              <a:rPr lang="it-IT" sz="2400" dirty="0" err="1">
+                <a:solidFill>
+                  <a:schemeClr val="tx1"/>
+                </a:solidFill>
+                <a:latin typeface="Tahoma" panose="020B0604030504040204" pitchFamily="34" charset="0"/>
+                <a:ea typeface="Tahoma" panose="020B0604030504040204" pitchFamily="34" charset="0"/>
+                <a:cs typeface="Tahoma" panose="020B0604030504040204" pitchFamily="34" charset="0"/>
+              </a:rPr>
+              <a:t>Response</a:t>
+            </a:r>
+            <a:r>
+              <a:rPr lang="it-IT" sz="2400" dirty="0">
+                <a:solidFill>
+                  <a:schemeClr val="tx1"/>
+                </a:solidFill>
+                <a:latin typeface="Tahoma" panose="020B0604030504040204" pitchFamily="34" charset="0"/>
+                <a:ea typeface="Tahoma" panose="020B0604030504040204" pitchFamily="34" charset="0"/>
+                <a:cs typeface="Tahoma" panose="020B0604030504040204" pitchFamily="34" charset="0"/>
+              </a:rPr>
+              <a:t> Team), </a:t>
+            </a:r>
+            <a:r>
+              <a:rPr lang="it-IT" sz="2400" b="1" dirty="0">
+                <a:solidFill>
+                  <a:schemeClr val="tx1"/>
+                </a:solidFill>
+                <a:latin typeface="Tahoma" panose="020B0604030504040204" pitchFamily="34" charset="0"/>
+                <a:ea typeface="Tahoma" panose="020B0604030504040204" pitchFamily="34" charset="0"/>
+                <a:cs typeface="Tahoma" panose="020B0604030504040204" pitchFamily="34" charset="0"/>
+              </a:rPr>
+              <a:t>SOC</a:t>
+            </a:r>
+            <a:r>
+              <a:rPr lang="it-IT" sz="2400" dirty="0">
+                <a:solidFill>
+                  <a:schemeClr val="tx1"/>
+                </a:solidFill>
+                <a:latin typeface="Tahoma" panose="020B0604030504040204" pitchFamily="34" charset="0"/>
+                <a:ea typeface="Tahoma" panose="020B0604030504040204" pitchFamily="34" charset="0"/>
+                <a:cs typeface="Tahoma" panose="020B0604030504040204" pitchFamily="34" charset="0"/>
+              </a:rPr>
+              <a:t> (Security Operations Center) e </a:t>
+            </a:r>
+            <a:r>
+              <a:rPr lang="it-IT" sz="2400" b="1" dirty="0">
+                <a:solidFill>
+                  <a:schemeClr val="tx1"/>
+                </a:solidFill>
+                <a:latin typeface="Tahoma" panose="020B0604030504040204" pitchFamily="34" charset="0"/>
+                <a:ea typeface="Tahoma" panose="020B0604030504040204" pitchFamily="34" charset="0"/>
+                <a:cs typeface="Tahoma" panose="020B0604030504040204" pitchFamily="34" charset="0"/>
+              </a:rPr>
+              <a:t>ISAC</a:t>
+            </a:r>
+            <a:r>
+              <a:rPr lang="it-IT" sz="2400" dirty="0">
+                <a:solidFill>
+                  <a:schemeClr val="tx1"/>
+                </a:solidFill>
+                <a:latin typeface="Tahoma" panose="020B0604030504040204" pitchFamily="34" charset="0"/>
+                <a:ea typeface="Tahoma" panose="020B0604030504040204" pitchFamily="34" charset="0"/>
+                <a:cs typeface="Tahoma" panose="020B0604030504040204" pitchFamily="34" charset="0"/>
+              </a:rPr>
+              <a:t> (Information </a:t>
+            </a:r>
+            <a:r>
+              <a:rPr lang="it-IT" sz="2400" dirty="0" err="1">
+                <a:solidFill>
+                  <a:schemeClr val="tx1"/>
+                </a:solidFill>
+                <a:latin typeface="Tahoma" panose="020B0604030504040204" pitchFamily="34" charset="0"/>
+                <a:ea typeface="Tahoma" panose="020B0604030504040204" pitchFamily="34" charset="0"/>
+                <a:cs typeface="Tahoma" panose="020B0604030504040204" pitchFamily="34" charset="0"/>
+              </a:rPr>
+              <a:t>Sharing</a:t>
+            </a:r>
+            <a:r>
+              <a:rPr lang="it-IT" sz="2400" dirty="0">
+                <a:solidFill>
+                  <a:schemeClr val="tx1"/>
+                </a:solidFill>
+                <a:latin typeface="Tahoma" panose="020B0604030504040204" pitchFamily="34" charset="0"/>
+                <a:ea typeface="Tahoma" panose="020B0604030504040204" pitchFamily="34" charset="0"/>
+                <a:cs typeface="Tahoma" panose="020B0604030504040204" pitchFamily="34" charset="0"/>
+              </a:rPr>
+              <a:t> and Analysis Center) sono strettamente connesse e spesso lavorano in collaborazione per garantire la sicurezza informatica di un'organizzazione o di </a:t>
+            </a:r>
+            <a:r>
               <a:rPr lang="it-IT" sz="2400" dirty="0" smtClean="0">
                 <a:solidFill>
                   <a:schemeClr val="tx1"/>
@@ -12236,151 +12158,16 @@
                 <a:ea typeface="Tahoma" panose="020B0604030504040204" pitchFamily="34" charset="0"/>
                 <a:cs typeface="Tahoma" panose="020B0604030504040204" pitchFamily="34" charset="0"/>
               </a:rPr>
-              <a:t>In </a:t>
-            </a:r>
-            <a:r>
-              <a:rPr lang="it-IT" sz="2400" dirty="0">
-                <a:solidFill>
-                  <a:schemeClr val="tx1"/>
-                </a:solidFill>
-                <a:latin typeface="Tahoma" panose="020B0604030504040204" pitchFamily="34" charset="0"/>
-                <a:ea typeface="Tahoma" panose="020B0604030504040204" pitchFamily="34" charset="0"/>
-                <a:cs typeface="Tahoma" panose="020B0604030504040204" pitchFamily="34" charset="0"/>
-              </a:rPr>
-              <a:t>sintesi, </a:t>
-            </a:r>
-            <a:r>
-              <a:rPr lang="it-IT" sz="2400" b="1" dirty="0">
-                <a:solidFill>
-                  <a:schemeClr val="tx1"/>
-                </a:solidFill>
-                <a:latin typeface="Tahoma" panose="020B0604030504040204" pitchFamily="34" charset="0"/>
-                <a:ea typeface="Tahoma" panose="020B0604030504040204" pitchFamily="34" charset="0"/>
-                <a:cs typeface="Tahoma" panose="020B0604030504040204" pitchFamily="34" charset="0"/>
-              </a:rPr>
-              <a:t>CSIRT</a:t>
-            </a:r>
-            <a:r>
-              <a:rPr lang="it-IT" sz="2400" dirty="0">
-                <a:solidFill>
-                  <a:schemeClr val="tx1"/>
-                </a:solidFill>
-                <a:latin typeface="Tahoma" panose="020B0604030504040204" pitchFamily="34" charset="0"/>
-                <a:ea typeface="Tahoma" panose="020B0604030504040204" pitchFamily="34" charset="0"/>
-                <a:cs typeface="Tahoma" panose="020B0604030504040204" pitchFamily="34" charset="0"/>
-              </a:rPr>
-              <a:t>, </a:t>
-            </a:r>
-            <a:r>
-              <a:rPr lang="it-IT" sz="2400" b="1" dirty="0">
-                <a:solidFill>
-                  <a:schemeClr val="tx1"/>
-                </a:solidFill>
-                <a:latin typeface="Tahoma" panose="020B0604030504040204" pitchFamily="34" charset="0"/>
-                <a:ea typeface="Tahoma" panose="020B0604030504040204" pitchFamily="34" charset="0"/>
-                <a:cs typeface="Tahoma" panose="020B0604030504040204" pitchFamily="34" charset="0"/>
-              </a:rPr>
-              <a:t>SOC</a:t>
-            </a:r>
-            <a:r>
-              <a:rPr lang="it-IT" sz="2400" dirty="0">
-                <a:solidFill>
-                  <a:schemeClr val="tx1"/>
-                </a:solidFill>
-                <a:latin typeface="Tahoma" panose="020B0604030504040204" pitchFamily="34" charset="0"/>
-                <a:ea typeface="Tahoma" panose="020B0604030504040204" pitchFamily="34" charset="0"/>
-                <a:cs typeface="Tahoma" panose="020B0604030504040204" pitchFamily="34" charset="0"/>
-              </a:rPr>
-              <a:t> e </a:t>
-            </a:r>
-            <a:r>
-              <a:rPr lang="it-IT" sz="2400" b="1" dirty="0">
-                <a:solidFill>
-                  <a:schemeClr val="tx1"/>
-                </a:solidFill>
-                <a:latin typeface="Tahoma" panose="020B0604030504040204" pitchFamily="34" charset="0"/>
-                <a:ea typeface="Tahoma" panose="020B0604030504040204" pitchFamily="34" charset="0"/>
-                <a:cs typeface="Tahoma" panose="020B0604030504040204" pitchFamily="34" charset="0"/>
-              </a:rPr>
-              <a:t>ISAC</a:t>
-            </a:r>
-            <a:r>
-              <a:rPr lang="it-IT" sz="2400" dirty="0">
-                <a:solidFill>
-                  <a:schemeClr val="tx1"/>
-                </a:solidFill>
-                <a:latin typeface="Tahoma" panose="020B0604030504040204" pitchFamily="34" charset="0"/>
-                <a:ea typeface="Tahoma" panose="020B0604030504040204" pitchFamily="34" charset="0"/>
-                <a:cs typeface="Tahoma" panose="020B0604030504040204" pitchFamily="34" charset="0"/>
-              </a:rPr>
-              <a:t> rappresentano tre aspetti complementari della sicurezza informatica: il </a:t>
-            </a:r>
-            <a:r>
-              <a:rPr lang="it-IT" sz="2400" b="1" dirty="0">
-                <a:solidFill>
-                  <a:schemeClr val="tx1"/>
-                </a:solidFill>
-                <a:latin typeface="Tahoma" panose="020B0604030504040204" pitchFamily="34" charset="0"/>
-                <a:ea typeface="Tahoma" panose="020B0604030504040204" pitchFamily="34" charset="0"/>
-                <a:cs typeface="Tahoma" panose="020B0604030504040204" pitchFamily="34" charset="0"/>
-              </a:rPr>
-              <a:t>CSIRT</a:t>
-            </a:r>
-            <a:r>
-              <a:rPr lang="it-IT" sz="2400" dirty="0">
-                <a:solidFill>
-                  <a:schemeClr val="tx1"/>
-                </a:solidFill>
-                <a:latin typeface="Tahoma" panose="020B0604030504040204" pitchFamily="34" charset="0"/>
-                <a:ea typeface="Tahoma" panose="020B0604030504040204" pitchFamily="34" charset="0"/>
-                <a:cs typeface="Tahoma" panose="020B0604030504040204" pitchFamily="34" charset="0"/>
-              </a:rPr>
-              <a:t> gestisce gli incidenti di sicurezza, il </a:t>
-            </a:r>
-            <a:r>
-              <a:rPr lang="it-IT" sz="2400" b="1" dirty="0">
-                <a:solidFill>
-                  <a:schemeClr val="tx1"/>
-                </a:solidFill>
-                <a:latin typeface="Tahoma" panose="020B0604030504040204" pitchFamily="34" charset="0"/>
-                <a:ea typeface="Tahoma" panose="020B0604030504040204" pitchFamily="34" charset="0"/>
-                <a:cs typeface="Tahoma" panose="020B0604030504040204" pitchFamily="34" charset="0"/>
-              </a:rPr>
-              <a:t>SOC</a:t>
-            </a:r>
-            <a:r>
-              <a:rPr lang="it-IT" sz="2400" dirty="0">
-                <a:solidFill>
-                  <a:schemeClr val="tx1"/>
-                </a:solidFill>
-                <a:latin typeface="Tahoma" panose="020B0604030504040204" pitchFamily="34" charset="0"/>
-                <a:ea typeface="Tahoma" panose="020B0604030504040204" pitchFamily="34" charset="0"/>
-                <a:cs typeface="Tahoma" panose="020B0604030504040204" pitchFamily="34" charset="0"/>
-              </a:rPr>
-              <a:t> monitora e analizza gli eventi di sicurezza in tempo reale, mentre gli </a:t>
-            </a:r>
-            <a:r>
-              <a:rPr lang="it-IT" sz="2400" b="1" dirty="0">
-                <a:solidFill>
-                  <a:schemeClr val="tx1"/>
-                </a:solidFill>
-                <a:latin typeface="Tahoma" panose="020B0604030504040204" pitchFamily="34" charset="0"/>
-                <a:ea typeface="Tahoma" panose="020B0604030504040204" pitchFamily="34" charset="0"/>
-                <a:cs typeface="Tahoma" panose="020B0604030504040204" pitchFamily="34" charset="0"/>
-              </a:rPr>
-              <a:t>ISAC</a:t>
-            </a:r>
-            <a:r>
-              <a:rPr lang="it-IT" sz="2400" dirty="0">
-                <a:solidFill>
-                  <a:schemeClr val="tx1"/>
-                </a:solidFill>
-                <a:latin typeface="Tahoma" panose="020B0604030504040204" pitchFamily="34" charset="0"/>
-                <a:ea typeface="Tahoma" panose="020B0604030504040204" pitchFamily="34" charset="0"/>
-                <a:cs typeface="Tahoma" panose="020B0604030504040204" pitchFamily="34" charset="0"/>
-              </a:rPr>
-              <a:t> favoriscono la condivisione delle informazioni sulla minaccia tra le organizzazioni.</a:t>
-            </a:r>
+              <a:t>una comunità. </a:t>
+            </a:r>
+            <a:endParaRPr lang="it-IT" sz="2400" dirty="0">
+              <a:solidFill>
+                <a:schemeClr val="tx1"/>
+              </a:solidFill>
+              <a:latin typeface="Tahoma" panose="020B0604030504040204" pitchFamily="34" charset="0"/>
+              <a:ea typeface="Tahoma" panose="020B0604030504040204" pitchFamily="34" charset="0"/>
+              <a:cs typeface="Tahoma" panose="020B0604030504040204" pitchFamily="34" charset="0"/>
+            </a:endParaRPr>
           </a:p>
         </p:txBody>
       </p:sp>
@@ -12451,7 +12238,11 @@
             </a:r>
             <a:r>
               <a:rPr lang="it-IT" dirty="0"/>
-              <a:t>di CSIRT, SOC e ISAC</a:t>
+              <a:t>di CSIRT, SOC e </a:t>
+            </a:r>
+            <a:r>
+              <a:rPr lang="it-IT" dirty="0" smtClean="0"/>
+              <a:t>ISAC</a:t>
             </a:r>
             <a:endParaRPr lang="it-IT" dirty="0"/>
           </a:p>
@@ -12459,7 +12250,7 @@
       </p:sp>
       <p:pic>
         <p:nvPicPr>
-          <p:cNvPr id="4" name="Immagine 3"/>
+          <p:cNvPr id="3" name="Immagine 2"/>
           <p:cNvPicPr>
             <a:picLocks noChangeAspect="1"/>
           </p:cNvPicPr>
@@ -12479,8 +12270,8 @@
         </p:blipFill>
         <p:spPr>
           <a:xfrm>
-            <a:off x="5781368" y="1308304"/>
-            <a:ext cx="6192018" cy="5184015"/>
+            <a:off x="5496232" y="2009403"/>
+            <a:ext cx="7275991" cy="3784643"/>
           </a:xfrm>
           <a:prstGeom prst="rect">
             <a:avLst/>
@@ -12490,7 +12281,7 @@
     </p:spTree>
     <p:extLst>
       <p:ext uri="{BB962C8B-B14F-4D97-AF65-F5344CB8AC3E}">
-        <p14:creationId xmlns:p14="http://schemas.microsoft.com/office/powerpoint/2010/main" val="538899849"/>
+        <p14:creationId xmlns:p14="http://schemas.microsoft.com/office/powerpoint/2010/main" val="2990027839"/>
       </p:ext>
     </p:extLst>
   </p:cSld>
@@ -12519,6 +12310,212 @@
       </p:grpSpPr>
       <p:sp>
         <p:nvSpPr>
+          <p:cNvPr id="2" name="Segnaposto testo 1">
+            <a:extLst>
+              <a:ext uri="{FF2B5EF4-FFF2-40B4-BE49-F238E27FC236}">
+                <a16:creationId xmlns:a16="http://schemas.microsoft.com/office/drawing/2014/main" id="{E5AE986C-196F-4141-A898-FA4C4198CDCC}"/>
+              </a:ext>
+            </a:extLst>
+          </p:cNvPr>
+          <p:cNvSpPr>
+            <a:spLocks noGrp="1"/>
+          </p:cNvSpPr>
+          <p:nvPr>
+            <p:ph type="body" idx="1"/>
+          </p:nvPr>
+        </p:nvSpPr>
+        <p:spPr>
+          <a:xfrm>
+            <a:off x="721777" y="1401434"/>
+            <a:ext cx="6426275" cy="4392612"/>
+          </a:xfrm>
+        </p:spPr>
+        <p:txBody>
+          <a:bodyPr/>
+          <a:lstStyle/>
+          <a:p>
+            <a:pPr marL="342900" indent="-342900">
+              <a:buFont typeface="Arial" panose="020B0604020202020204" pitchFamily="34" charset="0"/>
+              <a:buChar char="•"/>
+            </a:pPr>
+            <a:r>
+              <a:rPr lang="it-IT" sz="2400" b="1" dirty="0">
+                <a:solidFill>
+                  <a:schemeClr val="tx1"/>
+                </a:solidFill>
+                <a:latin typeface="Tahoma" panose="020B0604030504040204" pitchFamily="34" charset="0"/>
+                <a:ea typeface="Tahoma" panose="020B0604030504040204" pitchFamily="34" charset="0"/>
+                <a:cs typeface="Tahoma" panose="020B0604030504040204" pitchFamily="34" charset="0"/>
+              </a:rPr>
+              <a:t>CSIRT</a:t>
+            </a:r>
+            <a:r>
+              <a:rPr lang="it-IT" sz="2400" dirty="0">
+                <a:solidFill>
+                  <a:schemeClr val="tx1"/>
+                </a:solidFill>
+                <a:latin typeface="Tahoma" panose="020B0604030504040204" pitchFamily="34" charset="0"/>
+                <a:ea typeface="Tahoma" panose="020B0604030504040204" pitchFamily="34" charset="0"/>
+                <a:cs typeface="Tahoma" panose="020B0604030504040204" pitchFamily="34" charset="0"/>
+              </a:rPr>
+              <a:t> (Computer Security </a:t>
+            </a:r>
+            <a:r>
+              <a:rPr lang="it-IT" sz="2400" dirty="0" err="1">
+                <a:solidFill>
+                  <a:schemeClr val="tx1"/>
+                </a:solidFill>
+                <a:latin typeface="Tahoma" panose="020B0604030504040204" pitchFamily="34" charset="0"/>
+                <a:ea typeface="Tahoma" panose="020B0604030504040204" pitchFamily="34" charset="0"/>
+                <a:cs typeface="Tahoma" panose="020B0604030504040204" pitchFamily="34" charset="0"/>
+              </a:rPr>
+              <a:t>Incident</a:t>
+            </a:r>
+            <a:r>
+              <a:rPr lang="it-IT" sz="2400" dirty="0">
+                <a:solidFill>
+                  <a:schemeClr val="tx1"/>
+                </a:solidFill>
+                <a:latin typeface="Tahoma" panose="020B0604030504040204" pitchFamily="34" charset="0"/>
+                <a:ea typeface="Tahoma" panose="020B0604030504040204" pitchFamily="34" charset="0"/>
+                <a:cs typeface="Tahoma" panose="020B0604030504040204" pitchFamily="34" charset="0"/>
+              </a:rPr>
+              <a:t> </a:t>
+            </a:r>
+            <a:r>
+              <a:rPr lang="it-IT" sz="2400" dirty="0" err="1">
+                <a:solidFill>
+                  <a:schemeClr val="tx1"/>
+                </a:solidFill>
+                <a:latin typeface="Tahoma" panose="020B0604030504040204" pitchFamily="34" charset="0"/>
+                <a:ea typeface="Tahoma" panose="020B0604030504040204" pitchFamily="34" charset="0"/>
+                <a:cs typeface="Tahoma" panose="020B0604030504040204" pitchFamily="34" charset="0"/>
+              </a:rPr>
+              <a:t>Response</a:t>
+            </a:r>
+            <a:r>
+              <a:rPr lang="it-IT" sz="2400" dirty="0">
+                <a:solidFill>
+                  <a:schemeClr val="tx1"/>
+                </a:solidFill>
+                <a:latin typeface="Tahoma" panose="020B0604030504040204" pitchFamily="34" charset="0"/>
+                <a:ea typeface="Tahoma" panose="020B0604030504040204" pitchFamily="34" charset="0"/>
+                <a:cs typeface="Tahoma" panose="020B0604030504040204" pitchFamily="34" charset="0"/>
+              </a:rPr>
+              <a:t> Team): Un </a:t>
+            </a:r>
+            <a:r>
+              <a:rPr lang="it-IT" sz="2400" b="1" dirty="0">
+                <a:solidFill>
+                  <a:schemeClr val="tx1"/>
+                </a:solidFill>
+                <a:latin typeface="Tahoma" panose="020B0604030504040204" pitchFamily="34" charset="0"/>
+                <a:ea typeface="Tahoma" panose="020B0604030504040204" pitchFamily="34" charset="0"/>
+                <a:cs typeface="Tahoma" panose="020B0604030504040204" pitchFamily="34" charset="0"/>
+              </a:rPr>
+              <a:t>CSIRT</a:t>
+            </a:r>
+            <a:r>
+              <a:rPr lang="it-IT" sz="2400" dirty="0">
+                <a:solidFill>
+                  <a:schemeClr val="tx1"/>
+                </a:solidFill>
+                <a:latin typeface="Tahoma" panose="020B0604030504040204" pitchFamily="34" charset="0"/>
+                <a:ea typeface="Tahoma" panose="020B0604030504040204" pitchFamily="34" charset="0"/>
+                <a:cs typeface="Tahoma" panose="020B0604030504040204" pitchFamily="34" charset="0"/>
+              </a:rPr>
+              <a:t> è un team dedicato alla gestione degli incidenti di </a:t>
+            </a:r>
+            <a:r>
+              <a:rPr lang="it-IT" sz="2400" b="1" dirty="0">
+                <a:solidFill>
+                  <a:schemeClr val="tx1"/>
+                </a:solidFill>
+                <a:latin typeface="Tahoma" panose="020B0604030504040204" pitchFamily="34" charset="0"/>
+                <a:ea typeface="Tahoma" panose="020B0604030504040204" pitchFamily="34" charset="0"/>
+                <a:cs typeface="Tahoma" panose="020B0604030504040204" pitchFamily="34" charset="0"/>
+              </a:rPr>
+              <a:t>sicurezza</a:t>
+            </a:r>
+            <a:r>
+              <a:rPr lang="it-IT" sz="2400" dirty="0">
+                <a:solidFill>
+                  <a:schemeClr val="tx1"/>
+                </a:solidFill>
+                <a:latin typeface="Tahoma" panose="020B0604030504040204" pitchFamily="34" charset="0"/>
+                <a:ea typeface="Tahoma" panose="020B0604030504040204" pitchFamily="34" charset="0"/>
+                <a:cs typeface="Tahoma" panose="020B0604030504040204" pitchFamily="34" charset="0"/>
+              </a:rPr>
+              <a:t> </a:t>
+            </a:r>
+            <a:r>
+              <a:rPr lang="it-IT" sz="2400" b="1" dirty="0">
+                <a:solidFill>
+                  <a:schemeClr val="tx1"/>
+                </a:solidFill>
+                <a:latin typeface="Tahoma" panose="020B0604030504040204" pitchFamily="34" charset="0"/>
+                <a:ea typeface="Tahoma" panose="020B0604030504040204" pitchFamily="34" charset="0"/>
+                <a:cs typeface="Tahoma" panose="020B0604030504040204" pitchFamily="34" charset="0"/>
+              </a:rPr>
+              <a:t>informatica</a:t>
+            </a:r>
+            <a:r>
+              <a:rPr lang="it-IT" sz="2400" dirty="0">
+                <a:solidFill>
+                  <a:schemeClr val="tx1"/>
+                </a:solidFill>
+                <a:latin typeface="Tahoma" panose="020B0604030504040204" pitchFamily="34" charset="0"/>
+                <a:ea typeface="Tahoma" panose="020B0604030504040204" pitchFamily="34" charset="0"/>
+                <a:cs typeface="Tahoma" panose="020B0604030504040204" pitchFamily="34" charset="0"/>
+              </a:rPr>
+              <a:t>. Il suo obiettivo principale è quello di rilevare, rispondere e mitigare gli attacchi informatici. I membri del team </a:t>
+            </a:r>
+            <a:r>
+              <a:rPr lang="it-IT" sz="2400" b="1" dirty="0">
+                <a:solidFill>
+                  <a:schemeClr val="tx1"/>
+                </a:solidFill>
+                <a:latin typeface="Tahoma" panose="020B0604030504040204" pitchFamily="34" charset="0"/>
+                <a:ea typeface="Tahoma" panose="020B0604030504040204" pitchFamily="34" charset="0"/>
+                <a:cs typeface="Tahoma" panose="020B0604030504040204" pitchFamily="34" charset="0"/>
+              </a:rPr>
+              <a:t>CSIRT</a:t>
+            </a:r>
+            <a:r>
+              <a:rPr lang="it-IT" sz="2400" dirty="0">
+                <a:solidFill>
+                  <a:schemeClr val="tx1"/>
+                </a:solidFill>
+                <a:latin typeface="Tahoma" panose="020B0604030504040204" pitchFamily="34" charset="0"/>
+                <a:ea typeface="Tahoma" panose="020B0604030504040204" pitchFamily="34" charset="0"/>
+                <a:cs typeface="Tahoma" panose="020B0604030504040204" pitchFamily="34" charset="0"/>
+              </a:rPr>
+              <a:t> sono addestrati per identificare le minacce, analizzare gli incidenti di sicurezza e coordinare le risposte appropriate. Possono anche fornire consulenza sulla sicurezza informatica e promuovere le migliori pratiche all'interno di un'organizzazione</a:t>
+            </a:r>
+            <a:r>
+              <a:rPr lang="it-IT" sz="2400" dirty="0" smtClean="0">
+                <a:solidFill>
+                  <a:schemeClr val="tx1"/>
+                </a:solidFill>
+                <a:latin typeface="Tahoma" panose="020B0604030504040204" pitchFamily="34" charset="0"/>
+                <a:ea typeface="Tahoma" panose="020B0604030504040204" pitchFamily="34" charset="0"/>
+                <a:cs typeface="Tahoma" panose="020B0604030504040204" pitchFamily="34" charset="0"/>
+              </a:rPr>
+              <a:t>.</a:t>
+            </a:r>
+            <a:endParaRPr lang="it-IT" sz="2400" dirty="0">
+              <a:solidFill>
+                <a:schemeClr val="tx1"/>
+              </a:solidFill>
+              <a:latin typeface="Tahoma" panose="020B0604030504040204" pitchFamily="34" charset="0"/>
+              <a:ea typeface="Tahoma" panose="020B0604030504040204" pitchFamily="34" charset="0"/>
+              <a:cs typeface="Tahoma" panose="020B0604030504040204" pitchFamily="34" charset="0"/>
+            </a:endParaRPr>
+          </a:p>
+        </p:txBody>
+      </p:sp>
+      <p:sp>
+        <p:nvSpPr>
           <p:cNvPr id="7" name="Segnaposto numero diapositiva 6">
             <a:extLst>
               <a:ext uri="{FF2B5EF4-FFF2-40B4-BE49-F238E27FC236}">
@@ -12579,19 +12576,82 @@
           <a:lstStyle/>
           <a:p>
             <a:r>
-              <a:rPr lang="it-IT"/>
-              <a:t>Bibliografia</a:t>
-            </a:r>
-            <a:endParaRPr lang="it-IT" dirty="0"/>
+              <a:rPr lang="it-IT" dirty="0" smtClean="0"/>
+              <a:t>Funzioni </a:t>
+            </a:r>
+            <a:r>
+              <a:rPr lang="it-IT" dirty="0"/>
+              <a:t>di CSIRT, SOC e ISAC</a:t>
+            </a:r>
           </a:p>
         </p:txBody>
       </p:sp>
-      <p:sp>
-        <p:nvSpPr>
-          <p:cNvPr id="3" name="Segnaposto testo 2">
-            <a:extLst>
-              <a:ext uri="{FF2B5EF4-FFF2-40B4-BE49-F238E27FC236}">
-                <a16:creationId xmlns:a16="http://schemas.microsoft.com/office/drawing/2014/main" id="{15CD42DB-61E6-AA3D-7125-BF4BEDB5D886}"/>
+      <p:pic>
+        <p:nvPicPr>
+          <p:cNvPr id="4" name="Immagine 3"/>
+          <p:cNvPicPr>
+            <a:picLocks noChangeAspect="1"/>
+          </p:cNvPicPr>
+          <p:nvPr/>
+        </p:nvPicPr>
+        <p:blipFill>
+          <a:blip r:embed="rId2">
+            <a:extLst>
+              <a:ext uri="{28A0092B-C50C-407E-A947-70E740481C1C}">
+                <a14:useLocalDpi xmlns:a14="http://schemas.microsoft.com/office/drawing/2010/main" val="0"/>
+              </a:ext>
+            </a:extLst>
+          </a:blip>
+          <a:stretch>
+            <a:fillRect/>
+          </a:stretch>
+        </p:blipFill>
+        <p:spPr>
+          <a:xfrm>
+            <a:off x="7290674" y="2491798"/>
+            <a:ext cx="4608355" cy="2301824"/>
+          </a:xfrm>
+          <a:prstGeom prst="rect">
+            <a:avLst/>
+          </a:prstGeom>
+        </p:spPr>
+      </p:pic>
+    </p:spTree>
+    <p:extLst>
+      <p:ext uri="{BB962C8B-B14F-4D97-AF65-F5344CB8AC3E}">
+        <p14:creationId xmlns:p14="http://schemas.microsoft.com/office/powerpoint/2010/main" val="3553250571"/>
+      </p:ext>
+    </p:extLst>
+  </p:cSld>
+  <p:clrMapOvr>
+    <a:masterClrMapping/>
+  </p:clrMapOvr>
+</p:sld>
+</file>
+
+<file path=ppt/slides/slide28.xml><?xml version="1.0" encoding="utf-8"?>
+<p:sld xmlns:a="http://schemas.openxmlformats.org/drawingml/2006/main" xmlns:r="http://schemas.openxmlformats.org/officeDocument/2006/relationships" xmlns:p="http://schemas.openxmlformats.org/presentationml/2006/main">
+  <p:cSld>
+    <p:spTree>
+      <p:nvGrpSpPr>
+        <p:cNvPr id="1" name=""/>
+        <p:cNvGrpSpPr/>
+        <p:nvPr/>
+      </p:nvGrpSpPr>
+      <p:grpSpPr>
+        <a:xfrm>
+          <a:off x="0" y="0"/>
+          <a:ext cx="0" cy="0"/>
+          <a:chOff x="0" y="0"/>
+          <a:chExt cx="0" cy="0"/>
+        </a:xfrm>
+      </p:grpSpPr>
+      <p:sp>
+        <p:nvSpPr>
+          <p:cNvPr id="2" name="Segnaposto testo 1">
+            <a:extLst>
+              <a:ext uri="{FF2B5EF4-FFF2-40B4-BE49-F238E27FC236}">
+                <a16:creationId xmlns:a16="http://schemas.microsoft.com/office/drawing/2014/main" id="{E5AE986C-196F-4141-A898-FA4C4198CDCC}"/>
               </a:ext>
             </a:extLst>
           </p:cNvPr>
@@ -12602,19 +12662,592 @@
             <p:ph type="body" idx="1"/>
           </p:nvPr>
         </p:nvSpPr>
+        <p:spPr>
+          <a:xfrm>
+            <a:off x="721777" y="1401434"/>
+            <a:ext cx="7989604" cy="4392612"/>
+          </a:xfrm>
+        </p:spPr>
+        <p:txBody>
+          <a:bodyPr/>
+          <a:lstStyle/>
+          <a:p>
+            <a:pPr marL="342900" indent="-342900">
+              <a:buFont typeface="Arial" panose="020B0604020202020204" pitchFamily="34" charset="0"/>
+              <a:buChar char="•"/>
+            </a:pPr>
+            <a:r>
+              <a:rPr lang="it-IT" sz="2400" b="1" dirty="0" smtClean="0">
+                <a:solidFill>
+                  <a:schemeClr val="tx1"/>
+                </a:solidFill>
+                <a:latin typeface="Tahoma" panose="020B0604030504040204" pitchFamily="34" charset="0"/>
+                <a:ea typeface="Tahoma" panose="020B0604030504040204" pitchFamily="34" charset="0"/>
+                <a:cs typeface="Tahoma" panose="020B0604030504040204" pitchFamily="34" charset="0"/>
+              </a:rPr>
+              <a:t>SOC</a:t>
+            </a:r>
+            <a:r>
+              <a:rPr lang="it-IT" sz="2400" dirty="0" smtClean="0">
+                <a:solidFill>
+                  <a:schemeClr val="tx1"/>
+                </a:solidFill>
+                <a:latin typeface="Tahoma" panose="020B0604030504040204" pitchFamily="34" charset="0"/>
+                <a:ea typeface="Tahoma" panose="020B0604030504040204" pitchFamily="34" charset="0"/>
+                <a:cs typeface="Tahoma" panose="020B0604030504040204" pitchFamily="34" charset="0"/>
+              </a:rPr>
+              <a:t> </a:t>
+            </a:r>
+            <a:r>
+              <a:rPr lang="it-IT" sz="2400" dirty="0">
+                <a:solidFill>
+                  <a:schemeClr val="tx1"/>
+                </a:solidFill>
+                <a:latin typeface="Tahoma" panose="020B0604030504040204" pitchFamily="34" charset="0"/>
+                <a:ea typeface="Tahoma" panose="020B0604030504040204" pitchFamily="34" charset="0"/>
+                <a:cs typeface="Tahoma" panose="020B0604030504040204" pitchFamily="34" charset="0"/>
+              </a:rPr>
+              <a:t>(Security Operations Center): Un </a:t>
+            </a:r>
+            <a:r>
+              <a:rPr lang="it-IT" sz="2400" b="1" dirty="0">
+                <a:solidFill>
+                  <a:schemeClr val="tx1"/>
+                </a:solidFill>
+                <a:latin typeface="Tahoma" panose="020B0604030504040204" pitchFamily="34" charset="0"/>
+                <a:ea typeface="Tahoma" panose="020B0604030504040204" pitchFamily="34" charset="0"/>
+                <a:cs typeface="Tahoma" panose="020B0604030504040204" pitchFamily="34" charset="0"/>
+              </a:rPr>
+              <a:t>SOC</a:t>
+            </a:r>
+            <a:r>
+              <a:rPr lang="it-IT" sz="2400" dirty="0">
+                <a:solidFill>
+                  <a:schemeClr val="tx1"/>
+                </a:solidFill>
+                <a:latin typeface="Tahoma" panose="020B0604030504040204" pitchFamily="34" charset="0"/>
+                <a:ea typeface="Tahoma" panose="020B0604030504040204" pitchFamily="34" charset="0"/>
+                <a:cs typeface="Tahoma" panose="020B0604030504040204" pitchFamily="34" charset="0"/>
+              </a:rPr>
+              <a:t> è un centro operativo specializzato nella gestione della </a:t>
+            </a:r>
+            <a:r>
+              <a:rPr lang="it-IT" sz="2400" b="1" dirty="0">
+                <a:solidFill>
+                  <a:schemeClr val="tx1"/>
+                </a:solidFill>
+                <a:latin typeface="Tahoma" panose="020B0604030504040204" pitchFamily="34" charset="0"/>
+                <a:ea typeface="Tahoma" panose="020B0604030504040204" pitchFamily="34" charset="0"/>
+                <a:cs typeface="Tahoma" panose="020B0604030504040204" pitchFamily="34" charset="0"/>
+              </a:rPr>
+              <a:t>sicurezza</a:t>
+            </a:r>
+            <a:r>
+              <a:rPr lang="it-IT" sz="2400" dirty="0">
+                <a:solidFill>
+                  <a:schemeClr val="tx1"/>
+                </a:solidFill>
+                <a:latin typeface="Tahoma" panose="020B0604030504040204" pitchFamily="34" charset="0"/>
+                <a:ea typeface="Tahoma" panose="020B0604030504040204" pitchFamily="34" charset="0"/>
+                <a:cs typeface="Tahoma" panose="020B0604030504040204" pitchFamily="34" charset="0"/>
+              </a:rPr>
+              <a:t> </a:t>
+            </a:r>
+            <a:r>
+              <a:rPr lang="it-IT" sz="2400" b="1" dirty="0">
+                <a:solidFill>
+                  <a:schemeClr val="tx1"/>
+                </a:solidFill>
+                <a:latin typeface="Tahoma" panose="020B0604030504040204" pitchFamily="34" charset="0"/>
+                <a:ea typeface="Tahoma" panose="020B0604030504040204" pitchFamily="34" charset="0"/>
+                <a:cs typeface="Tahoma" panose="020B0604030504040204" pitchFamily="34" charset="0"/>
+              </a:rPr>
+              <a:t>informatica</a:t>
+            </a:r>
+            <a:r>
+              <a:rPr lang="it-IT" sz="2400" dirty="0">
+                <a:solidFill>
+                  <a:schemeClr val="tx1"/>
+                </a:solidFill>
+                <a:latin typeface="Tahoma" panose="020B0604030504040204" pitchFamily="34" charset="0"/>
+                <a:ea typeface="Tahoma" panose="020B0604030504040204" pitchFamily="34" charset="0"/>
+                <a:cs typeface="Tahoma" panose="020B0604030504040204" pitchFamily="34" charset="0"/>
+              </a:rPr>
+              <a:t>. Solitamente è composto da un gruppo di esperti che monitorano costantemente gli </a:t>
+            </a:r>
+            <a:r>
+              <a:rPr lang="it-IT" sz="2400" b="1" dirty="0">
+                <a:solidFill>
+                  <a:schemeClr val="tx1"/>
+                </a:solidFill>
+                <a:latin typeface="Tahoma" panose="020B0604030504040204" pitchFamily="34" charset="0"/>
+                <a:ea typeface="Tahoma" panose="020B0604030504040204" pitchFamily="34" charset="0"/>
+                <a:cs typeface="Tahoma" panose="020B0604030504040204" pitchFamily="34" charset="0"/>
+              </a:rPr>
+              <a:t>eventi di sicurezza</a:t>
+            </a:r>
+            <a:r>
+              <a:rPr lang="it-IT" sz="2400" dirty="0">
+                <a:solidFill>
+                  <a:schemeClr val="tx1"/>
+                </a:solidFill>
+                <a:latin typeface="Tahoma" panose="020B0604030504040204" pitchFamily="34" charset="0"/>
+                <a:ea typeface="Tahoma" panose="020B0604030504040204" pitchFamily="34" charset="0"/>
+                <a:cs typeface="Tahoma" panose="020B0604030504040204" pitchFamily="34" charset="0"/>
+              </a:rPr>
+              <a:t>, analizzano le </a:t>
+            </a:r>
+            <a:r>
+              <a:rPr lang="it-IT" sz="2400" b="1" dirty="0">
+                <a:solidFill>
+                  <a:schemeClr val="tx1"/>
+                </a:solidFill>
+                <a:latin typeface="Tahoma" panose="020B0604030504040204" pitchFamily="34" charset="0"/>
+                <a:ea typeface="Tahoma" panose="020B0604030504040204" pitchFamily="34" charset="0"/>
+                <a:cs typeface="Tahoma" panose="020B0604030504040204" pitchFamily="34" charset="0"/>
+              </a:rPr>
+              <a:t>anomalie</a:t>
+            </a:r>
+            <a:r>
+              <a:rPr lang="it-IT" sz="2400" dirty="0">
+                <a:solidFill>
+                  <a:schemeClr val="tx1"/>
+                </a:solidFill>
+                <a:latin typeface="Tahoma" panose="020B0604030504040204" pitchFamily="34" charset="0"/>
+                <a:ea typeface="Tahoma" panose="020B0604030504040204" pitchFamily="34" charset="0"/>
+                <a:cs typeface="Tahoma" panose="020B0604030504040204" pitchFamily="34" charset="0"/>
+              </a:rPr>
+              <a:t> e rispondono agli incidenti. Il SOC utilizza tecnologie avanzate, come i sistemi di rilevamento delle intrusioni (</a:t>
+            </a:r>
+            <a:r>
+              <a:rPr lang="it-IT" sz="2400" b="1" dirty="0">
+                <a:solidFill>
+                  <a:schemeClr val="tx1"/>
+                </a:solidFill>
+                <a:latin typeface="Tahoma" panose="020B0604030504040204" pitchFamily="34" charset="0"/>
+                <a:ea typeface="Tahoma" panose="020B0604030504040204" pitchFamily="34" charset="0"/>
+                <a:cs typeface="Tahoma" panose="020B0604030504040204" pitchFamily="34" charset="0"/>
+              </a:rPr>
+              <a:t>IDS</a:t>
+            </a:r>
+            <a:r>
+              <a:rPr lang="it-IT" sz="2400" dirty="0">
+                <a:solidFill>
+                  <a:schemeClr val="tx1"/>
+                </a:solidFill>
+                <a:latin typeface="Tahoma" panose="020B0604030504040204" pitchFamily="34" charset="0"/>
+                <a:ea typeface="Tahoma" panose="020B0604030504040204" pitchFamily="34" charset="0"/>
+                <a:cs typeface="Tahoma" panose="020B0604030504040204" pitchFamily="34" charset="0"/>
+              </a:rPr>
+              <a:t>) e le soluzioni di gestione delle informazioni e degli eventi di sicurezza (</a:t>
+            </a:r>
+            <a:r>
+              <a:rPr lang="it-IT" sz="2400" b="1" dirty="0">
+                <a:solidFill>
+                  <a:schemeClr val="tx1"/>
+                </a:solidFill>
+                <a:latin typeface="Tahoma" panose="020B0604030504040204" pitchFamily="34" charset="0"/>
+                <a:ea typeface="Tahoma" panose="020B0604030504040204" pitchFamily="34" charset="0"/>
+                <a:cs typeface="Tahoma" panose="020B0604030504040204" pitchFamily="34" charset="0"/>
+              </a:rPr>
+              <a:t>SIEM</a:t>
+            </a:r>
+            <a:r>
+              <a:rPr lang="it-IT" sz="2400" dirty="0">
+                <a:solidFill>
+                  <a:schemeClr val="tx1"/>
+                </a:solidFill>
+                <a:latin typeface="Tahoma" panose="020B0604030504040204" pitchFamily="34" charset="0"/>
+                <a:ea typeface="Tahoma" panose="020B0604030504040204" pitchFamily="34" charset="0"/>
+                <a:cs typeface="Tahoma" panose="020B0604030504040204" pitchFamily="34" charset="0"/>
+              </a:rPr>
+              <a:t>), per monitorare e analizzare il traffico di rete e i log dei sistemi al fine di identificare potenziali minacce. Il SOC svolge anche attività di risposta agli incidenti, collaborando con il team CSIRT o con altre entità interne o esterne all'organizzazione.</a:t>
+            </a:r>
+          </a:p>
+        </p:txBody>
+      </p:sp>
+      <p:sp>
+        <p:nvSpPr>
+          <p:cNvPr id="7" name="Segnaposto numero diapositiva 6">
+            <a:extLst>
+              <a:ext uri="{FF2B5EF4-FFF2-40B4-BE49-F238E27FC236}">
+                <a16:creationId xmlns:a16="http://schemas.microsoft.com/office/drawing/2014/main" id="{AB740BE9-E218-4144-BFDE-AE473D230A3D}"/>
+              </a:ext>
+            </a:extLst>
+          </p:cNvPr>
+          <p:cNvSpPr>
+            <a:spLocks noGrp="1"/>
+          </p:cNvSpPr>
+          <p:nvPr>
+            <p:ph type="sldNum" sz="quarter" idx="12"/>
+          </p:nvPr>
+        </p:nvSpPr>
         <p:spPr/>
         <p:txBody>
           <a:bodyPr/>
           <a:lstStyle/>
           <a:p>
-            <a:endParaRPr lang="it-IT" dirty="0"/>
+            <a:pPr>
+              <a:defRPr/>
+            </a:pPr>
+            <a:fld id="{48B4153A-D4C5-4CEF-8992-0D8815C829E3}" type="slidenum">
+              <a:rPr lang="en-US" smtClean="0"/>
+              <a:pPr>
+                <a:defRPr/>
+              </a:pPr>
+              <a:t>28</a:t>
+            </a:fld>
+            <a:endParaRPr lang="en-US" dirty="0"/>
           </a:p>
         </p:txBody>
       </p:sp>
+      <p:sp>
+        <p:nvSpPr>
+          <p:cNvPr id="5" name="Titolo 4">
+            <a:extLst>
+              <a:ext uri="{FF2B5EF4-FFF2-40B4-BE49-F238E27FC236}">
+                <a16:creationId xmlns:a16="http://schemas.microsoft.com/office/drawing/2014/main" id="{82C46BA2-B380-4357-B125-BA9F08A643F5}"/>
+              </a:ext>
+            </a:extLst>
+          </p:cNvPr>
+          <p:cNvSpPr>
+            <a:spLocks noGrp="1"/>
+          </p:cNvSpPr>
+          <p:nvPr>
+            <p:ph type="title"/>
+          </p:nvPr>
+        </p:nvSpPr>
+        <p:spPr>
+          <a:xfrm>
+            <a:off x="468895" y="503475"/>
+            <a:ext cx="11269308" cy="384721"/>
+          </a:xfrm>
+        </p:spPr>
+        <p:txBody>
+          <a:bodyPr/>
+          <a:lstStyle/>
+          <a:p>
+            <a:r>
+              <a:rPr lang="it-IT" dirty="0" smtClean="0"/>
+              <a:t>Funzioni </a:t>
+            </a:r>
+            <a:r>
+              <a:rPr lang="it-IT" dirty="0"/>
+              <a:t>di CSIRT, SOC e ISAC</a:t>
+            </a:r>
+          </a:p>
+        </p:txBody>
+      </p:sp>
+      <p:pic>
+        <p:nvPicPr>
+          <p:cNvPr id="3" name="Immagine 2"/>
+          <p:cNvPicPr>
+            <a:picLocks noChangeAspect="1"/>
+          </p:cNvPicPr>
+          <p:nvPr/>
+        </p:nvPicPr>
+        <p:blipFill>
+          <a:blip r:embed="rId2">
+            <a:extLst>
+              <a:ext uri="{28A0092B-C50C-407E-A947-70E740481C1C}">
+                <a14:useLocalDpi xmlns:a14="http://schemas.microsoft.com/office/drawing/2010/main" val="0"/>
+              </a:ext>
+            </a:extLst>
+          </a:blip>
+          <a:stretch>
+            <a:fillRect/>
+          </a:stretch>
+        </p:blipFill>
+        <p:spPr>
+          <a:xfrm>
+            <a:off x="8711381" y="2605547"/>
+            <a:ext cx="3146324" cy="1769807"/>
+          </a:xfrm>
+          <a:prstGeom prst="rect">
+            <a:avLst/>
+          </a:prstGeom>
+        </p:spPr>
+      </p:pic>
     </p:spTree>
     <p:extLst>
       <p:ext uri="{BB962C8B-B14F-4D97-AF65-F5344CB8AC3E}">
-        <p14:creationId xmlns:p14="http://schemas.microsoft.com/office/powerpoint/2010/main" val="3490964097"/>
+        <p14:creationId xmlns:p14="http://schemas.microsoft.com/office/powerpoint/2010/main" val="2709473474"/>
+      </p:ext>
+    </p:extLst>
+  </p:cSld>
+  <p:clrMapOvr>
+    <a:masterClrMapping/>
+  </p:clrMapOvr>
+</p:sld>
+</file>
+
+<file path=ppt/slides/slide29.xml><?xml version="1.0" encoding="utf-8"?>
+<p:sld xmlns:a="http://schemas.openxmlformats.org/drawingml/2006/main" xmlns:r="http://schemas.openxmlformats.org/officeDocument/2006/relationships" xmlns:p="http://schemas.openxmlformats.org/presentationml/2006/main">
+  <p:cSld>
+    <p:spTree>
+      <p:nvGrpSpPr>
+        <p:cNvPr id="1" name=""/>
+        <p:cNvGrpSpPr/>
+        <p:nvPr/>
+      </p:nvGrpSpPr>
+      <p:grpSpPr>
+        <a:xfrm>
+          <a:off x="0" y="0"/>
+          <a:ext cx="0" cy="0"/>
+          <a:chOff x="0" y="0"/>
+          <a:chExt cx="0" cy="0"/>
+        </a:xfrm>
+      </p:grpSpPr>
+      <p:sp>
+        <p:nvSpPr>
+          <p:cNvPr id="2" name="Segnaposto testo 1">
+            <a:extLst>
+              <a:ext uri="{FF2B5EF4-FFF2-40B4-BE49-F238E27FC236}">
+                <a16:creationId xmlns:a16="http://schemas.microsoft.com/office/drawing/2014/main" id="{E5AE986C-196F-4141-A898-FA4C4198CDCC}"/>
+              </a:ext>
+            </a:extLst>
+          </p:cNvPr>
+          <p:cNvSpPr>
+            <a:spLocks noGrp="1"/>
+          </p:cNvSpPr>
+          <p:nvPr>
+            <p:ph type="body" idx="1"/>
+          </p:nvPr>
+        </p:nvSpPr>
+        <p:spPr>
+          <a:xfrm>
+            <a:off x="721777" y="1401434"/>
+            <a:ext cx="7488158" cy="4392612"/>
+          </a:xfrm>
+        </p:spPr>
+        <p:txBody>
+          <a:bodyPr/>
+          <a:lstStyle/>
+          <a:p>
+            <a:pPr marL="342900" indent="-342900">
+              <a:buFont typeface="Arial" panose="020B0604020202020204" pitchFamily="34" charset="0"/>
+              <a:buChar char="•"/>
+            </a:pPr>
+            <a:r>
+              <a:rPr lang="it-IT" sz="2400" b="1" dirty="0" smtClean="0">
+                <a:solidFill>
+                  <a:schemeClr val="tx1"/>
+                </a:solidFill>
+                <a:latin typeface="Tahoma" panose="020B0604030504040204" pitchFamily="34" charset="0"/>
+                <a:ea typeface="Tahoma" panose="020B0604030504040204" pitchFamily="34" charset="0"/>
+                <a:cs typeface="Tahoma" panose="020B0604030504040204" pitchFamily="34" charset="0"/>
+              </a:rPr>
+              <a:t>ISAC</a:t>
+            </a:r>
+            <a:r>
+              <a:rPr lang="it-IT" sz="2400" dirty="0" smtClean="0">
+                <a:solidFill>
+                  <a:schemeClr val="tx1"/>
+                </a:solidFill>
+                <a:latin typeface="Tahoma" panose="020B0604030504040204" pitchFamily="34" charset="0"/>
+                <a:ea typeface="Tahoma" panose="020B0604030504040204" pitchFamily="34" charset="0"/>
+                <a:cs typeface="Tahoma" panose="020B0604030504040204" pitchFamily="34" charset="0"/>
+              </a:rPr>
+              <a:t> </a:t>
+            </a:r>
+            <a:r>
+              <a:rPr lang="it-IT" sz="2400" dirty="0">
+                <a:solidFill>
+                  <a:schemeClr val="tx1"/>
+                </a:solidFill>
+                <a:latin typeface="Tahoma" panose="020B0604030504040204" pitchFamily="34" charset="0"/>
+                <a:ea typeface="Tahoma" panose="020B0604030504040204" pitchFamily="34" charset="0"/>
+                <a:cs typeface="Tahoma" panose="020B0604030504040204" pitchFamily="34" charset="0"/>
+              </a:rPr>
+              <a:t>(Information </a:t>
+            </a:r>
+            <a:r>
+              <a:rPr lang="it-IT" sz="2400" dirty="0" err="1">
+                <a:solidFill>
+                  <a:schemeClr val="tx1"/>
+                </a:solidFill>
+                <a:latin typeface="Tahoma" panose="020B0604030504040204" pitchFamily="34" charset="0"/>
+                <a:ea typeface="Tahoma" panose="020B0604030504040204" pitchFamily="34" charset="0"/>
+                <a:cs typeface="Tahoma" panose="020B0604030504040204" pitchFamily="34" charset="0"/>
+              </a:rPr>
+              <a:t>Sharing</a:t>
+            </a:r>
+            <a:r>
+              <a:rPr lang="it-IT" sz="2400" dirty="0">
+                <a:solidFill>
+                  <a:schemeClr val="tx1"/>
+                </a:solidFill>
+                <a:latin typeface="Tahoma" panose="020B0604030504040204" pitchFamily="34" charset="0"/>
+                <a:ea typeface="Tahoma" panose="020B0604030504040204" pitchFamily="34" charset="0"/>
+                <a:cs typeface="Tahoma" panose="020B0604030504040204" pitchFamily="34" charset="0"/>
+              </a:rPr>
+              <a:t> and Analysis Center): Un </a:t>
+            </a:r>
+            <a:r>
+              <a:rPr lang="it-IT" sz="2400" b="1" dirty="0">
+                <a:solidFill>
+                  <a:schemeClr val="tx1"/>
+                </a:solidFill>
+                <a:latin typeface="Tahoma" panose="020B0604030504040204" pitchFamily="34" charset="0"/>
+                <a:ea typeface="Tahoma" panose="020B0604030504040204" pitchFamily="34" charset="0"/>
+                <a:cs typeface="Tahoma" panose="020B0604030504040204" pitchFamily="34" charset="0"/>
+              </a:rPr>
+              <a:t>ISAC</a:t>
+            </a:r>
+            <a:r>
+              <a:rPr lang="it-IT" sz="2400" dirty="0">
+                <a:solidFill>
+                  <a:schemeClr val="tx1"/>
+                </a:solidFill>
+                <a:latin typeface="Tahoma" panose="020B0604030504040204" pitchFamily="34" charset="0"/>
+                <a:ea typeface="Tahoma" panose="020B0604030504040204" pitchFamily="34" charset="0"/>
+                <a:cs typeface="Tahoma" panose="020B0604030504040204" pitchFamily="34" charset="0"/>
+              </a:rPr>
+              <a:t> è un'organizzazione che facilita lo scambio di informazioni sulla sicurezza informatica tra diverse entità, come organizzazioni governative, aziende, organizzazioni non profit e fornitori di servizi. L'obiettivo principale di un </a:t>
+            </a:r>
+            <a:r>
+              <a:rPr lang="it-IT" sz="2400" b="1" dirty="0">
+                <a:solidFill>
+                  <a:schemeClr val="tx1"/>
+                </a:solidFill>
+                <a:latin typeface="Tahoma" panose="020B0604030504040204" pitchFamily="34" charset="0"/>
+                <a:ea typeface="Tahoma" panose="020B0604030504040204" pitchFamily="34" charset="0"/>
+                <a:cs typeface="Tahoma" panose="020B0604030504040204" pitchFamily="34" charset="0"/>
+              </a:rPr>
+              <a:t>ISAC</a:t>
+            </a:r>
+            <a:r>
+              <a:rPr lang="it-IT" sz="2400" dirty="0">
+                <a:solidFill>
+                  <a:schemeClr val="tx1"/>
+                </a:solidFill>
+                <a:latin typeface="Tahoma" panose="020B0604030504040204" pitchFamily="34" charset="0"/>
+                <a:ea typeface="Tahoma" panose="020B0604030504040204" pitchFamily="34" charset="0"/>
+                <a:cs typeface="Tahoma" panose="020B0604030504040204" pitchFamily="34" charset="0"/>
+              </a:rPr>
+              <a:t> è promuovere la collaborazione e la condivisione di informazioni sulla minaccia cibernetica per migliorare la sicurezza complessiva. Gli ISAC raccolgono, analizzano e diffondono informazioni sulle minacce e sulle migliori pratiche di sicurezza informatica, consentendo alle organizzazioni aderenti di essere più consapevoli dei rischi e di prendere misure preventive appropriate</a:t>
+            </a:r>
+            <a:r>
+              <a:rPr lang="it-IT" sz="2400" dirty="0"/>
+              <a:t>.</a:t>
+            </a:r>
+            <a:endParaRPr lang="it-IT" sz="2400" dirty="0">
+              <a:solidFill>
+                <a:schemeClr val="tx1"/>
+              </a:solidFill>
+              <a:latin typeface="Tahoma" panose="020B0604030504040204" pitchFamily="34" charset="0"/>
+              <a:ea typeface="Tahoma" panose="020B0604030504040204" pitchFamily="34" charset="0"/>
+              <a:cs typeface="Tahoma" panose="020B0604030504040204" pitchFamily="34" charset="0"/>
+            </a:endParaRPr>
+          </a:p>
+        </p:txBody>
+      </p:sp>
+      <p:sp>
+        <p:nvSpPr>
+          <p:cNvPr id="7" name="Segnaposto numero diapositiva 6">
+            <a:extLst>
+              <a:ext uri="{FF2B5EF4-FFF2-40B4-BE49-F238E27FC236}">
+                <a16:creationId xmlns:a16="http://schemas.microsoft.com/office/drawing/2014/main" id="{AB740BE9-E218-4144-BFDE-AE473D230A3D}"/>
+              </a:ext>
+            </a:extLst>
+          </p:cNvPr>
+          <p:cNvSpPr>
+            <a:spLocks noGrp="1"/>
+          </p:cNvSpPr>
+          <p:nvPr>
+            <p:ph type="sldNum" sz="quarter" idx="12"/>
+          </p:nvPr>
+        </p:nvSpPr>
+        <p:spPr/>
+        <p:txBody>
+          <a:bodyPr/>
+          <a:lstStyle/>
+          <a:p>
+            <a:pPr>
+              <a:defRPr/>
+            </a:pPr>
+            <a:fld id="{48B4153A-D4C5-4CEF-8992-0D8815C829E3}" type="slidenum">
+              <a:rPr lang="en-US" smtClean="0"/>
+              <a:pPr>
+                <a:defRPr/>
+              </a:pPr>
+              <a:t>29</a:t>
+            </a:fld>
+            <a:endParaRPr lang="en-US" dirty="0"/>
+          </a:p>
+        </p:txBody>
+      </p:sp>
+      <p:sp>
+        <p:nvSpPr>
+          <p:cNvPr id="5" name="Titolo 4">
+            <a:extLst>
+              <a:ext uri="{FF2B5EF4-FFF2-40B4-BE49-F238E27FC236}">
+                <a16:creationId xmlns:a16="http://schemas.microsoft.com/office/drawing/2014/main" id="{82C46BA2-B380-4357-B125-BA9F08A643F5}"/>
+              </a:ext>
+            </a:extLst>
+          </p:cNvPr>
+          <p:cNvSpPr>
+            <a:spLocks noGrp="1"/>
+          </p:cNvSpPr>
+          <p:nvPr>
+            <p:ph type="title"/>
+          </p:nvPr>
+        </p:nvSpPr>
+        <p:spPr>
+          <a:xfrm>
+            <a:off x="468895" y="503475"/>
+            <a:ext cx="11269308" cy="384721"/>
+          </a:xfrm>
+        </p:spPr>
+        <p:txBody>
+          <a:bodyPr/>
+          <a:lstStyle/>
+          <a:p>
+            <a:r>
+              <a:rPr lang="it-IT" dirty="0" smtClean="0"/>
+              <a:t>Funzioni </a:t>
+            </a:r>
+            <a:r>
+              <a:rPr lang="it-IT" dirty="0"/>
+              <a:t>di CSIRT, SOC e ISAC</a:t>
+            </a:r>
+          </a:p>
+        </p:txBody>
+      </p:sp>
+      <p:pic>
+        <p:nvPicPr>
+          <p:cNvPr id="3" name="Immagine 2"/>
+          <p:cNvPicPr>
+            <a:picLocks noChangeAspect="1"/>
+          </p:cNvPicPr>
+          <p:nvPr/>
+        </p:nvPicPr>
+        <p:blipFill>
+          <a:blip r:embed="rId2">
+            <a:extLst>
+              <a:ext uri="{28A0092B-C50C-407E-A947-70E740481C1C}">
+                <a14:useLocalDpi xmlns:a14="http://schemas.microsoft.com/office/drawing/2010/main" val="0"/>
+              </a:ext>
+            </a:extLst>
+          </a:blip>
+          <a:stretch>
+            <a:fillRect/>
+          </a:stretch>
+        </p:blipFill>
+        <p:spPr>
+          <a:xfrm>
+            <a:off x="8387070" y="2229617"/>
+            <a:ext cx="3423931" cy="3423931"/>
+          </a:xfrm>
+          <a:prstGeom prst="rect">
+            <a:avLst/>
+          </a:prstGeom>
+        </p:spPr>
+      </p:pic>
+    </p:spTree>
+    <p:extLst>
+      <p:ext uri="{BB962C8B-B14F-4D97-AF65-F5344CB8AC3E}">
+        <p14:creationId xmlns:p14="http://schemas.microsoft.com/office/powerpoint/2010/main" val="383873187"/>
       </p:ext>
     </p:extLst>
   </p:cSld>
@@ -12912,6 +13545,449 @@
     <p:extLst>
       <p:ext uri="{BB962C8B-B14F-4D97-AF65-F5344CB8AC3E}">
         <p14:creationId xmlns:p14="http://schemas.microsoft.com/office/powerpoint/2010/main" val="8873916"/>
+      </p:ext>
+    </p:extLst>
+  </p:cSld>
+  <p:clrMapOvr>
+    <a:masterClrMapping/>
+  </p:clrMapOvr>
+</p:sld>
+</file>
+
+<file path=ppt/slides/slide30.xml><?xml version="1.0" encoding="utf-8"?>
+<p:sld xmlns:a="http://schemas.openxmlformats.org/drawingml/2006/main" xmlns:r="http://schemas.openxmlformats.org/officeDocument/2006/relationships" xmlns:p="http://schemas.openxmlformats.org/presentationml/2006/main">
+  <p:cSld>
+    <p:spTree>
+      <p:nvGrpSpPr>
+        <p:cNvPr id="1" name=""/>
+        <p:cNvGrpSpPr/>
+        <p:nvPr/>
+      </p:nvGrpSpPr>
+      <p:grpSpPr>
+        <a:xfrm>
+          <a:off x="0" y="0"/>
+          <a:ext cx="0" cy="0"/>
+          <a:chOff x="0" y="0"/>
+          <a:chExt cx="0" cy="0"/>
+        </a:xfrm>
+      </p:grpSpPr>
+      <p:sp>
+        <p:nvSpPr>
+          <p:cNvPr id="2" name="Segnaposto testo 1">
+            <a:extLst>
+              <a:ext uri="{FF2B5EF4-FFF2-40B4-BE49-F238E27FC236}">
+                <a16:creationId xmlns:a16="http://schemas.microsoft.com/office/drawing/2014/main" id="{E5AE986C-196F-4141-A898-FA4C4198CDCC}"/>
+              </a:ext>
+            </a:extLst>
+          </p:cNvPr>
+          <p:cNvSpPr>
+            <a:spLocks noGrp="1"/>
+          </p:cNvSpPr>
+          <p:nvPr>
+            <p:ph type="body" idx="1"/>
+          </p:nvPr>
+        </p:nvSpPr>
+        <p:spPr>
+          <a:xfrm>
+            <a:off x="721777" y="1401434"/>
+            <a:ext cx="4695797" cy="4392612"/>
+          </a:xfrm>
+        </p:spPr>
+        <p:txBody>
+          <a:bodyPr/>
+          <a:lstStyle/>
+          <a:p>
+            <a:pPr marL="342900" indent="-342900">
+              <a:buFont typeface="Arial" panose="020B0604020202020204" pitchFamily="34" charset="0"/>
+              <a:buChar char="•"/>
+            </a:pPr>
+            <a:r>
+              <a:rPr lang="it-IT" sz="2400" dirty="0" smtClean="0">
+                <a:solidFill>
+                  <a:schemeClr val="tx1"/>
+                </a:solidFill>
+                <a:latin typeface="Tahoma" panose="020B0604030504040204" pitchFamily="34" charset="0"/>
+                <a:ea typeface="Tahoma" panose="020B0604030504040204" pitchFamily="34" charset="0"/>
+                <a:cs typeface="Tahoma" panose="020B0604030504040204" pitchFamily="34" charset="0"/>
+              </a:rPr>
+              <a:t>In </a:t>
+            </a:r>
+            <a:r>
+              <a:rPr lang="it-IT" sz="2400" dirty="0">
+                <a:solidFill>
+                  <a:schemeClr val="tx1"/>
+                </a:solidFill>
+                <a:latin typeface="Tahoma" panose="020B0604030504040204" pitchFamily="34" charset="0"/>
+                <a:ea typeface="Tahoma" panose="020B0604030504040204" pitchFamily="34" charset="0"/>
+                <a:cs typeface="Tahoma" panose="020B0604030504040204" pitchFamily="34" charset="0"/>
+              </a:rPr>
+              <a:t>sintesi, </a:t>
+            </a:r>
+            <a:r>
+              <a:rPr lang="it-IT" sz="2400" b="1" dirty="0">
+                <a:solidFill>
+                  <a:schemeClr val="tx1"/>
+                </a:solidFill>
+                <a:latin typeface="Tahoma" panose="020B0604030504040204" pitchFamily="34" charset="0"/>
+                <a:ea typeface="Tahoma" panose="020B0604030504040204" pitchFamily="34" charset="0"/>
+                <a:cs typeface="Tahoma" panose="020B0604030504040204" pitchFamily="34" charset="0"/>
+              </a:rPr>
+              <a:t>CSIRT</a:t>
+            </a:r>
+            <a:r>
+              <a:rPr lang="it-IT" sz="2400" dirty="0">
+                <a:solidFill>
+                  <a:schemeClr val="tx1"/>
+                </a:solidFill>
+                <a:latin typeface="Tahoma" panose="020B0604030504040204" pitchFamily="34" charset="0"/>
+                <a:ea typeface="Tahoma" panose="020B0604030504040204" pitchFamily="34" charset="0"/>
+                <a:cs typeface="Tahoma" panose="020B0604030504040204" pitchFamily="34" charset="0"/>
+              </a:rPr>
+              <a:t>, </a:t>
+            </a:r>
+            <a:r>
+              <a:rPr lang="it-IT" sz="2400" b="1" dirty="0">
+                <a:solidFill>
+                  <a:schemeClr val="tx1"/>
+                </a:solidFill>
+                <a:latin typeface="Tahoma" panose="020B0604030504040204" pitchFamily="34" charset="0"/>
+                <a:ea typeface="Tahoma" panose="020B0604030504040204" pitchFamily="34" charset="0"/>
+                <a:cs typeface="Tahoma" panose="020B0604030504040204" pitchFamily="34" charset="0"/>
+              </a:rPr>
+              <a:t>SOC</a:t>
+            </a:r>
+            <a:r>
+              <a:rPr lang="it-IT" sz="2400" dirty="0">
+                <a:solidFill>
+                  <a:schemeClr val="tx1"/>
+                </a:solidFill>
+                <a:latin typeface="Tahoma" panose="020B0604030504040204" pitchFamily="34" charset="0"/>
+                <a:ea typeface="Tahoma" panose="020B0604030504040204" pitchFamily="34" charset="0"/>
+                <a:cs typeface="Tahoma" panose="020B0604030504040204" pitchFamily="34" charset="0"/>
+              </a:rPr>
+              <a:t> e </a:t>
+            </a:r>
+            <a:r>
+              <a:rPr lang="it-IT" sz="2400" b="1" dirty="0">
+                <a:solidFill>
+                  <a:schemeClr val="tx1"/>
+                </a:solidFill>
+                <a:latin typeface="Tahoma" panose="020B0604030504040204" pitchFamily="34" charset="0"/>
+                <a:ea typeface="Tahoma" panose="020B0604030504040204" pitchFamily="34" charset="0"/>
+                <a:cs typeface="Tahoma" panose="020B0604030504040204" pitchFamily="34" charset="0"/>
+              </a:rPr>
+              <a:t>ISAC</a:t>
+            </a:r>
+            <a:r>
+              <a:rPr lang="it-IT" sz="2400" dirty="0">
+                <a:solidFill>
+                  <a:schemeClr val="tx1"/>
+                </a:solidFill>
+                <a:latin typeface="Tahoma" panose="020B0604030504040204" pitchFamily="34" charset="0"/>
+                <a:ea typeface="Tahoma" panose="020B0604030504040204" pitchFamily="34" charset="0"/>
+                <a:cs typeface="Tahoma" panose="020B0604030504040204" pitchFamily="34" charset="0"/>
+              </a:rPr>
+              <a:t> rappresentano tre aspetti complementari della sicurezza informatica: il </a:t>
+            </a:r>
+            <a:r>
+              <a:rPr lang="it-IT" sz="2400" b="1" dirty="0">
+                <a:solidFill>
+                  <a:schemeClr val="tx1"/>
+                </a:solidFill>
+                <a:latin typeface="Tahoma" panose="020B0604030504040204" pitchFamily="34" charset="0"/>
+                <a:ea typeface="Tahoma" panose="020B0604030504040204" pitchFamily="34" charset="0"/>
+                <a:cs typeface="Tahoma" panose="020B0604030504040204" pitchFamily="34" charset="0"/>
+              </a:rPr>
+              <a:t>CSIRT</a:t>
+            </a:r>
+            <a:r>
+              <a:rPr lang="it-IT" sz="2400" dirty="0">
+                <a:solidFill>
+                  <a:schemeClr val="tx1"/>
+                </a:solidFill>
+                <a:latin typeface="Tahoma" panose="020B0604030504040204" pitchFamily="34" charset="0"/>
+                <a:ea typeface="Tahoma" panose="020B0604030504040204" pitchFamily="34" charset="0"/>
+                <a:cs typeface="Tahoma" panose="020B0604030504040204" pitchFamily="34" charset="0"/>
+              </a:rPr>
+              <a:t> gestisce gli incidenti di sicurezza, il </a:t>
+            </a:r>
+            <a:r>
+              <a:rPr lang="it-IT" sz="2400" b="1" dirty="0">
+                <a:solidFill>
+                  <a:schemeClr val="tx1"/>
+                </a:solidFill>
+                <a:latin typeface="Tahoma" panose="020B0604030504040204" pitchFamily="34" charset="0"/>
+                <a:ea typeface="Tahoma" panose="020B0604030504040204" pitchFamily="34" charset="0"/>
+                <a:cs typeface="Tahoma" panose="020B0604030504040204" pitchFamily="34" charset="0"/>
+              </a:rPr>
+              <a:t>SOC</a:t>
+            </a:r>
+            <a:r>
+              <a:rPr lang="it-IT" sz="2400" dirty="0">
+                <a:solidFill>
+                  <a:schemeClr val="tx1"/>
+                </a:solidFill>
+                <a:latin typeface="Tahoma" panose="020B0604030504040204" pitchFamily="34" charset="0"/>
+                <a:ea typeface="Tahoma" panose="020B0604030504040204" pitchFamily="34" charset="0"/>
+                <a:cs typeface="Tahoma" panose="020B0604030504040204" pitchFamily="34" charset="0"/>
+              </a:rPr>
+              <a:t> monitora e analizza gli eventi di sicurezza in tempo reale, mentre gli </a:t>
+            </a:r>
+            <a:r>
+              <a:rPr lang="it-IT" sz="2400" b="1" dirty="0">
+                <a:solidFill>
+                  <a:schemeClr val="tx1"/>
+                </a:solidFill>
+                <a:latin typeface="Tahoma" panose="020B0604030504040204" pitchFamily="34" charset="0"/>
+                <a:ea typeface="Tahoma" panose="020B0604030504040204" pitchFamily="34" charset="0"/>
+                <a:cs typeface="Tahoma" panose="020B0604030504040204" pitchFamily="34" charset="0"/>
+              </a:rPr>
+              <a:t>ISAC</a:t>
+            </a:r>
+            <a:r>
+              <a:rPr lang="it-IT" sz="2400" dirty="0">
+                <a:solidFill>
+                  <a:schemeClr val="tx1"/>
+                </a:solidFill>
+                <a:latin typeface="Tahoma" panose="020B0604030504040204" pitchFamily="34" charset="0"/>
+                <a:ea typeface="Tahoma" panose="020B0604030504040204" pitchFamily="34" charset="0"/>
+                <a:cs typeface="Tahoma" panose="020B0604030504040204" pitchFamily="34" charset="0"/>
+              </a:rPr>
+              <a:t> favoriscono la condivisione delle informazioni sulla minaccia tra le organizzazioni.</a:t>
+            </a:r>
+          </a:p>
+        </p:txBody>
+      </p:sp>
+      <p:sp>
+        <p:nvSpPr>
+          <p:cNvPr id="7" name="Segnaposto numero diapositiva 6">
+            <a:extLst>
+              <a:ext uri="{FF2B5EF4-FFF2-40B4-BE49-F238E27FC236}">
+                <a16:creationId xmlns:a16="http://schemas.microsoft.com/office/drawing/2014/main" id="{AB740BE9-E218-4144-BFDE-AE473D230A3D}"/>
+              </a:ext>
+            </a:extLst>
+          </p:cNvPr>
+          <p:cNvSpPr>
+            <a:spLocks noGrp="1"/>
+          </p:cNvSpPr>
+          <p:nvPr>
+            <p:ph type="sldNum" sz="quarter" idx="12"/>
+          </p:nvPr>
+        </p:nvSpPr>
+        <p:spPr/>
+        <p:txBody>
+          <a:bodyPr/>
+          <a:lstStyle/>
+          <a:p>
+            <a:pPr>
+              <a:defRPr/>
+            </a:pPr>
+            <a:fld id="{48B4153A-D4C5-4CEF-8992-0D8815C829E3}" type="slidenum">
+              <a:rPr lang="en-US" smtClean="0"/>
+              <a:pPr>
+                <a:defRPr/>
+              </a:pPr>
+              <a:t>30</a:t>
+            </a:fld>
+            <a:endParaRPr lang="en-US" dirty="0"/>
+          </a:p>
+        </p:txBody>
+      </p:sp>
+      <p:sp>
+        <p:nvSpPr>
+          <p:cNvPr id="5" name="Titolo 4">
+            <a:extLst>
+              <a:ext uri="{FF2B5EF4-FFF2-40B4-BE49-F238E27FC236}">
+                <a16:creationId xmlns:a16="http://schemas.microsoft.com/office/drawing/2014/main" id="{82C46BA2-B380-4357-B125-BA9F08A643F5}"/>
+              </a:ext>
+            </a:extLst>
+          </p:cNvPr>
+          <p:cNvSpPr>
+            <a:spLocks noGrp="1"/>
+          </p:cNvSpPr>
+          <p:nvPr>
+            <p:ph type="title"/>
+          </p:nvPr>
+        </p:nvSpPr>
+        <p:spPr>
+          <a:xfrm>
+            <a:off x="468895" y="503475"/>
+            <a:ext cx="11269308" cy="384721"/>
+          </a:xfrm>
+        </p:spPr>
+        <p:txBody>
+          <a:bodyPr/>
+          <a:lstStyle/>
+          <a:p>
+            <a:r>
+              <a:rPr lang="it-IT" dirty="0" smtClean="0"/>
+              <a:t>Funzioni </a:t>
+            </a:r>
+            <a:r>
+              <a:rPr lang="it-IT" dirty="0"/>
+              <a:t>di CSIRT, SOC e ISAC</a:t>
+            </a:r>
+          </a:p>
+        </p:txBody>
+      </p:sp>
+      <p:pic>
+        <p:nvPicPr>
+          <p:cNvPr id="4" name="Immagine 3"/>
+          <p:cNvPicPr>
+            <a:picLocks noChangeAspect="1"/>
+          </p:cNvPicPr>
+          <p:nvPr/>
+        </p:nvPicPr>
+        <p:blipFill>
+          <a:blip r:embed="rId2">
+            <a:extLst>
+              <a:ext uri="{28A0092B-C50C-407E-A947-70E740481C1C}">
+                <a14:useLocalDpi xmlns:a14="http://schemas.microsoft.com/office/drawing/2010/main" val="0"/>
+              </a:ext>
+            </a:extLst>
+          </a:blip>
+          <a:stretch>
+            <a:fillRect/>
+          </a:stretch>
+        </p:blipFill>
+        <p:spPr>
+          <a:xfrm>
+            <a:off x="5781368" y="1308304"/>
+            <a:ext cx="6192018" cy="5184015"/>
+          </a:xfrm>
+          <a:prstGeom prst="rect">
+            <a:avLst/>
+          </a:prstGeom>
+        </p:spPr>
+      </p:pic>
+    </p:spTree>
+    <p:extLst>
+      <p:ext uri="{BB962C8B-B14F-4D97-AF65-F5344CB8AC3E}">
+        <p14:creationId xmlns:p14="http://schemas.microsoft.com/office/powerpoint/2010/main" val="538899849"/>
+      </p:ext>
+    </p:extLst>
+  </p:cSld>
+  <p:clrMapOvr>
+    <a:masterClrMapping/>
+  </p:clrMapOvr>
+</p:sld>
+</file>
+
+<file path=ppt/slides/slide31.xml><?xml version="1.0" encoding="utf-8"?>
+<p:sld xmlns:a="http://schemas.openxmlformats.org/drawingml/2006/main" xmlns:r="http://schemas.openxmlformats.org/officeDocument/2006/relationships" xmlns:p="http://schemas.openxmlformats.org/presentationml/2006/main">
+  <p:cSld>
+    <p:spTree>
+      <p:nvGrpSpPr>
+        <p:cNvPr id="1" name=""/>
+        <p:cNvGrpSpPr/>
+        <p:nvPr/>
+      </p:nvGrpSpPr>
+      <p:grpSpPr>
+        <a:xfrm>
+          <a:off x="0" y="0"/>
+          <a:ext cx="0" cy="0"/>
+          <a:chOff x="0" y="0"/>
+          <a:chExt cx="0" cy="0"/>
+        </a:xfrm>
+      </p:grpSpPr>
+      <p:sp>
+        <p:nvSpPr>
+          <p:cNvPr id="7" name="Segnaposto numero diapositiva 6">
+            <a:extLst>
+              <a:ext uri="{FF2B5EF4-FFF2-40B4-BE49-F238E27FC236}">
+                <a16:creationId xmlns:a16="http://schemas.microsoft.com/office/drawing/2014/main" id="{AB740BE9-E218-4144-BFDE-AE473D230A3D}"/>
+              </a:ext>
+            </a:extLst>
+          </p:cNvPr>
+          <p:cNvSpPr>
+            <a:spLocks noGrp="1"/>
+          </p:cNvSpPr>
+          <p:nvPr>
+            <p:ph type="sldNum" sz="quarter" idx="12"/>
+          </p:nvPr>
+        </p:nvSpPr>
+        <p:spPr/>
+        <p:txBody>
+          <a:bodyPr/>
+          <a:lstStyle/>
+          <a:p>
+            <a:pPr>
+              <a:defRPr/>
+            </a:pPr>
+            <a:fld id="{48B4153A-D4C5-4CEF-8992-0D8815C829E3}" type="slidenum">
+              <a:rPr lang="en-US" smtClean="0"/>
+              <a:pPr>
+                <a:defRPr/>
+              </a:pPr>
+              <a:t>31</a:t>
+            </a:fld>
+            <a:endParaRPr lang="en-US" dirty="0"/>
+          </a:p>
+        </p:txBody>
+      </p:sp>
+      <p:sp>
+        <p:nvSpPr>
+          <p:cNvPr id="5" name="Titolo 4">
+            <a:extLst>
+              <a:ext uri="{FF2B5EF4-FFF2-40B4-BE49-F238E27FC236}">
+                <a16:creationId xmlns:a16="http://schemas.microsoft.com/office/drawing/2014/main" id="{82C46BA2-B380-4357-B125-BA9F08A643F5}"/>
+              </a:ext>
+            </a:extLst>
+          </p:cNvPr>
+          <p:cNvSpPr>
+            <a:spLocks noGrp="1"/>
+          </p:cNvSpPr>
+          <p:nvPr>
+            <p:ph type="title"/>
+          </p:nvPr>
+        </p:nvSpPr>
+        <p:spPr>
+          <a:xfrm>
+            <a:off x="468895" y="503475"/>
+            <a:ext cx="11269308" cy="384721"/>
+          </a:xfrm>
+        </p:spPr>
+        <p:txBody>
+          <a:bodyPr/>
+          <a:lstStyle/>
+          <a:p>
+            <a:r>
+              <a:rPr lang="it-IT"/>
+              <a:t>Bibliografia</a:t>
+            </a:r>
+            <a:endParaRPr lang="it-IT" dirty="0"/>
+          </a:p>
+        </p:txBody>
+      </p:sp>
+      <p:sp>
+        <p:nvSpPr>
+          <p:cNvPr id="3" name="Segnaposto testo 2">
+            <a:extLst>
+              <a:ext uri="{FF2B5EF4-FFF2-40B4-BE49-F238E27FC236}">
+                <a16:creationId xmlns:a16="http://schemas.microsoft.com/office/drawing/2014/main" id="{15CD42DB-61E6-AA3D-7125-BF4BEDB5D886}"/>
+              </a:ext>
+            </a:extLst>
+          </p:cNvPr>
+          <p:cNvSpPr>
+            <a:spLocks noGrp="1"/>
+          </p:cNvSpPr>
+          <p:nvPr>
+            <p:ph type="body" idx="1"/>
+          </p:nvPr>
+        </p:nvSpPr>
+        <p:spPr/>
+        <p:txBody>
+          <a:bodyPr/>
+          <a:lstStyle/>
+          <a:p>
+            <a:endParaRPr lang="it-IT" dirty="0"/>
+          </a:p>
+        </p:txBody>
+      </p:sp>
+    </p:spTree>
+    <p:extLst>
+      <p:ext uri="{BB962C8B-B14F-4D97-AF65-F5344CB8AC3E}">
+        <p14:creationId xmlns:p14="http://schemas.microsoft.com/office/powerpoint/2010/main" val="3490964097"/>
       </p:ext>
     </p:extLst>
   </p:cSld>
@@ -13885,7 +14961,6 @@
               <a:rPr lang="it-IT" dirty="0"/>
               <a:t>…</a:t>
             </a:r>
-            <a:endParaRPr lang="it-IT" dirty="0"/>
           </a:p>
         </p:txBody>
       </p:sp>
@@ -14298,7 +15373,6 @@
               <a:rPr lang="it-IT" dirty="0"/>
               <a:t>…</a:t>
             </a:r>
-            <a:endParaRPr lang="it-IT" dirty="0"/>
           </a:p>
         </p:txBody>
       </p:sp>
@@ -14406,18 +15480,7 @@
                 <a:ea typeface="Tahoma" panose="020B0604030504040204" pitchFamily="34" charset="0"/>
                 <a:cs typeface="Tahoma" panose="020B0604030504040204" pitchFamily="34" charset="0"/>
               </a:rPr>
-              <a:t>: Un firewall è un componente di sicurezza di rete che filtra e controlla il traffico di rete in entrata e in uscita tra una rete privata e una rete pubblica. </a:t>
-            </a:r>
-            <a:r>
-              <a:rPr lang="it-IT" sz="2400" dirty="0">
-                <a:solidFill>
-                  <a:schemeClr val="tx1"/>
-                </a:solidFill>
-                <a:latin typeface="Tahoma" panose="020B0604030504040204" pitchFamily="34" charset="0"/>
-                <a:ea typeface="Tahoma" panose="020B0604030504040204" pitchFamily="34" charset="0"/>
-                <a:cs typeface="Tahoma" panose="020B0604030504040204" pitchFamily="34" charset="0"/>
-              </a:rPr>
-              <a:t>Funziona come una barriera di protezione, impedendo a determinati tipi di traffico di passare attraverso. I firewall possono essere basati su software o su hardware e utilizzano regole predefinite per consentire o bloccare il traffico sulla base di indirizzi IP, porte di rete o protocolli specifici. Il firewall aiuta a proteggere la rete da accessi non autorizzati, attacchi di rete e traffico dannoso.</a:t>
+              <a:t>: Un firewall è un componente di sicurezza di rete che filtra e controlla il traffico di rete in entrata e in uscita tra una rete privata e una rete pubblica. Funziona come una barriera di protezione, impedendo a determinati tipi di traffico di passare attraverso. I firewall possono essere basati su software o su hardware e utilizzano regole predefinite per consentire o bloccare il traffico sulla base di indirizzi IP, porte di rete o protocolli specifici. Il firewall aiuta a proteggere la rete da accessi non autorizzati, attacchi di rete e traffico dannoso.</a:t>
             </a:r>
           </a:p>
         </p:txBody>
@@ -14507,7 +15570,6 @@
               <a:rPr lang="it-IT" dirty="0"/>
               <a:t>…</a:t>
             </a:r>
-            <a:endParaRPr lang="it-IT" dirty="0"/>
           </a:p>
         </p:txBody>
       </p:sp>
@@ -14810,7 +15872,6 @@
               <a:rPr lang="it-IT" dirty="0"/>
               <a:t>…</a:t>
             </a:r>
-            <a:endParaRPr lang="it-IT" dirty="0"/>
           </a:p>
         </p:txBody>
       </p:sp>
@@ -15459,6 +16520,15 @@
 </file>
 
 <file path=customXml/item1.xml><?xml version="1.0" encoding="utf-8"?>
+<?mso-contentType ?>
+<FormTemplates xmlns="http://schemas.microsoft.com/sharepoint/v3/contenttype/forms">
+  <Display>DocumentLibraryForm</Display>
+  <Edit>DocumentLibraryForm</Edit>
+  <New>DocumentLibraryForm</New>
+</FormTemplates>
+</file>
+
+<file path=customXml/item2.xml><?xml version="1.0" encoding="utf-8"?>
 <p:properties xmlns:p="http://schemas.microsoft.com/office/2006/metadata/properties" xmlns:xsi="http://www.w3.org/2001/XMLSchema-instance" xmlns:pc="http://schemas.microsoft.com/office/infopath/2007/PartnerControls">
   <documentManagement>
     <SottoCategoria xmlns="679261c3-551f-4e86-913f-177e0e529669">-</SottoCategoria>
@@ -15472,66 +16542,7 @@
 </p:properties>
 </file>
 
-<file path=customXml/item2.xml><?xml version="1.0" encoding="utf-8"?>
-<?mso-contentType ?>
-<FormTemplates xmlns="http://schemas.microsoft.com/sharepoint/v3/contenttype/forms">
-  <Display>DocumentLibraryForm</Display>
-  <Edit>DocumentLibraryForm</Edit>
-  <New>DocumentLibraryForm</New>
-</FormTemplates>
-</file>
-
 <file path=customXml/item3.xml><?xml version="1.0" encoding="utf-8"?>
-<?mso-contentType ?>
-<spe:Receivers xmlns:spe="http://schemas.microsoft.com/sharepoint/events">
-  <Receiver>
-    <Name>Document ID Generator</Name>
-    <Synchronization>Synchronous</Synchronization>
-    <Type>10001</Type>
-    <SequenceNumber>1000</SequenceNumber>
-    <Url/>
-    <Assembly>Microsoft.Office.DocumentManagement, Version=15.0.0.0, Culture=neutral, PublicKeyToken=71e9bce111e9429c</Assembly>
-    <Class>Microsoft.Office.DocumentManagement.Internal.DocIdHandler</Class>
-    <Data/>
-    <Filter/>
-  </Receiver>
-  <Receiver>
-    <Name>Document ID Generator</Name>
-    <Synchronization>Synchronous</Synchronization>
-    <Type>10002</Type>
-    <SequenceNumber>1001</SequenceNumber>
-    <Url/>
-    <Assembly>Microsoft.Office.DocumentManagement, Version=15.0.0.0, Culture=neutral, PublicKeyToken=71e9bce111e9429c</Assembly>
-    <Class>Microsoft.Office.DocumentManagement.Internal.DocIdHandler</Class>
-    <Data/>
-    <Filter/>
-  </Receiver>
-  <Receiver>
-    <Name>Document ID Generator</Name>
-    <Synchronization>Synchronous</Synchronization>
-    <Type>10004</Type>
-    <SequenceNumber>1002</SequenceNumber>
-    <Url/>
-    <Assembly>Microsoft.Office.DocumentManagement, Version=15.0.0.0, Culture=neutral, PublicKeyToken=71e9bce111e9429c</Assembly>
-    <Class>Microsoft.Office.DocumentManagement.Internal.DocIdHandler</Class>
-    <Data/>
-    <Filter/>
-  </Receiver>
-  <Receiver>
-    <Name>Document ID Generator</Name>
-    <Synchronization>Synchronous</Synchronization>
-    <Type>10006</Type>
-    <SequenceNumber>1003</SequenceNumber>
-    <Url/>
-    <Assembly>Microsoft.Office.DocumentManagement, Version=15.0.0.0, Culture=neutral, PublicKeyToken=71e9bce111e9429c</Assembly>
-    <Class>Microsoft.Office.DocumentManagement.Internal.DocIdHandler</Class>
-    <Data/>
-    <Filter/>
-  </Receiver>
-</spe:Receivers>
-</file>
-
-<file path=customXml/item4.xml><?xml version="1.0" encoding="utf-8"?>
 <ct:contentTypeSchema xmlns:ct="http://schemas.microsoft.com/office/2006/metadata/contentType" xmlns:ma="http://schemas.microsoft.com/office/2006/metadata/properties/metaAttributes" ct:_="" ma:_="" ma:contentTypeName="Documento" ma:contentTypeID="0x010100661A2BE3120D674DA36C11D6006822D4" ma:contentTypeVersion="3" ma:contentTypeDescription="Creare un nuovo documento." ma:contentTypeScope="" ma:versionID="2ad8b07f9840a1ce9cd199d874146b74">
   <xsd:schema xmlns:xsd="http://www.w3.org/2001/XMLSchema" xmlns:xs="http://www.w3.org/2001/XMLSchema" xmlns:p="http://schemas.microsoft.com/office/2006/metadata/properties" xmlns:ns2="c58f2efd-82a8-4ecf-b395-8c25e928921d" xmlns:ns3="459159c4-d20a-4ff3-9b11-fbd127bd52e5" xmlns:ns4="679261c3-551f-4e86-913f-177e0e529669" targetNamespace="http://schemas.microsoft.com/office/2006/metadata/properties" ma:root="true" ma:fieldsID="fffb0e16fb90ffea59fef1085e90ecca" ns2:_="" ns3:_="" ns4:_="">
     <xsd:import namespace="c58f2efd-82a8-4ecf-b395-8c25e928921d"/>
@@ -15718,7 +16729,65 @@
 </ct:contentTypeSchema>
 </file>
 
+<file path=customXml/item4.xml><?xml version="1.0" encoding="utf-8"?>
+<?mso-contentType ?>
+<spe:Receivers xmlns:spe="http://schemas.microsoft.com/sharepoint/events">
+  <Receiver>
+    <Name>Document ID Generator</Name>
+    <Synchronization>Synchronous</Synchronization>
+    <Type>10001</Type>
+    <SequenceNumber>1000</SequenceNumber>
+    <Url/>
+    <Assembly>Microsoft.Office.DocumentManagement, Version=15.0.0.0, Culture=neutral, PublicKeyToken=71e9bce111e9429c</Assembly>
+    <Class>Microsoft.Office.DocumentManagement.Internal.DocIdHandler</Class>
+    <Data/>
+    <Filter/>
+  </Receiver>
+  <Receiver>
+    <Name>Document ID Generator</Name>
+    <Synchronization>Synchronous</Synchronization>
+    <Type>10002</Type>
+    <SequenceNumber>1001</SequenceNumber>
+    <Url/>
+    <Assembly>Microsoft.Office.DocumentManagement, Version=15.0.0.0, Culture=neutral, PublicKeyToken=71e9bce111e9429c</Assembly>
+    <Class>Microsoft.Office.DocumentManagement.Internal.DocIdHandler</Class>
+    <Data/>
+    <Filter/>
+  </Receiver>
+  <Receiver>
+    <Name>Document ID Generator</Name>
+    <Synchronization>Synchronous</Synchronization>
+    <Type>10004</Type>
+    <SequenceNumber>1002</SequenceNumber>
+    <Url/>
+    <Assembly>Microsoft.Office.DocumentManagement, Version=15.0.0.0, Culture=neutral, PublicKeyToken=71e9bce111e9429c</Assembly>
+    <Class>Microsoft.Office.DocumentManagement.Internal.DocIdHandler</Class>
+    <Data/>
+    <Filter/>
+  </Receiver>
+  <Receiver>
+    <Name>Document ID Generator</Name>
+    <Synchronization>Synchronous</Synchronization>
+    <Type>10006</Type>
+    <SequenceNumber>1003</SequenceNumber>
+    <Url/>
+    <Assembly>Microsoft.Office.DocumentManagement, Version=15.0.0.0, Culture=neutral, PublicKeyToken=71e9bce111e9429c</Assembly>
+    <Class>Microsoft.Office.DocumentManagement.Internal.DocIdHandler</Class>
+    <Data/>
+    <Filter/>
+  </Receiver>
+</spe:Receivers>
+</file>
+
 <file path=customXml/itemProps1.xml><?xml version="1.0" encoding="utf-8"?>
+<ds:datastoreItem xmlns:ds="http://schemas.openxmlformats.org/officeDocument/2006/customXml" ds:itemID="{BD9C238D-4D5C-4783-820B-4854DCE45D41}">
+  <ds:schemaRefs>
+    <ds:schemaRef ds:uri="http://schemas.microsoft.com/sharepoint/v3/contenttype/forms"/>
+  </ds:schemaRefs>
+</ds:datastoreItem>
+</file>
+
+<file path=customXml/itemProps2.xml><?xml version="1.0" encoding="utf-8"?>
 <ds:datastoreItem xmlns:ds="http://schemas.openxmlformats.org/officeDocument/2006/customXml" ds:itemID="{3EF378BC-F4D0-4510-B4EC-07B6EFE18CF8}">
   <ds:schemaRefs>
     <ds:schemaRef ds:uri="http://schemas.microsoft.com/office/infopath/2007/PartnerControls"/>
@@ -15736,23 +16805,7 @@
 </ds:datastoreItem>
 </file>
 
-<file path=customXml/itemProps2.xml><?xml version="1.0" encoding="utf-8"?>
-<ds:datastoreItem xmlns:ds="http://schemas.openxmlformats.org/officeDocument/2006/customXml" ds:itemID="{BD9C238D-4D5C-4783-820B-4854DCE45D41}">
-  <ds:schemaRefs>
-    <ds:schemaRef ds:uri="http://schemas.microsoft.com/sharepoint/v3/contenttype/forms"/>
-  </ds:schemaRefs>
-</ds:datastoreItem>
-</file>
-
 <file path=customXml/itemProps3.xml><?xml version="1.0" encoding="utf-8"?>
-<ds:datastoreItem xmlns:ds="http://schemas.openxmlformats.org/officeDocument/2006/customXml" ds:itemID="{D9296C4F-9DE9-4B43-AA80-1FC85656CFFA}">
-  <ds:schemaRefs>
-    <ds:schemaRef ds:uri="http://schemas.microsoft.com/sharepoint/events"/>
-  </ds:schemaRefs>
-</ds:datastoreItem>
-</file>
-
-<file path=customXml/itemProps4.xml><?xml version="1.0" encoding="utf-8"?>
 <ds:datastoreItem xmlns:ds="http://schemas.openxmlformats.org/officeDocument/2006/customXml" ds:itemID="{3F66F418-6054-4EA5-BF8E-6AF3CEAE6265}">
   <ds:schemaRefs>
     <ds:schemaRef ds:uri="http://schemas.microsoft.com/office/2006/metadata/contentType"/>
@@ -15770,4 +16823,12 @@
     <ds:schemaRef ds:uri="http://schemas.microsoft.com/internal/obd"/>
   </ds:schemaRefs>
 </ds:datastoreItem>
+</file>
+
+<file path=customXml/itemProps4.xml><?xml version="1.0" encoding="utf-8"?>
+<ds:datastoreItem xmlns:ds="http://schemas.openxmlformats.org/officeDocument/2006/customXml" ds:itemID="{D9296C4F-9DE9-4B43-AA80-1FC85656CFFA}">
+  <ds:schemaRefs>
+    <ds:schemaRef ds:uri="http://schemas.microsoft.com/sharepoint/events"/>
+  </ds:schemaRefs>
+</ds:datastoreItem>
 </file>
--- a/Cybersecurity/Fondamenti_di_Cybersicurezza.pptx
+++ b/Cybersecurity/Fondamenti_di_Cybersicurezza.pptx
@@ -5,7 +5,7 @@
     <p:sldMasterId id="2147483648" r:id="rId5"/>
   </p:sldMasterIdLst>
   <p:notesMasterIdLst>
-    <p:notesMasterId r:id="rId37"/>
+    <p:notesMasterId r:id="rId43"/>
   </p:notesMasterIdLst>
   <p:sldIdLst>
     <p:sldId id="256" r:id="rId6"/>
@@ -33,12 +33,18 @@
     <p:sldId id="388" r:id="rId28"/>
     <p:sldId id="389" r:id="rId29"/>
     <p:sldId id="390" r:id="rId30"/>
-    <p:sldId id="366" r:id="rId31"/>
-    <p:sldId id="367" r:id="rId32"/>
-    <p:sldId id="369" r:id="rId33"/>
-    <p:sldId id="368" r:id="rId34"/>
-    <p:sldId id="370" r:id="rId35"/>
-    <p:sldId id="343" r:id="rId36"/>
+    <p:sldId id="391" r:id="rId31"/>
+    <p:sldId id="392" r:id="rId32"/>
+    <p:sldId id="393" r:id="rId33"/>
+    <p:sldId id="396" r:id="rId34"/>
+    <p:sldId id="394" r:id="rId35"/>
+    <p:sldId id="395" r:id="rId36"/>
+    <p:sldId id="366" r:id="rId37"/>
+    <p:sldId id="367" r:id="rId38"/>
+    <p:sldId id="369" r:id="rId39"/>
+    <p:sldId id="368" r:id="rId40"/>
+    <p:sldId id="370" r:id="rId41"/>
+    <p:sldId id="343" r:id="rId42"/>
   </p:sldIdLst>
   <p:sldSz cx="12192000" cy="6858000"/>
   <p:notesSz cx="6858000" cy="9144000"/>
@@ -10607,6 +10613,36 @@
           </a:p>
         </p:txBody>
       </p:sp>
+      <p:pic>
+        <p:nvPicPr>
+          <p:cNvPr id="4" name="Immagine 3"/>
+          <p:cNvPicPr>
+            <a:picLocks noChangeAspect="1"/>
+          </p:cNvPicPr>
+          <p:nvPr/>
+        </p:nvPicPr>
+        <p:blipFill>
+          <a:blip r:embed="rId2">
+            <a:extLst>
+              <a:ext uri="{28A0092B-C50C-407E-A947-70E740481C1C}">
+                <a14:useLocalDpi xmlns:a14="http://schemas.microsoft.com/office/drawing/2010/main" val="0"/>
+              </a:ext>
+            </a:extLst>
+          </a:blip>
+          <a:stretch>
+            <a:fillRect/>
+          </a:stretch>
+        </p:blipFill>
+        <p:spPr>
+          <a:xfrm>
+            <a:off x="5655610" y="2247016"/>
+            <a:ext cx="6243856" cy="3006301"/>
+          </a:xfrm>
+          <a:prstGeom prst="rect">
+            <a:avLst/>
+          </a:prstGeom>
+        </p:spPr>
+      </p:pic>
     </p:spTree>
     <p:extLst>
       <p:ext uri="{BB962C8B-B14F-4D97-AF65-F5344CB8AC3E}">
@@ -10775,6 +10811,36 @@
           </a:p>
         </p:txBody>
       </p:sp>
+      <p:pic>
+        <p:nvPicPr>
+          <p:cNvPr id="3" name="Immagine 2"/>
+          <p:cNvPicPr>
+            <a:picLocks noChangeAspect="1"/>
+          </p:cNvPicPr>
+          <p:nvPr/>
+        </p:nvPicPr>
+        <p:blipFill>
+          <a:blip r:embed="rId2">
+            <a:extLst>
+              <a:ext uri="{28A0092B-C50C-407E-A947-70E740481C1C}">
+                <a14:useLocalDpi xmlns:a14="http://schemas.microsoft.com/office/drawing/2010/main" val="0"/>
+              </a:ext>
+            </a:extLst>
+          </a:blip>
+          <a:stretch>
+            <a:fillRect/>
+          </a:stretch>
+        </p:blipFill>
+        <p:spPr>
+          <a:xfrm>
+            <a:off x="7050461" y="1837484"/>
+            <a:ext cx="4280927" cy="4280927"/>
+          </a:xfrm>
+          <a:prstGeom prst="rect">
+            <a:avLst/>
+          </a:prstGeom>
+        </p:spPr>
+      </p:pic>
     </p:spTree>
     <p:extLst>
       <p:ext uri="{BB962C8B-B14F-4D97-AF65-F5344CB8AC3E}">
@@ -10823,8 +10889,8 @@
         </p:nvSpPr>
         <p:spPr>
           <a:xfrm>
-            <a:off x="721777" y="1705419"/>
-            <a:ext cx="5049758" cy="4392612"/>
+            <a:off x="468895" y="1364760"/>
+            <a:ext cx="7851132" cy="4392612"/>
           </a:xfrm>
         </p:spPr>
         <p:txBody>
@@ -11020,19 +11086,96 @@
                 <a:ea typeface="Tahoma" panose="020B0604030504040204" pitchFamily="34" charset="0"/>
                 <a:cs typeface="Tahoma" panose="020B0604030504040204" pitchFamily="34" charset="0"/>
               </a:rPr>
-              <a:t> sono utilizzati per facilitare e controllare l'accesso agli utenti e alle risorse in un ambiente informatico. </a:t>
-            </a:r>
-            <a:r>
-              <a:rPr lang="it-IT" sz="2400" dirty="0">
-                <a:solidFill>
-                  <a:schemeClr val="tx1"/>
-                </a:solidFill>
-                <a:latin typeface="Tahoma" panose="020B0604030504040204" pitchFamily="34" charset="0"/>
-                <a:ea typeface="Tahoma" panose="020B0604030504040204" pitchFamily="34" charset="0"/>
-                <a:cs typeface="Tahoma" panose="020B0604030504040204" pitchFamily="34" charset="0"/>
-              </a:rPr>
-              <a:t>Ognuno di questi sistemi ha un ruolo specifico nella gestione dell'identità, dell'autenticazione e dell'autorizzazione degli utenti. </a:t>
-            </a:r>
+              <a:t> sono utilizzati per facilitare e controllare l'accesso agli utenti e alle risorse in un ambiente informatico. Ognuno di questi sistemi ha un ruolo specifico nella gestione dell'identità, dell'autenticazione e dell'autorizzazione degli utenti</a:t>
+            </a:r>
+            <a:r>
+              <a:rPr lang="it-IT" sz="2400">
+                <a:solidFill>
+                  <a:schemeClr val="tx1"/>
+                </a:solidFill>
+                <a:latin typeface="Tahoma" panose="020B0604030504040204" pitchFamily="34" charset="0"/>
+                <a:ea typeface="Tahoma" panose="020B0604030504040204" pitchFamily="34" charset="0"/>
+                <a:cs typeface="Tahoma" panose="020B0604030504040204" pitchFamily="34" charset="0"/>
+              </a:rPr>
+              <a:t>. </a:t>
+            </a:r>
+            <a:endParaRPr lang="it-IT" sz="2400" smtClean="0">
+              <a:solidFill>
+                <a:schemeClr val="tx1"/>
+              </a:solidFill>
+              <a:latin typeface="Tahoma" panose="020B0604030504040204" pitchFamily="34" charset="0"/>
+              <a:ea typeface="Tahoma" panose="020B0604030504040204" pitchFamily="34" charset="0"/>
+              <a:cs typeface="Tahoma" panose="020B0604030504040204" pitchFamily="34" charset="0"/>
+            </a:endParaRPr>
+          </a:p>
+          <a:p>
+            <a:pPr marL="342900" indent="-342900">
+              <a:buFont typeface="Arial" panose="020B0604020202020204" pitchFamily="34" charset="0"/>
+              <a:buChar char="•"/>
+            </a:pPr>
+            <a:r>
+              <a:rPr lang="it-IT" sz="2400">
+                <a:solidFill>
+                  <a:schemeClr val="tx1"/>
+                </a:solidFill>
+                <a:latin typeface="Tahoma" panose="020B0604030504040204" pitchFamily="34" charset="0"/>
+                <a:ea typeface="Tahoma" panose="020B0604030504040204" pitchFamily="34" charset="0"/>
+                <a:cs typeface="Tahoma" panose="020B0604030504040204" pitchFamily="34" charset="0"/>
+              </a:rPr>
+              <a:t>Questi sistemi di gestione centralizzati offrono </a:t>
+            </a:r>
+            <a:r>
+              <a:rPr lang="it-IT" sz="2400" b="1">
+                <a:solidFill>
+                  <a:schemeClr val="tx1"/>
+                </a:solidFill>
+                <a:latin typeface="Tahoma" panose="020B0604030504040204" pitchFamily="34" charset="0"/>
+                <a:ea typeface="Tahoma" panose="020B0604030504040204" pitchFamily="34" charset="0"/>
+                <a:cs typeface="Tahoma" panose="020B0604030504040204" pitchFamily="34" charset="0"/>
+              </a:rPr>
+              <a:t>funzionalità</a:t>
+            </a:r>
+            <a:r>
+              <a:rPr lang="it-IT" sz="2400">
+                <a:solidFill>
+                  <a:schemeClr val="tx1"/>
+                </a:solidFill>
+                <a:latin typeface="Tahoma" panose="020B0604030504040204" pitchFamily="34" charset="0"/>
+                <a:ea typeface="Tahoma" panose="020B0604030504040204" pitchFamily="34" charset="0"/>
+                <a:cs typeface="Tahoma" panose="020B0604030504040204" pitchFamily="34" charset="0"/>
+              </a:rPr>
+              <a:t> </a:t>
+            </a:r>
+            <a:r>
+              <a:rPr lang="it-IT" sz="2400" b="1">
+                <a:solidFill>
+                  <a:schemeClr val="tx1"/>
+                </a:solidFill>
+                <a:latin typeface="Tahoma" panose="020B0604030504040204" pitchFamily="34" charset="0"/>
+                <a:ea typeface="Tahoma" panose="020B0604030504040204" pitchFamily="34" charset="0"/>
+                <a:cs typeface="Tahoma" panose="020B0604030504040204" pitchFamily="34" charset="0"/>
+              </a:rPr>
+              <a:t>avanzate</a:t>
+            </a:r>
+            <a:r>
+              <a:rPr lang="it-IT" sz="2400">
+                <a:solidFill>
+                  <a:schemeClr val="tx1"/>
+                </a:solidFill>
+                <a:latin typeface="Tahoma" panose="020B0604030504040204" pitchFamily="34" charset="0"/>
+                <a:ea typeface="Tahoma" panose="020B0604030504040204" pitchFamily="34" charset="0"/>
+                <a:cs typeface="Tahoma" panose="020B0604030504040204" pitchFamily="34" charset="0"/>
+              </a:rPr>
+              <a:t> per la gestione delle identità, l'autenticazione e l'autorizzazione all'interno di un'organizzazione, consentendo un maggiore controllo e sicurezza nell'accesso alle risorse e ai servizi.</a:t>
+            </a:r>
+            <a:endParaRPr lang="it-IT" sz="2400" dirty="0">
+              <a:solidFill>
+                <a:schemeClr val="tx1"/>
+              </a:solidFill>
+              <a:latin typeface="Tahoma" panose="020B0604030504040204" pitchFamily="34" charset="0"/>
+              <a:ea typeface="Tahoma" panose="020B0604030504040204" pitchFamily="34" charset="0"/>
+              <a:cs typeface="Tahoma" panose="020B0604030504040204" pitchFamily="34" charset="0"/>
+            </a:endParaRPr>
           </a:p>
         </p:txBody>
       </p:sp>
@@ -11121,7 +11264,6 @@
               <a:rPr lang="it-IT" dirty="0"/>
               <a:t>…) </a:t>
             </a:r>
-            <a:endParaRPr lang="it-IT" dirty="0"/>
           </a:p>
         </p:txBody>
       </p:sp>
@@ -11147,8 +11289,8 @@
         </p:blipFill>
         <p:spPr>
           <a:xfrm>
-            <a:off x="6316031" y="1510316"/>
-            <a:ext cx="5187711" cy="4782817"/>
+            <a:off x="8572908" y="2227494"/>
+            <a:ext cx="3165295" cy="2918248"/>
           </a:xfrm>
           <a:prstGeom prst="rect">
             <a:avLst/>
@@ -11290,18 +11432,7 @@
                 <a:ea typeface="Tahoma" panose="020B0604030504040204" pitchFamily="34" charset="0"/>
                 <a:cs typeface="Tahoma" panose="020B0604030504040204" pitchFamily="34" charset="0"/>
               </a:rPr>
-              <a:t> è un servizio di directory sviluppato da Microsoft, ampiamente utilizzato nei sistemi operativi Windows. </a:t>
-            </a:r>
-            <a:r>
-              <a:rPr lang="it-IT" sz="2400" dirty="0">
-                <a:solidFill>
-                  <a:schemeClr val="tx1"/>
-                </a:solidFill>
-                <a:latin typeface="Tahoma" panose="020B0604030504040204" pitchFamily="34" charset="0"/>
-                <a:ea typeface="Tahoma" panose="020B0604030504040204" pitchFamily="34" charset="0"/>
-                <a:cs typeface="Tahoma" panose="020B0604030504040204" pitchFamily="34" charset="0"/>
-              </a:rPr>
-              <a:t>Funziona come un database centralizzato per memorizzare le informazioni sugli utenti, i gruppi e le risorse di rete. AD offre funzionalità di autenticazione, autorizzazione e gestione delle risorse in un dominio Windows.</a:t>
+              <a:t> è un servizio di directory sviluppato da Microsoft, ampiamente utilizzato nei sistemi operativi Windows. Funziona come un database centralizzato per memorizzare le informazioni sugli utenti, i gruppi e le risorse di rete. AD offre funzionalità di autenticazione, autorizzazione e gestione delle risorse in un dominio Windows.</a:t>
             </a:r>
           </a:p>
         </p:txBody>
@@ -11391,7 +11522,6 @@
               <a:rPr lang="it-IT" dirty="0"/>
               <a:t>…) </a:t>
             </a:r>
-            <a:endParaRPr lang="it-IT" dirty="0"/>
           </a:p>
         </p:txBody>
       </p:sp>
@@ -11650,7 +11780,6 @@
               <a:rPr lang="it-IT" dirty="0"/>
               <a:t>…) </a:t>
             </a:r>
-            <a:endParaRPr lang="it-IT" dirty="0"/>
           </a:p>
         </p:txBody>
       </p:sp>
@@ -11942,10 +12071,39 @@
               <a:rPr lang="it-IT" dirty="0"/>
               <a:t>…) </a:t>
             </a:r>
-            <a:endParaRPr lang="it-IT" dirty="0"/>
           </a:p>
         </p:txBody>
       </p:sp>
+      <p:pic>
+        <p:nvPicPr>
+          <p:cNvPr id="3" name="Immagine 2"/>
+          <p:cNvPicPr>
+            <a:picLocks noChangeAspect="1"/>
+          </p:cNvPicPr>
+          <p:nvPr/>
+        </p:nvPicPr>
+        <p:blipFill>
+          <a:blip r:embed="rId2">
+            <a:extLst>
+              <a:ext uri="{28A0092B-C50C-407E-A947-70E740481C1C}">
+                <a14:useLocalDpi xmlns:a14="http://schemas.microsoft.com/office/drawing/2010/main" val="0"/>
+              </a:ext>
+            </a:extLst>
+          </a:blip>
+          <a:stretch>
+            <a:fillRect/>
+          </a:stretch>
+        </p:blipFill>
+        <p:spPr>
+          <a:xfrm>
+            <a:off x="6440129" y="1888298"/>
+            <a:ext cx="5666527" cy="3754087"/>
+          </a:xfrm>
+          <a:prstGeom prst="rect">
+            <a:avLst/>
+          </a:prstGeom>
+        </p:spPr>
+      </p:pic>
     </p:spTree>
     <p:extLst>
       <p:ext uri="{BB962C8B-B14F-4D97-AF65-F5344CB8AC3E}">
@@ -11995,7 +12153,7 @@
         <p:spPr>
           <a:xfrm>
             <a:off x="721777" y="1705419"/>
-            <a:ext cx="4774455" cy="4392612"/>
+            <a:ext cx="4818411" cy="4392612"/>
           </a:xfrm>
         </p:spPr>
         <p:txBody>
@@ -12007,51 +12165,18 @@
               <a:buChar char="•"/>
             </a:pPr>
             <a:r>
-              <a:rPr lang="it-IT" sz="2400" dirty="0">
-                <a:solidFill>
-                  <a:schemeClr val="tx1"/>
-                </a:solidFill>
-                <a:latin typeface="Tahoma" panose="020B0604030504040204" pitchFamily="34" charset="0"/>
-                <a:ea typeface="Tahoma" panose="020B0604030504040204" pitchFamily="34" charset="0"/>
-                <a:cs typeface="Tahoma" panose="020B0604030504040204" pitchFamily="34" charset="0"/>
-              </a:rPr>
-              <a:t>Le funzioni di </a:t>
-            </a:r>
-            <a:r>
-              <a:rPr lang="it-IT" sz="2400" b="1" dirty="0">
-                <a:solidFill>
-                  <a:schemeClr val="tx1"/>
-                </a:solidFill>
-                <a:latin typeface="Tahoma" panose="020B0604030504040204" pitchFamily="34" charset="0"/>
-                <a:ea typeface="Tahoma" panose="020B0604030504040204" pitchFamily="34" charset="0"/>
-                <a:cs typeface="Tahoma" panose="020B0604030504040204" pitchFamily="34" charset="0"/>
-              </a:rPr>
-              <a:t>CSIRT</a:t>
-            </a:r>
-            <a:r>
-              <a:rPr lang="it-IT" sz="2400" dirty="0">
-                <a:solidFill>
-                  <a:schemeClr val="tx1"/>
-                </a:solidFill>
-                <a:latin typeface="Tahoma" panose="020B0604030504040204" pitchFamily="34" charset="0"/>
-                <a:ea typeface="Tahoma" panose="020B0604030504040204" pitchFamily="34" charset="0"/>
-                <a:cs typeface="Tahoma" panose="020B0604030504040204" pitchFamily="34" charset="0"/>
-              </a:rPr>
-              <a:t> (Computer Security </a:t>
-            </a:r>
-            <a:r>
-              <a:rPr lang="it-IT" sz="2400" dirty="0" err="1">
-                <a:solidFill>
-                  <a:schemeClr val="tx1"/>
-                </a:solidFill>
-                <a:latin typeface="Tahoma" panose="020B0604030504040204" pitchFamily="34" charset="0"/>
-                <a:ea typeface="Tahoma" panose="020B0604030504040204" pitchFamily="34" charset="0"/>
-                <a:cs typeface="Tahoma" panose="020B0604030504040204" pitchFamily="34" charset="0"/>
-              </a:rPr>
-              <a:t>Incident</a:t>
-            </a:r>
-            <a:r>
-              <a:rPr lang="it-IT" sz="2400" dirty="0">
+              <a:rPr lang="it-IT" sz="2400" b="1" smtClean="0">
+                <a:solidFill>
+                  <a:schemeClr val="tx1"/>
+                </a:solidFill>
+                <a:latin typeface="Tahoma" panose="020B0604030504040204" pitchFamily="34" charset="0"/>
+                <a:ea typeface="Tahoma" panose="020B0604030504040204" pitchFamily="34" charset="0"/>
+                <a:cs typeface="Tahoma" panose="020B0604030504040204" pitchFamily="34" charset="0"/>
+              </a:rPr>
+              <a:t>SAML</a:t>
+            </a:r>
+            <a:r>
+              <a:rPr lang="it-IT" sz="2400" smtClean="0">
                 <a:solidFill>
                   <a:schemeClr val="tx1"/>
                 </a:solidFill>
@@ -12062,103 +12187,15 @@
               <a:t> </a:t>
             </a:r>
             <a:r>
-              <a:rPr lang="it-IT" sz="2400" dirty="0" err="1">
-                <a:solidFill>
-                  <a:schemeClr val="tx1"/>
-                </a:solidFill>
-                <a:latin typeface="Tahoma" panose="020B0604030504040204" pitchFamily="34" charset="0"/>
-                <a:ea typeface="Tahoma" panose="020B0604030504040204" pitchFamily="34" charset="0"/>
-                <a:cs typeface="Tahoma" panose="020B0604030504040204" pitchFamily="34" charset="0"/>
-              </a:rPr>
-              <a:t>Response</a:t>
-            </a:r>
-            <a:r>
-              <a:rPr lang="it-IT" sz="2400" dirty="0">
-                <a:solidFill>
-                  <a:schemeClr val="tx1"/>
-                </a:solidFill>
-                <a:latin typeface="Tahoma" panose="020B0604030504040204" pitchFamily="34" charset="0"/>
-                <a:ea typeface="Tahoma" panose="020B0604030504040204" pitchFamily="34" charset="0"/>
-                <a:cs typeface="Tahoma" panose="020B0604030504040204" pitchFamily="34" charset="0"/>
-              </a:rPr>
-              <a:t> Team), </a:t>
-            </a:r>
-            <a:r>
-              <a:rPr lang="it-IT" sz="2400" b="1" dirty="0">
-                <a:solidFill>
-                  <a:schemeClr val="tx1"/>
-                </a:solidFill>
-                <a:latin typeface="Tahoma" panose="020B0604030504040204" pitchFamily="34" charset="0"/>
-                <a:ea typeface="Tahoma" panose="020B0604030504040204" pitchFamily="34" charset="0"/>
-                <a:cs typeface="Tahoma" panose="020B0604030504040204" pitchFamily="34" charset="0"/>
-              </a:rPr>
-              <a:t>SOC</a:t>
-            </a:r>
-            <a:r>
-              <a:rPr lang="it-IT" sz="2400" dirty="0">
-                <a:solidFill>
-                  <a:schemeClr val="tx1"/>
-                </a:solidFill>
-                <a:latin typeface="Tahoma" panose="020B0604030504040204" pitchFamily="34" charset="0"/>
-                <a:ea typeface="Tahoma" panose="020B0604030504040204" pitchFamily="34" charset="0"/>
-                <a:cs typeface="Tahoma" panose="020B0604030504040204" pitchFamily="34" charset="0"/>
-              </a:rPr>
-              <a:t> (Security Operations Center) e </a:t>
-            </a:r>
-            <a:r>
-              <a:rPr lang="it-IT" sz="2400" b="1" dirty="0">
-                <a:solidFill>
-                  <a:schemeClr val="tx1"/>
-                </a:solidFill>
-                <a:latin typeface="Tahoma" panose="020B0604030504040204" pitchFamily="34" charset="0"/>
-                <a:ea typeface="Tahoma" panose="020B0604030504040204" pitchFamily="34" charset="0"/>
-                <a:cs typeface="Tahoma" panose="020B0604030504040204" pitchFamily="34" charset="0"/>
-              </a:rPr>
-              <a:t>ISAC</a:t>
-            </a:r>
-            <a:r>
-              <a:rPr lang="it-IT" sz="2400" dirty="0">
-                <a:solidFill>
-                  <a:schemeClr val="tx1"/>
-                </a:solidFill>
-                <a:latin typeface="Tahoma" panose="020B0604030504040204" pitchFamily="34" charset="0"/>
-                <a:ea typeface="Tahoma" panose="020B0604030504040204" pitchFamily="34" charset="0"/>
-                <a:cs typeface="Tahoma" panose="020B0604030504040204" pitchFamily="34" charset="0"/>
-              </a:rPr>
-              <a:t> (Information </a:t>
-            </a:r>
-            <a:r>
-              <a:rPr lang="it-IT" sz="2400" dirty="0" err="1">
-                <a:solidFill>
-                  <a:schemeClr val="tx1"/>
-                </a:solidFill>
-                <a:latin typeface="Tahoma" panose="020B0604030504040204" pitchFamily="34" charset="0"/>
-                <a:ea typeface="Tahoma" panose="020B0604030504040204" pitchFamily="34" charset="0"/>
-                <a:cs typeface="Tahoma" panose="020B0604030504040204" pitchFamily="34" charset="0"/>
-              </a:rPr>
-              <a:t>Sharing</a:t>
-            </a:r>
-            <a:r>
-              <a:rPr lang="it-IT" sz="2400" dirty="0">
-                <a:solidFill>
-                  <a:schemeClr val="tx1"/>
-                </a:solidFill>
-                <a:latin typeface="Tahoma" panose="020B0604030504040204" pitchFamily="34" charset="0"/>
-                <a:ea typeface="Tahoma" panose="020B0604030504040204" pitchFamily="34" charset="0"/>
-                <a:cs typeface="Tahoma" panose="020B0604030504040204" pitchFamily="34" charset="0"/>
-              </a:rPr>
-              <a:t> and Analysis Center) sono strettamente connesse e spesso lavorano in collaborazione per garantire la sicurezza informatica di un'organizzazione o di </a:t>
-            </a:r>
-            <a:r>
-              <a:rPr lang="it-IT" sz="2400" dirty="0" smtClean="0">
-                <a:solidFill>
-                  <a:schemeClr val="tx1"/>
-                </a:solidFill>
-                <a:latin typeface="Tahoma" panose="020B0604030504040204" pitchFamily="34" charset="0"/>
-                <a:ea typeface="Tahoma" panose="020B0604030504040204" pitchFamily="34" charset="0"/>
-                <a:cs typeface="Tahoma" panose="020B0604030504040204" pitchFamily="34" charset="0"/>
-              </a:rPr>
-              <a:t>una comunità. </a:t>
+              <a:rPr lang="it-IT" sz="2400">
+                <a:solidFill>
+                  <a:schemeClr val="tx1"/>
+                </a:solidFill>
+                <a:latin typeface="Tahoma" panose="020B0604030504040204" pitchFamily="34" charset="0"/>
+                <a:ea typeface="Tahoma" panose="020B0604030504040204" pitchFamily="34" charset="0"/>
+                <a:cs typeface="Tahoma" panose="020B0604030504040204" pitchFamily="34" charset="0"/>
+              </a:rPr>
+              <a:t>(Security Assertion Markup Language): SAML è uno standard di autenticazione e autorizzazione basato su XML. Consente l'interscambio di informazioni di autenticazione e autorizzazione tra un'identità (IdP - Identity Provider) e un fornitore di servizi (SP - Service Provider) per consentire l'accesso sicuro a risorse online.</a:t>
             </a:r>
             <a:endParaRPr lang="it-IT" sz="2400" dirty="0">
               <a:solidFill>
@@ -12224,8 +12261,8 @@
         </p:nvSpPr>
         <p:spPr>
           <a:xfrm>
-            <a:off x="468895" y="503475"/>
-            <a:ext cx="11269308" cy="384721"/>
+            <a:off x="468895" y="118755"/>
+            <a:ext cx="11269308" cy="769441"/>
           </a:xfrm>
         </p:spPr>
         <p:txBody>
@@ -12234,23 +12271,34 @@
           <a:p>
             <a:r>
               <a:rPr lang="it-IT" dirty="0" smtClean="0"/>
-              <a:t>Funzioni </a:t>
+              <a:t>Sistemi </a:t>
             </a:r>
             <a:r>
               <a:rPr lang="it-IT" dirty="0"/>
-              <a:t>di CSIRT, SOC e </a:t>
-            </a:r>
-            <a:r>
-              <a:rPr lang="it-IT" dirty="0" smtClean="0"/>
-              <a:t>ISAC</a:t>
-            </a:r>
-            <a:endParaRPr lang="it-IT" dirty="0"/>
+              <a:t>di gestione centralizzati (Active Directory, Sistemi IAM, </a:t>
+            </a:r>
+            <a:r>
+              <a:rPr lang="it-IT" dirty="0" err="1"/>
+              <a:t>OAuth</a:t>
+            </a:r>
+            <a:r>
+              <a:rPr lang="it-IT" dirty="0"/>
+              <a:t> 2.0, SAML, </a:t>
+            </a:r>
+            <a:r>
+              <a:rPr lang="it-IT" dirty="0" err="1"/>
+              <a:t>Kerberos</a:t>
+            </a:r>
+            <a:r>
+              <a:rPr lang="it-IT" dirty="0"/>
+              <a:t>…) </a:t>
+            </a:r>
           </a:p>
         </p:txBody>
       </p:sp>
       <p:pic>
         <p:nvPicPr>
-          <p:cNvPr id="3" name="Immagine 2"/>
+          <p:cNvPr id="4" name="Immagine 3"/>
           <p:cNvPicPr>
             <a:picLocks noChangeAspect="1"/>
           </p:cNvPicPr>
@@ -12270,8 +12318,8 @@
         </p:blipFill>
         <p:spPr>
           <a:xfrm>
-            <a:off x="5496232" y="2009403"/>
-            <a:ext cx="7275991" cy="3784643"/>
+            <a:off x="5843536" y="1677031"/>
+            <a:ext cx="5894667" cy="4421000"/>
           </a:xfrm>
           <a:prstGeom prst="rect">
             <a:avLst/>
@@ -12281,7 +12329,7 @@
     </p:spTree>
     <p:extLst>
       <p:ext uri="{BB962C8B-B14F-4D97-AF65-F5344CB8AC3E}">
-        <p14:creationId xmlns:p14="http://schemas.microsoft.com/office/powerpoint/2010/main" val="2990027839"/>
+        <p14:creationId xmlns:p14="http://schemas.microsoft.com/office/powerpoint/2010/main" val="2653485427"/>
       </p:ext>
     </p:extLst>
   </p:cSld>
@@ -12326,8 +12374,8 @@
         </p:nvSpPr>
         <p:spPr>
           <a:xfrm>
-            <a:off x="721777" y="1401434"/>
-            <a:ext cx="6426275" cy="4392612"/>
+            <a:off x="721777" y="1705419"/>
+            <a:ext cx="3921941" cy="4392612"/>
           </a:xfrm>
         </p:spPr>
         <p:txBody>
@@ -12339,169 +12387,26 @@
               <a:buChar char="•"/>
             </a:pPr>
             <a:r>
-              <a:rPr lang="it-IT" sz="2400" b="1" dirty="0">
-                <a:solidFill>
-                  <a:schemeClr val="tx1"/>
-                </a:solidFill>
-                <a:latin typeface="Tahoma" panose="020B0604030504040204" pitchFamily="34" charset="0"/>
-                <a:ea typeface="Tahoma" panose="020B0604030504040204" pitchFamily="34" charset="0"/>
-                <a:cs typeface="Tahoma" panose="020B0604030504040204" pitchFamily="34" charset="0"/>
-              </a:rPr>
-              <a:t>CSIRT</a:t>
-            </a:r>
-            <a:r>
-              <a:rPr lang="it-IT" sz="2400" dirty="0">
-                <a:solidFill>
-                  <a:schemeClr val="tx1"/>
-                </a:solidFill>
-                <a:latin typeface="Tahoma" panose="020B0604030504040204" pitchFamily="34" charset="0"/>
-                <a:ea typeface="Tahoma" panose="020B0604030504040204" pitchFamily="34" charset="0"/>
-                <a:cs typeface="Tahoma" panose="020B0604030504040204" pitchFamily="34" charset="0"/>
-              </a:rPr>
-              <a:t> (Computer Security </a:t>
-            </a:r>
-            <a:r>
-              <a:rPr lang="it-IT" sz="2400" dirty="0" err="1">
-                <a:solidFill>
-                  <a:schemeClr val="tx1"/>
-                </a:solidFill>
-                <a:latin typeface="Tahoma" panose="020B0604030504040204" pitchFamily="34" charset="0"/>
-                <a:ea typeface="Tahoma" panose="020B0604030504040204" pitchFamily="34" charset="0"/>
-                <a:cs typeface="Tahoma" panose="020B0604030504040204" pitchFamily="34" charset="0"/>
-              </a:rPr>
-              <a:t>Incident</a:t>
-            </a:r>
-            <a:r>
-              <a:rPr lang="it-IT" sz="2400" dirty="0">
-                <a:solidFill>
-                  <a:schemeClr val="tx1"/>
-                </a:solidFill>
-                <a:latin typeface="Tahoma" panose="020B0604030504040204" pitchFamily="34" charset="0"/>
-                <a:ea typeface="Tahoma" panose="020B0604030504040204" pitchFamily="34" charset="0"/>
-                <a:cs typeface="Tahoma" panose="020B0604030504040204" pitchFamily="34" charset="0"/>
-              </a:rPr>
-              <a:t> </a:t>
-            </a:r>
-            <a:r>
-              <a:rPr lang="it-IT" sz="2400" dirty="0" err="1">
-                <a:solidFill>
-                  <a:schemeClr val="tx1"/>
-                </a:solidFill>
-                <a:latin typeface="Tahoma" panose="020B0604030504040204" pitchFamily="34" charset="0"/>
-                <a:ea typeface="Tahoma" panose="020B0604030504040204" pitchFamily="34" charset="0"/>
-                <a:cs typeface="Tahoma" panose="020B0604030504040204" pitchFamily="34" charset="0"/>
-              </a:rPr>
-              <a:t>Response</a:t>
-            </a:r>
-            <a:r>
-              <a:rPr lang="it-IT" sz="2400" dirty="0">
-                <a:solidFill>
-                  <a:schemeClr val="tx1"/>
-                </a:solidFill>
-                <a:latin typeface="Tahoma" panose="020B0604030504040204" pitchFamily="34" charset="0"/>
-                <a:ea typeface="Tahoma" panose="020B0604030504040204" pitchFamily="34" charset="0"/>
-                <a:cs typeface="Tahoma" panose="020B0604030504040204" pitchFamily="34" charset="0"/>
-              </a:rPr>
-              <a:t> Team): Un </a:t>
-            </a:r>
-            <a:r>
-              <a:rPr lang="it-IT" sz="2400" b="1" dirty="0">
-                <a:solidFill>
-                  <a:schemeClr val="tx1"/>
-                </a:solidFill>
-                <a:latin typeface="Tahoma" panose="020B0604030504040204" pitchFamily="34" charset="0"/>
-                <a:ea typeface="Tahoma" panose="020B0604030504040204" pitchFamily="34" charset="0"/>
-                <a:cs typeface="Tahoma" panose="020B0604030504040204" pitchFamily="34" charset="0"/>
-              </a:rPr>
-              <a:t>CSIRT</a:t>
-            </a:r>
-            <a:r>
-              <a:rPr lang="it-IT" sz="2400" dirty="0">
-                <a:solidFill>
-                  <a:schemeClr val="tx1"/>
-                </a:solidFill>
-                <a:latin typeface="Tahoma" panose="020B0604030504040204" pitchFamily="34" charset="0"/>
-                <a:ea typeface="Tahoma" panose="020B0604030504040204" pitchFamily="34" charset="0"/>
-                <a:cs typeface="Tahoma" panose="020B0604030504040204" pitchFamily="34" charset="0"/>
-              </a:rPr>
-              <a:t> è un team dedicato alla gestione degli incidenti di </a:t>
-            </a:r>
-            <a:r>
-              <a:rPr lang="it-IT" sz="2400" b="1" dirty="0">
-                <a:solidFill>
-                  <a:schemeClr val="tx1"/>
-                </a:solidFill>
-                <a:latin typeface="Tahoma" panose="020B0604030504040204" pitchFamily="34" charset="0"/>
-                <a:ea typeface="Tahoma" panose="020B0604030504040204" pitchFamily="34" charset="0"/>
-                <a:cs typeface="Tahoma" panose="020B0604030504040204" pitchFamily="34" charset="0"/>
-              </a:rPr>
-              <a:t>sicurezza</a:t>
-            </a:r>
-            <a:r>
-              <a:rPr lang="it-IT" sz="2400" dirty="0">
-                <a:solidFill>
-                  <a:schemeClr val="tx1"/>
-                </a:solidFill>
-                <a:latin typeface="Tahoma" panose="020B0604030504040204" pitchFamily="34" charset="0"/>
-                <a:ea typeface="Tahoma" panose="020B0604030504040204" pitchFamily="34" charset="0"/>
-                <a:cs typeface="Tahoma" panose="020B0604030504040204" pitchFamily="34" charset="0"/>
-              </a:rPr>
-              <a:t> </a:t>
-            </a:r>
-            <a:r>
-              <a:rPr lang="it-IT" sz="2400" b="1" dirty="0">
-                <a:solidFill>
-                  <a:schemeClr val="tx1"/>
-                </a:solidFill>
-                <a:latin typeface="Tahoma" panose="020B0604030504040204" pitchFamily="34" charset="0"/>
-                <a:ea typeface="Tahoma" panose="020B0604030504040204" pitchFamily="34" charset="0"/>
-                <a:cs typeface="Tahoma" panose="020B0604030504040204" pitchFamily="34" charset="0"/>
-              </a:rPr>
-              <a:t>informatica</a:t>
-            </a:r>
-            <a:r>
-              <a:rPr lang="it-IT" sz="2400" dirty="0">
-                <a:solidFill>
-                  <a:schemeClr val="tx1"/>
-                </a:solidFill>
-                <a:latin typeface="Tahoma" panose="020B0604030504040204" pitchFamily="34" charset="0"/>
-                <a:ea typeface="Tahoma" panose="020B0604030504040204" pitchFamily="34" charset="0"/>
-                <a:cs typeface="Tahoma" panose="020B0604030504040204" pitchFamily="34" charset="0"/>
-              </a:rPr>
-              <a:t>. Il suo obiettivo principale è quello di rilevare, rispondere e mitigare gli attacchi informatici. I membri del team </a:t>
-            </a:r>
-            <a:r>
-              <a:rPr lang="it-IT" sz="2400" b="1" dirty="0">
-                <a:solidFill>
-                  <a:schemeClr val="tx1"/>
-                </a:solidFill>
-                <a:latin typeface="Tahoma" panose="020B0604030504040204" pitchFamily="34" charset="0"/>
-                <a:ea typeface="Tahoma" panose="020B0604030504040204" pitchFamily="34" charset="0"/>
-                <a:cs typeface="Tahoma" panose="020B0604030504040204" pitchFamily="34" charset="0"/>
-              </a:rPr>
-              <a:t>CSIRT</a:t>
-            </a:r>
-            <a:r>
-              <a:rPr lang="it-IT" sz="2400" dirty="0">
-                <a:solidFill>
-                  <a:schemeClr val="tx1"/>
-                </a:solidFill>
-                <a:latin typeface="Tahoma" panose="020B0604030504040204" pitchFamily="34" charset="0"/>
-                <a:ea typeface="Tahoma" panose="020B0604030504040204" pitchFamily="34" charset="0"/>
-                <a:cs typeface="Tahoma" panose="020B0604030504040204" pitchFamily="34" charset="0"/>
-              </a:rPr>
-              <a:t> sono addestrati per identificare le minacce, analizzare gli incidenti di sicurezza e coordinare le risposte appropriate. Possono anche fornire consulenza sulla sicurezza informatica e promuovere le migliori pratiche all'interno di un'organizzazione</a:t>
-            </a:r>
-            <a:r>
-              <a:rPr lang="it-IT" sz="2400" dirty="0" smtClean="0">
-                <a:solidFill>
-                  <a:schemeClr val="tx1"/>
-                </a:solidFill>
-                <a:latin typeface="Tahoma" panose="020B0604030504040204" pitchFamily="34" charset="0"/>
-                <a:ea typeface="Tahoma" panose="020B0604030504040204" pitchFamily="34" charset="0"/>
-                <a:cs typeface="Tahoma" panose="020B0604030504040204" pitchFamily="34" charset="0"/>
-              </a:rPr>
-              <a:t>.</a:t>
+              <a:rPr lang="it-IT" sz="2400" b="1" smtClean="0">
+                <a:solidFill>
+                  <a:schemeClr val="tx1"/>
+                </a:solidFill>
+                <a:latin typeface="Tahoma" panose="020B0604030504040204" pitchFamily="34" charset="0"/>
+                <a:ea typeface="Tahoma" panose="020B0604030504040204" pitchFamily="34" charset="0"/>
+                <a:cs typeface="Tahoma" panose="020B0604030504040204" pitchFamily="34" charset="0"/>
+              </a:rPr>
+              <a:t>Kerberos</a:t>
+            </a:r>
+            <a:r>
+              <a:rPr lang="it-IT" sz="2400">
+                <a:solidFill>
+                  <a:schemeClr val="tx1"/>
+                </a:solidFill>
+                <a:latin typeface="Tahoma" panose="020B0604030504040204" pitchFamily="34" charset="0"/>
+                <a:ea typeface="Tahoma" panose="020B0604030504040204" pitchFamily="34" charset="0"/>
+                <a:cs typeface="Tahoma" panose="020B0604030504040204" pitchFamily="34" charset="0"/>
+              </a:rPr>
+              <a:t>: Kerberos è un protocollo di autenticazione di rete che fornisce un sistema di autenticazione sicuro per client e server all'interno di un dominio di rete. Utilizza ticket per consentire l'autenticazione e l'autorizzazione degli utenti in un ambiente distribuito.</a:t>
             </a:r>
             <a:endParaRPr lang="it-IT" sz="2400" dirty="0">
               <a:solidFill>
@@ -12567,8 +12472,8 @@
         </p:nvSpPr>
         <p:spPr>
           <a:xfrm>
-            <a:off x="468895" y="503475"/>
-            <a:ext cx="11269308" cy="384721"/>
+            <a:off x="468895" y="118755"/>
+            <a:ext cx="11269308" cy="769441"/>
           </a:xfrm>
         </p:spPr>
         <p:txBody>
@@ -12577,18 +12482,34 @@
           <a:p>
             <a:r>
               <a:rPr lang="it-IT" dirty="0" smtClean="0"/>
-              <a:t>Funzioni </a:t>
+              <a:t>Sistemi </a:t>
             </a:r>
             <a:r>
               <a:rPr lang="it-IT" dirty="0"/>
-              <a:t>di CSIRT, SOC e ISAC</a:t>
+              <a:t>di gestione centralizzati (Active Directory, Sistemi IAM, </a:t>
+            </a:r>
+            <a:r>
+              <a:rPr lang="it-IT" dirty="0" err="1"/>
+              <a:t>OAuth</a:t>
+            </a:r>
+            <a:r>
+              <a:rPr lang="it-IT" dirty="0"/>
+              <a:t> 2.0, SAML, </a:t>
+            </a:r>
+            <a:r>
+              <a:rPr lang="it-IT" dirty="0" err="1"/>
+              <a:t>Kerberos</a:t>
+            </a:r>
+            <a:r>
+              <a:rPr lang="it-IT" dirty="0"/>
+              <a:t>…) </a:t>
             </a:r>
           </a:p>
         </p:txBody>
       </p:sp>
       <p:pic>
         <p:nvPicPr>
-          <p:cNvPr id="4" name="Immagine 3"/>
+          <p:cNvPr id="3" name="Immagine 2"/>
           <p:cNvPicPr>
             <a:picLocks noChangeAspect="1"/>
           </p:cNvPicPr>
@@ -12608,8 +12529,8 @@
         </p:blipFill>
         <p:spPr>
           <a:xfrm>
-            <a:off x="7290674" y="2491798"/>
-            <a:ext cx="4608355" cy="2301824"/>
+            <a:off x="5420005" y="1747235"/>
+            <a:ext cx="6041712" cy="4752177"/>
           </a:xfrm>
           <a:prstGeom prst="rect">
             <a:avLst/>
@@ -12619,7 +12540,7 @@
     </p:spTree>
     <p:extLst>
       <p:ext uri="{BB962C8B-B14F-4D97-AF65-F5344CB8AC3E}">
-        <p14:creationId xmlns:p14="http://schemas.microsoft.com/office/powerpoint/2010/main" val="3553250571"/>
+        <p14:creationId xmlns:p14="http://schemas.microsoft.com/office/powerpoint/2010/main" val="110407770"/>
       </p:ext>
     </p:extLst>
   </p:cSld>
@@ -12664,8 +12585,8 @@
         </p:nvSpPr>
         <p:spPr>
           <a:xfrm>
-            <a:off x="721777" y="1401434"/>
-            <a:ext cx="7989604" cy="4392612"/>
+            <a:off x="721777" y="1705419"/>
+            <a:ext cx="7319564" cy="4392612"/>
           </a:xfrm>
         </p:spPr>
         <p:txBody>
@@ -12677,192 +12598,148 @@
               <a:buChar char="•"/>
             </a:pPr>
             <a:r>
-              <a:rPr lang="it-IT" sz="2400" b="1" dirty="0" smtClean="0">
-                <a:solidFill>
-                  <a:schemeClr val="tx1"/>
-                </a:solidFill>
-                <a:latin typeface="Tahoma" panose="020B0604030504040204" pitchFamily="34" charset="0"/>
-                <a:ea typeface="Tahoma" panose="020B0604030504040204" pitchFamily="34" charset="0"/>
-                <a:cs typeface="Tahoma" panose="020B0604030504040204" pitchFamily="34" charset="0"/>
-              </a:rPr>
-              <a:t>SOC</a:t>
-            </a:r>
-            <a:r>
-              <a:rPr lang="it-IT" sz="2400" dirty="0" smtClean="0">
-                <a:solidFill>
-                  <a:schemeClr val="tx1"/>
-                </a:solidFill>
-                <a:latin typeface="Tahoma" panose="020B0604030504040204" pitchFamily="34" charset="0"/>
-                <a:ea typeface="Tahoma" panose="020B0604030504040204" pitchFamily="34" charset="0"/>
-                <a:cs typeface="Tahoma" panose="020B0604030504040204" pitchFamily="34" charset="0"/>
-              </a:rPr>
-              <a:t> </a:t>
-            </a:r>
-            <a:r>
-              <a:rPr lang="it-IT" sz="2400" dirty="0">
-                <a:solidFill>
-                  <a:schemeClr val="tx1"/>
-                </a:solidFill>
-                <a:latin typeface="Tahoma" panose="020B0604030504040204" pitchFamily="34" charset="0"/>
-                <a:ea typeface="Tahoma" panose="020B0604030504040204" pitchFamily="34" charset="0"/>
-                <a:cs typeface="Tahoma" panose="020B0604030504040204" pitchFamily="34" charset="0"/>
-              </a:rPr>
-              <a:t>(Security Operations Center): Un </a:t>
-            </a:r>
-            <a:r>
-              <a:rPr lang="it-IT" sz="2400" b="1" dirty="0">
-                <a:solidFill>
-                  <a:schemeClr val="tx1"/>
-                </a:solidFill>
-                <a:latin typeface="Tahoma" panose="020B0604030504040204" pitchFamily="34" charset="0"/>
-                <a:ea typeface="Tahoma" panose="020B0604030504040204" pitchFamily="34" charset="0"/>
-                <a:cs typeface="Tahoma" panose="020B0604030504040204" pitchFamily="34" charset="0"/>
-              </a:rPr>
-              <a:t>SOC</a:t>
-            </a:r>
-            <a:r>
-              <a:rPr lang="it-IT" sz="2400" dirty="0">
-                <a:solidFill>
-                  <a:schemeClr val="tx1"/>
-                </a:solidFill>
-                <a:latin typeface="Tahoma" panose="020B0604030504040204" pitchFamily="34" charset="0"/>
-                <a:ea typeface="Tahoma" panose="020B0604030504040204" pitchFamily="34" charset="0"/>
-                <a:cs typeface="Tahoma" panose="020B0604030504040204" pitchFamily="34" charset="0"/>
-              </a:rPr>
-              <a:t> è un centro operativo specializzato nella gestione della </a:t>
-            </a:r>
-            <a:r>
-              <a:rPr lang="it-IT" sz="2400" b="1" dirty="0">
-                <a:solidFill>
-                  <a:schemeClr val="tx1"/>
-                </a:solidFill>
-                <a:latin typeface="Tahoma" panose="020B0604030504040204" pitchFamily="34" charset="0"/>
-                <a:ea typeface="Tahoma" panose="020B0604030504040204" pitchFamily="34" charset="0"/>
-                <a:cs typeface="Tahoma" panose="020B0604030504040204" pitchFamily="34" charset="0"/>
-              </a:rPr>
-              <a:t>sicurezza</a:t>
-            </a:r>
-            <a:r>
-              <a:rPr lang="it-IT" sz="2400" dirty="0">
-                <a:solidFill>
-                  <a:schemeClr val="tx1"/>
-                </a:solidFill>
-                <a:latin typeface="Tahoma" panose="020B0604030504040204" pitchFamily="34" charset="0"/>
-                <a:ea typeface="Tahoma" panose="020B0604030504040204" pitchFamily="34" charset="0"/>
-                <a:cs typeface="Tahoma" panose="020B0604030504040204" pitchFamily="34" charset="0"/>
-              </a:rPr>
-              <a:t> </a:t>
-            </a:r>
-            <a:r>
-              <a:rPr lang="it-IT" sz="2400" b="1" dirty="0">
-                <a:solidFill>
-                  <a:schemeClr val="tx1"/>
-                </a:solidFill>
-                <a:latin typeface="Tahoma" panose="020B0604030504040204" pitchFamily="34" charset="0"/>
-                <a:ea typeface="Tahoma" panose="020B0604030504040204" pitchFamily="34" charset="0"/>
-                <a:cs typeface="Tahoma" panose="020B0604030504040204" pitchFamily="34" charset="0"/>
-              </a:rPr>
-              <a:t>informatica</a:t>
-            </a:r>
-            <a:r>
-              <a:rPr lang="it-IT" sz="2400" dirty="0">
-                <a:solidFill>
-                  <a:schemeClr val="tx1"/>
-                </a:solidFill>
-                <a:latin typeface="Tahoma" panose="020B0604030504040204" pitchFamily="34" charset="0"/>
-                <a:ea typeface="Tahoma" panose="020B0604030504040204" pitchFamily="34" charset="0"/>
-                <a:cs typeface="Tahoma" panose="020B0604030504040204" pitchFamily="34" charset="0"/>
-              </a:rPr>
-              <a:t>. Solitamente è composto da un gruppo di esperti che monitorano costantemente gli </a:t>
-            </a:r>
-            <a:r>
-              <a:rPr lang="it-IT" sz="2400" b="1" dirty="0">
-                <a:solidFill>
-                  <a:schemeClr val="tx1"/>
-                </a:solidFill>
-                <a:latin typeface="Tahoma" panose="020B0604030504040204" pitchFamily="34" charset="0"/>
-                <a:ea typeface="Tahoma" panose="020B0604030504040204" pitchFamily="34" charset="0"/>
-                <a:cs typeface="Tahoma" panose="020B0604030504040204" pitchFamily="34" charset="0"/>
-              </a:rPr>
-              <a:t>eventi di sicurezza</a:t>
-            </a:r>
-            <a:r>
-              <a:rPr lang="it-IT" sz="2400" dirty="0">
-                <a:solidFill>
-                  <a:schemeClr val="tx1"/>
-                </a:solidFill>
-                <a:latin typeface="Tahoma" panose="020B0604030504040204" pitchFamily="34" charset="0"/>
-                <a:ea typeface="Tahoma" panose="020B0604030504040204" pitchFamily="34" charset="0"/>
-                <a:cs typeface="Tahoma" panose="020B0604030504040204" pitchFamily="34" charset="0"/>
-              </a:rPr>
-              <a:t>, analizzano le </a:t>
-            </a:r>
-            <a:r>
-              <a:rPr lang="it-IT" sz="2400" b="1" dirty="0">
-                <a:solidFill>
-                  <a:schemeClr val="tx1"/>
-                </a:solidFill>
-                <a:latin typeface="Tahoma" panose="020B0604030504040204" pitchFamily="34" charset="0"/>
-                <a:ea typeface="Tahoma" panose="020B0604030504040204" pitchFamily="34" charset="0"/>
-                <a:cs typeface="Tahoma" panose="020B0604030504040204" pitchFamily="34" charset="0"/>
-              </a:rPr>
-              <a:t>anomalie</a:t>
-            </a:r>
-            <a:r>
-              <a:rPr lang="it-IT" sz="2400" dirty="0">
-                <a:solidFill>
-                  <a:schemeClr val="tx1"/>
-                </a:solidFill>
-                <a:latin typeface="Tahoma" panose="020B0604030504040204" pitchFamily="34" charset="0"/>
-                <a:ea typeface="Tahoma" panose="020B0604030504040204" pitchFamily="34" charset="0"/>
-                <a:cs typeface="Tahoma" panose="020B0604030504040204" pitchFamily="34" charset="0"/>
-              </a:rPr>
-              <a:t> e rispondono agli incidenti. Il SOC utilizza tecnologie avanzate, come i sistemi di rilevamento delle intrusioni (</a:t>
-            </a:r>
-            <a:r>
-              <a:rPr lang="it-IT" sz="2400" b="1" dirty="0">
-                <a:solidFill>
-                  <a:schemeClr val="tx1"/>
-                </a:solidFill>
-                <a:latin typeface="Tahoma" panose="020B0604030504040204" pitchFamily="34" charset="0"/>
-                <a:ea typeface="Tahoma" panose="020B0604030504040204" pitchFamily="34" charset="0"/>
-                <a:cs typeface="Tahoma" panose="020B0604030504040204" pitchFamily="34" charset="0"/>
-              </a:rPr>
-              <a:t>IDS</a:t>
-            </a:r>
-            <a:r>
-              <a:rPr lang="it-IT" sz="2400" dirty="0">
-                <a:solidFill>
-                  <a:schemeClr val="tx1"/>
-                </a:solidFill>
-                <a:latin typeface="Tahoma" panose="020B0604030504040204" pitchFamily="34" charset="0"/>
-                <a:ea typeface="Tahoma" panose="020B0604030504040204" pitchFamily="34" charset="0"/>
-                <a:cs typeface="Tahoma" panose="020B0604030504040204" pitchFamily="34" charset="0"/>
-              </a:rPr>
-              <a:t>) e le soluzioni di gestione delle informazioni e degli eventi di sicurezza (</a:t>
-            </a:r>
-            <a:r>
-              <a:rPr lang="it-IT" sz="2400" b="1" dirty="0">
-                <a:solidFill>
-                  <a:schemeClr val="tx1"/>
-                </a:solidFill>
-                <a:latin typeface="Tahoma" panose="020B0604030504040204" pitchFamily="34" charset="0"/>
-                <a:ea typeface="Tahoma" panose="020B0604030504040204" pitchFamily="34" charset="0"/>
-                <a:cs typeface="Tahoma" panose="020B0604030504040204" pitchFamily="34" charset="0"/>
-              </a:rPr>
-              <a:t>SIEM</a:t>
-            </a:r>
-            <a:r>
-              <a:rPr lang="it-IT" sz="2400" dirty="0">
-                <a:solidFill>
-                  <a:schemeClr val="tx1"/>
-                </a:solidFill>
-                <a:latin typeface="Tahoma" panose="020B0604030504040204" pitchFamily="34" charset="0"/>
-                <a:ea typeface="Tahoma" panose="020B0604030504040204" pitchFamily="34" charset="0"/>
-                <a:cs typeface="Tahoma" panose="020B0604030504040204" pitchFamily="34" charset="0"/>
-              </a:rPr>
-              <a:t>), per monitorare e analizzare il traffico di rete e i log dei sistemi al fine di identificare potenziali minacce. Il SOC svolge anche attività di risposta agli incidenti, collaborando con il team CSIRT o con altre entità interne o esterne all'organizzazione.</a:t>
-            </a:r>
+              <a:rPr lang="it-IT" sz="2400" smtClean="0">
+                <a:solidFill>
+                  <a:schemeClr val="tx1"/>
+                </a:solidFill>
+                <a:latin typeface="Tahoma" panose="020B0604030504040204" pitchFamily="34" charset="0"/>
+                <a:ea typeface="Tahoma" panose="020B0604030504040204" pitchFamily="34" charset="0"/>
+                <a:cs typeface="Tahoma" panose="020B0604030504040204" pitchFamily="34" charset="0"/>
+              </a:rPr>
+              <a:t>La </a:t>
+            </a:r>
+            <a:r>
+              <a:rPr lang="it-IT" sz="2400">
+                <a:solidFill>
+                  <a:schemeClr val="tx1"/>
+                </a:solidFill>
+                <a:latin typeface="Tahoma" panose="020B0604030504040204" pitchFamily="34" charset="0"/>
+                <a:ea typeface="Tahoma" panose="020B0604030504040204" pitchFamily="34" charset="0"/>
+                <a:cs typeface="Tahoma" panose="020B0604030504040204" pitchFamily="34" charset="0"/>
+              </a:rPr>
+              <a:t>sicurezza delle informazioni si concentra su tre aspetti fondamentali: </a:t>
+            </a:r>
+            <a:r>
+              <a:rPr lang="it-IT" sz="2400" b="1">
+                <a:solidFill>
+                  <a:schemeClr val="tx1"/>
+                </a:solidFill>
+                <a:latin typeface="Tahoma" panose="020B0604030504040204" pitchFamily="34" charset="0"/>
+                <a:ea typeface="Tahoma" panose="020B0604030504040204" pitchFamily="34" charset="0"/>
+                <a:cs typeface="Tahoma" panose="020B0604030504040204" pitchFamily="34" charset="0"/>
+              </a:rPr>
+              <a:t>disponibilità</a:t>
+            </a:r>
+            <a:r>
+              <a:rPr lang="it-IT" sz="2400">
+                <a:solidFill>
+                  <a:schemeClr val="tx1"/>
+                </a:solidFill>
+                <a:latin typeface="Tahoma" panose="020B0604030504040204" pitchFamily="34" charset="0"/>
+                <a:ea typeface="Tahoma" panose="020B0604030504040204" pitchFamily="34" charset="0"/>
+                <a:cs typeface="Tahoma" panose="020B0604030504040204" pitchFamily="34" charset="0"/>
+              </a:rPr>
+              <a:t>, </a:t>
+            </a:r>
+            <a:r>
+              <a:rPr lang="it-IT" sz="2400" b="1">
+                <a:solidFill>
+                  <a:schemeClr val="tx1"/>
+                </a:solidFill>
+                <a:latin typeface="Tahoma" panose="020B0604030504040204" pitchFamily="34" charset="0"/>
+                <a:ea typeface="Tahoma" panose="020B0604030504040204" pitchFamily="34" charset="0"/>
+                <a:cs typeface="Tahoma" panose="020B0604030504040204" pitchFamily="34" charset="0"/>
+              </a:rPr>
+              <a:t>integrità</a:t>
+            </a:r>
+            <a:r>
+              <a:rPr lang="it-IT" sz="2400">
+                <a:solidFill>
+                  <a:schemeClr val="tx1"/>
+                </a:solidFill>
+                <a:latin typeface="Tahoma" panose="020B0604030504040204" pitchFamily="34" charset="0"/>
+                <a:ea typeface="Tahoma" panose="020B0604030504040204" pitchFamily="34" charset="0"/>
+                <a:cs typeface="Tahoma" panose="020B0604030504040204" pitchFamily="34" charset="0"/>
+              </a:rPr>
+              <a:t> e </a:t>
+            </a:r>
+            <a:r>
+              <a:rPr lang="it-IT" sz="2400" b="1">
+                <a:solidFill>
+                  <a:schemeClr val="tx1"/>
+                </a:solidFill>
+                <a:latin typeface="Tahoma" panose="020B0604030504040204" pitchFamily="34" charset="0"/>
+                <a:ea typeface="Tahoma" panose="020B0604030504040204" pitchFamily="34" charset="0"/>
+                <a:cs typeface="Tahoma" panose="020B0604030504040204" pitchFamily="34" charset="0"/>
+              </a:rPr>
+              <a:t>confidenzialità</a:t>
+            </a:r>
+            <a:r>
+              <a:rPr lang="it-IT" sz="2400">
+                <a:solidFill>
+                  <a:schemeClr val="tx1"/>
+                </a:solidFill>
+                <a:latin typeface="Tahoma" panose="020B0604030504040204" pitchFamily="34" charset="0"/>
+                <a:ea typeface="Tahoma" panose="020B0604030504040204" pitchFamily="34" charset="0"/>
+                <a:cs typeface="Tahoma" panose="020B0604030504040204" pitchFamily="34" charset="0"/>
+              </a:rPr>
+              <a:t>. Questi aspetti sono considerati pilastri fondamentali della sicurezza e sono spesso indicati come la "</a:t>
+            </a:r>
+            <a:r>
+              <a:rPr lang="it-IT" sz="2400" b="1">
+                <a:solidFill>
+                  <a:schemeClr val="tx1"/>
+                </a:solidFill>
+                <a:latin typeface="Tahoma" panose="020B0604030504040204" pitchFamily="34" charset="0"/>
+                <a:ea typeface="Tahoma" panose="020B0604030504040204" pitchFamily="34" charset="0"/>
+                <a:cs typeface="Tahoma" panose="020B0604030504040204" pitchFamily="34" charset="0"/>
+              </a:rPr>
+              <a:t>triade della sicurezza</a:t>
+            </a:r>
+            <a:r>
+              <a:rPr lang="it-IT" sz="2400">
+                <a:solidFill>
+                  <a:schemeClr val="tx1"/>
+                </a:solidFill>
+                <a:latin typeface="Tahoma" panose="020B0604030504040204" pitchFamily="34" charset="0"/>
+                <a:ea typeface="Tahoma" panose="020B0604030504040204" pitchFamily="34" charset="0"/>
+                <a:cs typeface="Tahoma" panose="020B0604030504040204" pitchFamily="34" charset="0"/>
+              </a:rPr>
+              <a:t>". </a:t>
+            </a:r>
+            <a:endParaRPr lang="it-IT" sz="2400" smtClean="0">
+              <a:solidFill>
+                <a:schemeClr val="tx1"/>
+              </a:solidFill>
+              <a:latin typeface="Tahoma" panose="020B0604030504040204" pitchFamily="34" charset="0"/>
+              <a:ea typeface="Tahoma" panose="020B0604030504040204" pitchFamily="34" charset="0"/>
+              <a:cs typeface="Tahoma" panose="020B0604030504040204" pitchFamily="34" charset="0"/>
+            </a:endParaRPr>
+          </a:p>
+          <a:p>
+            <a:pPr marL="342900" indent="-342900">
+              <a:buFont typeface="Arial" panose="020B0604020202020204" pitchFamily="34" charset="0"/>
+              <a:buChar char="•"/>
+            </a:pPr>
+            <a:r>
+              <a:rPr lang="it-IT" sz="2400">
+                <a:solidFill>
+                  <a:schemeClr val="tx1"/>
+                </a:solidFill>
+                <a:latin typeface="Tahoma" panose="020B0604030504040204" pitchFamily="34" charset="0"/>
+                <a:ea typeface="Tahoma" panose="020B0604030504040204" pitchFamily="34" charset="0"/>
+                <a:cs typeface="Tahoma" panose="020B0604030504040204" pitchFamily="34" charset="0"/>
+              </a:rPr>
+              <a:t>Questi tre aspetti sono strettamente correlati e interconnessi nella progettazione di un sistema di sicurezza efficace. Per garantire una protezione completa delle informazioni, è necessario adottare misure e controlli appropriati per garantire la disponibilità, l'integrità e la confidenzialità dei dati e dei sistemi.</a:t>
+            </a:r>
+            <a:endParaRPr lang="it-IT" sz="2400" dirty="0">
+              <a:solidFill>
+                <a:schemeClr val="tx1"/>
+              </a:solidFill>
+              <a:latin typeface="Tahoma" panose="020B0604030504040204" pitchFamily="34" charset="0"/>
+              <a:ea typeface="Tahoma" panose="020B0604030504040204" pitchFamily="34" charset="0"/>
+              <a:cs typeface="Tahoma" panose="020B0604030504040204" pitchFamily="34" charset="0"/>
+            </a:endParaRPr>
           </a:p>
         </p:txBody>
       </p:sp>
@@ -12928,19 +12805,20 @@
           <a:lstStyle/>
           <a:p>
             <a:r>
-              <a:rPr lang="it-IT" dirty="0" smtClean="0"/>
-              <a:t>Funzioni </a:t>
-            </a:r>
-            <a:r>
-              <a:rPr lang="it-IT" dirty="0"/>
-              <a:t>di CSIRT, SOC e ISAC</a:t>
-            </a:r>
+              <a:rPr lang="it-IT" smtClean="0"/>
+              <a:t>Sicurezza </a:t>
+            </a:r>
+            <a:r>
+              <a:rPr lang="it-IT"/>
+              <a:t>sotto i profili di disponibilità, integrità e confidenzialità</a:t>
+            </a:r>
+            <a:endParaRPr lang="it-IT" dirty="0"/>
           </a:p>
         </p:txBody>
       </p:sp>
       <p:pic>
         <p:nvPicPr>
-          <p:cNvPr id="3" name="Immagine 2"/>
+          <p:cNvPr id="4" name="Immagine 3"/>
           <p:cNvPicPr>
             <a:picLocks noChangeAspect="1"/>
           </p:cNvPicPr>
@@ -12960,8 +12838,8 @@
         </p:blipFill>
         <p:spPr>
           <a:xfrm>
-            <a:off x="8711381" y="2605547"/>
-            <a:ext cx="3146324" cy="1769807"/>
+            <a:off x="8275264" y="2244257"/>
+            <a:ext cx="3547605" cy="3188354"/>
           </a:xfrm>
           <a:prstGeom prst="rect">
             <a:avLst/>
@@ -12971,7 +12849,7 @@
     </p:spTree>
     <p:extLst>
       <p:ext uri="{BB962C8B-B14F-4D97-AF65-F5344CB8AC3E}">
-        <p14:creationId xmlns:p14="http://schemas.microsoft.com/office/powerpoint/2010/main" val="2709473474"/>
+        <p14:creationId xmlns:p14="http://schemas.microsoft.com/office/powerpoint/2010/main" val="2543440087"/>
       </p:ext>
     </p:extLst>
   </p:cSld>
@@ -13016,12 +12894,40 @@
         </p:nvSpPr>
         <p:spPr>
           <a:xfrm>
-            <a:off x="721777" y="1401434"/>
-            <a:ext cx="7488158" cy="4392612"/>
-          </a:xfrm>
+            <a:off x="323469" y="1642128"/>
+            <a:ext cx="6086296" cy="4392612"/>
+          </a:xfrm>
+          <a:noFill/>
+          <a:ln>
+            <a:noFill/>
+          </a:ln>
+          <a:extLst>
+            <a:ext uri="{909E8E84-426E-40DD-AFC4-6F175D3DCCD1}">
+              <a14:hiddenFill xmlns:a14="http://schemas.microsoft.com/office/drawing/2010/main">
+                <a:solidFill>
+                  <a:srgbClr val="FFFFFF"/>
+                </a:solidFill>
+              </a14:hiddenFill>
+            </a:ext>
+            <a:ext uri="{91240B29-F687-4F45-9708-019B960494DF}">
+              <a14:hiddenLine xmlns:a14="http://schemas.microsoft.com/office/drawing/2010/main" w="9525">
+                <a:solidFill>
+                  <a:srgbClr val="000000"/>
+                </a:solidFill>
+                <a:miter lim="800000"/>
+                <a:headEnd/>
+                <a:tailEnd/>
+              </a14:hiddenLine>
+            </a:ext>
+          </a:extLst>
         </p:spPr>
         <p:txBody>
-          <a:bodyPr/>
+          <a:bodyPr vert="horz" wrap="square" lIns="0" tIns="0" rIns="0" bIns="0" numCol="1" spcCol="360000" anchor="t" anchorCtr="0" compatLnSpc="1">
+            <a:prstTxWarp prst="textNoShape">
+              <a:avLst/>
+            </a:prstTxWarp>
+            <a:noAutofit/>
+          </a:bodyPr>
           <a:lstStyle/>
           <a:p>
             <a:pPr marL="342900" indent="-342900">
@@ -13029,107 +12935,26 @@
               <a:buChar char="•"/>
             </a:pPr>
             <a:r>
-              <a:rPr lang="it-IT" sz="2400" b="1" dirty="0" smtClean="0">
-                <a:solidFill>
-                  <a:schemeClr val="tx1"/>
-                </a:solidFill>
-                <a:latin typeface="Tahoma" panose="020B0604030504040204" pitchFamily="34" charset="0"/>
-                <a:ea typeface="Tahoma" panose="020B0604030504040204" pitchFamily="34" charset="0"/>
-                <a:cs typeface="Tahoma" panose="020B0604030504040204" pitchFamily="34" charset="0"/>
-              </a:rPr>
-              <a:t>ISAC</a:t>
-            </a:r>
-            <a:r>
-              <a:rPr lang="it-IT" sz="2400" dirty="0" smtClean="0">
-                <a:solidFill>
-                  <a:schemeClr val="tx1"/>
-                </a:solidFill>
-                <a:latin typeface="Tahoma" panose="020B0604030504040204" pitchFamily="34" charset="0"/>
-                <a:ea typeface="Tahoma" panose="020B0604030504040204" pitchFamily="34" charset="0"/>
-                <a:cs typeface="Tahoma" panose="020B0604030504040204" pitchFamily="34" charset="0"/>
-              </a:rPr>
-              <a:t> </a:t>
-            </a:r>
-            <a:r>
-              <a:rPr lang="it-IT" sz="2400" dirty="0">
-                <a:solidFill>
-                  <a:schemeClr val="tx1"/>
-                </a:solidFill>
-                <a:latin typeface="Tahoma" panose="020B0604030504040204" pitchFamily="34" charset="0"/>
-                <a:ea typeface="Tahoma" panose="020B0604030504040204" pitchFamily="34" charset="0"/>
-                <a:cs typeface="Tahoma" panose="020B0604030504040204" pitchFamily="34" charset="0"/>
-              </a:rPr>
-              <a:t>(Information </a:t>
-            </a:r>
-            <a:r>
-              <a:rPr lang="it-IT" sz="2400" dirty="0" err="1">
-                <a:solidFill>
-                  <a:schemeClr val="tx1"/>
-                </a:solidFill>
-                <a:latin typeface="Tahoma" panose="020B0604030504040204" pitchFamily="34" charset="0"/>
-                <a:ea typeface="Tahoma" panose="020B0604030504040204" pitchFamily="34" charset="0"/>
-                <a:cs typeface="Tahoma" panose="020B0604030504040204" pitchFamily="34" charset="0"/>
-              </a:rPr>
-              <a:t>Sharing</a:t>
-            </a:r>
-            <a:r>
-              <a:rPr lang="it-IT" sz="2400" dirty="0">
-                <a:solidFill>
-                  <a:schemeClr val="tx1"/>
-                </a:solidFill>
-                <a:latin typeface="Tahoma" panose="020B0604030504040204" pitchFamily="34" charset="0"/>
-                <a:ea typeface="Tahoma" panose="020B0604030504040204" pitchFamily="34" charset="0"/>
-                <a:cs typeface="Tahoma" panose="020B0604030504040204" pitchFamily="34" charset="0"/>
-              </a:rPr>
-              <a:t> and Analysis Center): Un </a:t>
-            </a:r>
-            <a:r>
-              <a:rPr lang="it-IT" sz="2400" b="1" dirty="0">
-                <a:solidFill>
-                  <a:schemeClr val="tx1"/>
-                </a:solidFill>
-                <a:latin typeface="Tahoma" panose="020B0604030504040204" pitchFamily="34" charset="0"/>
-                <a:ea typeface="Tahoma" panose="020B0604030504040204" pitchFamily="34" charset="0"/>
-                <a:cs typeface="Tahoma" panose="020B0604030504040204" pitchFamily="34" charset="0"/>
-              </a:rPr>
-              <a:t>ISAC</a:t>
-            </a:r>
-            <a:r>
-              <a:rPr lang="it-IT" sz="2400" dirty="0">
-                <a:solidFill>
-                  <a:schemeClr val="tx1"/>
-                </a:solidFill>
-                <a:latin typeface="Tahoma" panose="020B0604030504040204" pitchFamily="34" charset="0"/>
-                <a:ea typeface="Tahoma" panose="020B0604030504040204" pitchFamily="34" charset="0"/>
-                <a:cs typeface="Tahoma" panose="020B0604030504040204" pitchFamily="34" charset="0"/>
-              </a:rPr>
-              <a:t> è un'organizzazione che facilita lo scambio di informazioni sulla sicurezza informatica tra diverse entità, come organizzazioni governative, aziende, organizzazioni non profit e fornitori di servizi. L'obiettivo principale di un </a:t>
-            </a:r>
-            <a:r>
-              <a:rPr lang="it-IT" sz="2400" b="1" dirty="0">
-                <a:solidFill>
-                  <a:schemeClr val="tx1"/>
-                </a:solidFill>
-                <a:latin typeface="Tahoma" panose="020B0604030504040204" pitchFamily="34" charset="0"/>
-                <a:ea typeface="Tahoma" panose="020B0604030504040204" pitchFamily="34" charset="0"/>
-                <a:cs typeface="Tahoma" panose="020B0604030504040204" pitchFamily="34" charset="0"/>
-              </a:rPr>
-              <a:t>ISAC</a:t>
-            </a:r>
-            <a:r>
-              <a:rPr lang="it-IT" sz="2400" dirty="0">
-                <a:solidFill>
-                  <a:schemeClr val="tx1"/>
-                </a:solidFill>
-                <a:latin typeface="Tahoma" panose="020B0604030504040204" pitchFamily="34" charset="0"/>
-                <a:ea typeface="Tahoma" panose="020B0604030504040204" pitchFamily="34" charset="0"/>
-                <a:cs typeface="Tahoma" panose="020B0604030504040204" pitchFamily="34" charset="0"/>
-              </a:rPr>
-              <a:t> è promuovere la collaborazione e la condivisione di informazioni sulla minaccia cibernetica per migliorare la sicurezza complessiva. Gli ISAC raccolgono, analizzano e diffondono informazioni sulle minacce e sulle migliori pratiche di sicurezza informatica, consentendo alle organizzazioni aderenti di essere più consapevoli dei rischi e di prendere misure preventive appropriate</a:t>
-            </a:r>
-            <a:r>
-              <a:rPr lang="it-IT" sz="2400" dirty="0"/>
-              <a:t>.</a:t>
+              <a:rPr lang="it-IT" sz="2400" b="1" smtClean="0">
+                <a:solidFill>
+                  <a:schemeClr val="tx1"/>
+                </a:solidFill>
+                <a:latin typeface="Tahoma" panose="020B0604030504040204" pitchFamily="34" charset="0"/>
+                <a:ea typeface="Tahoma" panose="020B0604030504040204" pitchFamily="34" charset="0"/>
+                <a:cs typeface="Tahoma" panose="020B0604030504040204" pitchFamily="34" charset="0"/>
+              </a:rPr>
+              <a:t>Disponibilità</a:t>
+            </a:r>
+            <a:r>
+              <a:rPr lang="it-IT" sz="2400">
+                <a:solidFill>
+                  <a:schemeClr val="tx1"/>
+                </a:solidFill>
+                <a:latin typeface="Tahoma" panose="020B0604030504040204" pitchFamily="34" charset="0"/>
+                <a:ea typeface="Tahoma" panose="020B0604030504040204" pitchFamily="34" charset="0"/>
+                <a:cs typeface="Tahoma" panose="020B0604030504040204" pitchFamily="34" charset="0"/>
+              </a:rPr>
+              <a:t>: La disponibilità si riferisce alla garanzia che le risorse, i servizi e le informazioni siano accessibili e utilizzabili quando necessario. Ciò significa che le risorse devono essere protette da interruzioni, malfunzionamenti, attacchi o eventi catastrofici che potrebbero impedire agli utenti autorizzati di accedervi. La sicurezza della disponibilità prevede misure per garantire la continuità operativa, l'affidabilità dei sistemi e la resistenza agli attacchi o ai guasti.</a:t>
             </a:r>
             <a:endParaRPr lang="it-IT" sz="2400" dirty="0">
               <a:solidFill>
@@ -13204,19 +13029,20 @@
           <a:lstStyle/>
           <a:p>
             <a:r>
-              <a:rPr lang="it-IT" dirty="0" smtClean="0"/>
-              <a:t>Funzioni </a:t>
-            </a:r>
-            <a:r>
-              <a:rPr lang="it-IT" dirty="0"/>
-              <a:t>di CSIRT, SOC e ISAC</a:t>
-            </a:r>
+              <a:rPr lang="it-IT" smtClean="0"/>
+              <a:t>Sicurezza </a:t>
+            </a:r>
+            <a:r>
+              <a:rPr lang="it-IT"/>
+              <a:t>sotto i profili di disponibilità, integrità e confidenzialità</a:t>
+            </a:r>
+            <a:endParaRPr lang="it-IT" dirty="0"/>
           </a:p>
         </p:txBody>
       </p:sp>
       <p:pic>
         <p:nvPicPr>
-          <p:cNvPr id="3" name="Immagine 2"/>
+          <p:cNvPr id="4" name="Immagine 3"/>
           <p:cNvPicPr>
             <a:picLocks noChangeAspect="1"/>
           </p:cNvPicPr>
@@ -13236,8 +13062,8 @@
         </p:blipFill>
         <p:spPr>
           <a:xfrm>
-            <a:off x="8387070" y="2229617"/>
-            <a:ext cx="3423931" cy="3423931"/>
+            <a:off x="8275264" y="2244257"/>
+            <a:ext cx="3547605" cy="3188354"/>
           </a:xfrm>
           <a:prstGeom prst="rect">
             <a:avLst/>
@@ -13247,7 +13073,7 @@
     </p:spTree>
     <p:extLst>
       <p:ext uri="{BB962C8B-B14F-4D97-AF65-F5344CB8AC3E}">
-        <p14:creationId xmlns:p14="http://schemas.microsoft.com/office/powerpoint/2010/main" val="383873187"/>
+        <p14:creationId xmlns:p14="http://schemas.microsoft.com/office/powerpoint/2010/main" val="1573187934"/>
       </p:ext>
     </p:extLst>
   </p:cSld>
@@ -13589,8 +13415,8 @@
         </p:nvSpPr>
         <p:spPr>
           <a:xfrm>
-            <a:off x="721777" y="1401434"/>
-            <a:ext cx="4695797" cy="4392612"/>
+            <a:off x="721777" y="1705419"/>
+            <a:ext cx="7319564" cy="4392612"/>
           </a:xfrm>
         </p:spPr>
         <p:txBody>
@@ -13602,40 +13428,40 @@
               <a:buChar char="•"/>
             </a:pPr>
             <a:r>
-              <a:rPr lang="it-IT" sz="2400" dirty="0" smtClean="0">
-                <a:solidFill>
-                  <a:schemeClr val="tx1"/>
-                </a:solidFill>
-                <a:latin typeface="Tahoma" panose="020B0604030504040204" pitchFamily="34" charset="0"/>
-                <a:ea typeface="Tahoma" panose="020B0604030504040204" pitchFamily="34" charset="0"/>
-                <a:cs typeface="Tahoma" panose="020B0604030504040204" pitchFamily="34" charset="0"/>
-              </a:rPr>
-              <a:t>In </a:t>
-            </a:r>
-            <a:r>
-              <a:rPr lang="it-IT" sz="2400" dirty="0">
-                <a:solidFill>
-                  <a:schemeClr val="tx1"/>
-                </a:solidFill>
-                <a:latin typeface="Tahoma" panose="020B0604030504040204" pitchFamily="34" charset="0"/>
-                <a:ea typeface="Tahoma" panose="020B0604030504040204" pitchFamily="34" charset="0"/>
-                <a:cs typeface="Tahoma" panose="020B0604030504040204" pitchFamily="34" charset="0"/>
-              </a:rPr>
-              <a:t>sintesi, </a:t>
-            </a:r>
-            <a:r>
-              <a:rPr lang="it-IT" sz="2400" b="1" dirty="0">
-                <a:solidFill>
-                  <a:schemeClr val="tx1"/>
-                </a:solidFill>
-                <a:latin typeface="Tahoma" panose="020B0604030504040204" pitchFamily="34" charset="0"/>
-                <a:ea typeface="Tahoma" panose="020B0604030504040204" pitchFamily="34" charset="0"/>
-                <a:cs typeface="Tahoma" panose="020B0604030504040204" pitchFamily="34" charset="0"/>
-              </a:rPr>
-              <a:t>CSIRT</a:t>
-            </a:r>
-            <a:r>
-              <a:rPr lang="it-IT" sz="2400" dirty="0">
+              <a:rPr lang="it-IT" sz="2400" smtClean="0">
+                <a:solidFill>
+                  <a:schemeClr val="tx1"/>
+                </a:solidFill>
+                <a:latin typeface="Tahoma" panose="020B0604030504040204" pitchFamily="34" charset="0"/>
+                <a:ea typeface="Tahoma" panose="020B0604030504040204" pitchFamily="34" charset="0"/>
+                <a:cs typeface="Tahoma" panose="020B0604030504040204" pitchFamily="34" charset="0"/>
+              </a:rPr>
+              <a:t>La </a:t>
+            </a:r>
+            <a:r>
+              <a:rPr lang="it-IT" sz="2400">
+                <a:solidFill>
+                  <a:schemeClr val="tx1"/>
+                </a:solidFill>
+                <a:latin typeface="Tahoma" panose="020B0604030504040204" pitchFamily="34" charset="0"/>
+                <a:ea typeface="Tahoma" panose="020B0604030504040204" pitchFamily="34" charset="0"/>
+                <a:cs typeface="Tahoma" panose="020B0604030504040204" pitchFamily="34" charset="0"/>
+              </a:rPr>
+              <a:t>sicurezza delle informazioni si concentra su tre aspetti fondamentali: </a:t>
+            </a:r>
+            <a:r>
+              <a:rPr lang="it-IT" sz="2400" b="1">
+                <a:solidFill>
+                  <a:schemeClr val="tx1"/>
+                </a:solidFill>
+                <a:latin typeface="Tahoma" panose="020B0604030504040204" pitchFamily="34" charset="0"/>
+                <a:ea typeface="Tahoma" panose="020B0604030504040204" pitchFamily="34" charset="0"/>
+                <a:cs typeface="Tahoma" panose="020B0604030504040204" pitchFamily="34" charset="0"/>
+              </a:rPr>
+              <a:t>disponibilità</a:t>
+            </a:r>
+            <a:r>
+              <a:rPr lang="it-IT" sz="2400">
                 <a:solidFill>
                   <a:schemeClr val="tx1"/>
                 </a:solidFill>
@@ -13646,18 +13472,18 @@
               <a:t>, </a:t>
             </a:r>
             <a:r>
-              <a:rPr lang="it-IT" sz="2400" b="1" dirty="0">
-                <a:solidFill>
-                  <a:schemeClr val="tx1"/>
-                </a:solidFill>
-                <a:latin typeface="Tahoma" panose="020B0604030504040204" pitchFamily="34" charset="0"/>
-                <a:ea typeface="Tahoma" panose="020B0604030504040204" pitchFamily="34" charset="0"/>
-                <a:cs typeface="Tahoma" panose="020B0604030504040204" pitchFamily="34" charset="0"/>
-              </a:rPr>
-              <a:t>SOC</a:t>
-            </a:r>
-            <a:r>
-              <a:rPr lang="it-IT" sz="2400" dirty="0">
+              <a:rPr lang="it-IT" sz="2400" b="1">
+                <a:solidFill>
+                  <a:schemeClr val="tx1"/>
+                </a:solidFill>
+                <a:latin typeface="Tahoma" panose="020B0604030504040204" pitchFamily="34" charset="0"/>
+                <a:ea typeface="Tahoma" panose="020B0604030504040204" pitchFamily="34" charset="0"/>
+                <a:cs typeface="Tahoma" panose="020B0604030504040204" pitchFamily="34" charset="0"/>
+              </a:rPr>
+              <a:t>integrità</a:t>
+            </a:r>
+            <a:r>
+              <a:rPr lang="it-IT" sz="2400">
                 <a:solidFill>
                   <a:schemeClr val="tx1"/>
                 </a:solidFill>
@@ -13668,93 +13494,82 @@
               <a:t> e </a:t>
             </a:r>
             <a:r>
-              <a:rPr lang="it-IT" sz="2400" b="1" dirty="0">
-                <a:solidFill>
-                  <a:schemeClr val="tx1"/>
-                </a:solidFill>
-                <a:latin typeface="Tahoma" panose="020B0604030504040204" pitchFamily="34" charset="0"/>
-                <a:ea typeface="Tahoma" panose="020B0604030504040204" pitchFamily="34" charset="0"/>
-                <a:cs typeface="Tahoma" panose="020B0604030504040204" pitchFamily="34" charset="0"/>
-              </a:rPr>
-              <a:t>ISAC</a:t>
-            </a:r>
-            <a:r>
-              <a:rPr lang="it-IT" sz="2400" dirty="0">
-                <a:solidFill>
-                  <a:schemeClr val="tx1"/>
-                </a:solidFill>
-                <a:latin typeface="Tahoma" panose="020B0604030504040204" pitchFamily="34" charset="0"/>
-                <a:ea typeface="Tahoma" panose="020B0604030504040204" pitchFamily="34" charset="0"/>
-                <a:cs typeface="Tahoma" panose="020B0604030504040204" pitchFamily="34" charset="0"/>
-              </a:rPr>
-              <a:t> rappresentano tre aspetti complementari della sicurezza informatica: il </a:t>
-            </a:r>
-            <a:r>
-              <a:rPr lang="it-IT" sz="2400" b="1" dirty="0">
-                <a:solidFill>
-                  <a:schemeClr val="tx1"/>
-                </a:solidFill>
-                <a:latin typeface="Tahoma" panose="020B0604030504040204" pitchFamily="34" charset="0"/>
-                <a:ea typeface="Tahoma" panose="020B0604030504040204" pitchFamily="34" charset="0"/>
-                <a:cs typeface="Tahoma" panose="020B0604030504040204" pitchFamily="34" charset="0"/>
-              </a:rPr>
-              <a:t>CSIRT</a:t>
-            </a:r>
-            <a:r>
-              <a:rPr lang="it-IT" sz="2400" dirty="0">
-                <a:solidFill>
-                  <a:schemeClr val="tx1"/>
-                </a:solidFill>
-                <a:latin typeface="Tahoma" panose="020B0604030504040204" pitchFamily="34" charset="0"/>
-                <a:ea typeface="Tahoma" panose="020B0604030504040204" pitchFamily="34" charset="0"/>
-                <a:cs typeface="Tahoma" panose="020B0604030504040204" pitchFamily="34" charset="0"/>
-              </a:rPr>
-              <a:t> gestisce gli incidenti di sicurezza, il </a:t>
-            </a:r>
-            <a:r>
-              <a:rPr lang="it-IT" sz="2400" b="1" dirty="0">
-                <a:solidFill>
-                  <a:schemeClr val="tx1"/>
-                </a:solidFill>
-                <a:latin typeface="Tahoma" panose="020B0604030504040204" pitchFamily="34" charset="0"/>
-                <a:ea typeface="Tahoma" panose="020B0604030504040204" pitchFamily="34" charset="0"/>
-                <a:cs typeface="Tahoma" panose="020B0604030504040204" pitchFamily="34" charset="0"/>
-              </a:rPr>
-              <a:t>SOC</a:t>
-            </a:r>
-            <a:r>
-              <a:rPr lang="it-IT" sz="2400" dirty="0">
-                <a:solidFill>
-                  <a:schemeClr val="tx1"/>
-                </a:solidFill>
-                <a:latin typeface="Tahoma" panose="020B0604030504040204" pitchFamily="34" charset="0"/>
-                <a:ea typeface="Tahoma" panose="020B0604030504040204" pitchFamily="34" charset="0"/>
-                <a:cs typeface="Tahoma" panose="020B0604030504040204" pitchFamily="34" charset="0"/>
-              </a:rPr>
-              <a:t> monitora e analizza gli eventi di sicurezza in tempo reale, mentre gli </a:t>
-            </a:r>
-            <a:r>
-              <a:rPr lang="it-IT" sz="2400" b="1" dirty="0">
-                <a:solidFill>
-                  <a:schemeClr val="tx1"/>
-                </a:solidFill>
-                <a:latin typeface="Tahoma" panose="020B0604030504040204" pitchFamily="34" charset="0"/>
-                <a:ea typeface="Tahoma" panose="020B0604030504040204" pitchFamily="34" charset="0"/>
-                <a:cs typeface="Tahoma" panose="020B0604030504040204" pitchFamily="34" charset="0"/>
-              </a:rPr>
-              <a:t>ISAC</a:t>
-            </a:r>
-            <a:r>
-              <a:rPr lang="it-IT" sz="2400" dirty="0">
-                <a:solidFill>
-                  <a:schemeClr val="tx1"/>
-                </a:solidFill>
-                <a:latin typeface="Tahoma" panose="020B0604030504040204" pitchFamily="34" charset="0"/>
-                <a:ea typeface="Tahoma" panose="020B0604030504040204" pitchFamily="34" charset="0"/>
-                <a:cs typeface="Tahoma" panose="020B0604030504040204" pitchFamily="34" charset="0"/>
-              </a:rPr>
-              <a:t> favoriscono la condivisione delle informazioni sulla minaccia tra le organizzazioni.</a:t>
-            </a:r>
+              <a:rPr lang="it-IT" sz="2400" b="1">
+                <a:solidFill>
+                  <a:schemeClr val="tx1"/>
+                </a:solidFill>
+                <a:latin typeface="Tahoma" panose="020B0604030504040204" pitchFamily="34" charset="0"/>
+                <a:ea typeface="Tahoma" panose="020B0604030504040204" pitchFamily="34" charset="0"/>
+                <a:cs typeface="Tahoma" panose="020B0604030504040204" pitchFamily="34" charset="0"/>
+              </a:rPr>
+              <a:t>confidenzialità</a:t>
+            </a:r>
+            <a:r>
+              <a:rPr lang="it-IT" sz="2400">
+                <a:solidFill>
+                  <a:schemeClr val="tx1"/>
+                </a:solidFill>
+                <a:latin typeface="Tahoma" panose="020B0604030504040204" pitchFamily="34" charset="0"/>
+                <a:ea typeface="Tahoma" panose="020B0604030504040204" pitchFamily="34" charset="0"/>
+                <a:cs typeface="Tahoma" panose="020B0604030504040204" pitchFamily="34" charset="0"/>
+              </a:rPr>
+              <a:t>. Questi aspetti sono considerati pilastri fondamentali della sicurezza e sono spesso indicati come la "</a:t>
+            </a:r>
+            <a:r>
+              <a:rPr lang="it-IT" sz="2400" b="1">
+                <a:solidFill>
+                  <a:schemeClr val="tx1"/>
+                </a:solidFill>
+                <a:latin typeface="Tahoma" panose="020B0604030504040204" pitchFamily="34" charset="0"/>
+                <a:ea typeface="Tahoma" panose="020B0604030504040204" pitchFamily="34" charset="0"/>
+                <a:cs typeface="Tahoma" panose="020B0604030504040204" pitchFamily="34" charset="0"/>
+              </a:rPr>
+              <a:t>triade della sicurezza</a:t>
+            </a:r>
+            <a:r>
+              <a:rPr lang="it-IT" sz="2400">
+                <a:solidFill>
+                  <a:schemeClr val="tx1"/>
+                </a:solidFill>
+                <a:latin typeface="Tahoma" panose="020B0604030504040204" pitchFamily="34" charset="0"/>
+                <a:ea typeface="Tahoma" panose="020B0604030504040204" pitchFamily="34" charset="0"/>
+                <a:cs typeface="Tahoma" panose="020B0604030504040204" pitchFamily="34" charset="0"/>
+              </a:rPr>
+              <a:t>". </a:t>
+            </a:r>
+            <a:endParaRPr lang="it-IT" sz="2400" smtClean="0">
+              <a:solidFill>
+                <a:schemeClr val="tx1"/>
+              </a:solidFill>
+              <a:latin typeface="Tahoma" panose="020B0604030504040204" pitchFamily="34" charset="0"/>
+              <a:ea typeface="Tahoma" panose="020B0604030504040204" pitchFamily="34" charset="0"/>
+              <a:cs typeface="Tahoma" panose="020B0604030504040204" pitchFamily="34" charset="0"/>
+            </a:endParaRPr>
+          </a:p>
+          <a:p>
+            <a:pPr marL="342900" indent="-342900">
+              <a:buFont typeface="Arial" panose="020B0604020202020204" pitchFamily="34" charset="0"/>
+              <a:buChar char="•"/>
+            </a:pPr>
+            <a:r>
+              <a:rPr lang="it-IT" sz="2400">
+                <a:solidFill>
+                  <a:schemeClr val="tx1"/>
+                </a:solidFill>
+                <a:latin typeface="Tahoma" panose="020B0604030504040204" pitchFamily="34" charset="0"/>
+                <a:ea typeface="Tahoma" panose="020B0604030504040204" pitchFamily="34" charset="0"/>
+                <a:cs typeface="Tahoma" panose="020B0604030504040204" pitchFamily="34" charset="0"/>
+              </a:rPr>
+              <a:t>Questi tre aspetti sono strettamente correlati e interconnessi nella progettazione di un sistema di sicurezza efficace. Per garantire una protezione completa delle informazioni, è necessario adottare misure e controlli appropriati per garantire la disponibilità, l'integrità e la confidenzialità dei dati e dei sistemi.</a:t>
+            </a:r>
+            <a:endParaRPr lang="it-IT" sz="2400" dirty="0">
+              <a:solidFill>
+                <a:schemeClr val="tx1"/>
+              </a:solidFill>
+              <a:latin typeface="Tahoma" panose="020B0604030504040204" pitchFamily="34" charset="0"/>
+              <a:ea typeface="Tahoma" panose="020B0604030504040204" pitchFamily="34" charset="0"/>
+              <a:cs typeface="Tahoma" panose="020B0604030504040204" pitchFamily="34" charset="0"/>
+            </a:endParaRPr>
           </a:p>
         </p:txBody>
       </p:sp>
@@ -13820,13 +13635,14 @@
           <a:lstStyle/>
           <a:p>
             <a:r>
-              <a:rPr lang="it-IT" dirty="0" smtClean="0"/>
-              <a:t>Funzioni </a:t>
-            </a:r>
-            <a:r>
-              <a:rPr lang="it-IT" dirty="0"/>
-              <a:t>di CSIRT, SOC e ISAC</a:t>
-            </a:r>
+              <a:rPr lang="it-IT" smtClean="0"/>
+              <a:t>Sicurezza </a:t>
+            </a:r>
+            <a:r>
+              <a:rPr lang="it-IT"/>
+              <a:t>sotto i profili di disponibilità, integrità e confidenzialità</a:t>
+            </a:r>
+            <a:endParaRPr lang="it-IT" dirty="0"/>
           </a:p>
         </p:txBody>
       </p:sp>
@@ -13852,8 +13668,8 @@
         </p:blipFill>
         <p:spPr>
           <a:xfrm>
-            <a:off x="5781368" y="1308304"/>
-            <a:ext cx="6192018" cy="5184015"/>
+            <a:off x="8275264" y="2244257"/>
+            <a:ext cx="3547605" cy="3188354"/>
           </a:xfrm>
           <a:prstGeom prst="rect">
             <a:avLst/>
@@ -13863,7 +13679,7 @@
     </p:spTree>
     <p:extLst>
       <p:ext uri="{BB962C8B-B14F-4D97-AF65-F5344CB8AC3E}">
-        <p14:creationId xmlns:p14="http://schemas.microsoft.com/office/powerpoint/2010/main" val="538899849"/>
+        <p14:creationId xmlns:p14="http://schemas.microsoft.com/office/powerpoint/2010/main" val="1184088690"/>
       </p:ext>
     </p:extLst>
   </p:cSld>
@@ -13892,6 +13708,182 @@
       </p:grpSpPr>
       <p:sp>
         <p:nvSpPr>
+          <p:cNvPr id="2" name="Segnaposto testo 1">
+            <a:extLst>
+              <a:ext uri="{FF2B5EF4-FFF2-40B4-BE49-F238E27FC236}">
+                <a16:creationId xmlns:a16="http://schemas.microsoft.com/office/drawing/2014/main" id="{E5AE986C-196F-4141-A898-FA4C4198CDCC}"/>
+              </a:ext>
+            </a:extLst>
+          </p:cNvPr>
+          <p:cNvSpPr>
+            <a:spLocks noGrp="1"/>
+          </p:cNvSpPr>
+          <p:nvPr>
+            <p:ph type="body" idx="1"/>
+          </p:nvPr>
+        </p:nvSpPr>
+        <p:spPr>
+          <a:xfrm>
+            <a:off x="721777" y="1705419"/>
+            <a:ext cx="7319564" cy="4392612"/>
+          </a:xfrm>
+        </p:spPr>
+        <p:txBody>
+          <a:bodyPr/>
+          <a:lstStyle/>
+          <a:p>
+            <a:pPr marL="342900" indent="-342900">
+              <a:buFont typeface="Arial" panose="020B0604020202020204" pitchFamily="34" charset="0"/>
+              <a:buChar char="•"/>
+            </a:pPr>
+            <a:r>
+              <a:rPr lang="it-IT" sz="2400" smtClean="0">
+                <a:solidFill>
+                  <a:schemeClr val="tx1"/>
+                </a:solidFill>
+                <a:latin typeface="Tahoma" panose="020B0604030504040204" pitchFamily="34" charset="0"/>
+                <a:ea typeface="Tahoma" panose="020B0604030504040204" pitchFamily="34" charset="0"/>
+                <a:cs typeface="Tahoma" panose="020B0604030504040204" pitchFamily="34" charset="0"/>
+              </a:rPr>
+              <a:t>La </a:t>
+            </a:r>
+            <a:r>
+              <a:rPr lang="it-IT" sz="2400">
+                <a:solidFill>
+                  <a:schemeClr val="tx1"/>
+                </a:solidFill>
+                <a:latin typeface="Tahoma" panose="020B0604030504040204" pitchFamily="34" charset="0"/>
+                <a:ea typeface="Tahoma" panose="020B0604030504040204" pitchFamily="34" charset="0"/>
+                <a:cs typeface="Tahoma" panose="020B0604030504040204" pitchFamily="34" charset="0"/>
+              </a:rPr>
+              <a:t>sicurezza delle informazioni si concentra su tre aspetti fondamentali: </a:t>
+            </a:r>
+            <a:r>
+              <a:rPr lang="it-IT" sz="2400" b="1">
+                <a:solidFill>
+                  <a:schemeClr val="tx1"/>
+                </a:solidFill>
+                <a:latin typeface="Tahoma" panose="020B0604030504040204" pitchFamily="34" charset="0"/>
+                <a:ea typeface="Tahoma" panose="020B0604030504040204" pitchFamily="34" charset="0"/>
+                <a:cs typeface="Tahoma" panose="020B0604030504040204" pitchFamily="34" charset="0"/>
+              </a:rPr>
+              <a:t>disponibilità</a:t>
+            </a:r>
+            <a:r>
+              <a:rPr lang="it-IT" sz="2400">
+                <a:solidFill>
+                  <a:schemeClr val="tx1"/>
+                </a:solidFill>
+                <a:latin typeface="Tahoma" panose="020B0604030504040204" pitchFamily="34" charset="0"/>
+                <a:ea typeface="Tahoma" panose="020B0604030504040204" pitchFamily="34" charset="0"/>
+                <a:cs typeface="Tahoma" panose="020B0604030504040204" pitchFamily="34" charset="0"/>
+              </a:rPr>
+              <a:t>, </a:t>
+            </a:r>
+            <a:r>
+              <a:rPr lang="it-IT" sz="2400" b="1">
+                <a:solidFill>
+                  <a:schemeClr val="tx1"/>
+                </a:solidFill>
+                <a:latin typeface="Tahoma" panose="020B0604030504040204" pitchFamily="34" charset="0"/>
+                <a:ea typeface="Tahoma" panose="020B0604030504040204" pitchFamily="34" charset="0"/>
+                <a:cs typeface="Tahoma" panose="020B0604030504040204" pitchFamily="34" charset="0"/>
+              </a:rPr>
+              <a:t>integrità</a:t>
+            </a:r>
+            <a:r>
+              <a:rPr lang="it-IT" sz="2400">
+                <a:solidFill>
+                  <a:schemeClr val="tx1"/>
+                </a:solidFill>
+                <a:latin typeface="Tahoma" panose="020B0604030504040204" pitchFamily="34" charset="0"/>
+                <a:ea typeface="Tahoma" panose="020B0604030504040204" pitchFamily="34" charset="0"/>
+                <a:cs typeface="Tahoma" panose="020B0604030504040204" pitchFamily="34" charset="0"/>
+              </a:rPr>
+              <a:t> e </a:t>
+            </a:r>
+            <a:r>
+              <a:rPr lang="it-IT" sz="2400" b="1">
+                <a:solidFill>
+                  <a:schemeClr val="tx1"/>
+                </a:solidFill>
+                <a:latin typeface="Tahoma" panose="020B0604030504040204" pitchFamily="34" charset="0"/>
+                <a:ea typeface="Tahoma" panose="020B0604030504040204" pitchFamily="34" charset="0"/>
+                <a:cs typeface="Tahoma" panose="020B0604030504040204" pitchFamily="34" charset="0"/>
+              </a:rPr>
+              <a:t>confidenzialità</a:t>
+            </a:r>
+            <a:r>
+              <a:rPr lang="it-IT" sz="2400">
+                <a:solidFill>
+                  <a:schemeClr val="tx1"/>
+                </a:solidFill>
+                <a:latin typeface="Tahoma" panose="020B0604030504040204" pitchFamily="34" charset="0"/>
+                <a:ea typeface="Tahoma" panose="020B0604030504040204" pitchFamily="34" charset="0"/>
+                <a:cs typeface="Tahoma" panose="020B0604030504040204" pitchFamily="34" charset="0"/>
+              </a:rPr>
+              <a:t>. Questi aspetti sono considerati pilastri fondamentali della sicurezza e sono spesso indicati come la "</a:t>
+            </a:r>
+            <a:r>
+              <a:rPr lang="it-IT" sz="2400" b="1">
+                <a:solidFill>
+                  <a:schemeClr val="tx1"/>
+                </a:solidFill>
+                <a:latin typeface="Tahoma" panose="020B0604030504040204" pitchFamily="34" charset="0"/>
+                <a:ea typeface="Tahoma" panose="020B0604030504040204" pitchFamily="34" charset="0"/>
+                <a:cs typeface="Tahoma" panose="020B0604030504040204" pitchFamily="34" charset="0"/>
+              </a:rPr>
+              <a:t>triade della sicurezza</a:t>
+            </a:r>
+            <a:r>
+              <a:rPr lang="it-IT" sz="2400">
+                <a:solidFill>
+                  <a:schemeClr val="tx1"/>
+                </a:solidFill>
+                <a:latin typeface="Tahoma" panose="020B0604030504040204" pitchFamily="34" charset="0"/>
+                <a:ea typeface="Tahoma" panose="020B0604030504040204" pitchFamily="34" charset="0"/>
+                <a:cs typeface="Tahoma" panose="020B0604030504040204" pitchFamily="34" charset="0"/>
+              </a:rPr>
+              <a:t>". </a:t>
+            </a:r>
+            <a:endParaRPr lang="it-IT" sz="2400" smtClean="0">
+              <a:solidFill>
+                <a:schemeClr val="tx1"/>
+              </a:solidFill>
+              <a:latin typeface="Tahoma" panose="020B0604030504040204" pitchFamily="34" charset="0"/>
+              <a:ea typeface="Tahoma" panose="020B0604030504040204" pitchFamily="34" charset="0"/>
+              <a:cs typeface="Tahoma" panose="020B0604030504040204" pitchFamily="34" charset="0"/>
+            </a:endParaRPr>
+          </a:p>
+          <a:p>
+            <a:pPr marL="342900" indent="-342900">
+              <a:buFont typeface="Arial" panose="020B0604020202020204" pitchFamily="34" charset="0"/>
+              <a:buChar char="•"/>
+            </a:pPr>
+            <a:r>
+              <a:rPr lang="it-IT" sz="2400">
+                <a:solidFill>
+                  <a:schemeClr val="tx1"/>
+                </a:solidFill>
+                <a:latin typeface="Tahoma" panose="020B0604030504040204" pitchFamily="34" charset="0"/>
+                <a:ea typeface="Tahoma" panose="020B0604030504040204" pitchFamily="34" charset="0"/>
+                <a:cs typeface="Tahoma" panose="020B0604030504040204" pitchFamily="34" charset="0"/>
+              </a:rPr>
+              <a:t>Questi tre aspetti sono strettamente correlati e interconnessi nella progettazione di un sistema di sicurezza efficace. Per garantire una protezione completa delle informazioni, è necessario adottare misure e controlli appropriati per garantire la disponibilità, l'integrità e la confidenzialità dei dati e dei sistemi.</a:t>
+            </a:r>
+            <a:endParaRPr lang="it-IT" sz="2400" dirty="0">
+              <a:solidFill>
+                <a:schemeClr val="tx1"/>
+              </a:solidFill>
+              <a:latin typeface="Tahoma" panose="020B0604030504040204" pitchFamily="34" charset="0"/>
+              <a:ea typeface="Tahoma" panose="020B0604030504040204" pitchFamily="34" charset="0"/>
+              <a:cs typeface="Tahoma" panose="020B0604030504040204" pitchFamily="34" charset="0"/>
+            </a:endParaRPr>
+          </a:p>
+        </p:txBody>
+      </p:sp>
+      <p:sp>
+        <p:nvSpPr>
           <p:cNvPr id="7" name="Segnaposto numero diapositiva 6">
             <a:extLst>
               <a:ext uri="{FF2B5EF4-FFF2-40B4-BE49-F238E27FC236}">
@@ -13920,6 +13912,1756 @@
                 <a:defRPr/>
               </a:pPr>
               <a:t>31</a:t>
+            </a:fld>
+            <a:endParaRPr lang="en-US" dirty="0"/>
+          </a:p>
+        </p:txBody>
+      </p:sp>
+      <p:sp>
+        <p:nvSpPr>
+          <p:cNvPr id="5" name="Titolo 4">
+            <a:extLst>
+              <a:ext uri="{FF2B5EF4-FFF2-40B4-BE49-F238E27FC236}">
+                <a16:creationId xmlns:a16="http://schemas.microsoft.com/office/drawing/2014/main" id="{82C46BA2-B380-4357-B125-BA9F08A643F5}"/>
+              </a:ext>
+            </a:extLst>
+          </p:cNvPr>
+          <p:cNvSpPr>
+            <a:spLocks noGrp="1"/>
+          </p:cNvSpPr>
+          <p:nvPr>
+            <p:ph type="title"/>
+          </p:nvPr>
+        </p:nvSpPr>
+        <p:spPr>
+          <a:xfrm>
+            <a:off x="468895" y="503475"/>
+            <a:ext cx="11269308" cy="384721"/>
+          </a:xfrm>
+        </p:spPr>
+        <p:txBody>
+          <a:bodyPr/>
+          <a:lstStyle/>
+          <a:p>
+            <a:r>
+              <a:rPr lang="it-IT" smtClean="0"/>
+              <a:t>Sicurezza </a:t>
+            </a:r>
+            <a:r>
+              <a:rPr lang="it-IT"/>
+              <a:t>sotto i profili di disponibilità, integrità e confidenzialità</a:t>
+            </a:r>
+            <a:endParaRPr lang="it-IT" dirty="0"/>
+          </a:p>
+        </p:txBody>
+      </p:sp>
+      <p:pic>
+        <p:nvPicPr>
+          <p:cNvPr id="4" name="Immagine 3"/>
+          <p:cNvPicPr>
+            <a:picLocks noChangeAspect="1"/>
+          </p:cNvPicPr>
+          <p:nvPr/>
+        </p:nvPicPr>
+        <p:blipFill>
+          <a:blip r:embed="rId2">
+            <a:extLst>
+              <a:ext uri="{28A0092B-C50C-407E-A947-70E740481C1C}">
+                <a14:useLocalDpi xmlns:a14="http://schemas.microsoft.com/office/drawing/2010/main" val="0"/>
+              </a:ext>
+            </a:extLst>
+          </a:blip>
+          <a:stretch>
+            <a:fillRect/>
+          </a:stretch>
+        </p:blipFill>
+        <p:spPr>
+          <a:xfrm>
+            <a:off x="8275264" y="2244257"/>
+            <a:ext cx="3547605" cy="3188354"/>
+          </a:xfrm>
+          <a:prstGeom prst="rect">
+            <a:avLst/>
+          </a:prstGeom>
+        </p:spPr>
+      </p:pic>
+    </p:spTree>
+    <p:extLst>
+      <p:ext uri="{BB962C8B-B14F-4D97-AF65-F5344CB8AC3E}">
+        <p14:creationId xmlns:p14="http://schemas.microsoft.com/office/powerpoint/2010/main" val="1735188630"/>
+      </p:ext>
+    </p:extLst>
+  </p:cSld>
+  <p:clrMapOvr>
+    <a:masterClrMapping/>
+  </p:clrMapOvr>
+</p:sld>
+</file>
+
+<file path=ppt/slides/slide32.xml><?xml version="1.0" encoding="utf-8"?>
+<p:sld xmlns:a="http://schemas.openxmlformats.org/drawingml/2006/main" xmlns:r="http://schemas.openxmlformats.org/officeDocument/2006/relationships" xmlns:p="http://schemas.openxmlformats.org/presentationml/2006/main">
+  <p:cSld>
+    <p:spTree>
+      <p:nvGrpSpPr>
+        <p:cNvPr id="1" name=""/>
+        <p:cNvGrpSpPr/>
+        <p:nvPr/>
+      </p:nvGrpSpPr>
+      <p:grpSpPr>
+        <a:xfrm>
+          <a:off x="0" y="0"/>
+          <a:ext cx="0" cy="0"/>
+          <a:chOff x="0" y="0"/>
+          <a:chExt cx="0" cy="0"/>
+        </a:xfrm>
+      </p:grpSpPr>
+      <p:sp>
+        <p:nvSpPr>
+          <p:cNvPr id="2" name="Segnaposto testo 1">
+            <a:extLst>
+              <a:ext uri="{FF2B5EF4-FFF2-40B4-BE49-F238E27FC236}">
+                <a16:creationId xmlns:a16="http://schemas.microsoft.com/office/drawing/2014/main" id="{E5AE986C-196F-4141-A898-FA4C4198CDCC}"/>
+              </a:ext>
+            </a:extLst>
+          </p:cNvPr>
+          <p:cNvSpPr>
+            <a:spLocks noGrp="1"/>
+          </p:cNvSpPr>
+          <p:nvPr>
+            <p:ph type="body" idx="1"/>
+          </p:nvPr>
+        </p:nvSpPr>
+        <p:spPr>
+          <a:xfrm>
+            <a:off x="721777" y="1705419"/>
+            <a:ext cx="4774455" cy="4392612"/>
+          </a:xfrm>
+        </p:spPr>
+        <p:txBody>
+          <a:bodyPr/>
+          <a:lstStyle/>
+          <a:p>
+            <a:pPr marL="342900" indent="-342900">
+              <a:buFont typeface="Arial" panose="020B0604020202020204" pitchFamily="34" charset="0"/>
+              <a:buChar char="•"/>
+            </a:pPr>
+            <a:r>
+              <a:rPr lang="it-IT" sz="2400" dirty="0">
+                <a:solidFill>
+                  <a:schemeClr val="tx1"/>
+                </a:solidFill>
+                <a:latin typeface="Tahoma" panose="020B0604030504040204" pitchFamily="34" charset="0"/>
+                <a:ea typeface="Tahoma" panose="020B0604030504040204" pitchFamily="34" charset="0"/>
+                <a:cs typeface="Tahoma" panose="020B0604030504040204" pitchFamily="34" charset="0"/>
+              </a:rPr>
+              <a:t>Le funzioni di </a:t>
+            </a:r>
+            <a:r>
+              <a:rPr lang="it-IT" sz="2400" b="1" dirty="0">
+                <a:solidFill>
+                  <a:schemeClr val="tx1"/>
+                </a:solidFill>
+                <a:latin typeface="Tahoma" panose="020B0604030504040204" pitchFamily="34" charset="0"/>
+                <a:ea typeface="Tahoma" panose="020B0604030504040204" pitchFamily="34" charset="0"/>
+                <a:cs typeface="Tahoma" panose="020B0604030504040204" pitchFamily="34" charset="0"/>
+              </a:rPr>
+              <a:t>CSIRT</a:t>
+            </a:r>
+            <a:r>
+              <a:rPr lang="it-IT" sz="2400" dirty="0">
+                <a:solidFill>
+                  <a:schemeClr val="tx1"/>
+                </a:solidFill>
+                <a:latin typeface="Tahoma" panose="020B0604030504040204" pitchFamily="34" charset="0"/>
+                <a:ea typeface="Tahoma" panose="020B0604030504040204" pitchFamily="34" charset="0"/>
+                <a:cs typeface="Tahoma" panose="020B0604030504040204" pitchFamily="34" charset="0"/>
+              </a:rPr>
+              <a:t> (Computer Security </a:t>
+            </a:r>
+            <a:r>
+              <a:rPr lang="it-IT" sz="2400" dirty="0" err="1">
+                <a:solidFill>
+                  <a:schemeClr val="tx1"/>
+                </a:solidFill>
+                <a:latin typeface="Tahoma" panose="020B0604030504040204" pitchFamily="34" charset="0"/>
+                <a:ea typeface="Tahoma" panose="020B0604030504040204" pitchFamily="34" charset="0"/>
+                <a:cs typeface="Tahoma" panose="020B0604030504040204" pitchFamily="34" charset="0"/>
+              </a:rPr>
+              <a:t>Incident</a:t>
+            </a:r>
+            <a:r>
+              <a:rPr lang="it-IT" sz="2400" dirty="0">
+                <a:solidFill>
+                  <a:schemeClr val="tx1"/>
+                </a:solidFill>
+                <a:latin typeface="Tahoma" panose="020B0604030504040204" pitchFamily="34" charset="0"/>
+                <a:ea typeface="Tahoma" panose="020B0604030504040204" pitchFamily="34" charset="0"/>
+                <a:cs typeface="Tahoma" panose="020B0604030504040204" pitchFamily="34" charset="0"/>
+              </a:rPr>
+              <a:t> </a:t>
+            </a:r>
+            <a:r>
+              <a:rPr lang="it-IT" sz="2400" dirty="0" err="1">
+                <a:solidFill>
+                  <a:schemeClr val="tx1"/>
+                </a:solidFill>
+                <a:latin typeface="Tahoma" panose="020B0604030504040204" pitchFamily="34" charset="0"/>
+                <a:ea typeface="Tahoma" panose="020B0604030504040204" pitchFamily="34" charset="0"/>
+                <a:cs typeface="Tahoma" panose="020B0604030504040204" pitchFamily="34" charset="0"/>
+              </a:rPr>
+              <a:t>Response</a:t>
+            </a:r>
+            <a:r>
+              <a:rPr lang="it-IT" sz="2400" dirty="0">
+                <a:solidFill>
+                  <a:schemeClr val="tx1"/>
+                </a:solidFill>
+                <a:latin typeface="Tahoma" panose="020B0604030504040204" pitchFamily="34" charset="0"/>
+                <a:ea typeface="Tahoma" panose="020B0604030504040204" pitchFamily="34" charset="0"/>
+                <a:cs typeface="Tahoma" panose="020B0604030504040204" pitchFamily="34" charset="0"/>
+              </a:rPr>
+              <a:t> Team), </a:t>
+            </a:r>
+            <a:r>
+              <a:rPr lang="it-IT" sz="2400" b="1" dirty="0">
+                <a:solidFill>
+                  <a:schemeClr val="tx1"/>
+                </a:solidFill>
+                <a:latin typeface="Tahoma" panose="020B0604030504040204" pitchFamily="34" charset="0"/>
+                <a:ea typeface="Tahoma" panose="020B0604030504040204" pitchFamily="34" charset="0"/>
+                <a:cs typeface="Tahoma" panose="020B0604030504040204" pitchFamily="34" charset="0"/>
+              </a:rPr>
+              <a:t>SOC</a:t>
+            </a:r>
+            <a:r>
+              <a:rPr lang="it-IT" sz="2400" dirty="0">
+                <a:solidFill>
+                  <a:schemeClr val="tx1"/>
+                </a:solidFill>
+                <a:latin typeface="Tahoma" panose="020B0604030504040204" pitchFamily="34" charset="0"/>
+                <a:ea typeface="Tahoma" panose="020B0604030504040204" pitchFamily="34" charset="0"/>
+                <a:cs typeface="Tahoma" panose="020B0604030504040204" pitchFamily="34" charset="0"/>
+              </a:rPr>
+              <a:t> (Security Operations Center) e </a:t>
+            </a:r>
+            <a:r>
+              <a:rPr lang="it-IT" sz="2400" b="1" dirty="0">
+                <a:solidFill>
+                  <a:schemeClr val="tx1"/>
+                </a:solidFill>
+                <a:latin typeface="Tahoma" panose="020B0604030504040204" pitchFamily="34" charset="0"/>
+                <a:ea typeface="Tahoma" panose="020B0604030504040204" pitchFamily="34" charset="0"/>
+                <a:cs typeface="Tahoma" panose="020B0604030504040204" pitchFamily="34" charset="0"/>
+              </a:rPr>
+              <a:t>ISAC</a:t>
+            </a:r>
+            <a:r>
+              <a:rPr lang="it-IT" sz="2400" dirty="0">
+                <a:solidFill>
+                  <a:schemeClr val="tx1"/>
+                </a:solidFill>
+                <a:latin typeface="Tahoma" panose="020B0604030504040204" pitchFamily="34" charset="0"/>
+                <a:ea typeface="Tahoma" panose="020B0604030504040204" pitchFamily="34" charset="0"/>
+                <a:cs typeface="Tahoma" panose="020B0604030504040204" pitchFamily="34" charset="0"/>
+              </a:rPr>
+              <a:t> (Information </a:t>
+            </a:r>
+            <a:r>
+              <a:rPr lang="it-IT" sz="2400" dirty="0" err="1">
+                <a:solidFill>
+                  <a:schemeClr val="tx1"/>
+                </a:solidFill>
+                <a:latin typeface="Tahoma" panose="020B0604030504040204" pitchFamily="34" charset="0"/>
+                <a:ea typeface="Tahoma" panose="020B0604030504040204" pitchFamily="34" charset="0"/>
+                <a:cs typeface="Tahoma" panose="020B0604030504040204" pitchFamily="34" charset="0"/>
+              </a:rPr>
+              <a:t>Sharing</a:t>
+            </a:r>
+            <a:r>
+              <a:rPr lang="it-IT" sz="2400" dirty="0">
+                <a:solidFill>
+                  <a:schemeClr val="tx1"/>
+                </a:solidFill>
+                <a:latin typeface="Tahoma" panose="020B0604030504040204" pitchFamily="34" charset="0"/>
+                <a:ea typeface="Tahoma" panose="020B0604030504040204" pitchFamily="34" charset="0"/>
+                <a:cs typeface="Tahoma" panose="020B0604030504040204" pitchFamily="34" charset="0"/>
+              </a:rPr>
+              <a:t> and Analysis Center) sono strettamente connesse e spesso lavorano in collaborazione per garantire la sicurezza informatica di un'organizzazione o di </a:t>
+            </a:r>
+            <a:r>
+              <a:rPr lang="it-IT" sz="2400" dirty="0" smtClean="0">
+                <a:solidFill>
+                  <a:schemeClr val="tx1"/>
+                </a:solidFill>
+                <a:latin typeface="Tahoma" panose="020B0604030504040204" pitchFamily="34" charset="0"/>
+                <a:ea typeface="Tahoma" panose="020B0604030504040204" pitchFamily="34" charset="0"/>
+                <a:cs typeface="Tahoma" panose="020B0604030504040204" pitchFamily="34" charset="0"/>
+              </a:rPr>
+              <a:t>una comunità. </a:t>
+            </a:r>
+            <a:endParaRPr lang="it-IT" sz="2400" dirty="0">
+              <a:solidFill>
+                <a:schemeClr val="tx1"/>
+              </a:solidFill>
+              <a:latin typeface="Tahoma" panose="020B0604030504040204" pitchFamily="34" charset="0"/>
+              <a:ea typeface="Tahoma" panose="020B0604030504040204" pitchFamily="34" charset="0"/>
+              <a:cs typeface="Tahoma" panose="020B0604030504040204" pitchFamily="34" charset="0"/>
+            </a:endParaRPr>
+          </a:p>
+        </p:txBody>
+      </p:sp>
+      <p:sp>
+        <p:nvSpPr>
+          <p:cNvPr id="7" name="Segnaposto numero diapositiva 6">
+            <a:extLst>
+              <a:ext uri="{FF2B5EF4-FFF2-40B4-BE49-F238E27FC236}">
+                <a16:creationId xmlns:a16="http://schemas.microsoft.com/office/drawing/2014/main" id="{AB740BE9-E218-4144-BFDE-AE473D230A3D}"/>
+              </a:ext>
+            </a:extLst>
+          </p:cNvPr>
+          <p:cNvSpPr>
+            <a:spLocks noGrp="1"/>
+          </p:cNvSpPr>
+          <p:nvPr>
+            <p:ph type="sldNum" sz="quarter" idx="12"/>
+          </p:nvPr>
+        </p:nvSpPr>
+        <p:spPr/>
+        <p:txBody>
+          <a:bodyPr/>
+          <a:lstStyle/>
+          <a:p>
+            <a:pPr>
+              <a:defRPr/>
+            </a:pPr>
+            <a:fld id="{48B4153A-D4C5-4CEF-8992-0D8815C829E3}" type="slidenum">
+              <a:rPr lang="en-US" smtClean="0"/>
+              <a:pPr>
+                <a:defRPr/>
+              </a:pPr>
+              <a:t>32</a:t>
+            </a:fld>
+            <a:endParaRPr lang="en-US" dirty="0"/>
+          </a:p>
+        </p:txBody>
+      </p:sp>
+      <p:sp>
+        <p:nvSpPr>
+          <p:cNvPr id="5" name="Titolo 4">
+            <a:extLst>
+              <a:ext uri="{FF2B5EF4-FFF2-40B4-BE49-F238E27FC236}">
+                <a16:creationId xmlns:a16="http://schemas.microsoft.com/office/drawing/2014/main" id="{82C46BA2-B380-4357-B125-BA9F08A643F5}"/>
+              </a:ext>
+            </a:extLst>
+          </p:cNvPr>
+          <p:cNvSpPr>
+            <a:spLocks noGrp="1"/>
+          </p:cNvSpPr>
+          <p:nvPr>
+            <p:ph type="title"/>
+          </p:nvPr>
+        </p:nvSpPr>
+        <p:spPr>
+          <a:xfrm>
+            <a:off x="468895" y="503475"/>
+            <a:ext cx="11269308" cy="384721"/>
+          </a:xfrm>
+        </p:spPr>
+        <p:txBody>
+          <a:bodyPr/>
+          <a:lstStyle/>
+          <a:p>
+            <a:r>
+              <a:rPr lang="it-IT" dirty="0" smtClean="0"/>
+              <a:t>Funzioni </a:t>
+            </a:r>
+            <a:r>
+              <a:rPr lang="it-IT" dirty="0"/>
+              <a:t>di CSIRT, SOC e </a:t>
+            </a:r>
+            <a:r>
+              <a:rPr lang="it-IT" dirty="0" smtClean="0"/>
+              <a:t>ISAC</a:t>
+            </a:r>
+            <a:endParaRPr lang="it-IT" dirty="0"/>
+          </a:p>
+        </p:txBody>
+      </p:sp>
+      <p:pic>
+        <p:nvPicPr>
+          <p:cNvPr id="3" name="Immagine 2"/>
+          <p:cNvPicPr>
+            <a:picLocks noChangeAspect="1"/>
+          </p:cNvPicPr>
+          <p:nvPr/>
+        </p:nvPicPr>
+        <p:blipFill>
+          <a:blip r:embed="rId2">
+            <a:extLst>
+              <a:ext uri="{28A0092B-C50C-407E-A947-70E740481C1C}">
+                <a14:useLocalDpi xmlns:a14="http://schemas.microsoft.com/office/drawing/2010/main" val="0"/>
+              </a:ext>
+            </a:extLst>
+          </a:blip>
+          <a:stretch>
+            <a:fillRect/>
+          </a:stretch>
+        </p:blipFill>
+        <p:spPr>
+          <a:xfrm>
+            <a:off x="5496232" y="2009403"/>
+            <a:ext cx="7275991" cy="3784643"/>
+          </a:xfrm>
+          <a:prstGeom prst="rect">
+            <a:avLst/>
+          </a:prstGeom>
+        </p:spPr>
+      </p:pic>
+    </p:spTree>
+    <p:extLst>
+      <p:ext uri="{BB962C8B-B14F-4D97-AF65-F5344CB8AC3E}">
+        <p14:creationId xmlns:p14="http://schemas.microsoft.com/office/powerpoint/2010/main" val="2990027839"/>
+      </p:ext>
+    </p:extLst>
+  </p:cSld>
+  <p:clrMapOvr>
+    <a:masterClrMapping/>
+  </p:clrMapOvr>
+</p:sld>
+</file>
+
+<file path=ppt/slides/slide33.xml><?xml version="1.0" encoding="utf-8"?>
+<p:sld xmlns:a="http://schemas.openxmlformats.org/drawingml/2006/main" xmlns:r="http://schemas.openxmlformats.org/officeDocument/2006/relationships" xmlns:p="http://schemas.openxmlformats.org/presentationml/2006/main">
+  <p:cSld>
+    <p:spTree>
+      <p:nvGrpSpPr>
+        <p:cNvPr id="1" name=""/>
+        <p:cNvGrpSpPr/>
+        <p:nvPr/>
+      </p:nvGrpSpPr>
+      <p:grpSpPr>
+        <a:xfrm>
+          <a:off x="0" y="0"/>
+          <a:ext cx="0" cy="0"/>
+          <a:chOff x="0" y="0"/>
+          <a:chExt cx="0" cy="0"/>
+        </a:xfrm>
+      </p:grpSpPr>
+      <p:sp>
+        <p:nvSpPr>
+          <p:cNvPr id="2" name="Segnaposto testo 1">
+            <a:extLst>
+              <a:ext uri="{FF2B5EF4-FFF2-40B4-BE49-F238E27FC236}">
+                <a16:creationId xmlns:a16="http://schemas.microsoft.com/office/drawing/2014/main" id="{E5AE986C-196F-4141-A898-FA4C4198CDCC}"/>
+              </a:ext>
+            </a:extLst>
+          </p:cNvPr>
+          <p:cNvSpPr>
+            <a:spLocks noGrp="1"/>
+          </p:cNvSpPr>
+          <p:nvPr>
+            <p:ph type="body" idx="1"/>
+          </p:nvPr>
+        </p:nvSpPr>
+        <p:spPr>
+          <a:xfrm>
+            <a:off x="721777" y="1401434"/>
+            <a:ext cx="6426275" cy="4392612"/>
+          </a:xfrm>
+        </p:spPr>
+        <p:txBody>
+          <a:bodyPr/>
+          <a:lstStyle/>
+          <a:p>
+            <a:pPr marL="342900" indent="-342900">
+              <a:buFont typeface="Arial" panose="020B0604020202020204" pitchFamily="34" charset="0"/>
+              <a:buChar char="•"/>
+            </a:pPr>
+            <a:r>
+              <a:rPr lang="it-IT" sz="2400" b="1" dirty="0">
+                <a:solidFill>
+                  <a:schemeClr val="tx1"/>
+                </a:solidFill>
+                <a:latin typeface="Tahoma" panose="020B0604030504040204" pitchFamily="34" charset="0"/>
+                <a:ea typeface="Tahoma" panose="020B0604030504040204" pitchFamily="34" charset="0"/>
+                <a:cs typeface="Tahoma" panose="020B0604030504040204" pitchFamily="34" charset="0"/>
+              </a:rPr>
+              <a:t>CSIRT</a:t>
+            </a:r>
+            <a:r>
+              <a:rPr lang="it-IT" sz="2400" dirty="0">
+                <a:solidFill>
+                  <a:schemeClr val="tx1"/>
+                </a:solidFill>
+                <a:latin typeface="Tahoma" panose="020B0604030504040204" pitchFamily="34" charset="0"/>
+                <a:ea typeface="Tahoma" panose="020B0604030504040204" pitchFamily="34" charset="0"/>
+                <a:cs typeface="Tahoma" panose="020B0604030504040204" pitchFamily="34" charset="0"/>
+              </a:rPr>
+              <a:t> (Computer Security </a:t>
+            </a:r>
+            <a:r>
+              <a:rPr lang="it-IT" sz="2400" dirty="0" err="1">
+                <a:solidFill>
+                  <a:schemeClr val="tx1"/>
+                </a:solidFill>
+                <a:latin typeface="Tahoma" panose="020B0604030504040204" pitchFamily="34" charset="0"/>
+                <a:ea typeface="Tahoma" panose="020B0604030504040204" pitchFamily="34" charset="0"/>
+                <a:cs typeface="Tahoma" panose="020B0604030504040204" pitchFamily="34" charset="0"/>
+              </a:rPr>
+              <a:t>Incident</a:t>
+            </a:r>
+            <a:r>
+              <a:rPr lang="it-IT" sz="2400" dirty="0">
+                <a:solidFill>
+                  <a:schemeClr val="tx1"/>
+                </a:solidFill>
+                <a:latin typeface="Tahoma" panose="020B0604030504040204" pitchFamily="34" charset="0"/>
+                <a:ea typeface="Tahoma" panose="020B0604030504040204" pitchFamily="34" charset="0"/>
+                <a:cs typeface="Tahoma" panose="020B0604030504040204" pitchFamily="34" charset="0"/>
+              </a:rPr>
+              <a:t> </a:t>
+            </a:r>
+            <a:r>
+              <a:rPr lang="it-IT" sz="2400" dirty="0" err="1">
+                <a:solidFill>
+                  <a:schemeClr val="tx1"/>
+                </a:solidFill>
+                <a:latin typeface="Tahoma" panose="020B0604030504040204" pitchFamily="34" charset="0"/>
+                <a:ea typeface="Tahoma" panose="020B0604030504040204" pitchFamily="34" charset="0"/>
+                <a:cs typeface="Tahoma" panose="020B0604030504040204" pitchFamily="34" charset="0"/>
+              </a:rPr>
+              <a:t>Response</a:t>
+            </a:r>
+            <a:r>
+              <a:rPr lang="it-IT" sz="2400" dirty="0">
+                <a:solidFill>
+                  <a:schemeClr val="tx1"/>
+                </a:solidFill>
+                <a:latin typeface="Tahoma" panose="020B0604030504040204" pitchFamily="34" charset="0"/>
+                <a:ea typeface="Tahoma" panose="020B0604030504040204" pitchFamily="34" charset="0"/>
+                <a:cs typeface="Tahoma" panose="020B0604030504040204" pitchFamily="34" charset="0"/>
+              </a:rPr>
+              <a:t> Team): Un </a:t>
+            </a:r>
+            <a:r>
+              <a:rPr lang="it-IT" sz="2400" b="1" dirty="0">
+                <a:solidFill>
+                  <a:schemeClr val="tx1"/>
+                </a:solidFill>
+                <a:latin typeface="Tahoma" panose="020B0604030504040204" pitchFamily="34" charset="0"/>
+                <a:ea typeface="Tahoma" panose="020B0604030504040204" pitchFamily="34" charset="0"/>
+                <a:cs typeface="Tahoma" panose="020B0604030504040204" pitchFamily="34" charset="0"/>
+              </a:rPr>
+              <a:t>CSIRT</a:t>
+            </a:r>
+            <a:r>
+              <a:rPr lang="it-IT" sz="2400" dirty="0">
+                <a:solidFill>
+                  <a:schemeClr val="tx1"/>
+                </a:solidFill>
+                <a:latin typeface="Tahoma" panose="020B0604030504040204" pitchFamily="34" charset="0"/>
+                <a:ea typeface="Tahoma" panose="020B0604030504040204" pitchFamily="34" charset="0"/>
+                <a:cs typeface="Tahoma" panose="020B0604030504040204" pitchFamily="34" charset="0"/>
+              </a:rPr>
+              <a:t> è un team dedicato alla gestione degli incidenti di </a:t>
+            </a:r>
+            <a:r>
+              <a:rPr lang="it-IT" sz="2400" b="1" dirty="0">
+                <a:solidFill>
+                  <a:schemeClr val="tx1"/>
+                </a:solidFill>
+                <a:latin typeface="Tahoma" panose="020B0604030504040204" pitchFamily="34" charset="0"/>
+                <a:ea typeface="Tahoma" panose="020B0604030504040204" pitchFamily="34" charset="0"/>
+                <a:cs typeface="Tahoma" panose="020B0604030504040204" pitchFamily="34" charset="0"/>
+              </a:rPr>
+              <a:t>sicurezza</a:t>
+            </a:r>
+            <a:r>
+              <a:rPr lang="it-IT" sz="2400" dirty="0">
+                <a:solidFill>
+                  <a:schemeClr val="tx1"/>
+                </a:solidFill>
+                <a:latin typeface="Tahoma" panose="020B0604030504040204" pitchFamily="34" charset="0"/>
+                <a:ea typeface="Tahoma" panose="020B0604030504040204" pitchFamily="34" charset="0"/>
+                <a:cs typeface="Tahoma" panose="020B0604030504040204" pitchFamily="34" charset="0"/>
+              </a:rPr>
+              <a:t> </a:t>
+            </a:r>
+            <a:r>
+              <a:rPr lang="it-IT" sz="2400" b="1" dirty="0">
+                <a:solidFill>
+                  <a:schemeClr val="tx1"/>
+                </a:solidFill>
+                <a:latin typeface="Tahoma" panose="020B0604030504040204" pitchFamily="34" charset="0"/>
+                <a:ea typeface="Tahoma" panose="020B0604030504040204" pitchFamily="34" charset="0"/>
+                <a:cs typeface="Tahoma" panose="020B0604030504040204" pitchFamily="34" charset="0"/>
+              </a:rPr>
+              <a:t>informatica</a:t>
+            </a:r>
+            <a:r>
+              <a:rPr lang="it-IT" sz="2400" dirty="0">
+                <a:solidFill>
+                  <a:schemeClr val="tx1"/>
+                </a:solidFill>
+                <a:latin typeface="Tahoma" panose="020B0604030504040204" pitchFamily="34" charset="0"/>
+                <a:ea typeface="Tahoma" panose="020B0604030504040204" pitchFamily="34" charset="0"/>
+                <a:cs typeface="Tahoma" panose="020B0604030504040204" pitchFamily="34" charset="0"/>
+              </a:rPr>
+              <a:t>. Il suo obiettivo principale è quello di rilevare, rispondere e mitigare gli attacchi informatici. I membri del team </a:t>
+            </a:r>
+            <a:r>
+              <a:rPr lang="it-IT" sz="2400" b="1" dirty="0">
+                <a:solidFill>
+                  <a:schemeClr val="tx1"/>
+                </a:solidFill>
+                <a:latin typeface="Tahoma" panose="020B0604030504040204" pitchFamily="34" charset="0"/>
+                <a:ea typeface="Tahoma" panose="020B0604030504040204" pitchFamily="34" charset="0"/>
+                <a:cs typeface="Tahoma" panose="020B0604030504040204" pitchFamily="34" charset="0"/>
+              </a:rPr>
+              <a:t>CSIRT</a:t>
+            </a:r>
+            <a:r>
+              <a:rPr lang="it-IT" sz="2400" dirty="0">
+                <a:solidFill>
+                  <a:schemeClr val="tx1"/>
+                </a:solidFill>
+                <a:latin typeface="Tahoma" panose="020B0604030504040204" pitchFamily="34" charset="0"/>
+                <a:ea typeface="Tahoma" panose="020B0604030504040204" pitchFamily="34" charset="0"/>
+                <a:cs typeface="Tahoma" panose="020B0604030504040204" pitchFamily="34" charset="0"/>
+              </a:rPr>
+              <a:t> sono addestrati per identificare le minacce, analizzare gli incidenti di sicurezza e coordinare le risposte appropriate. Possono anche fornire consulenza sulla sicurezza informatica e promuovere le migliori pratiche all'interno di un'organizzazione</a:t>
+            </a:r>
+            <a:r>
+              <a:rPr lang="it-IT" sz="2400" dirty="0" smtClean="0">
+                <a:solidFill>
+                  <a:schemeClr val="tx1"/>
+                </a:solidFill>
+                <a:latin typeface="Tahoma" panose="020B0604030504040204" pitchFamily="34" charset="0"/>
+                <a:ea typeface="Tahoma" panose="020B0604030504040204" pitchFamily="34" charset="0"/>
+                <a:cs typeface="Tahoma" panose="020B0604030504040204" pitchFamily="34" charset="0"/>
+              </a:rPr>
+              <a:t>.</a:t>
+            </a:r>
+            <a:endParaRPr lang="it-IT" sz="2400" dirty="0">
+              <a:solidFill>
+                <a:schemeClr val="tx1"/>
+              </a:solidFill>
+              <a:latin typeface="Tahoma" panose="020B0604030504040204" pitchFamily="34" charset="0"/>
+              <a:ea typeface="Tahoma" panose="020B0604030504040204" pitchFamily="34" charset="0"/>
+              <a:cs typeface="Tahoma" panose="020B0604030504040204" pitchFamily="34" charset="0"/>
+            </a:endParaRPr>
+          </a:p>
+        </p:txBody>
+      </p:sp>
+      <p:sp>
+        <p:nvSpPr>
+          <p:cNvPr id="7" name="Segnaposto numero diapositiva 6">
+            <a:extLst>
+              <a:ext uri="{FF2B5EF4-FFF2-40B4-BE49-F238E27FC236}">
+                <a16:creationId xmlns:a16="http://schemas.microsoft.com/office/drawing/2014/main" id="{AB740BE9-E218-4144-BFDE-AE473D230A3D}"/>
+              </a:ext>
+            </a:extLst>
+          </p:cNvPr>
+          <p:cNvSpPr>
+            <a:spLocks noGrp="1"/>
+          </p:cNvSpPr>
+          <p:nvPr>
+            <p:ph type="sldNum" sz="quarter" idx="12"/>
+          </p:nvPr>
+        </p:nvSpPr>
+        <p:spPr/>
+        <p:txBody>
+          <a:bodyPr/>
+          <a:lstStyle/>
+          <a:p>
+            <a:pPr>
+              <a:defRPr/>
+            </a:pPr>
+            <a:fld id="{48B4153A-D4C5-4CEF-8992-0D8815C829E3}" type="slidenum">
+              <a:rPr lang="en-US" smtClean="0"/>
+              <a:pPr>
+                <a:defRPr/>
+              </a:pPr>
+              <a:t>33</a:t>
+            </a:fld>
+            <a:endParaRPr lang="en-US" dirty="0"/>
+          </a:p>
+        </p:txBody>
+      </p:sp>
+      <p:sp>
+        <p:nvSpPr>
+          <p:cNvPr id="5" name="Titolo 4">
+            <a:extLst>
+              <a:ext uri="{FF2B5EF4-FFF2-40B4-BE49-F238E27FC236}">
+                <a16:creationId xmlns:a16="http://schemas.microsoft.com/office/drawing/2014/main" id="{82C46BA2-B380-4357-B125-BA9F08A643F5}"/>
+              </a:ext>
+            </a:extLst>
+          </p:cNvPr>
+          <p:cNvSpPr>
+            <a:spLocks noGrp="1"/>
+          </p:cNvSpPr>
+          <p:nvPr>
+            <p:ph type="title"/>
+          </p:nvPr>
+        </p:nvSpPr>
+        <p:spPr>
+          <a:xfrm>
+            <a:off x="468895" y="503475"/>
+            <a:ext cx="11269308" cy="384721"/>
+          </a:xfrm>
+        </p:spPr>
+        <p:txBody>
+          <a:bodyPr/>
+          <a:lstStyle/>
+          <a:p>
+            <a:r>
+              <a:rPr lang="it-IT" dirty="0" smtClean="0"/>
+              <a:t>Funzioni </a:t>
+            </a:r>
+            <a:r>
+              <a:rPr lang="it-IT" dirty="0"/>
+              <a:t>di CSIRT, SOC e ISAC</a:t>
+            </a:r>
+          </a:p>
+        </p:txBody>
+      </p:sp>
+      <p:pic>
+        <p:nvPicPr>
+          <p:cNvPr id="4" name="Immagine 3"/>
+          <p:cNvPicPr>
+            <a:picLocks noChangeAspect="1"/>
+          </p:cNvPicPr>
+          <p:nvPr/>
+        </p:nvPicPr>
+        <p:blipFill>
+          <a:blip r:embed="rId2">
+            <a:extLst>
+              <a:ext uri="{28A0092B-C50C-407E-A947-70E740481C1C}">
+                <a14:useLocalDpi xmlns:a14="http://schemas.microsoft.com/office/drawing/2010/main" val="0"/>
+              </a:ext>
+            </a:extLst>
+          </a:blip>
+          <a:stretch>
+            <a:fillRect/>
+          </a:stretch>
+        </p:blipFill>
+        <p:spPr>
+          <a:xfrm>
+            <a:off x="7290674" y="2491798"/>
+            <a:ext cx="4608355" cy="2301824"/>
+          </a:xfrm>
+          <a:prstGeom prst="rect">
+            <a:avLst/>
+          </a:prstGeom>
+        </p:spPr>
+      </p:pic>
+    </p:spTree>
+    <p:extLst>
+      <p:ext uri="{BB962C8B-B14F-4D97-AF65-F5344CB8AC3E}">
+        <p14:creationId xmlns:p14="http://schemas.microsoft.com/office/powerpoint/2010/main" val="3553250571"/>
+      </p:ext>
+    </p:extLst>
+  </p:cSld>
+  <p:clrMapOvr>
+    <a:masterClrMapping/>
+  </p:clrMapOvr>
+</p:sld>
+</file>
+
+<file path=ppt/slides/slide34.xml><?xml version="1.0" encoding="utf-8"?>
+<p:sld xmlns:a="http://schemas.openxmlformats.org/drawingml/2006/main" xmlns:r="http://schemas.openxmlformats.org/officeDocument/2006/relationships" xmlns:p="http://schemas.openxmlformats.org/presentationml/2006/main">
+  <p:cSld>
+    <p:spTree>
+      <p:nvGrpSpPr>
+        <p:cNvPr id="1" name=""/>
+        <p:cNvGrpSpPr/>
+        <p:nvPr/>
+      </p:nvGrpSpPr>
+      <p:grpSpPr>
+        <a:xfrm>
+          <a:off x="0" y="0"/>
+          <a:ext cx="0" cy="0"/>
+          <a:chOff x="0" y="0"/>
+          <a:chExt cx="0" cy="0"/>
+        </a:xfrm>
+      </p:grpSpPr>
+      <p:sp>
+        <p:nvSpPr>
+          <p:cNvPr id="2" name="Segnaposto testo 1">
+            <a:extLst>
+              <a:ext uri="{FF2B5EF4-FFF2-40B4-BE49-F238E27FC236}">
+                <a16:creationId xmlns:a16="http://schemas.microsoft.com/office/drawing/2014/main" id="{E5AE986C-196F-4141-A898-FA4C4198CDCC}"/>
+              </a:ext>
+            </a:extLst>
+          </p:cNvPr>
+          <p:cNvSpPr>
+            <a:spLocks noGrp="1"/>
+          </p:cNvSpPr>
+          <p:nvPr>
+            <p:ph type="body" idx="1"/>
+          </p:nvPr>
+        </p:nvSpPr>
+        <p:spPr>
+          <a:xfrm>
+            <a:off x="721777" y="1401434"/>
+            <a:ext cx="7989604" cy="4392612"/>
+          </a:xfrm>
+        </p:spPr>
+        <p:txBody>
+          <a:bodyPr/>
+          <a:lstStyle/>
+          <a:p>
+            <a:pPr marL="342900" indent="-342900">
+              <a:buFont typeface="Arial" panose="020B0604020202020204" pitchFamily="34" charset="0"/>
+              <a:buChar char="•"/>
+            </a:pPr>
+            <a:r>
+              <a:rPr lang="it-IT" sz="2400" b="1" dirty="0" smtClean="0">
+                <a:solidFill>
+                  <a:schemeClr val="tx1"/>
+                </a:solidFill>
+                <a:latin typeface="Tahoma" panose="020B0604030504040204" pitchFamily="34" charset="0"/>
+                <a:ea typeface="Tahoma" panose="020B0604030504040204" pitchFamily="34" charset="0"/>
+                <a:cs typeface="Tahoma" panose="020B0604030504040204" pitchFamily="34" charset="0"/>
+              </a:rPr>
+              <a:t>SOC</a:t>
+            </a:r>
+            <a:r>
+              <a:rPr lang="it-IT" sz="2400" dirty="0" smtClean="0">
+                <a:solidFill>
+                  <a:schemeClr val="tx1"/>
+                </a:solidFill>
+                <a:latin typeface="Tahoma" panose="020B0604030504040204" pitchFamily="34" charset="0"/>
+                <a:ea typeface="Tahoma" panose="020B0604030504040204" pitchFamily="34" charset="0"/>
+                <a:cs typeface="Tahoma" panose="020B0604030504040204" pitchFamily="34" charset="0"/>
+              </a:rPr>
+              <a:t> </a:t>
+            </a:r>
+            <a:r>
+              <a:rPr lang="it-IT" sz="2400" dirty="0">
+                <a:solidFill>
+                  <a:schemeClr val="tx1"/>
+                </a:solidFill>
+                <a:latin typeface="Tahoma" panose="020B0604030504040204" pitchFamily="34" charset="0"/>
+                <a:ea typeface="Tahoma" panose="020B0604030504040204" pitchFamily="34" charset="0"/>
+                <a:cs typeface="Tahoma" panose="020B0604030504040204" pitchFamily="34" charset="0"/>
+              </a:rPr>
+              <a:t>(Security Operations Center): Un </a:t>
+            </a:r>
+            <a:r>
+              <a:rPr lang="it-IT" sz="2400" b="1" dirty="0">
+                <a:solidFill>
+                  <a:schemeClr val="tx1"/>
+                </a:solidFill>
+                <a:latin typeface="Tahoma" panose="020B0604030504040204" pitchFamily="34" charset="0"/>
+                <a:ea typeface="Tahoma" panose="020B0604030504040204" pitchFamily="34" charset="0"/>
+                <a:cs typeface="Tahoma" panose="020B0604030504040204" pitchFamily="34" charset="0"/>
+              </a:rPr>
+              <a:t>SOC</a:t>
+            </a:r>
+            <a:r>
+              <a:rPr lang="it-IT" sz="2400" dirty="0">
+                <a:solidFill>
+                  <a:schemeClr val="tx1"/>
+                </a:solidFill>
+                <a:latin typeface="Tahoma" panose="020B0604030504040204" pitchFamily="34" charset="0"/>
+                <a:ea typeface="Tahoma" panose="020B0604030504040204" pitchFamily="34" charset="0"/>
+                <a:cs typeface="Tahoma" panose="020B0604030504040204" pitchFamily="34" charset="0"/>
+              </a:rPr>
+              <a:t> è un centro operativo specializzato nella gestione della </a:t>
+            </a:r>
+            <a:r>
+              <a:rPr lang="it-IT" sz="2400" b="1" dirty="0">
+                <a:solidFill>
+                  <a:schemeClr val="tx1"/>
+                </a:solidFill>
+                <a:latin typeface="Tahoma" panose="020B0604030504040204" pitchFamily="34" charset="0"/>
+                <a:ea typeface="Tahoma" panose="020B0604030504040204" pitchFamily="34" charset="0"/>
+                <a:cs typeface="Tahoma" panose="020B0604030504040204" pitchFamily="34" charset="0"/>
+              </a:rPr>
+              <a:t>sicurezza</a:t>
+            </a:r>
+            <a:r>
+              <a:rPr lang="it-IT" sz="2400" dirty="0">
+                <a:solidFill>
+                  <a:schemeClr val="tx1"/>
+                </a:solidFill>
+                <a:latin typeface="Tahoma" panose="020B0604030504040204" pitchFamily="34" charset="0"/>
+                <a:ea typeface="Tahoma" panose="020B0604030504040204" pitchFamily="34" charset="0"/>
+                <a:cs typeface="Tahoma" panose="020B0604030504040204" pitchFamily="34" charset="0"/>
+              </a:rPr>
+              <a:t> </a:t>
+            </a:r>
+            <a:r>
+              <a:rPr lang="it-IT" sz="2400" b="1" dirty="0">
+                <a:solidFill>
+                  <a:schemeClr val="tx1"/>
+                </a:solidFill>
+                <a:latin typeface="Tahoma" panose="020B0604030504040204" pitchFamily="34" charset="0"/>
+                <a:ea typeface="Tahoma" panose="020B0604030504040204" pitchFamily="34" charset="0"/>
+                <a:cs typeface="Tahoma" panose="020B0604030504040204" pitchFamily="34" charset="0"/>
+              </a:rPr>
+              <a:t>informatica</a:t>
+            </a:r>
+            <a:r>
+              <a:rPr lang="it-IT" sz="2400" dirty="0">
+                <a:solidFill>
+                  <a:schemeClr val="tx1"/>
+                </a:solidFill>
+                <a:latin typeface="Tahoma" panose="020B0604030504040204" pitchFamily="34" charset="0"/>
+                <a:ea typeface="Tahoma" panose="020B0604030504040204" pitchFamily="34" charset="0"/>
+                <a:cs typeface="Tahoma" panose="020B0604030504040204" pitchFamily="34" charset="0"/>
+              </a:rPr>
+              <a:t>. Solitamente è composto da un gruppo di esperti che monitorano costantemente gli </a:t>
+            </a:r>
+            <a:r>
+              <a:rPr lang="it-IT" sz="2400" b="1" dirty="0">
+                <a:solidFill>
+                  <a:schemeClr val="tx1"/>
+                </a:solidFill>
+                <a:latin typeface="Tahoma" panose="020B0604030504040204" pitchFamily="34" charset="0"/>
+                <a:ea typeface="Tahoma" panose="020B0604030504040204" pitchFamily="34" charset="0"/>
+                <a:cs typeface="Tahoma" panose="020B0604030504040204" pitchFamily="34" charset="0"/>
+              </a:rPr>
+              <a:t>eventi di sicurezza</a:t>
+            </a:r>
+            <a:r>
+              <a:rPr lang="it-IT" sz="2400" dirty="0">
+                <a:solidFill>
+                  <a:schemeClr val="tx1"/>
+                </a:solidFill>
+                <a:latin typeface="Tahoma" panose="020B0604030504040204" pitchFamily="34" charset="0"/>
+                <a:ea typeface="Tahoma" panose="020B0604030504040204" pitchFamily="34" charset="0"/>
+                <a:cs typeface="Tahoma" panose="020B0604030504040204" pitchFamily="34" charset="0"/>
+              </a:rPr>
+              <a:t>, analizzano le </a:t>
+            </a:r>
+            <a:r>
+              <a:rPr lang="it-IT" sz="2400" b="1" dirty="0">
+                <a:solidFill>
+                  <a:schemeClr val="tx1"/>
+                </a:solidFill>
+                <a:latin typeface="Tahoma" panose="020B0604030504040204" pitchFamily="34" charset="0"/>
+                <a:ea typeface="Tahoma" panose="020B0604030504040204" pitchFamily="34" charset="0"/>
+                <a:cs typeface="Tahoma" panose="020B0604030504040204" pitchFamily="34" charset="0"/>
+              </a:rPr>
+              <a:t>anomalie</a:t>
+            </a:r>
+            <a:r>
+              <a:rPr lang="it-IT" sz="2400" dirty="0">
+                <a:solidFill>
+                  <a:schemeClr val="tx1"/>
+                </a:solidFill>
+                <a:latin typeface="Tahoma" panose="020B0604030504040204" pitchFamily="34" charset="0"/>
+                <a:ea typeface="Tahoma" panose="020B0604030504040204" pitchFamily="34" charset="0"/>
+                <a:cs typeface="Tahoma" panose="020B0604030504040204" pitchFamily="34" charset="0"/>
+              </a:rPr>
+              <a:t> e rispondono agli incidenti. Il SOC utilizza tecnologie avanzate, come i sistemi di rilevamento delle intrusioni (</a:t>
+            </a:r>
+            <a:r>
+              <a:rPr lang="it-IT" sz="2400" b="1" dirty="0">
+                <a:solidFill>
+                  <a:schemeClr val="tx1"/>
+                </a:solidFill>
+                <a:latin typeface="Tahoma" panose="020B0604030504040204" pitchFamily="34" charset="0"/>
+                <a:ea typeface="Tahoma" panose="020B0604030504040204" pitchFamily="34" charset="0"/>
+                <a:cs typeface="Tahoma" panose="020B0604030504040204" pitchFamily="34" charset="0"/>
+              </a:rPr>
+              <a:t>IDS</a:t>
+            </a:r>
+            <a:r>
+              <a:rPr lang="it-IT" sz="2400" dirty="0">
+                <a:solidFill>
+                  <a:schemeClr val="tx1"/>
+                </a:solidFill>
+                <a:latin typeface="Tahoma" panose="020B0604030504040204" pitchFamily="34" charset="0"/>
+                <a:ea typeface="Tahoma" panose="020B0604030504040204" pitchFamily="34" charset="0"/>
+                <a:cs typeface="Tahoma" panose="020B0604030504040204" pitchFamily="34" charset="0"/>
+              </a:rPr>
+              <a:t>) e le soluzioni di gestione delle informazioni e degli eventi di sicurezza (</a:t>
+            </a:r>
+            <a:r>
+              <a:rPr lang="it-IT" sz="2400" b="1" dirty="0">
+                <a:solidFill>
+                  <a:schemeClr val="tx1"/>
+                </a:solidFill>
+                <a:latin typeface="Tahoma" panose="020B0604030504040204" pitchFamily="34" charset="0"/>
+                <a:ea typeface="Tahoma" panose="020B0604030504040204" pitchFamily="34" charset="0"/>
+                <a:cs typeface="Tahoma" panose="020B0604030504040204" pitchFamily="34" charset="0"/>
+              </a:rPr>
+              <a:t>SIEM</a:t>
+            </a:r>
+            <a:r>
+              <a:rPr lang="it-IT" sz="2400" dirty="0">
+                <a:solidFill>
+                  <a:schemeClr val="tx1"/>
+                </a:solidFill>
+                <a:latin typeface="Tahoma" panose="020B0604030504040204" pitchFamily="34" charset="0"/>
+                <a:ea typeface="Tahoma" panose="020B0604030504040204" pitchFamily="34" charset="0"/>
+                <a:cs typeface="Tahoma" panose="020B0604030504040204" pitchFamily="34" charset="0"/>
+              </a:rPr>
+              <a:t>), per monitorare e analizzare il traffico di rete e i log dei sistemi al fine di identificare potenziali minacce. Il SOC svolge anche attività di risposta agli incidenti, collaborando con il team CSIRT o con altre entità interne o esterne all'organizzazione.</a:t>
+            </a:r>
+          </a:p>
+        </p:txBody>
+      </p:sp>
+      <p:sp>
+        <p:nvSpPr>
+          <p:cNvPr id="7" name="Segnaposto numero diapositiva 6">
+            <a:extLst>
+              <a:ext uri="{FF2B5EF4-FFF2-40B4-BE49-F238E27FC236}">
+                <a16:creationId xmlns:a16="http://schemas.microsoft.com/office/drawing/2014/main" id="{AB740BE9-E218-4144-BFDE-AE473D230A3D}"/>
+              </a:ext>
+            </a:extLst>
+          </p:cNvPr>
+          <p:cNvSpPr>
+            <a:spLocks noGrp="1"/>
+          </p:cNvSpPr>
+          <p:nvPr>
+            <p:ph type="sldNum" sz="quarter" idx="12"/>
+          </p:nvPr>
+        </p:nvSpPr>
+        <p:spPr/>
+        <p:txBody>
+          <a:bodyPr/>
+          <a:lstStyle/>
+          <a:p>
+            <a:pPr>
+              <a:defRPr/>
+            </a:pPr>
+            <a:fld id="{48B4153A-D4C5-4CEF-8992-0D8815C829E3}" type="slidenum">
+              <a:rPr lang="en-US" smtClean="0"/>
+              <a:pPr>
+                <a:defRPr/>
+              </a:pPr>
+              <a:t>34</a:t>
+            </a:fld>
+            <a:endParaRPr lang="en-US" dirty="0"/>
+          </a:p>
+        </p:txBody>
+      </p:sp>
+      <p:sp>
+        <p:nvSpPr>
+          <p:cNvPr id="5" name="Titolo 4">
+            <a:extLst>
+              <a:ext uri="{FF2B5EF4-FFF2-40B4-BE49-F238E27FC236}">
+                <a16:creationId xmlns:a16="http://schemas.microsoft.com/office/drawing/2014/main" id="{82C46BA2-B380-4357-B125-BA9F08A643F5}"/>
+              </a:ext>
+            </a:extLst>
+          </p:cNvPr>
+          <p:cNvSpPr>
+            <a:spLocks noGrp="1"/>
+          </p:cNvSpPr>
+          <p:nvPr>
+            <p:ph type="title"/>
+          </p:nvPr>
+        </p:nvSpPr>
+        <p:spPr>
+          <a:xfrm>
+            <a:off x="468895" y="503475"/>
+            <a:ext cx="11269308" cy="384721"/>
+          </a:xfrm>
+        </p:spPr>
+        <p:txBody>
+          <a:bodyPr/>
+          <a:lstStyle/>
+          <a:p>
+            <a:r>
+              <a:rPr lang="it-IT" dirty="0" smtClean="0"/>
+              <a:t>Funzioni </a:t>
+            </a:r>
+            <a:r>
+              <a:rPr lang="it-IT" dirty="0"/>
+              <a:t>di CSIRT, SOC e ISAC</a:t>
+            </a:r>
+          </a:p>
+        </p:txBody>
+      </p:sp>
+      <p:pic>
+        <p:nvPicPr>
+          <p:cNvPr id="3" name="Immagine 2"/>
+          <p:cNvPicPr>
+            <a:picLocks noChangeAspect="1"/>
+          </p:cNvPicPr>
+          <p:nvPr/>
+        </p:nvPicPr>
+        <p:blipFill>
+          <a:blip r:embed="rId2">
+            <a:extLst>
+              <a:ext uri="{28A0092B-C50C-407E-A947-70E740481C1C}">
+                <a14:useLocalDpi xmlns:a14="http://schemas.microsoft.com/office/drawing/2010/main" val="0"/>
+              </a:ext>
+            </a:extLst>
+          </a:blip>
+          <a:stretch>
+            <a:fillRect/>
+          </a:stretch>
+        </p:blipFill>
+        <p:spPr>
+          <a:xfrm>
+            <a:off x="8711381" y="2605547"/>
+            <a:ext cx="3146324" cy="1769807"/>
+          </a:xfrm>
+          <a:prstGeom prst="rect">
+            <a:avLst/>
+          </a:prstGeom>
+        </p:spPr>
+      </p:pic>
+    </p:spTree>
+    <p:extLst>
+      <p:ext uri="{BB962C8B-B14F-4D97-AF65-F5344CB8AC3E}">
+        <p14:creationId xmlns:p14="http://schemas.microsoft.com/office/powerpoint/2010/main" val="2709473474"/>
+      </p:ext>
+    </p:extLst>
+  </p:cSld>
+  <p:clrMapOvr>
+    <a:masterClrMapping/>
+  </p:clrMapOvr>
+</p:sld>
+</file>
+
+<file path=ppt/slides/slide35.xml><?xml version="1.0" encoding="utf-8"?>
+<p:sld xmlns:a="http://schemas.openxmlformats.org/drawingml/2006/main" xmlns:r="http://schemas.openxmlformats.org/officeDocument/2006/relationships" xmlns:p="http://schemas.openxmlformats.org/presentationml/2006/main">
+  <p:cSld>
+    <p:spTree>
+      <p:nvGrpSpPr>
+        <p:cNvPr id="1" name=""/>
+        <p:cNvGrpSpPr/>
+        <p:nvPr/>
+      </p:nvGrpSpPr>
+      <p:grpSpPr>
+        <a:xfrm>
+          <a:off x="0" y="0"/>
+          <a:ext cx="0" cy="0"/>
+          <a:chOff x="0" y="0"/>
+          <a:chExt cx="0" cy="0"/>
+        </a:xfrm>
+      </p:grpSpPr>
+      <p:sp>
+        <p:nvSpPr>
+          <p:cNvPr id="2" name="Segnaposto testo 1">
+            <a:extLst>
+              <a:ext uri="{FF2B5EF4-FFF2-40B4-BE49-F238E27FC236}">
+                <a16:creationId xmlns:a16="http://schemas.microsoft.com/office/drawing/2014/main" id="{E5AE986C-196F-4141-A898-FA4C4198CDCC}"/>
+              </a:ext>
+            </a:extLst>
+          </p:cNvPr>
+          <p:cNvSpPr>
+            <a:spLocks noGrp="1"/>
+          </p:cNvSpPr>
+          <p:nvPr>
+            <p:ph type="body" idx="1"/>
+          </p:nvPr>
+        </p:nvSpPr>
+        <p:spPr>
+          <a:xfrm>
+            <a:off x="721777" y="1401434"/>
+            <a:ext cx="7488158" cy="4392612"/>
+          </a:xfrm>
+        </p:spPr>
+        <p:txBody>
+          <a:bodyPr/>
+          <a:lstStyle/>
+          <a:p>
+            <a:pPr marL="342900" indent="-342900">
+              <a:buFont typeface="Arial" panose="020B0604020202020204" pitchFamily="34" charset="0"/>
+              <a:buChar char="•"/>
+            </a:pPr>
+            <a:r>
+              <a:rPr lang="it-IT" sz="2400" b="1" dirty="0" smtClean="0">
+                <a:solidFill>
+                  <a:schemeClr val="tx1"/>
+                </a:solidFill>
+                <a:latin typeface="Tahoma" panose="020B0604030504040204" pitchFamily="34" charset="0"/>
+                <a:ea typeface="Tahoma" panose="020B0604030504040204" pitchFamily="34" charset="0"/>
+                <a:cs typeface="Tahoma" panose="020B0604030504040204" pitchFamily="34" charset="0"/>
+              </a:rPr>
+              <a:t>ISAC</a:t>
+            </a:r>
+            <a:r>
+              <a:rPr lang="it-IT" sz="2400" dirty="0" smtClean="0">
+                <a:solidFill>
+                  <a:schemeClr val="tx1"/>
+                </a:solidFill>
+                <a:latin typeface="Tahoma" panose="020B0604030504040204" pitchFamily="34" charset="0"/>
+                <a:ea typeface="Tahoma" panose="020B0604030504040204" pitchFamily="34" charset="0"/>
+                <a:cs typeface="Tahoma" panose="020B0604030504040204" pitchFamily="34" charset="0"/>
+              </a:rPr>
+              <a:t> </a:t>
+            </a:r>
+            <a:r>
+              <a:rPr lang="it-IT" sz="2400" dirty="0">
+                <a:solidFill>
+                  <a:schemeClr val="tx1"/>
+                </a:solidFill>
+                <a:latin typeface="Tahoma" panose="020B0604030504040204" pitchFamily="34" charset="0"/>
+                <a:ea typeface="Tahoma" panose="020B0604030504040204" pitchFamily="34" charset="0"/>
+                <a:cs typeface="Tahoma" panose="020B0604030504040204" pitchFamily="34" charset="0"/>
+              </a:rPr>
+              <a:t>(Information </a:t>
+            </a:r>
+            <a:r>
+              <a:rPr lang="it-IT" sz="2400" dirty="0" err="1">
+                <a:solidFill>
+                  <a:schemeClr val="tx1"/>
+                </a:solidFill>
+                <a:latin typeface="Tahoma" panose="020B0604030504040204" pitchFamily="34" charset="0"/>
+                <a:ea typeface="Tahoma" panose="020B0604030504040204" pitchFamily="34" charset="0"/>
+                <a:cs typeface="Tahoma" panose="020B0604030504040204" pitchFamily="34" charset="0"/>
+              </a:rPr>
+              <a:t>Sharing</a:t>
+            </a:r>
+            <a:r>
+              <a:rPr lang="it-IT" sz="2400" dirty="0">
+                <a:solidFill>
+                  <a:schemeClr val="tx1"/>
+                </a:solidFill>
+                <a:latin typeface="Tahoma" panose="020B0604030504040204" pitchFamily="34" charset="0"/>
+                <a:ea typeface="Tahoma" panose="020B0604030504040204" pitchFamily="34" charset="0"/>
+                <a:cs typeface="Tahoma" panose="020B0604030504040204" pitchFamily="34" charset="0"/>
+              </a:rPr>
+              <a:t> and Analysis Center): Un </a:t>
+            </a:r>
+            <a:r>
+              <a:rPr lang="it-IT" sz="2400" b="1" dirty="0">
+                <a:solidFill>
+                  <a:schemeClr val="tx1"/>
+                </a:solidFill>
+                <a:latin typeface="Tahoma" panose="020B0604030504040204" pitchFamily="34" charset="0"/>
+                <a:ea typeface="Tahoma" panose="020B0604030504040204" pitchFamily="34" charset="0"/>
+                <a:cs typeface="Tahoma" panose="020B0604030504040204" pitchFamily="34" charset="0"/>
+              </a:rPr>
+              <a:t>ISAC</a:t>
+            </a:r>
+            <a:r>
+              <a:rPr lang="it-IT" sz="2400" dirty="0">
+                <a:solidFill>
+                  <a:schemeClr val="tx1"/>
+                </a:solidFill>
+                <a:latin typeface="Tahoma" panose="020B0604030504040204" pitchFamily="34" charset="0"/>
+                <a:ea typeface="Tahoma" panose="020B0604030504040204" pitchFamily="34" charset="0"/>
+                <a:cs typeface="Tahoma" panose="020B0604030504040204" pitchFamily="34" charset="0"/>
+              </a:rPr>
+              <a:t> è un'organizzazione che facilita lo scambio di informazioni sulla sicurezza informatica tra diverse entità, come organizzazioni governative, aziende, organizzazioni non profit e fornitori di servizi. L'obiettivo principale di un </a:t>
+            </a:r>
+            <a:r>
+              <a:rPr lang="it-IT" sz="2400" b="1" dirty="0">
+                <a:solidFill>
+                  <a:schemeClr val="tx1"/>
+                </a:solidFill>
+                <a:latin typeface="Tahoma" panose="020B0604030504040204" pitchFamily="34" charset="0"/>
+                <a:ea typeface="Tahoma" panose="020B0604030504040204" pitchFamily="34" charset="0"/>
+                <a:cs typeface="Tahoma" panose="020B0604030504040204" pitchFamily="34" charset="0"/>
+              </a:rPr>
+              <a:t>ISAC</a:t>
+            </a:r>
+            <a:r>
+              <a:rPr lang="it-IT" sz="2400" dirty="0">
+                <a:solidFill>
+                  <a:schemeClr val="tx1"/>
+                </a:solidFill>
+                <a:latin typeface="Tahoma" panose="020B0604030504040204" pitchFamily="34" charset="0"/>
+                <a:ea typeface="Tahoma" panose="020B0604030504040204" pitchFamily="34" charset="0"/>
+                <a:cs typeface="Tahoma" panose="020B0604030504040204" pitchFamily="34" charset="0"/>
+              </a:rPr>
+              <a:t> è promuovere la collaborazione e la condivisione di informazioni sulla minaccia cibernetica per migliorare la sicurezza complessiva. Gli ISAC raccolgono, analizzano e diffondono informazioni sulle minacce e sulle migliori pratiche di sicurezza informatica, consentendo alle organizzazioni aderenti di essere più consapevoli dei rischi e di prendere misure preventive appropriate</a:t>
+            </a:r>
+            <a:r>
+              <a:rPr lang="it-IT" sz="2400" dirty="0"/>
+              <a:t>.</a:t>
+            </a:r>
+            <a:endParaRPr lang="it-IT" sz="2400" dirty="0">
+              <a:solidFill>
+                <a:schemeClr val="tx1"/>
+              </a:solidFill>
+              <a:latin typeface="Tahoma" panose="020B0604030504040204" pitchFamily="34" charset="0"/>
+              <a:ea typeface="Tahoma" panose="020B0604030504040204" pitchFamily="34" charset="0"/>
+              <a:cs typeface="Tahoma" panose="020B0604030504040204" pitchFamily="34" charset="0"/>
+            </a:endParaRPr>
+          </a:p>
+        </p:txBody>
+      </p:sp>
+      <p:sp>
+        <p:nvSpPr>
+          <p:cNvPr id="7" name="Segnaposto numero diapositiva 6">
+            <a:extLst>
+              <a:ext uri="{FF2B5EF4-FFF2-40B4-BE49-F238E27FC236}">
+                <a16:creationId xmlns:a16="http://schemas.microsoft.com/office/drawing/2014/main" id="{AB740BE9-E218-4144-BFDE-AE473D230A3D}"/>
+              </a:ext>
+            </a:extLst>
+          </p:cNvPr>
+          <p:cNvSpPr>
+            <a:spLocks noGrp="1"/>
+          </p:cNvSpPr>
+          <p:nvPr>
+            <p:ph type="sldNum" sz="quarter" idx="12"/>
+          </p:nvPr>
+        </p:nvSpPr>
+        <p:spPr/>
+        <p:txBody>
+          <a:bodyPr/>
+          <a:lstStyle/>
+          <a:p>
+            <a:pPr>
+              <a:defRPr/>
+            </a:pPr>
+            <a:fld id="{48B4153A-D4C5-4CEF-8992-0D8815C829E3}" type="slidenum">
+              <a:rPr lang="en-US" smtClean="0"/>
+              <a:pPr>
+                <a:defRPr/>
+              </a:pPr>
+              <a:t>35</a:t>
+            </a:fld>
+            <a:endParaRPr lang="en-US" dirty="0"/>
+          </a:p>
+        </p:txBody>
+      </p:sp>
+      <p:sp>
+        <p:nvSpPr>
+          <p:cNvPr id="5" name="Titolo 4">
+            <a:extLst>
+              <a:ext uri="{FF2B5EF4-FFF2-40B4-BE49-F238E27FC236}">
+                <a16:creationId xmlns:a16="http://schemas.microsoft.com/office/drawing/2014/main" id="{82C46BA2-B380-4357-B125-BA9F08A643F5}"/>
+              </a:ext>
+            </a:extLst>
+          </p:cNvPr>
+          <p:cNvSpPr>
+            <a:spLocks noGrp="1"/>
+          </p:cNvSpPr>
+          <p:nvPr>
+            <p:ph type="title"/>
+          </p:nvPr>
+        </p:nvSpPr>
+        <p:spPr>
+          <a:xfrm>
+            <a:off x="468895" y="503475"/>
+            <a:ext cx="11269308" cy="384721"/>
+          </a:xfrm>
+        </p:spPr>
+        <p:txBody>
+          <a:bodyPr/>
+          <a:lstStyle/>
+          <a:p>
+            <a:r>
+              <a:rPr lang="it-IT" dirty="0" smtClean="0"/>
+              <a:t>Funzioni </a:t>
+            </a:r>
+            <a:r>
+              <a:rPr lang="it-IT" dirty="0"/>
+              <a:t>di CSIRT, SOC e ISAC</a:t>
+            </a:r>
+          </a:p>
+        </p:txBody>
+      </p:sp>
+      <p:pic>
+        <p:nvPicPr>
+          <p:cNvPr id="3" name="Immagine 2"/>
+          <p:cNvPicPr>
+            <a:picLocks noChangeAspect="1"/>
+          </p:cNvPicPr>
+          <p:nvPr/>
+        </p:nvPicPr>
+        <p:blipFill>
+          <a:blip r:embed="rId2">
+            <a:extLst>
+              <a:ext uri="{28A0092B-C50C-407E-A947-70E740481C1C}">
+                <a14:useLocalDpi xmlns:a14="http://schemas.microsoft.com/office/drawing/2010/main" val="0"/>
+              </a:ext>
+            </a:extLst>
+          </a:blip>
+          <a:stretch>
+            <a:fillRect/>
+          </a:stretch>
+        </p:blipFill>
+        <p:spPr>
+          <a:xfrm>
+            <a:off x="8387070" y="2229617"/>
+            <a:ext cx="3423931" cy="3423931"/>
+          </a:xfrm>
+          <a:prstGeom prst="rect">
+            <a:avLst/>
+          </a:prstGeom>
+        </p:spPr>
+      </p:pic>
+    </p:spTree>
+    <p:extLst>
+      <p:ext uri="{BB962C8B-B14F-4D97-AF65-F5344CB8AC3E}">
+        <p14:creationId xmlns:p14="http://schemas.microsoft.com/office/powerpoint/2010/main" val="383873187"/>
+      </p:ext>
+    </p:extLst>
+  </p:cSld>
+  <p:clrMapOvr>
+    <a:masterClrMapping/>
+  </p:clrMapOvr>
+</p:sld>
+</file>
+
+<file path=ppt/slides/slide36.xml><?xml version="1.0" encoding="utf-8"?>
+<p:sld xmlns:a="http://schemas.openxmlformats.org/drawingml/2006/main" xmlns:r="http://schemas.openxmlformats.org/officeDocument/2006/relationships" xmlns:p="http://schemas.openxmlformats.org/presentationml/2006/main">
+  <p:cSld>
+    <p:spTree>
+      <p:nvGrpSpPr>
+        <p:cNvPr id="1" name=""/>
+        <p:cNvGrpSpPr/>
+        <p:nvPr/>
+      </p:nvGrpSpPr>
+      <p:grpSpPr>
+        <a:xfrm>
+          <a:off x="0" y="0"/>
+          <a:ext cx="0" cy="0"/>
+          <a:chOff x="0" y="0"/>
+          <a:chExt cx="0" cy="0"/>
+        </a:xfrm>
+      </p:grpSpPr>
+      <p:sp>
+        <p:nvSpPr>
+          <p:cNvPr id="2" name="Segnaposto testo 1">
+            <a:extLst>
+              <a:ext uri="{FF2B5EF4-FFF2-40B4-BE49-F238E27FC236}">
+                <a16:creationId xmlns:a16="http://schemas.microsoft.com/office/drawing/2014/main" id="{E5AE986C-196F-4141-A898-FA4C4198CDCC}"/>
+              </a:ext>
+            </a:extLst>
+          </p:cNvPr>
+          <p:cNvSpPr>
+            <a:spLocks noGrp="1"/>
+          </p:cNvSpPr>
+          <p:nvPr>
+            <p:ph type="body" idx="1"/>
+          </p:nvPr>
+        </p:nvSpPr>
+        <p:spPr>
+          <a:xfrm>
+            <a:off x="721777" y="1401434"/>
+            <a:ext cx="4695797" cy="4392612"/>
+          </a:xfrm>
+        </p:spPr>
+        <p:txBody>
+          <a:bodyPr/>
+          <a:lstStyle/>
+          <a:p>
+            <a:pPr marL="342900" indent="-342900">
+              <a:buFont typeface="Arial" panose="020B0604020202020204" pitchFamily="34" charset="0"/>
+              <a:buChar char="•"/>
+            </a:pPr>
+            <a:r>
+              <a:rPr lang="it-IT" sz="2400" dirty="0" smtClean="0">
+                <a:solidFill>
+                  <a:schemeClr val="tx1"/>
+                </a:solidFill>
+                <a:latin typeface="Tahoma" panose="020B0604030504040204" pitchFamily="34" charset="0"/>
+                <a:ea typeface="Tahoma" panose="020B0604030504040204" pitchFamily="34" charset="0"/>
+                <a:cs typeface="Tahoma" panose="020B0604030504040204" pitchFamily="34" charset="0"/>
+              </a:rPr>
+              <a:t>In </a:t>
+            </a:r>
+            <a:r>
+              <a:rPr lang="it-IT" sz="2400" dirty="0">
+                <a:solidFill>
+                  <a:schemeClr val="tx1"/>
+                </a:solidFill>
+                <a:latin typeface="Tahoma" panose="020B0604030504040204" pitchFamily="34" charset="0"/>
+                <a:ea typeface="Tahoma" panose="020B0604030504040204" pitchFamily="34" charset="0"/>
+                <a:cs typeface="Tahoma" panose="020B0604030504040204" pitchFamily="34" charset="0"/>
+              </a:rPr>
+              <a:t>sintesi, </a:t>
+            </a:r>
+            <a:r>
+              <a:rPr lang="it-IT" sz="2400" b="1" dirty="0">
+                <a:solidFill>
+                  <a:schemeClr val="tx1"/>
+                </a:solidFill>
+                <a:latin typeface="Tahoma" panose="020B0604030504040204" pitchFamily="34" charset="0"/>
+                <a:ea typeface="Tahoma" panose="020B0604030504040204" pitchFamily="34" charset="0"/>
+                <a:cs typeface="Tahoma" panose="020B0604030504040204" pitchFamily="34" charset="0"/>
+              </a:rPr>
+              <a:t>CSIRT</a:t>
+            </a:r>
+            <a:r>
+              <a:rPr lang="it-IT" sz="2400" dirty="0">
+                <a:solidFill>
+                  <a:schemeClr val="tx1"/>
+                </a:solidFill>
+                <a:latin typeface="Tahoma" panose="020B0604030504040204" pitchFamily="34" charset="0"/>
+                <a:ea typeface="Tahoma" panose="020B0604030504040204" pitchFamily="34" charset="0"/>
+                <a:cs typeface="Tahoma" panose="020B0604030504040204" pitchFamily="34" charset="0"/>
+              </a:rPr>
+              <a:t>, </a:t>
+            </a:r>
+            <a:r>
+              <a:rPr lang="it-IT" sz="2400" b="1" dirty="0">
+                <a:solidFill>
+                  <a:schemeClr val="tx1"/>
+                </a:solidFill>
+                <a:latin typeface="Tahoma" panose="020B0604030504040204" pitchFamily="34" charset="0"/>
+                <a:ea typeface="Tahoma" panose="020B0604030504040204" pitchFamily="34" charset="0"/>
+                <a:cs typeface="Tahoma" panose="020B0604030504040204" pitchFamily="34" charset="0"/>
+              </a:rPr>
+              <a:t>SOC</a:t>
+            </a:r>
+            <a:r>
+              <a:rPr lang="it-IT" sz="2400" dirty="0">
+                <a:solidFill>
+                  <a:schemeClr val="tx1"/>
+                </a:solidFill>
+                <a:latin typeface="Tahoma" panose="020B0604030504040204" pitchFamily="34" charset="0"/>
+                <a:ea typeface="Tahoma" panose="020B0604030504040204" pitchFamily="34" charset="0"/>
+                <a:cs typeface="Tahoma" panose="020B0604030504040204" pitchFamily="34" charset="0"/>
+              </a:rPr>
+              <a:t> e </a:t>
+            </a:r>
+            <a:r>
+              <a:rPr lang="it-IT" sz="2400" b="1" dirty="0">
+                <a:solidFill>
+                  <a:schemeClr val="tx1"/>
+                </a:solidFill>
+                <a:latin typeface="Tahoma" panose="020B0604030504040204" pitchFamily="34" charset="0"/>
+                <a:ea typeface="Tahoma" panose="020B0604030504040204" pitchFamily="34" charset="0"/>
+                <a:cs typeface="Tahoma" panose="020B0604030504040204" pitchFamily="34" charset="0"/>
+              </a:rPr>
+              <a:t>ISAC</a:t>
+            </a:r>
+            <a:r>
+              <a:rPr lang="it-IT" sz="2400" dirty="0">
+                <a:solidFill>
+                  <a:schemeClr val="tx1"/>
+                </a:solidFill>
+                <a:latin typeface="Tahoma" panose="020B0604030504040204" pitchFamily="34" charset="0"/>
+                <a:ea typeface="Tahoma" panose="020B0604030504040204" pitchFamily="34" charset="0"/>
+                <a:cs typeface="Tahoma" panose="020B0604030504040204" pitchFamily="34" charset="0"/>
+              </a:rPr>
+              <a:t> rappresentano tre aspetti complementari della sicurezza informatica: il </a:t>
+            </a:r>
+            <a:r>
+              <a:rPr lang="it-IT" sz="2400" b="1" dirty="0">
+                <a:solidFill>
+                  <a:schemeClr val="tx1"/>
+                </a:solidFill>
+                <a:latin typeface="Tahoma" panose="020B0604030504040204" pitchFamily="34" charset="0"/>
+                <a:ea typeface="Tahoma" panose="020B0604030504040204" pitchFamily="34" charset="0"/>
+                <a:cs typeface="Tahoma" panose="020B0604030504040204" pitchFamily="34" charset="0"/>
+              </a:rPr>
+              <a:t>CSIRT</a:t>
+            </a:r>
+            <a:r>
+              <a:rPr lang="it-IT" sz="2400" dirty="0">
+                <a:solidFill>
+                  <a:schemeClr val="tx1"/>
+                </a:solidFill>
+                <a:latin typeface="Tahoma" panose="020B0604030504040204" pitchFamily="34" charset="0"/>
+                <a:ea typeface="Tahoma" panose="020B0604030504040204" pitchFamily="34" charset="0"/>
+                <a:cs typeface="Tahoma" panose="020B0604030504040204" pitchFamily="34" charset="0"/>
+              </a:rPr>
+              <a:t> gestisce gli incidenti di sicurezza, il </a:t>
+            </a:r>
+            <a:r>
+              <a:rPr lang="it-IT" sz="2400" b="1" dirty="0">
+                <a:solidFill>
+                  <a:schemeClr val="tx1"/>
+                </a:solidFill>
+                <a:latin typeface="Tahoma" panose="020B0604030504040204" pitchFamily="34" charset="0"/>
+                <a:ea typeface="Tahoma" panose="020B0604030504040204" pitchFamily="34" charset="0"/>
+                <a:cs typeface="Tahoma" panose="020B0604030504040204" pitchFamily="34" charset="0"/>
+              </a:rPr>
+              <a:t>SOC</a:t>
+            </a:r>
+            <a:r>
+              <a:rPr lang="it-IT" sz="2400" dirty="0">
+                <a:solidFill>
+                  <a:schemeClr val="tx1"/>
+                </a:solidFill>
+                <a:latin typeface="Tahoma" panose="020B0604030504040204" pitchFamily="34" charset="0"/>
+                <a:ea typeface="Tahoma" panose="020B0604030504040204" pitchFamily="34" charset="0"/>
+                <a:cs typeface="Tahoma" panose="020B0604030504040204" pitchFamily="34" charset="0"/>
+              </a:rPr>
+              <a:t> monitora e analizza gli eventi di sicurezza in tempo reale, mentre gli </a:t>
+            </a:r>
+            <a:r>
+              <a:rPr lang="it-IT" sz="2400" b="1" dirty="0">
+                <a:solidFill>
+                  <a:schemeClr val="tx1"/>
+                </a:solidFill>
+                <a:latin typeface="Tahoma" panose="020B0604030504040204" pitchFamily="34" charset="0"/>
+                <a:ea typeface="Tahoma" panose="020B0604030504040204" pitchFamily="34" charset="0"/>
+                <a:cs typeface="Tahoma" panose="020B0604030504040204" pitchFamily="34" charset="0"/>
+              </a:rPr>
+              <a:t>ISAC</a:t>
+            </a:r>
+            <a:r>
+              <a:rPr lang="it-IT" sz="2400" dirty="0">
+                <a:solidFill>
+                  <a:schemeClr val="tx1"/>
+                </a:solidFill>
+                <a:latin typeface="Tahoma" panose="020B0604030504040204" pitchFamily="34" charset="0"/>
+                <a:ea typeface="Tahoma" panose="020B0604030504040204" pitchFamily="34" charset="0"/>
+                <a:cs typeface="Tahoma" panose="020B0604030504040204" pitchFamily="34" charset="0"/>
+              </a:rPr>
+              <a:t> favoriscono la condivisione delle informazioni sulla minaccia tra le organizzazioni.</a:t>
+            </a:r>
+          </a:p>
+        </p:txBody>
+      </p:sp>
+      <p:sp>
+        <p:nvSpPr>
+          <p:cNvPr id="7" name="Segnaposto numero diapositiva 6">
+            <a:extLst>
+              <a:ext uri="{FF2B5EF4-FFF2-40B4-BE49-F238E27FC236}">
+                <a16:creationId xmlns:a16="http://schemas.microsoft.com/office/drawing/2014/main" id="{AB740BE9-E218-4144-BFDE-AE473D230A3D}"/>
+              </a:ext>
+            </a:extLst>
+          </p:cNvPr>
+          <p:cNvSpPr>
+            <a:spLocks noGrp="1"/>
+          </p:cNvSpPr>
+          <p:nvPr>
+            <p:ph type="sldNum" sz="quarter" idx="12"/>
+          </p:nvPr>
+        </p:nvSpPr>
+        <p:spPr/>
+        <p:txBody>
+          <a:bodyPr/>
+          <a:lstStyle/>
+          <a:p>
+            <a:pPr>
+              <a:defRPr/>
+            </a:pPr>
+            <a:fld id="{48B4153A-D4C5-4CEF-8992-0D8815C829E3}" type="slidenum">
+              <a:rPr lang="en-US" smtClean="0"/>
+              <a:pPr>
+                <a:defRPr/>
+              </a:pPr>
+              <a:t>36</a:t>
+            </a:fld>
+            <a:endParaRPr lang="en-US" dirty="0"/>
+          </a:p>
+        </p:txBody>
+      </p:sp>
+      <p:sp>
+        <p:nvSpPr>
+          <p:cNvPr id="5" name="Titolo 4">
+            <a:extLst>
+              <a:ext uri="{FF2B5EF4-FFF2-40B4-BE49-F238E27FC236}">
+                <a16:creationId xmlns:a16="http://schemas.microsoft.com/office/drawing/2014/main" id="{82C46BA2-B380-4357-B125-BA9F08A643F5}"/>
+              </a:ext>
+            </a:extLst>
+          </p:cNvPr>
+          <p:cNvSpPr>
+            <a:spLocks noGrp="1"/>
+          </p:cNvSpPr>
+          <p:nvPr>
+            <p:ph type="title"/>
+          </p:nvPr>
+        </p:nvSpPr>
+        <p:spPr>
+          <a:xfrm>
+            <a:off x="468895" y="503475"/>
+            <a:ext cx="11269308" cy="384721"/>
+          </a:xfrm>
+        </p:spPr>
+        <p:txBody>
+          <a:bodyPr/>
+          <a:lstStyle/>
+          <a:p>
+            <a:r>
+              <a:rPr lang="it-IT" dirty="0" smtClean="0"/>
+              <a:t>Funzioni </a:t>
+            </a:r>
+            <a:r>
+              <a:rPr lang="it-IT" dirty="0"/>
+              <a:t>di CSIRT, SOC e ISAC</a:t>
+            </a:r>
+          </a:p>
+        </p:txBody>
+      </p:sp>
+      <p:pic>
+        <p:nvPicPr>
+          <p:cNvPr id="4" name="Immagine 3"/>
+          <p:cNvPicPr>
+            <a:picLocks noChangeAspect="1"/>
+          </p:cNvPicPr>
+          <p:nvPr/>
+        </p:nvPicPr>
+        <p:blipFill>
+          <a:blip r:embed="rId2">
+            <a:extLst>
+              <a:ext uri="{28A0092B-C50C-407E-A947-70E740481C1C}">
+                <a14:useLocalDpi xmlns:a14="http://schemas.microsoft.com/office/drawing/2010/main" val="0"/>
+              </a:ext>
+            </a:extLst>
+          </a:blip>
+          <a:stretch>
+            <a:fillRect/>
+          </a:stretch>
+        </p:blipFill>
+        <p:spPr>
+          <a:xfrm>
+            <a:off x="5781368" y="1308304"/>
+            <a:ext cx="6192018" cy="5184015"/>
+          </a:xfrm>
+          <a:prstGeom prst="rect">
+            <a:avLst/>
+          </a:prstGeom>
+        </p:spPr>
+      </p:pic>
+    </p:spTree>
+    <p:extLst>
+      <p:ext uri="{BB962C8B-B14F-4D97-AF65-F5344CB8AC3E}">
+        <p14:creationId xmlns:p14="http://schemas.microsoft.com/office/powerpoint/2010/main" val="538899849"/>
+      </p:ext>
+    </p:extLst>
+  </p:cSld>
+  <p:clrMapOvr>
+    <a:masterClrMapping/>
+  </p:clrMapOvr>
+</p:sld>
+</file>
+
+<file path=ppt/slides/slide37.xml><?xml version="1.0" encoding="utf-8"?>
+<p:sld xmlns:a="http://schemas.openxmlformats.org/drawingml/2006/main" xmlns:r="http://schemas.openxmlformats.org/officeDocument/2006/relationships" xmlns:p="http://schemas.openxmlformats.org/presentationml/2006/main">
+  <p:cSld>
+    <p:spTree>
+      <p:nvGrpSpPr>
+        <p:cNvPr id="1" name=""/>
+        <p:cNvGrpSpPr/>
+        <p:nvPr/>
+      </p:nvGrpSpPr>
+      <p:grpSpPr>
+        <a:xfrm>
+          <a:off x="0" y="0"/>
+          <a:ext cx="0" cy="0"/>
+          <a:chOff x="0" y="0"/>
+          <a:chExt cx="0" cy="0"/>
+        </a:xfrm>
+      </p:grpSpPr>
+      <p:sp>
+        <p:nvSpPr>
+          <p:cNvPr id="7" name="Segnaposto numero diapositiva 6">
+            <a:extLst>
+              <a:ext uri="{FF2B5EF4-FFF2-40B4-BE49-F238E27FC236}">
+                <a16:creationId xmlns:a16="http://schemas.microsoft.com/office/drawing/2014/main" id="{AB740BE9-E218-4144-BFDE-AE473D230A3D}"/>
+              </a:ext>
+            </a:extLst>
+          </p:cNvPr>
+          <p:cNvSpPr>
+            <a:spLocks noGrp="1"/>
+          </p:cNvSpPr>
+          <p:nvPr>
+            <p:ph type="sldNum" sz="quarter" idx="12"/>
+          </p:nvPr>
+        </p:nvSpPr>
+        <p:spPr/>
+        <p:txBody>
+          <a:bodyPr/>
+          <a:lstStyle/>
+          <a:p>
+            <a:pPr>
+              <a:defRPr/>
+            </a:pPr>
+            <a:fld id="{48B4153A-D4C5-4CEF-8992-0D8815C829E3}" type="slidenum">
+              <a:rPr lang="en-US" smtClean="0"/>
+              <a:pPr>
+                <a:defRPr/>
+              </a:pPr>
+              <a:t>37</a:t>
             </a:fld>
             <a:endParaRPr lang="en-US" dirty="0"/>
           </a:p>
@@ -16520,15 +18262,6 @@
 </file>
 
 <file path=customXml/item1.xml><?xml version="1.0" encoding="utf-8"?>
-<?mso-contentType ?>
-<FormTemplates xmlns="http://schemas.microsoft.com/sharepoint/v3/contenttype/forms">
-  <Display>DocumentLibraryForm</Display>
-  <Edit>DocumentLibraryForm</Edit>
-  <New>DocumentLibraryForm</New>
-</FormTemplates>
-</file>
-
-<file path=customXml/item2.xml><?xml version="1.0" encoding="utf-8"?>
 <p:properties xmlns:p="http://schemas.microsoft.com/office/2006/metadata/properties" xmlns:xsi="http://www.w3.org/2001/XMLSchema-instance" xmlns:pc="http://schemas.microsoft.com/office/infopath/2007/PartnerControls">
   <documentManagement>
     <SottoCategoria xmlns="679261c3-551f-4e86-913f-177e0e529669">-</SottoCategoria>
@@ -16542,7 +18275,66 @@
 </p:properties>
 </file>
 
+<file path=customXml/item2.xml><?xml version="1.0" encoding="utf-8"?>
+<?mso-contentType ?>
+<FormTemplates xmlns="http://schemas.microsoft.com/sharepoint/v3/contenttype/forms">
+  <Display>DocumentLibraryForm</Display>
+  <Edit>DocumentLibraryForm</Edit>
+  <New>DocumentLibraryForm</New>
+</FormTemplates>
+</file>
+
 <file path=customXml/item3.xml><?xml version="1.0" encoding="utf-8"?>
+<?mso-contentType ?>
+<spe:Receivers xmlns:spe="http://schemas.microsoft.com/sharepoint/events">
+  <Receiver>
+    <Name>Document ID Generator</Name>
+    <Synchronization>Synchronous</Synchronization>
+    <Type>10001</Type>
+    <SequenceNumber>1000</SequenceNumber>
+    <Url/>
+    <Assembly>Microsoft.Office.DocumentManagement, Version=15.0.0.0, Culture=neutral, PublicKeyToken=71e9bce111e9429c</Assembly>
+    <Class>Microsoft.Office.DocumentManagement.Internal.DocIdHandler</Class>
+    <Data/>
+    <Filter/>
+  </Receiver>
+  <Receiver>
+    <Name>Document ID Generator</Name>
+    <Synchronization>Synchronous</Synchronization>
+    <Type>10002</Type>
+    <SequenceNumber>1001</SequenceNumber>
+    <Url/>
+    <Assembly>Microsoft.Office.DocumentManagement, Version=15.0.0.0, Culture=neutral, PublicKeyToken=71e9bce111e9429c</Assembly>
+    <Class>Microsoft.Office.DocumentManagement.Internal.DocIdHandler</Class>
+    <Data/>
+    <Filter/>
+  </Receiver>
+  <Receiver>
+    <Name>Document ID Generator</Name>
+    <Synchronization>Synchronous</Synchronization>
+    <Type>10004</Type>
+    <SequenceNumber>1002</SequenceNumber>
+    <Url/>
+    <Assembly>Microsoft.Office.DocumentManagement, Version=15.0.0.0, Culture=neutral, PublicKeyToken=71e9bce111e9429c</Assembly>
+    <Class>Microsoft.Office.DocumentManagement.Internal.DocIdHandler</Class>
+    <Data/>
+    <Filter/>
+  </Receiver>
+  <Receiver>
+    <Name>Document ID Generator</Name>
+    <Synchronization>Synchronous</Synchronization>
+    <Type>10006</Type>
+    <SequenceNumber>1003</SequenceNumber>
+    <Url/>
+    <Assembly>Microsoft.Office.DocumentManagement, Version=15.0.0.0, Culture=neutral, PublicKeyToken=71e9bce111e9429c</Assembly>
+    <Class>Microsoft.Office.DocumentManagement.Internal.DocIdHandler</Class>
+    <Data/>
+    <Filter/>
+  </Receiver>
+</spe:Receivers>
+</file>
+
+<file path=customXml/item4.xml><?xml version="1.0" encoding="utf-8"?>
 <ct:contentTypeSchema xmlns:ct="http://schemas.microsoft.com/office/2006/metadata/contentType" xmlns:ma="http://schemas.microsoft.com/office/2006/metadata/properties/metaAttributes" ct:_="" ma:_="" ma:contentTypeName="Documento" ma:contentTypeID="0x010100661A2BE3120D674DA36C11D6006822D4" ma:contentTypeVersion="3" ma:contentTypeDescription="Creare un nuovo documento." ma:contentTypeScope="" ma:versionID="2ad8b07f9840a1ce9cd199d874146b74">
   <xsd:schema xmlns:xsd="http://www.w3.org/2001/XMLSchema" xmlns:xs="http://www.w3.org/2001/XMLSchema" xmlns:p="http://schemas.microsoft.com/office/2006/metadata/properties" xmlns:ns2="c58f2efd-82a8-4ecf-b395-8c25e928921d" xmlns:ns3="459159c4-d20a-4ff3-9b11-fbd127bd52e5" xmlns:ns4="679261c3-551f-4e86-913f-177e0e529669" targetNamespace="http://schemas.microsoft.com/office/2006/metadata/properties" ma:root="true" ma:fieldsID="fffb0e16fb90ffea59fef1085e90ecca" ns2:_="" ns3:_="" ns4:_="">
     <xsd:import namespace="c58f2efd-82a8-4ecf-b395-8c25e928921d"/>
@@ -16729,57 +18521,25 @@
 </ct:contentTypeSchema>
 </file>
 
-<file path=customXml/item4.xml><?xml version="1.0" encoding="utf-8"?>
-<?mso-contentType ?>
-<spe:Receivers xmlns:spe="http://schemas.microsoft.com/sharepoint/events">
-  <Receiver>
-    <Name>Document ID Generator</Name>
-    <Synchronization>Synchronous</Synchronization>
-    <Type>10001</Type>
-    <SequenceNumber>1000</SequenceNumber>
-    <Url/>
-    <Assembly>Microsoft.Office.DocumentManagement, Version=15.0.0.0, Culture=neutral, PublicKeyToken=71e9bce111e9429c</Assembly>
-    <Class>Microsoft.Office.DocumentManagement.Internal.DocIdHandler</Class>
-    <Data/>
-    <Filter/>
-  </Receiver>
-  <Receiver>
-    <Name>Document ID Generator</Name>
-    <Synchronization>Synchronous</Synchronization>
-    <Type>10002</Type>
-    <SequenceNumber>1001</SequenceNumber>
-    <Url/>
-    <Assembly>Microsoft.Office.DocumentManagement, Version=15.0.0.0, Culture=neutral, PublicKeyToken=71e9bce111e9429c</Assembly>
-    <Class>Microsoft.Office.DocumentManagement.Internal.DocIdHandler</Class>
-    <Data/>
-    <Filter/>
-  </Receiver>
-  <Receiver>
-    <Name>Document ID Generator</Name>
-    <Synchronization>Synchronous</Synchronization>
-    <Type>10004</Type>
-    <SequenceNumber>1002</SequenceNumber>
-    <Url/>
-    <Assembly>Microsoft.Office.DocumentManagement, Version=15.0.0.0, Culture=neutral, PublicKeyToken=71e9bce111e9429c</Assembly>
-    <Class>Microsoft.Office.DocumentManagement.Internal.DocIdHandler</Class>
-    <Data/>
-    <Filter/>
-  </Receiver>
-  <Receiver>
-    <Name>Document ID Generator</Name>
-    <Synchronization>Synchronous</Synchronization>
-    <Type>10006</Type>
-    <SequenceNumber>1003</SequenceNumber>
-    <Url/>
-    <Assembly>Microsoft.Office.DocumentManagement, Version=15.0.0.0, Culture=neutral, PublicKeyToken=71e9bce111e9429c</Assembly>
-    <Class>Microsoft.Office.DocumentManagement.Internal.DocIdHandler</Class>
-    <Data/>
-    <Filter/>
-  </Receiver>
-</spe:Receivers>
+<file path=customXml/itemProps1.xml><?xml version="1.0" encoding="utf-8"?>
+<ds:datastoreItem xmlns:ds="http://schemas.openxmlformats.org/officeDocument/2006/customXml" ds:itemID="{3EF378BC-F4D0-4510-B4EC-07B6EFE18CF8}">
+  <ds:schemaRefs>
+    <ds:schemaRef ds:uri="http://schemas.microsoft.com/office/2006/metadata/properties"/>
+    <ds:schemaRef ds:uri="http://purl.org/dc/terms/"/>
+    <ds:schemaRef ds:uri="http://schemas.microsoft.com/office/2006/documentManagement/types"/>
+    <ds:schemaRef ds:uri="679261c3-551f-4e86-913f-177e0e529669"/>
+    <ds:schemaRef ds:uri="http://schemas.openxmlformats.org/package/2006/metadata/core-properties"/>
+    <ds:schemaRef ds:uri="459159c4-d20a-4ff3-9b11-fbd127bd52e5"/>
+    <ds:schemaRef ds:uri="http://purl.org/dc/elements/1.1/"/>
+    <ds:schemaRef ds:uri="http://schemas.microsoft.com/office/infopath/2007/PartnerControls"/>
+    <ds:schemaRef ds:uri="c58f2efd-82a8-4ecf-b395-8c25e928921d"/>
+    <ds:schemaRef ds:uri="http://www.w3.org/XML/1998/namespace"/>
+    <ds:schemaRef ds:uri="http://purl.org/dc/dcmitype/"/>
+  </ds:schemaRefs>
+</ds:datastoreItem>
 </file>
 
-<file path=customXml/itemProps1.xml><?xml version="1.0" encoding="utf-8"?>
+<file path=customXml/itemProps2.xml><?xml version="1.0" encoding="utf-8"?>
 <ds:datastoreItem xmlns:ds="http://schemas.openxmlformats.org/officeDocument/2006/customXml" ds:itemID="{BD9C238D-4D5C-4783-820B-4854DCE45D41}">
   <ds:schemaRefs>
     <ds:schemaRef ds:uri="http://schemas.microsoft.com/sharepoint/v3/contenttype/forms"/>
@@ -16787,25 +18547,15 @@
 </ds:datastoreItem>
 </file>
 
-<file path=customXml/itemProps2.xml><?xml version="1.0" encoding="utf-8"?>
-<ds:datastoreItem xmlns:ds="http://schemas.openxmlformats.org/officeDocument/2006/customXml" ds:itemID="{3EF378BC-F4D0-4510-B4EC-07B6EFE18CF8}">
+<file path=customXml/itemProps3.xml><?xml version="1.0" encoding="utf-8"?>
+<ds:datastoreItem xmlns:ds="http://schemas.openxmlformats.org/officeDocument/2006/customXml" ds:itemID="{D9296C4F-9DE9-4B43-AA80-1FC85656CFFA}">
   <ds:schemaRefs>
-    <ds:schemaRef ds:uri="http://schemas.microsoft.com/office/infopath/2007/PartnerControls"/>
-    <ds:schemaRef ds:uri="http://schemas.microsoft.com/office/2006/metadata/properties"/>
-    <ds:schemaRef ds:uri="459159c4-d20a-4ff3-9b11-fbd127bd52e5"/>
-    <ds:schemaRef ds:uri="http://schemas.microsoft.com/office/2006/documentManagement/types"/>
-    <ds:schemaRef ds:uri="http://purl.org/dc/terms/"/>
-    <ds:schemaRef ds:uri="679261c3-551f-4e86-913f-177e0e529669"/>
-    <ds:schemaRef ds:uri="http://schemas.openxmlformats.org/package/2006/metadata/core-properties"/>
-    <ds:schemaRef ds:uri="http://purl.org/dc/elements/1.1/"/>
-    <ds:schemaRef ds:uri="c58f2efd-82a8-4ecf-b395-8c25e928921d"/>
-    <ds:schemaRef ds:uri="http://www.w3.org/XML/1998/namespace"/>
-    <ds:schemaRef ds:uri="http://purl.org/dc/dcmitype/"/>
+    <ds:schemaRef ds:uri="http://schemas.microsoft.com/sharepoint/events"/>
   </ds:schemaRefs>
 </ds:datastoreItem>
 </file>
 
-<file path=customXml/itemProps3.xml><?xml version="1.0" encoding="utf-8"?>
+<file path=customXml/itemProps4.xml><?xml version="1.0" encoding="utf-8"?>
 <ds:datastoreItem xmlns:ds="http://schemas.openxmlformats.org/officeDocument/2006/customXml" ds:itemID="{3F66F418-6054-4EA5-BF8E-6AF3CEAE6265}">
   <ds:schemaRefs>
     <ds:schemaRef ds:uri="http://schemas.microsoft.com/office/2006/metadata/contentType"/>
@@ -16823,12 +18573,4 @@
     <ds:schemaRef ds:uri="http://schemas.microsoft.com/internal/obd"/>
   </ds:schemaRefs>
 </ds:datastoreItem>
-</file>
-
-<file path=customXml/itemProps4.xml><?xml version="1.0" encoding="utf-8"?>
-<ds:datastoreItem xmlns:ds="http://schemas.openxmlformats.org/officeDocument/2006/customXml" ds:itemID="{D9296C4F-9DE9-4B43-AA80-1FC85656CFFA}">
-  <ds:schemaRefs>
-    <ds:schemaRef ds:uri="http://schemas.microsoft.com/sharepoint/events"/>
-  </ds:schemaRefs>
-</ds:datastoreItem>
 </file>